--- a/WORD/luanvan_nhanhnt_ver5.pptx
+++ b/WORD/luanvan_nhanhnt_ver5.pptx
@@ -7,7 +7,7 @@
     <p:sldMasterId id="2147483652" r:id="rId3"/>
   </p:sldMasterIdLst>
   <p:notesMasterIdLst>
-    <p:notesMasterId r:id="rId53"/>
+    <p:notesMasterId r:id="rId51"/>
   </p:notesMasterIdLst>
   <p:sldIdLst>
     <p:sldId id="256" r:id="rId4"/>
@@ -31,34 +31,32 @@
     <p:sldId id="286" r:id="rId22"/>
     <p:sldId id="287" r:id="rId23"/>
     <p:sldId id="327" r:id="rId24"/>
-    <p:sldId id="292" r:id="rId25"/>
-    <p:sldId id="293" r:id="rId26"/>
-    <p:sldId id="294" r:id="rId27"/>
-    <p:sldId id="297" r:id="rId28"/>
-    <p:sldId id="328" r:id="rId29"/>
-    <p:sldId id="306" r:id="rId30"/>
-    <p:sldId id="307" r:id="rId31"/>
-    <p:sldId id="308" r:id="rId32"/>
-    <p:sldId id="309" r:id="rId33"/>
-    <p:sldId id="311" r:id="rId34"/>
-    <p:sldId id="312" r:id="rId35"/>
-    <p:sldId id="321" r:id="rId36"/>
-    <p:sldId id="322" r:id="rId37"/>
-    <p:sldId id="329" r:id="rId38"/>
-    <p:sldId id="330" r:id="rId39"/>
-    <p:sldId id="331" r:id="rId40"/>
-    <p:sldId id="313" r:id="rId41"/>
-    <p:sldId id="314" r:id="rId42"/>
-    <p:sldId id="315" r:id="rId43"/>
-    <p:sldId id="316" r:id="rId44"/>
-    <p:sldId id="317" r:id="rId45"/>
-    <p:sldId id="318" r:id="rId46"/>
-    <p:sldId id="319" r:id="rId47"/>
-    <p:sldId id="320" r:id="rId48"/>
-    <p:sldId id="332" r:id="rId49"/>
-    <p:sldId id="333" r:id="rId50"/>
-    <p:sldId id="334" r:id="rId51"/>
-    <p:sldId id="335" r:id="rId52"/>
+    <p:sldId id="293" r:id="rId25"/>
+    <p:sldId id="294" r:id="rId26"/>
+    <p:sldId id="297" r:id="rId27"/>
+    <p:sldId id="328" r:id="rId28"/>
+    <p:sldId id="306" r:id="rId29"/>
+    <p:sldId id="307" r:id="rId30"/>
+    <p:sldId id="308" r:id="rId31"/>
+    <p:sldId id="311" r:id="rId32"/>
+    <p:sldId id="312" r:id="rId33"/>
+    <p:sldId id="321" r:id="rId34"/>
+    <p:sldId id="322" r:id="rId35"/>
+    <p:sldId id="329" r:id="rId36"/>
+    <p:sldId id="330" r:id="rId37"/>
+    <p:sldId id="331" r:id="rId38"/>
+    <p:sldId id="313" r:id="rId39"/>
+    <p:sldId id="314" r:id="rId40"/>
+    <p:sldId id="315" r:id="rId41"/>
+    <p:sldId id="316" r:id="rId42"/>
+    <p:sldId id="317" r:id="rId43"/>
+    <p:sldId id="318" r:id="rId44"/>
+    <p:sldId id="319" r:id="rId45"/>
+    <p:sldId id="320" r:id="rId46"/>
+    <p:sldId id="332" r:id="rId47"/>
+    <p:sldId id="333" r:id="rId48"/>
+    <p:sldId id="334" r:id="rId49"/>
+    <p:sldId id="335" r:id="rId50"/>
   </p:sldIdLst>
   <p:sldSz cx="12188825" cy="6858000"/>
   <p:notesSz cx="6858000" cy="9144000"/>
@@ -5807,23 +5805,7 @@
             <a:pPr lvl="2"/>
             <a:r>
               <a:rPr lang="en-US" dirty="0" smtClean="0"/>
-              <a:t>WSDL – Ngôn ngữ mô tả Web </a:t>
-            </a:r>
-            <a:r>
-              <a:rPr lang="en-US" dirty="0" smtClean="0"/>
-              <a:t>Services, </a:t>
-            </a:r>
-            <a:r>
-              <a:rPr lang="en-US" dirty="0" smtClean="0"/>
-              <a:t>là ngôn ngữ cho việc mô tả các giao diện Web </a:t>
-            </a:r>
-            <a:r>
-              <a:rPr lang="en-US" dirty="0" smtClean="0"/>
-              <a:t>Services </a:t>
-            </a:r>
-            <a:r>
-              <a:rPr lang="en-US" dirty="0" smtClean="0"/>
-              <a:t>dựa trên XML, bao gồm các thông tin</a:t>
+              <a:t>WSDL – Ngôn ngữ mô tả Web Services, là ngôn ngữ cho việc mô tả các giao diện Web Services dựa trên XML, bao gồm các thông tin</a:t>
             </a:r>
           </a:p>
           <a:p>
@@ -7754,13 +7736,8 @@
             <a:pPr lvl="2"/>
             <a:r>
               <a:rPr lang="en-US" sz="2800" dirty="0" smtClean="0"/>
-              <a:t>Kết nối </a:t>
-            </a:r>
-            <a:r>
-              <a:rPr lang="en-US" sz="2800" dirty="0" smtClean="0"/>
-              <a:t>lỏng</a:t>
-            </a:r>
-            <a:endParaRPr lang="en-US" sz="2800" dirty="0" smtClean="0"/>
+              <a:t>Kết nối lỏng</a:t>
+            </a:r>
           </a:p>
           <a:p>
             <a:pPr lvl="2"/>
@@ -8848,15 +8825,11 @@
             </a:pPr>
             <a:r>
               <a:rPr lang="en-US" sz="2800" dirty="0" smtClean="0"/>
-              <a:t>Kiến </a:t>
+              <a:t>Tóm </a:t>
             </a:r>
             <a:r>
               <a:rPr lang="en-US" sz="2800" dirty="0"/>
-              <a:t>trúc hướng dịch vụ (SOA) là một kiểu kiến trúc có khả năng tái sử dụng lại các tài nguyên sẵn có, khả năng mở rộng và liên kết tốt với các hệ thống mới để tạo nên một môi trường đồng nhất, nó bao gồm các dịch vụ nghiệp vụ độc lập, không đồng nhất được kết hợp với nhau trong quy trình nghiệp vụ linh hoạt mềm </a:t>
-            </a:r>
-            <a:r>
-              <a:rPr lang="en-US" sz="2800" dirty="0" smtClean="0"/>
-              <a:t>dẻo. </a:t>
+              <a:t>lại, công nghệ  Web service cùng với ngôn ngữ thi hành quy trình nghiệp vụ - BPEL đã hiện thực hóa kiến trúc hướng dịch vụ (SOA), cho phép kết hợp các dịch vụ đơn lẻ và các hệ thống ứng dụng thành một quy trình nghiệp vụ đầy đủ.</a:t>
             </a:r>
           </a:p>
           <a:p>
@@ -8910,12 +8883,8 @@
           <a:lstStyle/>
           <a:p>
             <a:r>
-              <a:rPr lang="en-US" dirty="0"/>
-              <a:t>T</a:t>
-            </a:r>
-            <a:r>
               <a:rPr lang="en-US" dirty="0" smtClean="0"/>
-              <a:t>ổng kết chương 1</a:t>
+              <a:t>Tiểu kết chương 1</a:t>
             </a:r>
             <a:endParaRPr lang="en-US" dirty="0"/>
           </a:p>
@@ -8924,7 +8893,7 @@
     </p:spTree>
     <p:extLst>
       <p:ext uri="{BB962C8B-B14F-4D97-AF65-F5344CB8AC3E}">
-        <p14:creationId xmlns:p14="http://schemas.microsoft.com/office/powerpoint/2010/main" val="424622559"/>
+        <p14:creationId xmlns:p14="http://schemas.microsoft.com/office/powerpoint/2010/main" val="3329713738"/>
       </p:ext>
     </p:extLst>
   </p:cSld>
@@ -9000,58 +8969,57 @@
         </p:spPr>
         <p:txBody>
           <a:bodyPr>
-            <a:normAutofit fontScale="92500" lnSpcReduction="20000"/>
+            <a:normAutofit lnSpcReduction="10000"/>
           </a:bodyPr>
           <a:lstStyle/>
           <a:p>
+            <a:pPr>
+              <a:lnSpc>
+                <a:spcPct val="200000"/>
+              </a:lnSpc>
+            </a:pPr>
+            <a:r>
+              <a:rPr lang="en-US" sz="2600" b="1" dirty="0" smtClean="0"/>
+              <a:t>Nền tảng Eclipse</a:t>
+            </a:r>
+          </a:p>
+          <a:p>
             <a:pPr lvl="2">
               <a:lnSpc>
-                <a:spcPct val="170000"/>
+                <a:spcPct val="200000"/>
               </a:lnSpc>
             </a:pPr>
             <a:r>
-              <a:rPr lang="en-US" sz="2800" dirty="0" smtClean="0"/>
-              <a:t>Và công nghệ web service là một lựa chọn lý tưởng để triển khai kiến trúc hướng dịch vụ bởi khả năng đáp ứng mềm dẻo và linh hoạt của nó. Cùng với ngôn ngữ thi hành quy trình nghiệp vụ (BPEL) để định nghĩa tiến trình, các dịch vụ ngoài và sử dụng các tác vụ, các phép toán logic để tạo thành một quy trình.</a:t>
+              <a:rPr lang="en-US" sz="2600" dirty="0" smtClean="0"/>
+              <a:t>Eclipse </a:t>
+            </a:r>
+            <a:r>
+              <a:rPr lang="en-US" sz="2600" dirty="0"/>
+              <a:t>là một nền tảng phát triển phần mềm mã nguồn mở, bao gồm một IDE (Intergrated Development Environment) và một hệ thống plug-in có khả năng mở rộng được</a:t>
+            </a:r>
+            <a:r>
+              <a:rPr lang="en-US" sz="2600" dirty="0" smtClean="0"/>
+              <a:t>.</a:t>
             </a:r>
           </a:p>
           <a:p>
             <a:pPr lvl="2">
               <a:lnSpc>
-                <a:spcPct val="170000"/>
+                <a:spcPct val="200000"/>
               </a:lnSpc>
             </a:pPr>
             <a:r>
-              <a:rPr lang="en-US" sz="2800" dirty="0"/>
-              <a:t>Tóm lại, công nghệ  Web service cùng với ngôn ngữ thi hành quy trình nghiệp vụ - BPEL đã hiện thực hóa kiến trúc hướng dịch vụ (SOA), cho phép kết hợp các dịch vụ đơn lẻ và các hệ thống ứng dụng thành một quy trình nghiệp vụ đầy đủ.</a:t>
-            </a:r>
-          </a:p>
-          <a:p>
-            <a:pPr lvl="2">
-              <a:lnSpc>
-                <a:spcPct val="170000"/>
-              </a:lnSpc>
-            </a:pPr>
-            <a:endParaRPr lang="en-US" sz="2800" dirty="0"/>
-          </a:p>
-          <a:p>
-            <a:pPr lvl="2">
-              <a:lnSpc>
-                <a:spcPct val="140000"/>
-              </a:lnSpc>
-            </a:pPr>
-            <a:endParaRPr lang="en-US" sz="3100" dirty="0"/>
-          </a:p>
-          <a:p>
-            <a:pPr lvl="2"/>
-            <a:endParaRPr lang="en-US" sz="2800" dirty="0"/>
-          </a:p>
-          <a:p>
-            <a:pPr lvl="2"/>
-            <a:endParaRPr lang="en-US" sz="2800" dirty="0"/>
-          </a:p>
-          <a:p>
-            <a:pPr lvl="2"/>
-            <a:endParaRPr lang="en-US" sz="2800" dirty="0" smtClean="0"/>
+              <a:rPr lang="en-US" sz="2600" dirty="0" smtClean="0"/>
+              <a:t>Eclipse đã xây dựng PDE (</a:t>
+            </a:r>
+            <a:r>
+              <a:rPr lang="en-US" sz="2600" dirty="0"/>
+              <a:t>Plug-in Development </a:t>
+            </a:r>
+            <a:r>
+              <a:rPr lang="en-US" sz="2600" dirty="0" smtClean="0"/>
+              <a:t>Environment) dành cho người muốn mở rộng Eclipse, nó cho phép xây dựng các plug-in tích hợp vào môi trường Eclipse.</a:t>
+            </a:r>
           </a:p>
           <a:p>
             <a:endParaRPr lang="en-US" dirty="0"/>
@@ -9077,7 +9045,7 @@
           <a:p>
             <a:r>
               <a:rPr lang="en-US" dirty="0" smtClean="0"/>
-              <a:t>Tiểu kết chương 1</a:t>
+              <a:t>Khung ứng dụng hỗ trợ lập trình SOA</a:t>
             </a:r>
             <a:endParaRPr lang="en-US" dirty="0"/>
           </a:p>
@@ -9086,7 +9054,7 @@
     </p:spTree>
     <p:extLst>
       <p:ext uri="{BB962C8B-B14F-4D97-AF65-F5344CB8AC3E}">
-        <p14:creationId xmlns:p14="http://schemas.microsoft.com/office/powerpoint/2010/main" val="3329713738"/>
+        <p14:creationId xmlns:p14="http://schemas.microsoft.com/office/powerpoint/2010/main" val="1119938358"/>
       </p:ext>
     </p:extLst>
   </p:cSld>
@@ -9139,167 +9107,6 @@
               <a:rPr lang="en-US" smtClean="0"/>
               <a:pPr/>
               <a:t>24</a:t>
-            </a:fld>
-            <a:endParaRPr lang="en-US" dirty="0"/>
-          </a:p>
-        </p:txBody>
-      </p:sp>
-      <p:sp>
-        <p:nvSpPr>
-          <p:cNvPr id="3" name="Content Placeholder 2"/>
-          <p:cNvSpPr>
-            <a:spLocks noGrp="1"/>
-          </p:cNvSpPr>
-          <p:nvPr>
-            <p:ph sz="quarter" idx="14"/>
-          </p:nvPr>
-        </p:nvSpPr>
-        <p:spPr>
-          <a:xfrm>
-            <a:off x="779926" y="990600"/>
-            <a:ext cx="10496086" cy="5867400"/>
-          </a:xfrm>
-        </p:spPr>
-        <p:txBody>
-          <a:bodyPr>
-            <a:normAutofit lnSpcReduction="10000"/>
-          </a:bodyPr>
-          <a:lstStyle/>
-          <a:p>
-            <a:pPr>
-              <a:lnSpc>
-                <a:spcPct val="200000"/>
-              </a:lnSpc>
-            </a:pPr>
-            <a:r>
-              <a:rPr lang="en-US" sz="2600" b="1" dirty="0" smtClean="0"/>
-              <a:t>Nền tảng Eclipse</a:t>
-            </a:r>
-          </a:p>
-          <a:p>
-            <a:pPr lvl="2">
-              <a:lnSpc>
-                <a:spcPct val="200000"/>
-              </a:lnSpc>
-            </a:pPr>
-            <a:r>
-              <a:rPr lang="en-US" sz="2600" dirty="0" smtClean="0"/>
-              <a:t>Eclipse </a:t>
-            </a:r>
-            <a:r>
-              <a:rPr lang="en-US" sz="2600" dirty="0"/>
-              <a:t>là một nền tảng phát triển phần mềm mã nguồn mở, bao gồm một IDE (Intergrated Development Environment) và một hệ thống plug-in có khả năng mở rộng được</a:t>
-            </a:r>
-            <a:r>
-              <a:rPr lang="en-US" sz="2600" dirty="0" smtClean="0"/>
-              <a:t>.</a:t>
-            </a:r>
-          </a:p>
-          <a:p>
-            <a:pPr lvl="2">
-              <a:lnSpc>
-                <a:spcPct val="200000"/>
-              </a:lnSpc>
-            </a:pPr>
-            <a:r>
-              <a:rPr lang="en-US" sz="2600" dirty="0" smtClean="0"/>
-              <a:t>Eclipse đã xây dựng PDE (</a:t>
-            </a:r>
-            <a:r>
-              <a:rPr lang="en-US" sz="2600" dirty="0"/>
-              <a:t>Plug-in Development </a:t>
-            </a:r>
-            <a:r>
-              <a:rPr lang="en-US" sz="2600" dirty="0" smtClean="0"/>
-              <a:t>Environment) dành cho người muốn mở rộng Eclipse, nó cho phép xây dựng các plug-in tích hợp vào môi trường Eclipse.</a:t>
-            </a:r>
-          </a:p>
-          <a:p>
-            <a:endParaRPr lang="en-US" dirty="0"/>
-          </a:p>
-        </p:txBody>
-      </p:sp>
-      <p:sp>
-        <p:nvSpPr>
-          <p:cNvPr id="4" name="Title 3"/>
-          <p:cNvSpPr>
-            <a:spLocks noGrp="1"/>
-          </p:cNvSpPr>
-          <p:nvPr>
-            <p:ph type="title"/>
-          </p:nvPr>
-        </p:nvSpPr>
-        <p:spPr/>
-        <p:txBody>
-          <a:bodyPr>
-            <a:normAutofit fontScale="90000"/>
-          </a:bodyPr>
-          <a:lstStyle/>
-          <a:p>
-            <a:r>
-              <a:rPr lang="en-US" dirty="0" smtClean="0"/>
-              <a:t>Khung ứng dụng hỗ trợ lập trình SOA</a:t>
-            </a:r>
-            <a:endParaRPr lang="en-US" dirty="0"/>
-          </a:p>
-        </p:txBody>
-      </p:sp>
-    </p:spTree>
-    <p:extLst>
-      <p:ext uri="{BB962C8B-B14F-4D97-AF65-F5344CB8AC3E}">
-        <p14:creationId xmlns:p14="http://schemas.microsoft.com/office/powerpoint/2010/main" val="1119938358"/>
-      </p:ext>
-    </p:extLst>
-  </p:cSld>
-  <p:clrMapOvr>
-    <a:masterClrMapping/>
-  </p:clrMapOvr>
-  <p:timing>
-    <p:tnLst>
-      <p:par>
-        <p:cTn id="1" dur="indefinite" restart="never" nodeType="tmRoot"/>
-      </p:par>
-    </p:tnLst>
-  </p:timing>
-</p:sld>
-</file>
-
-<file path=ppt/slides/slide25.xml><?xml version="1.0" encoding="utf-8"?>
-<p:sld xmlns:a="http://schemas.openxmlformats.org/drawingml/2006/main" xmlns:r="http://schemas.openxmlformats.org/officeDocument/2006/relationships" xmlns:p="http://schemas.openxmlformats.org/presentationml/2006/main">
-  <p:cSld>
-    <p:spTree>
-      <p:nvGrpSpPr>
-        <p:cNvPr id="1" name=""/>
-        <p:cNvGrpSpPr/>
-        <p:nvPr/>
-      </p:nvGrpSpPr>
-      <p:grpSpPr>
-        <a:xfrm>
-          <a:off x="0" y="0"/>
-          <a:ext cx="0" cy="0"/>
-          <a:chOff x="0" y="0"/>
-          <a:chExt cx="0" cy="0"/>
-        </a:xfrm>
-      </p:grpSpPr>
-      <p:sp>
-        <p:nvSpPr>
-          <p:cNvPr id="2" name="Slide Number Placeholder 1"/>
-          <p:cNvSpPr>
-            <a:spLocks noGrp="1"/>
-          </p:cNvSpPr>
-          <p:nvPr>
-            <p:ph type="sldNum" sz="quarter" idx="12"/>
-          </p:nvPr>
-        </p:nvSpPr>
-        <p:spPr/>
-        <p:txBody>
-          <a:bodyPr/>
-          <a:lstStyle/>
-          <a:p>
-            <a:fld id="{9DFD9A34-EC64-4F0B-9C9B-2C0A202A050B}" type="slidenum">
-              <a:rPr lang="en-US" smtClean="0"/>
-              <a:pPr/>
-              <a:t>25</a:t>
             </a:fld>
             <a:endParaRPr lang="en-US" dirty="0"/>
           </a:p>
@@ -12102,7 +11909,7 @@
 </p:sld>
 </file>
 
-<file path=ppt/slides/slide26.xml><?xml version="1.0" encoding="utf-8"?>
+<file path=ppt/slides/slide25.xml><?xml version="1.0" encoding="utf-8"?>
 <p:sld xmlns:a="http://schemas.openxmlformats.org/drawingml/2006/main" xmlns:r="http://schemas.openxmlformats.org/officeDocument/2006/relationships" xmlns:p="http://schemas.openxmlformats.org/presentationml/2006/main">
   <p:cSld>
     <p:spTree>
@@ -12137,7 +11944,7 @@
             <a:fld id="{9DFD9A34-EC64-4F0B-9C9B-2C0A202A050B}" type="slidenum">
               <a:rPr lang="en-US" smtClean="0"/>
               <a:pPr/>
-              <a:t>26</a:t>
+              <a:t>25</a:t>
             </a:fld>
             <a:endParaRPr lang="en-US" dirty="0"/>
           </a:p>
@@ -12511,6 +12318,233 @@
 </p:sld>
 </file>
 
+<file path=ppt/slides/slide26.xml><?xml version="1.0" encoding="utf-8"?>
+<p:sld xmlns:a="http://schemas.openxmlformats.org/drawingml/2006/main" xmlns:r="http://schemas.openxmlformats.org/officeDocument/2006/relationships" xmlns:p="http://schemas.openxmlformats.org/presentationml/2006/main">
+  <p:cSld>
+    <p:spTree>
+      <p:nvGrpSpPr>
+        <p:cNvPr id="1" name=""/>
+        <p:cNvGrpSpPr/>
+        <p:nvPr/>
+      </p:nvGrpSpPr>
+      <p:grpSpPr>
+        <a:xfrm>
+          <a:off x="0" y="0"/>
+          <a:ext cx="0" cy="0"/>
+          <a:chOff x="0" y="0"/>
+          <a:chExt cx="0" cy="0"/>
+        </a:xfrm>
+      </p:grpSpPr>
+      <p:sp>
+        <p:nvSpPr>
+          <p:cNvPr id="2" name="Slide Number Placeholder 1"/>
+          <p:cNvSpPr>
+            <a:spLocks noGrp="1"/>
+          </p:cNvSpPr>
+          <p:nvPr>
+            <p:ph type="sldNum" sz="quarter" idx="12"/>
+          </p:nvPr>
+        </p:nvSpPr>
+        <p:spPr/>
+        <p:txBody>
+          <a:bodyPr/>
+          <a:lstStyle/>
+          <a:p>
+            <a:fld id="{9DFD9A34-EC64-4F0B-9C9B-2C0A202A050B}" type="slidenum">
+              <a:rPr lang="en-US" smtClean="0"/>
+              <a:pPr/>
+              <a:t>26</a:t>
+            </a:fld>
+            <a:endParaRPr lang="en-US" dirty="0"/>
+          </a:p>
+        </p:txBody>
+      </p:sp>
+      <p:sp>
+        <p:nvSpPr>
+          <p:cNvPr id="3" name="Content Placeholder 2"/>
+          <p:cNvSpPr>
+            <a:spLocks noGrp="1"/>
+          </p:cNvSpPr>
+          <p:nvPr>
+            <p:ph sz="quarter" idx="14"/>
+          </p:nvPr>
+        </p:nvSpPr>
+        <p:spPr>
+          <a:xfrm>
+            <a:off x="779926" y="990600"/>
+            <a:ext cx="10496086" cy="5867400"/>
+          </a:xfrm>
+        </p:spPr>
+        <p:txBody>
+          <a:bodyPr>
+            <a:noAutofit/>
+          </a:bodyPr>
+          <a:lstStyle/>
+          <a:p>
+            <a:pPr lvl="2">
+              <a:lnSpc>
+                <a:spcPct val="160000"/>
+              </a:lnSpc>
+            </a:pPr>
+            <a:r>
+              <a:rPr lang="en-US" dirty="0"/>
+              <a:t>Từ kiến trúc của Eclipse có thể dễ dàng thấy các ưu điểm của nó :</a:t>
+            </a:r>
+          </a:p>
+          <a:p>
+            <a:pPr marL="60325" lvl="2" indent="396875">
+              <a:spcBef>
+                <a:spcPts val="0"/>
+              </a:spcBef>
+              <a:spcAft>
+                <a:spcPts val="0"/>
+              </a:spcAft>
+              <a:buFont typeface="Arial" pitchFamily="34" charset="0"/>
+              <a:buChar char="•"/>
+            </a:pPr>
+            <a:r>
+              <a:rPr lang="en-US" dirty="0"/>
+              <a:t>Có khả năng mở rộng, phụ thuộc vào các thành phần gắn thêm như cho ngôn ngữ mới, cho bộ xử lý mới</a:t>
+            </a:r>
+          </a:p>
+          <a:p>
+            <a:pPr marL="60325" lvl="2" indent="396875">
+              <a:spcBef>
+                <a:spcPts val="0"/>
+              </a:spcBef>
+              <a:spcAft>
+                <a:spcPts val="0"/>
+              </a:spcAft>
+              <a:buFont typeface="Arial" pitchFamily="34" charset="0"/>
+              <a:buChar char="•"/>
+            </a:pPr>
+            <a:r>
+              <a:rPr lang="en-US" dirty="0"/>
+              <a:t>Ứng dụng được cho việc phát triển mọi kiểu ứng dụng, từ ứng dụng trong doanh nghiệp, ứng dụng trên máy tính cá nhân cho đến các ứng dụng nhúng cho các thiết bị</a:t>
+            </a:r>
+          </a:p>
+          <a:p>
+            <a:pPr marL="60325" lvl="2" indent="396875">
+              <a:spcBef>
+                <a:spcPts val="0"/>
+              </a:spcBef>
+              <a:spcAft>
+                <a:spcPts val="0"/>
+              </a:spcAft>
+              <a:buFont typeface="Arial" pitchFamily="34" charset="0"/>
+              <a:buChar char="•"/>
+            </a:pPr>
+            <a:r>
+              <a:rPr lang="en-US" dirty="0"/>
+              <a:t>Mọi người có thể tự làm thêm các thành phần gắn thêm theo yêu cầu riêng của mình</a:t>
+            </a:r>
+          </a:p>
+          <a:p>
+            <a:pPr lvl="2">
+              <a:lnSpc>
+                <a:spcPct val="160000"/>
+              </a:lnSpc>
+            </a:pPr>
+            <a:endParaRPr lang="en-US" dirty="0" smtClean="0"/>
+          </a:p>
+          <a:p>
+            <a:pPr lvl="2">
+              <a:lnSpc>
+                <a:spcPct val="160000"/>
+              </a:lnSpc>
+            </a:pPr>
+            <a:endParaRPr lang="en-US" dirty="0"/>
+          </a:p>
+          <a:p>
+            <a:pPr lvl="2">
+              <a:lnSpc>
+                <a:spcPct val="160000"/>
+              </a:lnSpc>
+            </a:pPr>
+            <a:endParaRPr lang="en-US" dirty="0"/>
+          </a:p>
+          <a:p>
+            <a:pPr lvl="2">
+              <a:lnSpc>
+                <a:spcPct val="160000"/>
+              </a:lnSpc>
+            </a:pPr>
+            <a:endParaRPr lang="en-US" dirty="0"/>
+          </a:p>
+          <a:p>
+            <a:pPr lvl="2"/>
+            <a:endParaRPr lang="en-US" dirty="0"/>
+          </a:p>
+          <a:p>
+            <a:pPr marL="60325" lvl="2" indent="396875">
+              <a:buFont typeface="Arial" pitchFamily="34" charset="0"/>
+              <a:buChar char="•"/>
+            </a:pPr>
+            <a:endParaRPr lang="en-US" dirty="0"/>
+          </a:p>
+          <a:p>
+            <a:pPr lvl="2">
+              <a:lnSpc>
+                <a:spcPct val="200000"/>
+              </a:lnSpc>
+            </a:pPr>
+            <a:endParaRPr lang="en-US" dirty="0"/>
+          </a:p>
+          <a:p>
+            <a:pPr lvl="2">
+              <a:lnSpc>
+                <a:spcPct val="200000"/>
+              </a:lnSpc>
+            </a:pPr>
+            <a:endParaRPr lang="en-US" dirty="0"/>
+          </a:p>
+        </p:txBody>
+      </p:sp>
+      <p:sp>
+        <p:nvSpPr>
+          <p:cNvPr id="4" name="Title 3"/>
+          <p:cNvSpPr>
+            <a:spLocks noGrp="1"/>
+          </p:cNvSpPr>
+          <p:nvPr>
+            <p:ph type="title"/>
+          </p:nvPr>
+        </p:nvSpPr>
+        <p:spPr/>
+        <p:txBody>
+          <a:bodyPr>
+            <a:normAutofit fontScale="90000"/>
+          </a:bodyPr>
+          <a:lstStyle/>
+          <a:p>
+            <a:r>
+              <a:rPr lang="en-US" dirty="0" smtClean="0"/>
+              <a:t>Tiểu kết chương 2</a:t>
+            </a:r>
+            <a:endParaRPr lang="en-US" dirty="0"/>
+          </a:p>
+        </p:txBody>
+      </p:sp>
+    </p:spTree>
+    <p:extLst>
+      <p:ext uri="{BB962C8B-B14F-4D97-AF65-F5344CB8AC3E}">
+        <p14:creationId xmlns:p14="http://schemas.microsoft.com/office/powerpoint/2010/main" val="1925652982"/>
+      </p:ext>
+    </p:extLst>
+  </p:cSld>
+  <p:clrMapOvr>
+    <a:masterClrMapping/>
+  </p:clrMapOvr>
+  <p:timing>
+    <p:tnLst>
+      <p:par>
+        <p:cTn id="1" dur="indefinite" restart="never" nodeType="tmRoot"/>
+      </p:par>
+    </p:tnLst>
+  </p:timing>
+</p:sld>
+</file>
+
 <file path=ppt/slides/slide27.xml><?xml version="1.0" encoding="utf-8"?>
 <p:sld xmlns:a="http://schemas.openxmlformats.org/drawingml/2006/main" xmlns:r="http://schemas.openxmlformats.org/officeDocument/2006/relationships" xmlns:p="http://schemas.openxmlformats.org/presentationml/2006/main">
   <p:cSld>
@@ -12570,110 +12604,19 @@
         </p:spPr>
         <p:txBody>
           <a:bodyPr>
-            <a:noAutofit/>
+            <a:normAutofit/>
           </a:bodyPr>
           <a:lstStyle/>
           <a:p>
-            <a:pPr lvl="2">
+            <a:pPr>
               <a:lnSpc>
-                <a:spcPct val="160000"/>
+                <a:spcPct val="200000"/>
               </a:lnSpc>
             </a:pPr>
             <a:r>
-              <a:rPr lang="en-US" dirty="0"/>
-              <a:t>Từ kiến trúc của Eclipse có thể dễ dàng thấy các ưu điểm của nó :</a:t>
-            </a:r>
-          </a:p>
-          <a:p>
-            <a:pPr marL="60325" lvl="2" indent="396875">
-              <a:spcBef>
-                <a:spcPts val="0"/>
-              </a:spcBef>
-              <a:spcAft>
-                <a:spcPts val="0"/>
-              </a:spcAft>
-              <a:buFont typeface="Arial" pitchFamily="34" charset="0"/>
-              <a:buChar char="•"/>
-            </a:pPr>
-            <a:r>
-              <a:rPr lang="en-US" dirty="0"/>
-              <a:t>Có khả năng mở rộng, phụ thuộc vào các thành phần gắn thêm như cho ngôn ngữ mới, cho bộ xử lý mới</a:t>
-            </a:r>
-          </a:p>
-          <a:p>
-            <a:pPr marL="60325" lvl="2" indent="396875">
-              <a:spcBef>
-                <a:spcPts val="0"/>
-              </a:spcBef>
-              <a:spcAft>
-                <a:spcPts val="0"/>
-              </a:spcAft>
-              <a:buFont typeface="Arial" pitchFamily="34" charset="0"/>
-              <a:buChar char="•"/>
-            </a:pPr>
-            <a:r>
-              <a:rPr lang="en-US" dirty="0"/>
-              <a:t>Ứng dụng được cho việc phát triển mọi kiểu ứng dụng, từ ứng dụng trong doanh nghiệp, ứng dụng trên máy tính cá nhân cho đến các ứng dụng nhúng cho các thiết bị</a:t>
-            </a:r>
-          </a:p>
-          <a:p>
-            <a:pPr marL="60325" lvl="2" indent="396875">
-              <a:spcBef>
-                <a:spcPts val="0"/>
-              </a:spcBef>
-              <a:spcAft>
-                <a:spcPts val="0"/>
-              </a:spcAft>
-              <a:buFont typeface="Arial" pitchFamily="34" charset="0"/>
-              <a:buChar char="•"/>
-            </a:pPr>
-            <a:r>
-              <a:rPr lang="en-US" dirty="0"/>
-              <a:t>Mọi người có thể tự làm thêm các thành phần gắn thêm theo yêu cầu riêng của mình</a:t>
-            </a:r>
-          </a:p>
-          <a:p>
-            <a:pPr lvl="2">
-              <a:lnSpc>
-                <a:spcPct val="160000"/>
-              </a:lnSpc>
-            </a:pPr>
-            <a:endParaRPr lang="en-US" dirty="0" smtClean="0"/>
-          </a:p>
-          <a:p>
-            <a:pPr lvl="2">
-              <a:lnSpc>
-                <a:spcPct val="160000"/>
-              </a:lnSpc>
-            </a:pPr>
-            <a:endParaRPr lang="en-US" dirty="0"/>
-          </a:p>
-          <a:p>
-            <a:pPr lvl="2">
-              <a:lnSpc>
-                <a:spcPct val="160000"/>
-              </a:lnSpc>
-            </a:pPr>
-            <a:endParaRPr lang="en-US" dirty="0"/>
-          </a:p>
-          <a:p>
-            <a:pPr lvl="2">
-              <a:lnSpc>
-                <a:spcPct val="160000"/>
-              </a:lnSpc>
-            </a:pPr>
-            <a:endParaRPr lang="en-US" dirty="0"/>
-          </a:p>
-          <a:p>
-            <a:pPr lvl="2"/>
-            <a:endParaRPr lang="en-US" dirty="0"/>
-          </a:p>
-          <a:p>
-            <a:pPr marL="60325" lvl="2" indent="396875">
-              <a:buFont typeface="Arial" pitchFamily="34" charset="0"/>
-              <a:buChar char="•"/>
-            </a:pPr>
-            <a:endParaRPr lang="en-US" dirty="0"/>
+              <a:rPr lang="en-US" sz="2600" b="1" dirty="0" smtClean="0"/>
+              <a:t>Mục tiêu</a:t>
+            </a:r>
           </a:p>
           <a:p>
             <a:pPr lvl="2">
@@ -12681,14 +12624,25 @@
                 <a:spcPct val="200000"/>
               </a:lnSpc>
             </a:pPr>
-            <a:endParaRPr lang="en-US" dirty="0"/>
-          </a:p>
-          <a:p>
-            <a:pPr lvl="2">
-              <a:lnSpc>
-                <a:spcPct val="200000"/>
-              </a:lnSpc>
-            </a:pPr>
+            <a:r>
+              <a:rPr lang="en-US" sz="2800" dirty="0" smtClean="0"/>
+              <a:t>Xây </a:t>
+            </a:r>
+            <a:r>
+              <a:rPr lang="en-US" sz="2800" dirty="0"/>
+              <a:t>dựng một kiến trúc hướng dịch vụ theo đường ống </a:t>
+            </a:r>
+            <a:r>
+              <a:rPr lang="en-US" sz="2800" dirty="0" smtClean="0"/>
+              <a:t>– Service Oriented </a:t>
+            </a:r>
+            <a:r>
+              <a:rPr lang="en-US" sz="2800" dirty="0"/>
+              <a:t>Pipeline Architecture (SOPA)</a:t>
+            </a:r>
+            <a:endParaRPr lang="en-US" sz="2600" dirty="0"/>
+          </a:p>
+          <a:p>
             <a:endParaRPr lang="en-US" dirty="0"/>
           </a:p>
         </p:txBody>
@@ -12711,8 +12665,8 @@
           <a:lstStyle/>
           <a:p>
             <a:r>
-              <a:rPr lang="en-US" dirty="0" smtClean="0"/>
-              <a:t>Tiểu kết chương 2</a:t>
+              <a:rPr lang="en-US" b="1" dirty="0"/>
+              <a:t>Bài toán điều phối các lời gọi dịch vụ trong kiến trúc SOA</a:t>
             </a:r>
             <a:endParaRPr lang="en-US" dirty="0"/>
           </a:p>
@@ -12721,7 +12675,7 @@
     </p:spTree>
     <p:extLst>
       <p:ext uri="{BB962C8B-B14F-4D97-AF65-F5344CB8AC3E}">
-        <p14:creationId xmlns:p14="http://schemas.microsoft.com/office/powerpoint/2010/main" val="1925652982"/>
+        <p14:creationId xmlns:p14="http://schemas.microsoft.com/office/powerpoint/2010/main" val="302673987"/>
       </p:ext>
     </p:extLst>
   </p:cSld>
@@ -12808,7 +12762,7 @@
             </a:pPr>
             <a:r>
               <a:rPr lang="en-US" sz="2600" b="1" dirty="0" smtClean="0"/>
-              <a:t>Mục tiêu</a:t>
+              <a:t>Giải pháp</a:t>
             </a:r>
           </a:p>
           <a:p>
@@ -12823,7 +12777,19 @@
             </a:r>
             <a:r>
               <a:rPr lang="en-US" sz="2800" dirty="0"/>
-              <a:t>dựng một kiến trúc hướng dịch vụ theo đường ống - Service-oriented Pipeline Architecture (SOPA)</a:t>
+              <a:t>dựng một dịch vụ web đăng ký (web services registry), gọi là bus dịch vụ (Services Bus), phát triển như một plug-in Eclipse. </a:t>
+            </a:r>
+            <a:endParaRPr lang="en-US" sz="2800" dirty="0" smtClean="0"/>
+          </a:p>
+          <a:p>
+            <a:pPr lvl="2">
+              <a:lnSpc>
+                <a:spcPct val="200000"/>
+              </a:lnSpc>
+            </a:pPr>
+            <a:r>
+              <a:rPr lang="en-US" sz="2800" dirty="0"/>
+              <a:t>Một phần nữa trong giải pháp là triển khai một plug-in đường ống (Pipeline plug-in), đóng vai trò trung tâm trong việc điều phối dịch vụ của hệ thống và trong việc tạo ra các dịch vụ nghiệp vụ mới.</a:t>
             </a:r>
             <a:endParaRPr lang="en-US" sz="2600" dirty="0"/>
           </a:p>
@@ -12860,7 +12826,7 @@
     </p:spTree>
     <p:extLst>
       <p:ext uri="{BB962C8B-B14F-4D97-AF65-F5344CB8AC3E}">
-        <p14:creationId xmlns:p14="http://schemas.microsoft.com/office/powerpoint/2010/main" val="302673987"/>
+        <p14:creationId xmlns:p14="http://schemas.microsoft.com/office/powerpoint/2010/main" val="1266115762"/>
       </p:ext>
     </p:extLst>
   </p:cSld>
@@ -12913,447 +12879,6 @@
               <a:rPr lang="en-US" smtClean="0"/>
               <a:pPr/>
               <a:t>29</a:t>
-            </a:fld>
-            <a:endParaRPr lang="en-US" dirty="0"/>
-          </a:p>
-        </p:txBody>
-      </p:sp>
-      <p:sp>
-        <p:nvSpPr>
-          <p:cNvPr id="3" name="Content Placeholder 2"/>
-          <p:cNvSpPr>
-            <a:spLocks noGrp="1"/>
-          </p:cNvSpPr>
-          <p:nvPr>
-            <p:ph sz="quarter" idx="14"/>
-          </p:nvPr>
-        </p:nvSpPr>
-        <p:spPr>
-          <a:xfrm>
-            <a:off x="779926" y="990600"/>
-            <a:ext cx="10496086" cy="5867400"/>
-          </a:xfrm>
-        </p:spPr>
-        <p:txBody>
-          <a:bodyPr>
-            <a:normAutofit/>
-          </a:bodyPr>
-          <a:lstStyle/>
-          <a:p>
-            <a:pPr>
-              <a:lnSpc>
-                <a:spcPct val="200000"/>
-              </a:lnSpc>
-            </a:pPr>
-            <a:r>
-              <a:rPr lang="en-US" sz="2600" b="1" dirty="0" smtClean="0"/>
-              <a:t>Giải pháp</a:t>
-            </a:r>
-          </a:p>
-          <a:p>
-            <a:pPr lvl="2">
-              <a:lnSpc>
-                <a:spcPct val="200000"/>
-              </a:lnSpc>
-            </a:pPr>
-            <a:r>
-              <a:rPr lang="en-US" sz="2800" dirty="0" smtClean="0"/>
-              <a:t>Xây </a:t>
-            </a:r>
-            <a:r>
-              <a:rPr lang="en-US" sz="2800" dirty="0"/>
-              <a:t>dựng một dịch vụ web đăng ký (web services registry), gọi là bus dịch vụ (Services Bus), phát triển như một plug-in Eclipse. Services Bus cung cấp các điểm mở rộng cho các nhà phát triển để xuất bản các lớp Java tiêu chuẩn của họ như các dịch vụ </a:t>
-            </a:r>
-            <a:r>
-              <a:rPr lang="en-US" sz="2800" dirty="0" smtClean="0"/>
-              <a:t>web (web services)</a:t>
-            </a:r>
-            <a:endParaRPr lang="en-US" sz="2600" dirty="0"/>
-          </a:p>
-          <a:p>
-            <a:endParaRPr lang="en-US" dirty="0"/>
-          </a:p>
-        </p:txBody>
-      </p:sp>
-      <p:sp>
-        <p:nvSpPr>
-          <p:cNvPr id="4" name="Title 3"/>
-          <p:cNvSpPr>
-            <a:spLocks noGrp="1"/>
-          </p:cNvSpPr>
-          <p:nvPr>
-            <p:ph type="title"/>
-          </p:nvPr>
-        </p:nvSpPr>
-        <p:spPr/>
-        <p:txBody>
-          <a:bodyPr>
-            <a:normAutofit fontScale="90000"/>
-          </a:bodyPr>
-          <a:lstStyle/>
-          <a:p>
-            <a:r>
-              <a:rPr lang="en-US" b="1" dirty="0"/>
-              <a:t>Bài toán điều phối các lời gọi dịch vụ trong kiến trúc SOA</a:t>
-            </a:r>
-            <a:endParaRPr lang="en-US" dirty="0"/>
-          </a:p>
-        </p:txBody>
-      </p:sp>
-    </p:spTree>
-    <p:extLst>
-      <p:ext uri="{BB962C8B-B14F-4D97-AF65-F5344CB8AC3E}">
-        <p14:creationId xmlns:p14="http://schemas.microsoft.com/office/powerpoint/2010/main" val="1266115762"/>
-      </p:ext>
-    </p:extLst>
-  </p:cSld>
-  <p:clrMapOvr>
-    <a:masterClrMapping/>
-  </p:clrMapOvr>
-  <p:timing>
-    <p:tnLst>
-      <p:par>
-        <p:cTn id="1" dur="indefinite" restart="never" nodeType="tmRoot"/>
-      </p:par>
-    </p:tnLst>
-  </p:timing>
-</p:sld>
-</file>
-
-<file path=ppt/slides/slide3.xml><?xml version="1.0" encoding="utf-8"?>
-<p:sld xmlns:a="http://schemas.openxmlformats.org/drawingml/2006/main" xmlns:r="http://schemas.openxmlformats.org/officeDocument/2006/relationships" xmlns:p="http://schemas.openxmlformats.org/presentationml/2006/main">
-  <p:cSld>
-    <p:spTree>
-      <p:nvGrpSpPr>
-        <p:cNvPr id="1" name=""/>
-        <p:cNvGrpSpPr/>
-        <p:nvPr/>
-      </p:nvGrpSpPr>
-      <p:grpSpPr>
-        <a:xfrm>
-          <a:off x="0" y="0"/>
-          <a:ext cx="0" cy="0"/>
-          <a:chOff x="0" y="0"/>
-          <a:chExt cx="0" cy="0"/>
-        </a:xfrm>
-      </p:grpSpPr>
-      <p:sp>
-        <p:nvSpPr>
-          <p:cNvPr id="2" name="Slide Number Placeholder 1"/>
-          <p:cNvSpPr>
-            <a:spLocks noGrp="1"/>
-          </p:cNvSpPr>
-          <p:nvPr>
-            <p:ph type="sldNum" sz="quarter" idx="12"/>
-          </p:nvPr>
-        </p:nvSpPr>
-        <p:spPr/>
-        <p:txBody>
-          <a:bodyPr/>
-          <a:lstStyle/>
-          <a:p>
-            <a:fld id="{9DFD9A34-EC64-4F0B-9C9B-2C0A202A050B}" type="slidenum">
-              <a:rPr lang="en-US" smtClean="0"/>
-              <a:pPr/>
-              <a:t>3</a:t>
-            </a:fld>
-            <a:endParaRPr lang="en-US" dirty="0"/>
-          </a:p>
-        </p:txBody>
-      </p:sp>
-      <p:sp>
-        <p:nvSpPr>
-          <p:cNvPr id="3" name="Content Placeholder 2"/>
-          <p:cNvSpPr>
-            <a:spLocks noGrp="1"/>
-          </p:cNvSpPr>
-          <p:nvPr>
-            <p:ph sz="quarter" idx="14"/>
-          </p:nvPr>
-        </p:nvSpPr>
-        <p:spPr/>
-        <p:txBody>
-          <a:bodyPr/>
-          <a:lstStyle/>
-          <a:p>
-            <a:pPr lvl="2"/>
-            <a:r>
-              <a:rPr lang="en-US" dirty="0"/>
-              <a:t>Với sự phát triển của </a:t>
-            </a:r>
-            <a:r>
-              <a:rPr lang="en-US" dirty="0" smtClean="0"/>
-              <a:t>Internet </a:t>
-            </a:r>
-            <a:r>
-              <a:rPr lang="en-US" dirty="0"/>
-              <a:t>và xu thế hội nhập chung của toàn thế giới, nên các doanh nghiệp, tổ chức bắt đầu việc cộng tác, phối hợp và chia sẻ nguồn tài nguyên với nhau để nâng cao hiệu quả hoạt động.</a:t>
-            </a:r>
-          </a:p>
-          <a:p>
-            <a:pPr lvl="2"/>
-            <a:r>
-              <a:rPr lang="en-US" dirty="0"/>
-              <a:t>Vấn đề sử dụng các nguồn tài nguyên của nhau, hoặc tái sử dụng và mở rộng các hệ thống có sẵn là khá phức tạp vì sự không tương thích giữa các hệ thống, giữa các nền tảng công nghệ</a:t>
-            </a:r>
-            <a:r>
-              <a:rPr lang="en-US" dirty="0" smtClean="0"/>
-              <a:t>.</a:t>
-            </a:r>
-          </a:p>
-          <a:p>
-            <a:pPr lvl="2"/>
-            <a:r>
-              <a:rPr lang="en-US" dirty="0" smtClean="0"/>
-              <a:t>Một giải pháp ra đời và đang được quan tâm, chú ý đó là “Kiến trúc hướng dịch vụ” (</a:t>
-            </a:r>
-            <a:r>
-              <a:rPr lang="en-US" dirty="0" smtClean="0"/>
-              <a:t>Service Oriented </a:t>
-            </a:r>
-            <a:r>
-              <a:rPr lang="en-US" dirty="0" smtClean="0"/>
-              <a:t>Architecture –SOA).</a:t>
-            </a:r>
-          </a:p>
-          <a:p>
-            <a:pPr lvl="2"/>
-            <a:endParaRPr lang="en-US" dirty="0"/>
-          </a:p>
-          <a:p>
-            <a:endParaRPr lang="en-US" dirty="0"/>
-          </a:p>
-        </p:txBody>
-      </p:sp>
-      <p:sp>
-        <p:nvSpPr>
-          <p:cNvPr id="4" name="Title 3"/>
-          <p:cNvSpPr>
-            <a:spLocks noGrp="1"/>
-          </p:cNvSpPr>
-          <p:nvPr>
-            <p:ph type="title"/>
-          </p:nvPr>
-        </p:nvSpPr>
-        <p:spPr/>
-        <p:txBody>
-          <a:bodyPr>
-            <a:normAutofit fontScale="90000"/>
-          </a:bodyPr>
-          <a:lstStyle/>
-          <a:p>
-            <a:r>
-              <a:rPr lang="en-US" dirty="0" smtClean="0"/>
-              <a:t>Phần mở đầu</a:t>
-            </a:r>
-            <a:endParaRPr lang="en-US" dirty="0"/>
-          </a:p>
-        </p:txBody>
-      </p:sp>
-    </p:spTree>
-    <p:extLst>
-      <p:ext uri="{BB962C8B-B14F-4D97-AF65-F5344CB8AC3E}">
-        <p14:creationId xmlns:p14="http://schemas.microsoft.com/office/powerpoint/2010/main" val="2174694034"/>
-      </p:ext>
-    </p:extLst>
-  </p:cSld>
-  <p:clrMapOvr>
-    <a:masterClrMapping/>
-  </p:clrMapOvr>
-  <p:timing>
-    <p:tnLst>
-      <p:par>
-        <p:cTn id="1" dur="indefinite" restart="never" nodeType="tmRoot"/>
-      </p:par>
-    </p:tnLst>
-  </p:timing>
-</p:sld>
-</file>
-
-<file path=ppt/slides/slide30.xml><?xml version="1.0" encoding="utf-8"?>
-<p:sld xmlns:a="http://schemas.openxmlformats.org/drawingml/2006/main" xmlns:r="http://schemas.openxmlformats.org/officeDocument/2006/relationships" xmlns:p="http://schemas.openxmlformats.org/presentationml/2006/main">
-  <p:cSld>
-    <p:spTree>
-      <p:nvGrpSpPr>
-        <p:cNvPr id="1" name=""/>
-        <p:cNvGrpSpPr/>
-        <p:nvPr/>
-      </p:nvGrpSpPr>
-      <p:grpSpPr>
-        <a:xfrm>
-          <a:off x="0" y="0"/>
-          <a:ext cx="0" cy="0"/>
-          <a:chOff x="0" y="0"/>
-          <a:chExt cx="0" cy="0"/>
-        </a:xfrm>
-      </p:grpSpPr>
-      <p:sp>
-        <p:nvSpPr>
-          <p:cNvPr id="2" name="Slide Number Placeholder 1"/>
-          <p:cNvSpPr>
-            <a:spLocks noGrp="1"/>
-          </p:cNvSpPr>
-          <p:nvPr>
-            <p:ph type="sldNum" sz="quarter" idx="12"/>
-          </p:nvPr>
-        </p:nvSpPr>
-        <p:spPr/>
-        <p:txBody>
-          <a:bodyPr/>
-          <a:lstStyle/>
-          <a:p>
-            <a:fld id="{9DFD9A34-EC64-4F0B-9C9B-2C0A202A050B}" type="slidenum">
-              <a:rPr lang="en-US" smtClean="0"/>
-              <a:pPr/>
-              <a:t>30</a:t>
-            </a:fld>
-            <a:endParaRPr lang="en-US" dirty="0"/>
-          </a:p>
-        </p:txBody>
-      </p:sp>
-      <p:sp>
-        <p:nvSpPr>
-          <p:cNvPr id="3" name="Content Placeholder 2"/>
-          <p:cNvSpPr>
-            <a:spLocks noGrp="1"/>
-          </p:cNvSpPr>
-          <p:nvPr>
-            <p:ph sz="quarter" idx="14"/>
-          </p:nvPr>
-        </p:nvSpPr>
-        <p:spPr>
-          <a:xfrm>
-            <a:off x="779926" y="990600"/>
-            <a:ext cx="10496086" cy="5867400"/>
-          </a:xfrm>
-        </p:spPr>
-        <p:txBody>
-          <a:bodyPr>
-            <a:normAutofit/>
-          </a:bodyPr>
-          <a:lstStyle/>
-          <a:p>
-            <a:pPr lvl="2">
-              <a:lnSpc>
-                <a:spcPct val="200000"/>
-              </a:lnSpc>
-            </a:pPr>
-            <a:r>
-              <a:rPr lang="en-US" sz="2800" dirty="0"/>
-              <a:t>Một phần nữa trong giải pháp là triển khai một plug-in đường ống (Pipeline plug-in), đóng vai trò trung tâm trong việc điều phối dịch vụ của hệ thống và trong việc tạo ra các dịch vụ nghiệp vụ mới. </a:t>
-            </a:r>
-            <a:endParaRPr lang="en-US" sz="2800" dirty="0" smtClean="0"/>
-          </a:p>
-          <a:p>
-            <a:pPr lvl="2">
-              <a:lnSpc>
-                <a:spcPct val="200000"/>
-              </a:lnSpc>
-            </a:pPr>
-            <a:r>
-              <a:rPr lang="en-US" sz="2800" dirty="0" smtClean="0"/>
-              <a:t>Pipeline </a:t>
-            </a:r>
-            <a:r>
-              <a:rPr lang="en-US" sz="2800" dirty="0"/>
-              <a:t>được định nghĩa bằng một cấu trúc XML để quy định các bước trong Pipeline và các chuyển đổi liên </a:t>
-            </a:r>
-            <a:r>
-              <a:rPr lang="en-US" sz="2800" dirty="0" smtClean="0"/>
-              <a:t>quan. Nó </a:t>
-            </a:r>
-            <a:r>
-              <a:rPr lang="en-US" sz="2800" dirty="0"/>
-              <a:t>bao gồm một số câu lệnh điều kiện kiểu XSLT và trao đổi dữ liệu bởi biểu thức XPATH</a:t>
-            </a:r>
-            <a:endParaRPr lang="en-US" sz="2600" dirty="0"/>
-          </a:p>
-          <a:p>
-            <a:endParaRPr lang="en-US" dirty="0"/>
-          </a:p>
-        </p:txBody>
-      </p:sp>
-      <p:sp>
-        <p:nvSpPr>
-          <p:cNvPr id="4" name="Title 3"/>
-          <p:cNvSpPr>
-            <a:spLocks noGrp="1"/>
-          </p:cNvSpPr>
-          <p:nvPr>
-            <p:ph type="title"/>
-          </p:nvPr>
-        </p:nvSpPr>
-        <p:spPr/>
-        <p:txBody>
-          <a:bodyPr>
-            <a:normAutofit fontScale="90000"/>
-          </a:bodyPr>
-          <a:lstStyle/>
-          <a:p>
-            <a:r>
-              <a:rPr lang="en-US" b="1" dirty="0" smtClean="0"/>
-              <a:t>Bài toán điều phối các lời gọi dịch vụ trong kiến trúc SOA</a:t>
-            </a:r>
-            <a:endParaRPr lang="en-US" dirty="0"/>
-          </a:p>
-        </p:txBody>
-      </p:sp>
-    </p:spTree>
-    <p:extLst>
-      <p:ext uri="{BB962C8B-B14F-4D97-AF65-F5344CB8AC3E}">
-        <p14:creationId xmlns:p14="http://schemas.microsoft.com/office/powerpoint/2010/main" val="1448330020"/>
-      </p:ext>
-    </p:extLst>
-  </p:cSld>
-  <p:clrMapOvr>
-    <a:masterClrMapping/>
-  </p:clrMapOvr>
-  <p:timing>
-    <p:tnLst>
-      <p:par>
-        <p:cTn id="1" dur="indefinite" restart="never" nodeType="tmRoot"/>
-      </p:par>
-    </p:tnLst>
-  </p:timing>
-</p:sld>
-</file>
-
-<file path=ppt/slides/slide31.xml><?xml version="1.0" encoding="utf-8"?>
-<p:sld xmlns:a="http://schemas.openxmlformats.org/drawingml/2006/main" xmlns:r="http://schemas.openxmlformats.org/officeDocument/2006/relationships" xmlns:p="http://schemas.openxmlformats.org/presentationml/2006/main">
-  <p:cSld>
-    <p:spTree>
-      <p:nvGrpSpPr>
-        <p:cNvPr id="1" name=""/>
-        <p:cNvGrpSpPr/>
-        <p:nvPr/>
-      </p:nvGrpSpPr>
-      <p:grpSpPr>
-        <a:xfrm>
-          <a:off x="0" y="0"/>
-          <a:ext cx="0" cy="0"/>
-          <a:chOff x="0" y="0"/>
-          <a:chExt cx="0" cy="0"/>
-        </a:xfrm>
-      </p:grpSpPr>
-      <p:sp>
-        <p:nvSpPr>
-          <p:cNvPr id="2" name="Slide Number Placeholder 1"/>
-          <p:cNvSpPr>
-            <a:spLocks noGrp="1"/>
-          </p:cNvSpPr>
-          <p:nvPr>
-            <p:ph type="sldNum" sz="quarter" idx="12"/>
-          </p:nvPr>
-        </p:nvSpPr>
-        <p:spPr/>
-        <p:txBody>
-          <a:bodyPr/>
-          <a:lstStyle/>
-          <a:p>
-            <a:fld id="{9DFD9A34-EC64-4F0B-9C9B-2C0A202A050B}" type="slidenum">
-              <a:rPr lang="en-US" smtClean="0"/>
-              <a:pPr/>
-              <a:t>31</a:t>
             </a:fld>
             <a:endParaRPr lang="en-US" dirty="0"/>
           </a:p>
@@ -14165,7 +13690,7 @@
 </p:sld>
 </file>
 
-<file path=ppt/slides/slide32.xml><?xml version="1.0" encoding="utf-8"?>
+<file path=ppt/slides/slide3.xml><?xml version="1.0" encoding="utf-8"?>
 <p:sld xmlns:a="http://schemas.openxmlformats.org/drawingml/2006/main" xmlns:r="http://schemas.openxmlformats.org/officeDocument/2006/relationships" xmlns:p="http://schemas.openxmlformats.org/presentationml/2006/main">
   <p:cSld>
     <p:spTree>
@@ -14200,7 +13725,149 @@
             <a:fld id="{9DFD9A34-EC64-4F0B-9C9B-2C0A202A050B}" type="slidenum">
               <a:rPr lang="en-US" smtClean="0"/>
               <a:pPr/>
-              <a:t>32</a:t>
+              <a:t>3</a:t>
+            </a:fld>
+            <a:endParaRPr lang="en-US" dirty="0"/>
+          </a:p>
+        </p:txBody>
+      </p:sp>
+      <p:sp>
+        <p:nvSpPr>
+          <p:cNvPr id="3" name="Content Placeholder 2"/>
+          <p:cNvSpPr>
+            <a:spLocks noGrp="1"/>
+          </p:cNvSpPr>
+          <p:nvPr>
+            <p:ph sz="quarter" idx="14"/>
+          </p:nvPr>
+        </p:nvSpPr>
+        <p:spPr/>
+        <p:txBody>
+          <a:bodyPr/>
+          <a:lstStyle/>
+          <a:p>
+            <a:pPr lvl="2"/>
+            <a:r>
+              <a:rPr lang="en-US" dirty="0"/>
+              <a:t>Với sự phát triển của </a:t>
+            </a:r>
+            <a:r>
+              <a:rPr lang="en-US" dirty="0" smtClean="0"/>
+              <a:t>Internet </a:t>
+            </a:r>
+            <a:r>
+              <a:rPr lang="en-US" dirty="0"/>
+              <a:t>và xu thế hội nhập chung của toàn thế giới, nên các doanh nghiệp, tổ chức bắt đầu việc cộng tác, phối hợp và chia sẻ nguồn tài nguyên với nhau để nâng cao hiệu quả hoạt động.</a:t>
+            </a:r>
+          </a:p>
+          <a:p>
+            <a:pPr lvl="2"/>
+            <a:r>
+              <a:rPr lang="en-US" dirty="0"/>
+              <a:t>Vấn đề sử dụng các nguồn tài nguyên của nhau, hoặc tái sử dụng và mở rộng các hệ thống có sẵn là khá phức tạp vì sự không tương thích giữa các hệ thống, giữa các nền tảng công nghệ</a:t>
+            </a:r>
+            <a:r>
+              <a:rPr lang="en-US" dirty="0" smtClean="0"/>
+              <a:t>.</a:t>
+            </a:r>
+          </a:p>
+          <a:p>
+            <a:pPr lvl="2"/>
+            <a:r>
+              <a:rPr lang="en-US" dirty="0" smtClean="0"/>
+              <a:t>Một giải pháp ra đời và đang được quan tâm, chú ý đó là “Kiến trúc hướng dịch vụ” (Service Oriented Architecture –SOA).</a:t>
+            </a:r>
+          </a:p>
+          <a:p>
+            <a:pPr lvl="2"/>
+            <a:endParaRPr lang="en-US" dirty="0"/>
+          </a:p>
+          <a:p>
+            <a:endParaRPr lang="en-US" dirty="0"/>
+          </a:p>
+        </p:txBody>
+      </p:sp>
+      <p:sp>
+        <p:nvSpPr>
+          <p:cNvPr id="4" name="Title 3"/>
+          <p:cNvSpPr>
+            <a:spLocks noGrp="1"/>
+          </p:cNvSpPr>
+          <p:nvPr>
+            <p:ph type="title"/>
+          </p:nvPr>
+        </p:nvSpPr>
+        <p:spPr/>
+        <p:txBody>
+          <a:bodyPr>
+            <a:normAutofit fontScale="90000"/>
+          </a:bodyPr>
+          <a:lstStyle/>
+          <a:p>
+            <a:r>
+              <a:rPr lang="en-US" dirty="0" smtClean="0"/>
+              <a:t>Phần mở đầu</a:t>
+            </a:r>
+            <a:endParaRPr lang="en-US" dirty="0"/>
+          </a:p>
+        </p:txBody>
+      </p:sp>
+    </p:spTree>
+    <p:extLst>
+      <p:ext uri="{BB962C8B-B14F-4D97-AF65-F5344CB8AC3E}">
+        <p14:creationId xmlns:p14="http://schemas.microsoft.com/office/powerpoint/2010/main" val="2174694034"/>
+      </p:ext>
+    </p:extLst>
+  </p:cSld>
+  <p:clrMapOvr>
+    <a:masterClrMapping/>
+  </p:clrMapOvr>
+  <p:timing>
+    <p:tnLst>
+      <p:par>
+        <p:cTn id="1" dur="indefinite" restart="never" nodeType="tmRoot"/>
+      </p:par>
+    </p:tnLst>
+  </p:timing>
+</p:sld>
+</file>
+
+<file path=ppt/slides/slide30.xml><?xml version="1.0" encoding="utf-8"?>
+<p:sld xmlns:a="http://schemas.openxmlformats.org/drawingml/2006/main" xmlns:r="http://schemas.openxmlformats.org/officeDocument/2006/relationships" xmlns:p="http://schemas.openxmlformats.org/presentationml/2006/main">
+  <p:cSld>
+    <p:spTree>
+      <p:nvGrpSpPr>
+        <p:cNvPr id="1" name=""/>
+        <p:cNvGrpSpPr/>
+        <p:nvPr/>
+      </p:nvGrpSpPr>
+      <p:grpSpPr>
+        <a:xfrm>
+          <a:off x="0" y="0"/>
+          <a:ext cx="0" cy="0"/>
+          <a:chOff x="0" y="0"/>
+          <a:chExt cx="0" cy="0"/>
+        </a:xfrm>
+      </p:grpSpPr>
+      <p:sp>
+        <p:nvSpPr>
+          <p:cNvPr id="2" name="Slide Number Placeholder 1"/>
+          <p:cNvSpPr>
+            <a:spLocks noGrp="1"/>
+          </p:cNvSpPr>
+          <p:nvPr>
+            <p:ph type="sldNum" sz="quarter" idx="12"/>
+          </p:nvPr>
+        </p:nvSpPr>
+        <p:spPr/>
+        <p:txBody>
+          <a:bodyPr/>
+          <a:lstStyle/>
+          <a:p>
+            <a:fld id="{9DFD9A34-EC64-4F0B-9C9B-2C0A202A050B}" type="slidenum">
+              <a:rPr lang="en-US" smtClean="0"/>
+              <a:pPr/>
+              <a:t>30</a:t>
             </a:fld>
             <a:endParaRPr lang="en-US" dirty="0"/>
           </a:p>
@@ -14303,7 +13970,7 @@
 </p:sld>
 </file>
 
-<file path=ppt/slides/slide33.xml><?xml version="1.0" encoding="utf-8"?>
+<file path=ppt/slides/slide31.xml><?xml version="1.0" encoding="utf-8"?>
 <p:sld xmlns:a="http://schemas.openxmlformats.org/drawingml/2006/main" xmlns:r="http://schemas.openxmlformats.org/officeDocument/2006/relationships" xmlns:p="http://schemas.openxmlformats.org/presentationml/2006/main">
   <p:cSld>
     <p:spTree>
@@ -14338,7 +14005,7 @@
             <a:fld id="{9DFD9A34-EC64-4F0B-9C9B-2C0A202A050B}" type="slidenum">
               <a:rPr lang="en-US" smtClean="0"/>
               <a:pPr/>
-              <a:t>33</a:t>
+              <a:t>31</a:t>
             </a:fld>
             <a:endParaRPr lang="en-US" dirty="0"/>
           </a:p>
@@ -14475,7 +14142,7 @@
 </p:sld>
 </file>
 
-<file path=ppt/slides/slide34.xml><?xml version="1.0" encoding="utf-8"?>
+<file path=ppt/slides/slide32.xml><?xml version="1.0" encoding="utf-8"?>
 <p:sld xmlns:a="http://schemas.openxmlformats.org/drawingml/2006/main" xmlns:r="http://schemas.openxmlformats.org/officeDocument/2006/relationships" xmlns:p="http://schemas.openxmlformats.org/presentationml/2006/main">
   <p:cSld>
     <p:spTree>
@@ -14510,7 +14177,7 @@
             <a:fld id="{9DFD9A34-EC64-4F0B-9C9B-2C0A202A050B}" type="slidenum">
               <a:rPr lang="en-US" smtClean="0"/>
               <a:pPr/>
-              <a:t>34</a:t>
+              <a:t>32</a:t>
             </a:fld>
             <a:endParaRPr lang="en-US" dirty="0"/>
           </a:p>
@@ -15661,7 +15328,7 @@
 </p:sld>
 </file>
 
-<file path=ppt/slides/slide35.xml><?xml version="1.0" encoding="utf-8"?>
+<file path=ppt/slides/slide33.xml><?xml version="1.0" encoding="utf-8"?>
 <p:sld xmlns:a="http://schemas.openxmlformats.org/drawingml/2006/main" xmlns:r="http://schemas.openxmlformats.org/officeDocument/2006/relationships" xmlns:p="http://schemas.openxmlformats.org/presentationml/2006/main">
   <p:cSld>
     <p:spTree>
@@ -15696,7 +15363,7 @@
             <a:fld id="{9DFD9A34-EC64-4F0B-9C9B-2C0A202A050B}" type="slidenum">
               <a:rPr lang="en-US" smtClean="0"/>
               <a:pPr/>
-              <a:t>35</a:t>
+              <a:t>33</a:t>
             </a:fld>
             <a:endParaRPr lang="en-US" dirty="0"/>
           </a:p>
@@ -16704,7 +16371,7 @@
 </p:sld>
 </file>
 
-<file path=ppt/slides/slide36.xml><?xml version="1.0" encoding="utf-8"?>
+<file path=ppt/slides/slide34.xml><?xml version="1.0" encoding="utf-8"?>
 <p:sld xmlns:a="http://schemas.openxmlformats.org/drawingml/2006/main" xmlns:r="http://schemas.openxmlformats.org/officeDocument/2006/relationships" xmlns:p="http://schemas.openxmlformats.org/presentationml/2006/main">
   <p:cSld>
     <p:spTree>
@@ -16739,7 +16406,7 @@
             <a:fld id="{9DFD9A34-EC64-4F0B-9C9B-2C0A202A050B}" type="slidenum">
               <a:rPr lang="en-US" smtClean="0"/>
               <a:pPr/>
-              <a:t>36</a:t>
+              <a:t>34</a:t>
             </a:fld>
             <a:endParaRPr lang="en-US" dirty="0"/>
           </a:p>
@@ -17378,7 +17045,7 @@
 </p:sld>
 </file>
 
-<file path=ppt/slides/slide37.xml><?xml version="1.0" encoding="utf-8"?>
+<file path=ppt/slides/slide35.xml><?xml version="1.0" encoding="utf-8"?>
 <p:sld xmlns:a="http://schemas.openxmlformats.org/drawingml/2006/main" xmlns:r="http://schemas.openxmlformats.org/officeDocument/2006/relationships" xmlns:p="http://schemas.openxmlformats.org/presentationml/2006/main">
   <p:cSld>
     <p:spTree>
@@ -17413,7 +17080,7 @@
             <a:fld id="{9DFD9A34-EC64-4F0B-9C9B-2C0A202A050B}" type="slidenum">
               <a:rPr lang="en-US" smtClean="0"/>
               <a:pPr/>
-              <a:t>37</a:t>
+              <a:t>35</a:t>
             </a:fld>
             <a:endParaRPr lang="en-US" dirty="0"/>
           </a:p>
@@ -17789,7 +17456,7 @@
 </p:sld>
 </file>
 
-<file path=ppt/slides/slide38.xml><?xml version="1.0" encoding="utf-8"?>
+<file path=ppt/slides/slide36.xml><?xml version="1.0" encoding="utf-8"?>
 <p:sld xmlns:a="http://schemas.openxmlformats.org/drawingml/2006/main" xmlns:r="http://schemas.openxmlformats.org/officeDocument/2006/relationships" xmlns:p="http://schemas.openxmlformats.org/presentationml/2006/main">
   <p:cSld>
     <p:spTree>
@@ -17824,7 +17491,7 @@
             <a:fld id="{9DFD9A34-EC64-4F0B-9C9B-2C0A202A050B}" type="slidenum">
               <a:rPr lang="en-US" smtClean="0"/>
               <a:pPr/>
-              <a:t>38</a:t>
+              <a:t>36</a:t>
             </a:fld>
             <a:endParaRPr lang="en-US" dirty="0"/>
           </a:p>
@@ -17995,7 +17662,7 @@
 </p:sld>
 </file>
 
-<file path=ppt/slides/slide39.xml><?xml version="1.0" encoding="utf-8"?>
+<file path=ppt/slides/slide37.xml><?xml version="1.0" encoding="utf-8"?>
 <p:sld xmlns:a="http://schemas.openxmlformats.org/drawingml/2006/main" xmlns:r="http://schemas.openxmlformats.org/officeDocument/2006/relationships" xmlns:p="http://schemas.openxmlformats.org/presentationml/2006/main">
   <p:cSld>
     <p:spTree>
@@ -18030,7 +17697,7 @@
             <a:fld id="{9DFD9A34-EC64-4F0B-9C9B-2C0A202A050B}" type="slidenum">
               <a:rPr lang="en-US" smtClean="0"/>
               <a:pPr/>
-              <a:t>39</a:t>
+              <a:t>37</a:t>
             </a:fld>
             <a:endParaRPr lang="en-US" dirty="0"/>
           </a:p>
@@ -18136,7 +17803,7 @@
 </p:sld>
 </file>
 
-<file path=ppt/slides/slide4.xml><?xml version="1.0" encoding="utf-8"?>
+<file path=ppt/slides/slide38.xml><?xml version="1.0" encoding="utf-8"?>
 <p:sld xmlns:a="http://schemas.openxmlformats.org/drawingml/2006/main" xmlns:r="http://schemas.openxmlformats.org/officeDocument/2006/relationships" xmlns:p="http://schemas.openxmlformats.org/presentationml/2006/main">
   <p:cSld>
     <p:spTree>
@@ -18171,144 +17838,7 @@
             <a:fld id="{9DFD9A34-EC64-4F0B-9C9B-2C0A202A050B}" type="slidenum">
               <a:rPr lang="en-US" smtClean="0"/>
               <a:pPr/>
-              <a:t>4</a:t>
-            </a:fld>
-            <a:endParaRPr lang="en-US" dirty="0"/>
-          </a:p>
-        </p:txBody>
-      </p:sp>
-      <p:sp>
-        <p:nvSpPr>
-          <p:cNvPr id="3" name="Content Placeholder 2"/>
-          <p:cNvSpPr>
-            <a:spLocks noGrp="1"/>
-          </p:cNvSpPr>
-          <p:nvPr>
-            <p:ph sz="quarter" idx="14"/>
-          </p:nvPr>
-        </p:nvSpPr>
-        <p:spPr/>
-        <p:txBody>
-          <a:bodyPr/>
-          <a:lstStyle/>
-          <a:p>
-            <a:pPr lvl="2"/>
-            <a:r>
-              <a:rPr lang="en-US" dirty="0" smtClean="0"/>
-              <a:t>Vậy kiến trúc hướng dịch vụ (SOA) là gì? </a:t>
-            </a:r>
-          </a:p>
-          <a:p>
-            <a:pPr lvl="2"/>
-            <a:r>
-              <a:rPr lang="en-US" dirty="0" smtClean="0"/>
-              <a:t>Nền tảng công nghệ nào xây dựng nên kiến trúc đó?</a:t>
-            </a:r>
-          </a:p>
-          <a:p>
-            <a:pPr lvl="2"/>
-            <a:r>
-              <a:rPr lang="en-US" dirty="0" smtClean="0"/>
-              <a:t>Các khung ứng dụng, môi trường phát triển  và thực thi nào hỗ trợ lập trình theo kiến trúc hướng dịch vụ</a:t>
-            </a:r>
-          </a:p>
-          <a:p>
-            <a:pPr lvl="2"/>
-            <a:r>
-              <a:rPr lang="en-US" dirty="0" smtClean="0"/>
-              <a:t>Trên cơ sở nghiên cứu đó, trong phạm vi luận văn này, sẽ giới thiệu một giải pháp để hỗ trợ xây dựng ứng dụng theo kiến trúc hướng dịch vụ</a:t>
-            </a:r>
-          </a:p>
-          <a:p>
-            <a:pPr lvl="2"/>
-            <a:endParaRPr lang="en-US" dirty="0"/>
-          </a:p>
-          <a:p>
-            <a:endParaRPr lang="en-US" dirty="0"/>
-          </a:p>
-        </p:txBody>
-      </p:sp>
-      <p:sp>
-        <p:nvSpPr>
-          <p:cNvPr id="4" name="Title 3"/>
-          <p:cNvSpPr>
-            <a:spLocks noGrp="1"/>
-          </p:cNvSpPr>
-          <p:nvPr>
-            <p:ph type="title"/>
-          </p:nvPr>
-        </p:nvSpPr>
-        <p:spPr/>
-        <p:txBody>
-          <a:bodyPr>
-            <a:normAutofit fontScale="90000"/>
-          </a:bodyPr>
-          <a:lstStyle/>
-          <a:p>
-            <a:r>
-              <a:rPr lang="en-US" dirty="0" smtClean="0"/>
-              <a:t>Phần mở đầu</a:t>
-            </a:r>
-            <a:endParaRPr lang="en-US" dirty="0"/>
-          </a:p>
-        </p:txBody>
-      </p:sp>
-    </p:spTree>
-    <p:extLst>
-      <p:ext uri="{BB962C8B-B14F-4D97-AF65-F5344CB8AC3E}">
-        <p14:creationId xmlns:p14="http://schemas.microsoft.com/office/powerpoint/2010/main" val="765470208"/>
-      </p:ext>
-    </p:extLst>
-  </p:cSld>
-  <p:clrMapOvr>
-    <a:masterClrMapping/>
-  </p:clrMapOvr>
-  <p:timing>
-    <p:tnLst>
-      <p:par>
-        <p:cTn id="1" dur="indefinite" restart="never" nodeType="tmRoot"/>
-      </p:par>
-    </p:tnLst>
-  </p:timing>
-</p:sld>
-</file>
-
-<file path=ppt/slides/slide40.xml><?xml version="1.0" encoding="utf-8"?>
-<p:sld xmlns:a="http://schemas.openxmlformats.org/drawingml/2006/main" xmlns:r="http://schemas.openxmlformats.org/officeDocument/2006/relationships" xmlns:p="http://schemas.openxmlformats.org/presentationml/2006/main">
-  <p:cSld>
-    <p:spTree>
-      <p:nvGrpSpPr>
-        <p:cNvPr id="1" name=""/>
-        <p:cNvGrpSpPr/>
-        <p:nvPr/>
-      </p:nvGrpSpPr>
-      <p:grpSpPr>
-        <a:xfrm>
-          <a:off x="0" y="0"/>
-          <a:ext cx="0" cy="0"/>
-          <a:chOff x="0" y="0"/>
-          <a:chExt cx="0" cy="0"/>
-        </a:xfrm>
-      </p:grpSpPr>
-      <p:sp>
-        <p:nvSpPr>
-          <p:cNvPr id="2" name="Slide Number Placeholder 1"/>
-          <p:cNvSpPr>
-            <a:spLocks noGrp="1"/>
-          </p:cNvSpPr>
-          <p:nvPr>
-            <p:ph type="sldNum" sz="quarter" idx="12"/>
-          </p:nvPr>
-        </p:nvSpPr>
-        <p:spPr/>
-        <p:txBody>
-          <a:bodyPr/>
-          <a:lstStyle/>
-          <a:p>
-            <a:fld id="{9DFD9A34-EC64-4F0B-9C9B-2C0A202A050B}" type="slidenum">
-              <a:rPr lang="en-US" smtClean="0"/>
-              <a:pPr/>
-              <a:t>40</a:t>
+              <a:t>38</a:t>
             </a:fld>
             <a:endParaRPr lang="en-US" dirty="0"/>
           </a:p>
@@ -18475,7 +18005,7 @@
 </p:sld>
 </file>
 
-<file path=ppt/slides/slide41.xml><?xml version="1.0" encoding="utf-8"?>
+<file path=ppt/slides/slide39.xml><?xml version="1.0" encoding="utf-8"?>
 <p:sld xmlns:a="http://schemas.openxmlformats.org/drawingml/2006/main" xmlns:r="http://schemas.openxmlformats.org/officeDocument/2006/relationships" xmlns:p="http://schemas.openxmlformats.org/presentationml/2006/main">
   <p:cSld>
     <p:spTree>
@@ -18510,7 +18040,7 @@
             <a:fld id="{9DFD9A34-EC64-4F0B-9C9B-2C0A202A050B}" type="slidenum">
               <a:rPr lang="en-US" smtClean="0"/>
               <a:pPr/>
-              <a:t>41</a:t>
+              <a:t>39</a:t>
             </a:fld>
             <a:endParaRPr lang="en-US" dirty="0"/>
           </a:p>
@@ -18739,7 +18269,7 @@
 </p:sld>
 </file>
 
-<file path=ppt/slides/slide42.xml><?xml version="1.0" encoding="utf-8"?>
+<file path=ppt/slides/slide4.xml><?xml version="1.0" encoding="utf-8"?>
 <p:sld xmlns:a="http://schemas.openxmlformats.org/drawingml/2006/main" xmlns:r="http://schemas.openxmlformats.org/officeDocument/2006/relationships" xmlns:p="http://schemas.openxmlformats.org/presentationml/2006/main">
   <p:cSld>
     <p:spTree>
@@ -18774,7 +18304,144 @@
             <a:fld id="{9DFD9A34-EC64-4F0B-9C9B-2C0A202A050B}" type="slidenum">
               <a:rPr lang="en-US" smtClean="0"/>
               <a:pPr/>
-              <a:t>42</a:t>
+              <a:t>4</a:t>
+            </a:fld>
+            <a:endParaRPr lang="en-US" dirty="0"/>
+          </a:p>
+        </p:txBody>
+      </p:sp>
+      <p:sp>
+        <p:nvSpPr>
+          <p:cNvPr id="3" name="Content Placeholder 2"/>
+          <p:cNvSpPr>
+            <a:spLocks noGrp="1"/>
+          </p:cNvSpPr>
+          <p:nvPr>
+            <p:ph sz="quarter" idx="14"/>
+          </p:nvPr>
+        </p:nvSpPr>
+        <p:spPr/>
+        <p:txBody>
+          <a:bodyPr/>
+          <a:lstStyle/>
+          <a:p>
+            <a:pPr lvl="2"/>
+            <a:r>
+              <a:rPr lang="en-US" dirty="0" smtClean="0"/>
+              <a:t>Vậy kiến trúc hướng dịch vụ (SOA) là gì? </a:t>
+            </a:r>
+          </a:p>
+          <a:p>
+            <a:pPr lvl="2"/>
+            <a:r>
+              <a:rPr lang="en-US" dirty="0" smtClean="0"/>
+              <a:t>Nền tảng công nghệ nào xây dựng nên kiến trúc đó?</a:t>
+            </a:r>
+          </a:p>
+          <a:p>
+            <a:pPr lvl="2"/>
+            <a:r>
+              <a:rPr lang="en-US" dirty="0" smtClean="0"/>
+              <a:t>Các khung ứng dụng, môi trường phát triển  và thực thi nào hỗ trợ lập trình theo kiến trúc hướng dịch vụ</a:t>
+            </a:r>
+          </a:p>
+          <a:p>
+            <a:pPr lvl="2"/>
+            <a:r>
+              <a:rPr lang="en-US" dirty="0" smtClean="0"/>
+              <a:t>Trên cơ sở nghiên cứu đó, trong phạm vi luận văn này, sẽ giới thiệu một giải pháp để hỗ trợ xây dựng ứng dụng theo kiến trúc hướng dịch vụ</a:t>
+            </a:r>
+          </a:p>
+          <a:p>
+            <a:pPr lvl="2"/>
+            <a:endParaRPr lang="en-US" dirty="0"/>
+          </a:p>
+          <a:p>
+            <a:endParaRPr lang="en-US" dirty="0"/>
+          </a:p>
+        </p:txBody>
+      </p:sp>
+      <p:sp>
+        <p:nvSpPr>
+          <p:cNvPr id="4" name="Title 3"/>
+          <p:cNvSpPr>
+            <a:spLocks noGrp="1"/>
+          </p:cNvSpPr>
+          <p:nvPr>
+            <p:ph type="title"/>
+          </p:nvPr>
+        </p:nvSpPr>
+        <p:spPr/>
+        <p:txBody>
+          <a:bodyPr>
+            <a:normAutofit fontScale="90000"/>
+          </a:bodyPr>
+          <a:lstStyle/>
+          <a:p>
+            <a:r>
+              <a:rPr lang="en-US" dirty="0" smtClean="0"/>
+              <a:t>Phần mở đầu</a:t>
+            </a:r>
+            <a:endParaRPr lang="en-US" dirty="0"/>
+          </a:p>
+        </p:txBody>
+      </p:sp>
+    </p:spTree>
+    <p:extLst>
+      <p:ext uri="{BB962C8B-B14F-4D97-AF65-F5344CB8AC3E}">
+        <p14:creationId xmlns:p14="http://schemas.microsoft.com/office/powerpoint/2010/main" val="765470208"/>
+      </p:ext>
+    </p:extLst>
+  </p:cSld>
+  <p:clrMapOvr>
+    <a:masterClrMapping/>
+  </p:clrMapOvr>
+  <p:timing>
+    <p:tnLst>
+      <p:par>
+        <p:cTn id="1" dur="indefinite" restart="never" nodeType="tmRoot"/>
+      </p:par>
+    </p:tnLst>
+  </p:timing>
+</p:sld>
+</file>
+
+<file path=ppt/slides/slide40.xml><?xml version="1.0" encoding="utf-8"?>
+<p:sld xmlns:a="http://schemas.openxmlformats.org/drawingml/2006/main" xmlns:r="http://schemas.openxmlformats.org/officeDocument/2006/relationships" xmlns:p="http://schemas.openxmlformats.org/presentationml/2006/main">
+  <p:cSld>
+    <p:spTree>
+      <p:nvGrpSpPr>
+        <p:cNvPr id="1" name=""/>
+        <p:cNvGrpSpPr/>
+        <p:nvPr/>
+      </p:nvGrpSpPr>
+      <p:grpSpPr>
+        <a:xfrm>
+          <a:off x="0" y="0"/>
+          <a:ext cx="0" cy="0"/>
+          <a:chOff x="0" y="0"/>
+          <a:chExt cx="0" cy="0"/>
+        </a:xfrm>
+      </p:grpSpPr>
+      <p:sp>
+        <p:nvSpPr>
+          <p:cNvPr id="2" name="Slide Number Placeholder 1"/>
+          <p:cNvSpPr>
+            <a:spLocks noGrp="1"/>
+          </p:cNvSpPr>
+          <p:nvPr>
+            <p:ph type="sldNum" sz="quarter" idx="12"/>
+          </p:nvPr>
+        </p:nvSpPr>
+        <p:spPr/>
+        <p:txBody>
+          <a:bodyPr/>
+          <a:lstStyle/>
+          <a:p>
+            <a:fld id="{9DFD9A34-EC64-4F0B-9C9B-2C0A202A050B}" type="slidenum">
+              <a:rPr lang="en-US" smtClean="0"/>
+              <a:pPr/>
+              <a:t>40</a:t>
             </a:fld>
             <a:endParaRPr lang="en-US" dirty="0"/>
           </a:p>
@@ -19010,7 +18677,7 @@
 </p:sld>
 </file>
 
-<file path=ppt/slides/slide43.xml><?xml version="1.0" encoding="utf-8"?>
+<file path=ppt/slides/slide41.xml><?xml version="1.0" encoding="utf-8"?>
 <p:sld xmlns:a="http://schemas.openxmlformats.org/drawingml/2006/main" xmlns:r="http://schemas.openxmlformats.org/officeDocument/2006/relationships" xmlns:p="http://schemas.openxmlformats.org/presentationml/2006/main">
   <p:cSld>
     <p:spTree>
@@ -19045,7 +18712,7 @@
             <a:fld id="{9DFD9A34-EC64-4F0B-9C9B-2C0A202A050B}" type="slidenum">
               <a:rPr lang="en-US" smtClean="0"/>
               <a:pPr/>
-              <a:t>43</a:t>
+              <a:t>41</a:t>
             </a:fld>
             <a:endParaRPr lang="en-US" dirty="0"/>
           </a:p>
@@ -19225,7 +18892,7 @@
 </p:sld>
 </file>
 
-<file path=ppt/slides/slide44.xml><?xml version="1.0" encoding="utf-8"?>
+<file path=ppt/slides/slide42.xml><?xml version="1.0" encoding="utf-8"?>
 <p:sld xmlns:a="http://schemas.openxmlformats.org/drawingml/2006/main" xmlns:r="http://schemas.openxmlformats.org/officeDocument/2006/relationships" xmlns:p="http://schemas.openxmlformats.org/presentationml/2006/main">
   <p:cSld>
     <p:spTree>
@@ -19260,7 +18927,7 @@
             <a:fld id="{9DFD9A34-EC64-4F0B-9C9B-2C0A202A050B}" type="slidenum">
               <a:rPr lang="en-US" smtClean="0"/>
               <a:pPr/>
-              <a:t>44</a:t>
+              <a:t>42</a:t>
             </a:fld>
             <a:endParaRPr lang="en-US" dirty="0"/>
           </a:p>
@@ -19424,7 +19091,7 @@
 </p:sld>
 </file>
 
-<file path=ppt/slides/slide45.xml><?xml version="1.0" encoding="utf-8"?>
+<file path=ppt/slides/slide43.xml><?xml version="1.0" encoding="utf-8"?>
 <p:sld xmlns:a="http://schemas.openxmlformats.org/drawingml/2006/main" xmlns:r="http://schemas.openxmlformats.org/officeDocument/2006/relationships" xmlns:p="http://schemas.openxmlformats.org/presentationml/2006/main">
   <p:cSld>
     <p:spTree>
@@ -19459,7 +19126,7 @@
             <a:fld id="{9DFD9A34-EC64-4F0B-9C9B-2C0A202A050B}" type="slidenum">
               <a:rPr lang="en-US" smtClean="0"/>
               <a:pPr/>
-              <a:t>45</a:t>
+              <a:t>43</a:t>
             </a:fld>
             <a:endParaRPr lang="en-US" dirty="0"/>
           </a:p>
@@ -19629,7 +19296,7 @@
 </p:sld>
 </file>
 
-<file path=ppt/slides/slide46.xml><?xml version="1.0" encoding="utf-8"?>
+<file path=ppt/slides/slide44.xml><?xml version="1.0" encoding="utf-8"?>
 <p:sld xmlns:a="http://schemas.openxmlformats.org/drawingml/2006/main" xmlns:r="http://schemas.openxmlformats.org/officeDocument/2006/relationships" xmlns:p="http://schemas.openxmlformats.org/presentationml/2006/main">
   <p:cSld>
     <p:spTree>
@@ -19664,7 +19331,7 @@
             <a:fld id="{9DFD9A34-EC64-4F0B-9C9B-2C0A202A050B}" type="slidenum">
               <a:rPr lang="en-US" smtClean="0"/>
               <a:pPr/>
-              <a:t>46</a:t>
+              <a:t>44</a:t>
             </a:fld>
             <a:endParaRPr lang="en-US" dirty="0"/>
           </a:p>
@@ -19768,7 +19435,7 @@
 </p:sld>
 </file>
 
-<file path=ppt/slides/slide47.xml><?xml version="1.0" encoding="utf-8"?>
+<file path=ppt/slides/slide45.xml><?xml version="1.0" encoding="utf-8"?>
 <p:sld xmlns:a="http://schemas.openxmlformats.org/drawingml/2006/main" xmlns:r="http://schemas.openxmlformats.org/officeDocument/2006/relationships" xmlns:p="http://schemas.openxmlformats.org/presentationml/2006/main">
   <p:cSld>
     <p:bg>
@@ -20740,7 +20407,7 @@
 </p:sld>
 </file>
 
-<file path=ppt/slides/slide48.xml><?xml version="1.0" encoding="utf-8"?>
+<file path=ppt/slides/slide46.xml><?xml version="1.0" encoding="utf-8"?>
 <p:sld xmlns:a="http://schemas.openxmlformats.org/drawingml/2006/main" xmlns:r="http://schemas.openxmlformats.org/officeDocument/2006/relationships" xmlns:p="http://schemas.openxmlformats.org/presentationml/2006/main">
   <p:cSld>
     <p:spTree>
@@ -20775,7 +20442,7 @@
             <a:fld id="{9DFD9A34-EC64-4F0B-9C9B-2C0A202A050B}" type="slidenum">
               <a:rPr lang="en-US" smtClean="0"/>
               <a:pPr/>
-              <a:t>48</a:t>
+              <a:t>46</a:t>
             </a:fld>
             <a:endParaRPr lang="en-US" dirty="0"/>
           </a:p>
@@ -21011,7 +20678,7 @@
 </p:sld>
 </file>
 
-<file path=ppt/slides/slide49.xml><?xml version="1.0" encoding="utf-8"?>
+<file path=ppt/slides/slide47.xml><?xml version="1.0" encoding="utf-8"?>
 <p:sld xmlns:a="http://schemas.openxmlformats.org/drawingml/2006/main" xmlns:r="http://schemas.openxmlformats.org/officeDocument/2006/relationships" xmlns:p="http://schemas.openxmlformats.org/presentationml/2006/main">
   <p:cSld>
     <p:spTree>
@@ -21046,7 +20713,7 @@
             <a:fld id="{9DFD9A34-EC64-4F0B-9C9B-2C0A202A050B}" type="slidenum">
               <a:rPr lang="en-US" smtClean="0"/>
               <a:pPr/>
-              <a:t>49</a:t>
+              <a:t>47</a:t>
             </a:fld>
             <a:endParaRPr lang="en-US" dirty="0"/>
           </a:p>
@@ -21441,15 +21108,7 @@
             </a:r>
             <a:r>
               <a:rPr lang="en-US" dirty="0" smtClean="0"/>
-              <a:t>Công nghệ dịch vụ web </a:t>
-            </a:r>
-            <a:r>
-              <a:rPr lang="en-US" dirty="0" smtClean="0"/>
-              <a:t>(Web Services</a:t>
-            </a:r>
-            <a:r>
-              <a:rPr lang="en-US" dirty="0" smtClean="0"/>
-              <a:t>) đã trở thành một phương pháp phổ biến cho việc kết nối các thành phần của hệ thống SOA với nhau</a:t>
+              <a:t>Công nghệ dịch vụ web (Web Services) đã trở thành một phương pháp phổ biến cho việc kết nối các thành phần của hệ thống SOA với nhau</a:t>
             </a:r>
             <a:endParaRPr lang="en-US" dirty="0"/>
           </a:p>
@@ -21599,11 +21258,7 @@
             <a:pPr lvl="2"/>
             <a:r>
               <a:rPr lang="en-US" dirty="0" smtClean="0"/>
-              <a:t>Web </a:t>
-            </a:r>
-            <a:r>
-              <a:rPr lang="en-US" dirty="0" smtClean="0"/>
-              <a:t>Services </a:t>
+              <a:t>Web Services </a:t>
             </a:r>
             <a:r>
               <a:rPr lang="en-US" dirty="0"/>
@@ -22854,11 +22509,7 @@
           <a:p>
             <a:r>
               <a:rPr lang="en-US" dirty="0" smtClean="0"/>
-              <a:t>Các thành phần của Web </a:t>
-            </a:r>
-            <a:r>
-              <a:rPr lang="en-US" dirty="0" smtClean="0"/>
-              <a:t>Services</a:t>
+              <a:t>Các thành phần của Web Services</a:t>
             </a:r>
             <a:endParaRPr lang="en-US" dirty="0"/>
           </a:p>

--- a/WORD/luanvan_nhanhnt_ver5.pptx
+++ b/WORD/luanvan_nhanhnt_ver5.pptx
@@ -7,7 +7,7 @@
     <p:sldMasterId id="2147483652" r:id="rId3"/>
   </p:sldMasterIdLst>
   <p:notesMasterIdLst>
-    <p:notesMasterId r:id="rId51"/>
+    <p:notesMasterId r:id="rId59"/>
   </p:notesMasterIdLst>
   <p:sldIdLst>
     <p:sldId id="256" r:id="rId4"/>
@@ -35,28 +35,36 @@
     <p:sldId id="294" r:id="rId26"/>
     <p:sldId id="297" r:id="rId27"/>
     <p:sldId id="328" r:id="rId28"/>
-    <p:sldId id="306" r:id="rId29"/>
-    <p:sldId id="307" r:id="rId30"/>
-    <p:sldId id="308" r:id="rId31"/>
-    <p:sldId id="311" r:id="rId32"/>
-    <p:sldId id="312" r:id="rId33"/>
-    <p:sldId id="321" r:id="rId34"/>
-    <p:sldId id="322" r:id="rId35"/>
-    <p:sldId id="329" r:id="rId36"/>
-    <p:sldId id="330" r:id="rId37"/>
-    <p:sldId id="331" r:id="rId38"/>
-    <p:sldId id="313" r:id="rId39"/>
-    <p:sldId id="314" r:id="rId40"/>
-    <p:sldId id="315" r:id="rId41"/>
-    <p:sldId id="316" r:id="rId42"/>
-    <p:sldId id="317" r:id="rId43"/>
-    <p:sldId id="318" r:id="rId44"/>
-    <p:sldId id="319" r:id="rId45"/>
-    <p:sldId id="320" r:id="rId46"/>
-    <p:sldId id="332" r:id="rId47"/>
-    <p:sldId id="333" r:id="rId48"/>
-    <p:sldId id="334" r:id="rId49"/>
-    <p:sldId id="335" r:id="rId50"/>
+    <p:sldId id="340" r:id="rId29"/>
+    <p:sldId id="341" r:id="rId30"/>
+    <p:sldId id="342" r:id="rId31"/>
+    <p:sldId id="343" r:id="rId32"/>
+    <p:sldId id="344" r:id="rId33"/>
+    <p:sldId id="306" r:id="rId34"/>
+    <p:sldId id="307" r:id="rId35"/>
+    <p:sldId id="308" r:id="rId36"/>
+    <p:sldId id="311" r:id="rId37"/>
+    <p:sldId id="312" r:id="rId38"/>
+    <p:sldId id="321" r:id="rId39"/>
+    <p:sldId id="322" r:id="rId40"/>
+    <p:sldId id="329" r:id="rId41"/>
+    <p:sldId id="330" r:id="rId42"/>
+    <p:sldId id="331" r:id="rId43"/>
+    <p:sldId id="313" r:id="rId44"/>
+    <p:sldId id="314" r:id="rId45"/>
+    <p:sldId id="315" r:id="rId46"/>
+    <p:sldId id="316" r:id="rId47"/>
+    <p:sldId id="317" r:id="rId48"/>
+    <p:sldId id="318" r:id="rId49"/>
+    <p:sldId id="319" r:id="rId50"/>
+    <p:sldId id="320" r:id="rId51"/>
+    <p:sldId id="336" r:id="rId52"/>
+    <p:sldId id="337" r:id="rId53"/>
+    <p:sldId id="338" r:id="rId54"/>
+    <p:sldId id="333" r:id="rId55"/>
+    <p:sldId id="334" r:id="rId56"/>
+    <p:sldId id="335" r:id="rId57"/>
+    <p:sldId id="339" r:id="rId58"/>
   </p:sldIdLst>
   <p:sldSz cx="12188825" cy="6858000"/>
   <p:notesSz cx="6858000" cy="9144000"/>
@@ -11969,7 +11977,19 @@
           <a:p>
             <a:r>
               <a:rPr lang="en-US" dirty="0" smtClean="0"/>
-              <a:t>Kiến trúc Plug-in của Eclipse</a:t>
+              <a:t>Kiến </a:t>
+            </a:r>
+            <a:r>
+              <a:rPr lang="en-US" dirty="0" smtClean="0"/>
+              <a:t>trúc mô hình </a:t>
+            </a:r>
+            <a:r>
+              <a:rPr lang="en-US" dirty="0" smtClean="0"/>
+              <a:t>Plug-in </a:t>
+            </a:r>
+            <a:r>
+              <a:rPr lang="en-US" dirty="0" smtClean="0"/>
+              <a:t>Eclipse</a:t>
             </a:r>
             <a:endParaRPr lang="en-US" dirty="0"/>
           </a:p>
@@ -11986,7 +12006,7 @@
         <p:spPr>
           <a:xfrm>
             <a:off x="760412" y="914400"/>
-            <a:ext cx="6172200" cy="5943600"/>
+            <a:ext cx="10515600" cy="5486400"/>
           </a:xfrm>
           <a:prstGeom prst="rect">
             <a:avLst/>
@@ -12132,170 +12152,30 @@
             </a:lvl9pPr>
           </a:lstStyle>
           <a:p>
-            <a:r>
-              <a:rPr lang="en-US" sz="2200" b="1" dirty="0" smtClean="0">
-                <a:latin typeface="Times New Roman" pitchFamily="18" charset="0"/>
-                <a:cs typeface="Times New Roman" pitchFamily="18" charset="0"/>
-              </a:rPr>
-              <a:t>Plug-in</a:t>
-            </a:r>
-            <a:r>
-              <a:rPr lang="en-US" sz="2200" dirty="0" smtClean="0">
-                <a:latin typeface="Times New Roman" pitchFamily="18" charset="0"/>
-                <a:cs typeface="Times New Roman" pitchFamily="18" charset="0"/>
-              </a:rPr>
-              <a:t>: Trình cắm - tập hợp các chức năng</a:t>
-            </a:r>
-          </a:p>
-          <a:p>
-            <a:pPr lvl="1"/>
-            <a:r>
-              <a:rPr lang="en-US" sz="2200" dirty="0" smtClean="0">
-                <a:latin typeface="Times New Roman" pitchFamily="18" charset="0"/>
-                <a:cs typeface="Times New Roman" pitchFamily="18" charset="0"/>
-              </a:rPr>
-              <a:t>Đơn vị nhỏ nhất của Eclipse</a:t>
-            </a:r>
-          </a:p>
-          <a:p>
-            <a:pPr lvl="1"/>
-            <a:r>
-              <a:rPr lang="en-US" sz="2200" dirty="0" smtClean="0">
-                <a:latin typeface="Times New Roman" pitchFamily="18" charset="0"/>
-                <a:cs typeface="Times New Roman" pitchFamily="18" charset="0"/>
-              </a:rPr>
-              <a:t>Ví dụ plug-in lớn: HTML editor</a:t>
-            </a:r>
-          </a:p>
-          <a:p>
-            <a:pPr lvl="1"/>
-            <a:r>
-              <a:rPr lang="en-US" sz="2200" dirty="0" smtClean="0">
-                <a:latin typeface="Times New Roman" pitchFamily="18" charset="0"/>
-                <a:cs typeface="Times New Roman" pitchFamily="18" charset="0"/>
-              </a:rPr>
-              <a:t>Ví dụ plug-in nhỏ: Action để tạo file zip</a:t>
-            </a:r>
-          </a:p>
-          <a:p>
-            <a:r>
-              <a:rPr lang="en-US" sz="2200" b="1" dirty="0" smtClean="0">
-                <a:latin typeface="Times New Roman" pitchFamily="18" charset="0"/>
-                <a:cs typeface="Times New Roman" pitchFamily="18" charset="0"/>
-              </a:rPr>
-              <a:t>Extension point</a:t>
-            </a:r>
-            <a:r>
-              <a:rPr lang="en-US" sz="2200" dirty="0" smtClean="0">
-                <a:latin typeface="Times New Roman" pitchFamily="18" charset="0"/>
-                <a:cs typeface="Times New Roman" pitchFamily="18" charset="0"/>
-              </a:rPr>
-              <a:t>: thực thể được đặt tên đại diện cho  tập hợp các chức năng.</a:t>
-            </a:r>
-          </a:p>
-          <a:p>
-            <a:pPr lvl="1"/>
-            <a:r>
-              <a:rPr lang="en-US" sz="2200" dirty="0" smtClean="0">
-                <a:latin typeface="Times New Roman" pitchFamily="18" charset="0"/>
-                <a:cs typeface="Times New Roman" pitchFamily="18" charset="0"/>
-              </a:rPr>
-              <a:t>Extension point là 1 cơ chế cho phép 1 plug-in có thể thêm các chức năng từ 1 plug-in khác.</a:t>
-            </a:r>
-          </a:p>
-          <a:p>
-            <a:pPr lvl="1"/>
-            <a:r>
-              <a:rPr lang="en-US" sz="2200" dirty="0" smtClean="0">
-                <a:latin typeface="Times New Roman" pitchFamily="18" charset="0"/>
-                <a:cs typeface="Times New Roman" pitchFamily="18" charset="0"/>
-              </a:rPr>
-              <a:t>Ví dụ: extension point cho giao diện người dùng workbench</a:t>
-            </a:r>
-          </a:p>
-          <a:p>
-            <a:r>
-              <a:rPr lang="en-US" sz="2200" b="1" dirty="0" smtClean="0">
-                <a:latin typeface="Times New Roman" pitchFamily="18" charset="0"/>
-                <a:cs typeface="Times New Roman" pitchFamily="18" charset="0"/>
-              </a:rPr>
-              <a:t>Extension</a:t>
-            </a:r>
-            <a:r>
-              <a:rPr lang="en-US" sz="2200" dirty="0" smtClean="0">
-                <a:latin typeface="Times New Roman" pitchFamily="18" charset="0"/>
-                <a:cs typeface="Times New Roman" pitchFamily="18" charset="0"/>
-              </a:rPr>
-              <a:t>: một chức năng</a:t>
-            </a:r>
-          </a:p>
-          <a:p>
-            <a:pPr lvl="1"/>
-            <a:r>
-              <a:rPr lang="en-US" sz="2200" dirty="0" smtClean="0">
-                <a:latin typeface="Times New Roman" pitchFamily="18" charset="0"/>
-                <a:cs typeface="Times New Roman" pitchFamily="18" charset="0"/>
-              </a:rPr>
-              <a:t>Ví dụ: các chức năng của HTML editor</a:t>
-            </a:r>
-          </a:p>
-          <a:p>
             <a:endParaRPr lang="en-US" dirty="0" smtClean="0"/>
           </a:p>
         </p:txBody>
       </p:sp>
       <p:pic>
         <p:nvPicPr>
-          <p:cNvPr id="7" name="Picture 4"/>
-          <p:cNvPicPr>
-            <a:picLocks noChangeAspect="1" noChangeArrowheads="1"/>
-          </p:cNvPicPr>
+          <p:cNvPr id="8" name="Picture 7" descr="plug-in_manifest.PNG"/>
+          <p:cNvPicPr/>
           <p:nvPr/>
         </p:nvPicPr>
         <p:blipFill>
-          <a:blip r:embed="rId2">
-            <a:extLst>
-              <a:ext uri="{28A0092B-C50C-407E-A947-70E740481C1C}">
-                <a14:useLocalDpi xmlns:a14="http://schemas.microsoft.com/office/drawing/2010/main" val="0"/>
-              </a:ext>
-            </a:extLst>
-          </a:blip>
-          <a:srcRect/>
+          <a:blip r:embed="rId2"/>
           <a:stretch>
             <a:fillRect/>
           </a:stretch>
         </p:blipFill>
-        <p:spPr bwMode="auto">
+        <p:spPr>
           <a:xfrm>
-            <a:off x="7694612" y="990600"/>
-            <a:ext cx="2438400" cy="4655127"/>
+            <a:off x="1827212" y="914400"/>
+            <a:ext cx="8458200" cy="5105400"/>
           </a:xfrm>
           <a:prstGeom prst="rect">
             <a:avLst/>
           </a:prstGeom>
-          <a:noFill/>
-          <a:ln>
-            <a:noFill/>
-          </a:ln>
-          <a:extLst>
-            <a:ext uri="{909E8E84-426E-40DD-AFC4-6F175D3DCCD1}">
-              <a14:hiddenFill xmlns:a14="http://schemas.microsoft.com/office/drawing/2010/main">
-                <a:solidFill>
-                  <a:srgbClr val="FFFFFF"/>
-                </a:solidFill>
-              </a14:hiddenFill>
-            </a:ext>
-            <a:ext uri="{91240B29-F687-4F45-9708-019B960494DF}">
-              <a14:hiddenLine xmlns:a14="http://schemas.microsoft.com/office/drawing/2010/main" w="9525">
-                <a:solidFill>
-                  <a:srgbClr val="000000"/>
-                </a:solidFill>
-                <a:miter lim="800000"/>
-                <a:headEnd/>
-                <a:tailEnd/>
-              </a14:hiddenLine>
-            </a:ext>
-          </a:extLst>
         </p:spPr>
       </p:pic>
     </p:spTree>
@@ -12361,147 +12241,6 @@
       </p:sp>
       <p:sp>
         <p:nvSpPr>
-          <p:cNvPr id="3" name="Content Placeholder 2"/>
-          <p:cNvSpPr>
-            <a:spLocks noGrp="1"/>
-          </p:cNvSpPr>
-          <p:nvPr>
-            <p:ph sz="quarter" idx="14"/>
-          </p:nvPr>
-        </p:nvSpPr>
-        <p:spPr>
-          <a:xfrm>
-            <a:off x="779926" y="990600"/>
-            <a:ext cx="10496086" cy="5867400"/>
-          </a:xfrm>
-        </p:spPr>
-        <p:txBody>
-          <a:bodyPr>
-            <a:noAutofit/>
-          </a:bodyPr>
-          <a:lstStyle/>
-          <a:p>
-            <a:pPr lvl="2">
-              <a:lnSpc>
-                <a:spcPct val="160000"/>
-              </a:lnSpc>
-            </a:pPr>
-            <a:r>
-              <a:rPr lang="en-US" dirty="0"/>
-              <a:t>Từ kiến trúc của Eclipse có thể dễ dàng thấy các ưu điểm của nó :</a:t>
-            </a:r>
-          </a:p>
-          <a:p>
-            <a:pPr marL="60325" lvl="2" indent="396875">
-              <a:spcBef>
-                <a:spcPts val="0"/>
-              </a:spcBef>
-              <a:spcAft>
-                <a:spcPts val="0"/>
-              </a:spcAft>
-              <a:buFont typeface="Arial" pitchFamily="34" charset="0"/>
-              <a:buChar char="•"/>
-            </a:pPr>
-            <a:r>
-              <a:rPr lang="en-US" dirty="0"/>
-              <a:t>Có khả năng mở rộng, phụ thuộc vào các thành phần gắn thêm như cho ngôn ngữ mới, cho bộ xử lý mới</a:t>
-            </a:r>
-          </a:p>
-          <a:p>
-            <a:pPr marL="60325" lvl="2" indent="396875">
-              <a:spcBef>
-                <a:spcPts val="0"/>
-              </a:spcBef>
-              <a:spcAft>
-                <a:spcPts val="0"/>
-              </a:spcAft>
-              <a:buFont typeface="Arial" pitchFamily="34" charset="0"/>
-              <a:buChar char="•"/>
-            </a:pPr>
-            <a:r>
-              <a:rPr lang="en-US" dirty="0"/>
-              <a:t>Ứng dụng được cho việc phát triển mọi kiểu ứng dụng, từ ứng dụng trong doanh nghiệp, ứng dụng trên máy tính cá nhân cho đến các ứng dụng nhúng cho các thiết bị</a:t>
-            </a:r>
-          </a:p>
-          <a:p>
-            <a:pPr marL="60325" lvl="2" indent="396875">
-              <a:spcBef>
-                <a:spcPts val="0"/>
-              </a:spcBef>
-              <a:spcAft>
-                <a:spcPts val="0"/>
-              </a:spcAft>
-              <a:buFont typeface="Arial" pitchFamily="34" charset="0"/>
-              <a:buChar char="•"/>
-            </a:pPr>
-            <a:r>
-              <a:rPr lang="en-US" dirty="0"/>
-              <a:t>Mọi người có thể tự làm thêm các thành phần gắn thêm theo yêu cầu riêng của mình</a:t>
-            </a:r>
-          </a:p>
-          <a:p>
-            <a:pPr lvl="2">
-              <a:lnSpc>
-                <a:spcPct val="160000"/>
-              </a:lnSpc>
-            </a:pPr>
-            <a:endParaRPr lang="en-US" dirty="0" smtClean="0"/>
-          </a:p>
-          <a:p>
-            <a:pPr lvl="2">
-              <a:lnSpc>
-                <a:spcPct val="160000"/>
-              </a:lnSpc>
-            </a:pPr>
-            <a:endParaRPr lang="en-US" dirty="0"/>
-          </a:p>
-          <a:p>
-            <a:pPr lvl="2">
-              <a:lnSpc>
-                <a:spcPct val="160000"/>
-              </a:lnSpc>
-            </a:pPr>
-            <a:endParaRPr lang="en-US" dirty="0"/>
-          </a:p>
-          <a:p>
-            <a:pPr lvl="2">
-              <a:lnSpc>
-                <a:spcPct val="160000"/>
-              </a:lnSpc>
-            </a:pPr>
-            <a:endParaRPr lang="en-US" dirty="0"/>
-          </a:p>
-          <a:p>
-            <a:pPr lvl="2"/>
-            <a:endParaRPr lang="en-US" dirty="0"/>
-          </a:p>
-          <a:p>
-            <a:pPr marL="60325" lvl="2" indent="396875">
-              <a:buFont typeface="Arial" pitchFamily="34" charset="0"/>
-              <a:buChar char="•"/>
-            </a:pPr>
-            <a:endParaRPr lang="en-US" dirty="0"/>
-          </a:p>
-          <a:p>
-            <a:pPr lvl="2">
-              <a:lnSpc>
-                <a:spcPct val="200000"/>
-              </a:lnSpc>
-            </a:pPr>
-            <a:endParaRPr lang="en-US" dirty="0"/>
-          </a:p>
-          <a:p>
-            <a:pPr lvl="2">
-              <a:lnSpc>
-                <a:spcPct val="200000"/>
-              </a:lnSpc>
-            </a:pPr>
-            <a:endParaRPr lang="en-US" dirty="0"/>
-          </a:p>
-        </p:txBody>
-      </p:sp>
-      <p:sp>
-        <p:nvSpPr>
           <p:cNvPr id="4" name="Title 3"/>
           <p:cNvSpPr>
             <a:spLocks noGrp="1"/>
@@ -12519,16 +12258,256 @@
           <a:p>
             <a:r>
               <a:rPr lang="en-US" dirty="0" smtClean="0"/>
-              <a:t>Tiểu kết chương 2</a:t>
+              <a:t>Cài đặt và kích hoạt Plug-in</a:t>
             </a:r>
             <a:endParaRPr lang="en-US" dirty="0"/>
+          </a:p>
+        </p:txBody>
+      </p:sp>
+      <p:sp>
+        <p:nvSpPr>
+          <p:cNvPr id="6" name="Content Placeholder 2"/>
+          <p:cNvSpPr txBox="1">
+            <a:spLocks/>
+          </p:cNvSpPr>
+          <p:nvPr/>
+        </p:nvSpPr>
+        <p:spPr>
+          <a:xfrm>
+            <a:off x="760412" y="914400"/>
+            <a:ext cx="10515600" cy="5486400"/>
+          </a:xfrm>
+          <a:prstGeom prst="rect">
+            <a:avLst/>
+          </a:prstGeom>
+        </p:spPr>
+        <p:txBody>
+          <a:bodyPr/>
+          <a:lstStyle>
+            <a:lvl1pPr marL="342900" indent="-342900" algn="l" defTabSz="914400" rtl="0" eaLnBrk="1" latinLnBrk="0" hangingPunct="1">
+              <a:spcBef>
+                <a:spcPct val="20000"/>
+              </a:spcBef>
+              <a:buFont typeface="Arial" pitchFamily="34" charset="0"/>
+              <a:buChar char="•"/>
+              <a:defRPr sz="3200" kern="1200">
+                <a:solidFill>
+                  <a:schemeClr val="tx1"/>
+                </a:solidFill>
+                <a:latin typeface="+mn-lt"/>
+                <a:ea typeface="+mn-ea"/>
+                <a:cs typeface="+mn-cs"/>
+              </a:defRPr>
+            </a:lvl1pPr>
+            <a:lvl2pPr marL="742950" indent="-285750" algn="l" defTabSz="914400" rtl="0" eaLnBrk="1" latinLnBrk="0" hangingPunct="1">
+              <a:spcBef>
+                <a:spcPct val="20000"/>
+              </a:spcBef>
+              <a:buFont typeface="Arial" pitchFamily="34" charset="0"/>
+              <a:buChar char="–"/>
+              <a:defRPr sz="2800" kern="1200">
+                <a:solidFill>
+                  <a:schemeClr val="tx1"/>
+                </a:solidFill>
+                <a:latin typeface="+mn-lt"/>
+                <a:ea typeface="+mn-ea"/>
+                <a:cs typeface="+mn-cs"/>
+              </a:defRPr>
+            </a:lvl2pPr>
+            <a:lvl3pPr marL="1143000" indent="-228600" algn="l" defTabSz="914400" rtl="0" eaLnBrk="1" latinLnBrk="0" hangingPunct="1">
+              <a:spcBef>
+                <a:spcPct val="20000"/>
+              </a:spcBef>
+              <a:buFont typeface="Arial" pitchFamily="34" charset="0"/>
+              <a:buChar char="•"/>
+              <a:defRPr sz="2400" kern="1200">
+                <a:solidFill>
+                  <a:schemeClr val="tx1"/>
+                </a:solidFill>
+                <a:latin typeface="+mn-lt"/>
+                <a:ea typeface="+mn-ea"/>
+                <a:cs typeface="+mn-cs"/>
+              </a:defRPr>
+            </a:lvl3pPr>
+            <a:lvl4pPr marL="1600200" indent="-228600" algn="l" defTabSz="914400" rtl="0" eaLnBrk="1" latinLnBrk="0" hangingPunct="1">
+              <a:spcBef>
+                <a:spcPct val="20000"/>
+              </a:spcBef>
+              <a:buFont typeface="Arial" pitchFamily="34" charset="0"/>
+              <a:buChar char="–"/>
+              <a:defRPr sz="2000" kern="1200">
+                <a:solidFill>
+                  <a:schemeClr val="tx1"/>
+                </a:solidFill>
+                <a:latin typeface="+mn-lt"/>
+                <a:ea typeface="+mn-ea"/>
+                <a:cs typeface="+mn-cs"/>
+              </a:defRPr>
+            </a:lvl4pPr>
+            <a:lvl5pPr marL="2057400" indent="-228600" algn="l" defTabSz="914400" rtl="0" eaLnBrk="1" latinLnBrk="0" hangingPunct="1">
+              <a:spcBef>
+                <a:spcPct val="20000"/>
+              </a:spcBef>
+              <a:buFont typeface="Arial" pitchFamily="34" charset="0"/>
+              <a:buChar char="»"/>
+              <a:defRPr sz="2000" kern="1200">
+                <a:solidFill>
+                  <a:schemeClr val="tx1"/>
+                </a:solidFill>
+                <a:latin typeface="+mn-lt"/>
+                <a:ea typeface="+mn-ea"/>
+                <a:cs typeface="+mn-cs"/>
+              </a:defRPr>
+            </a:lvl5pPr>
+            <a:lvl6pPr marL="2514600" indent="-228600" algn="l" defTabSz="914400" rtl="0" eaLnBrk="1" latinLnBrk="0" hangingPunct="1">
+              <a:spcBef>
+                <a:spcPct val="20000"/>
+              </a:spcBef>
+              <a:buFont typeface="Arial" pitchFamily="34" charset="0"/>
+              <a:buChar char="•"/>
+              <a:defRPr sz="2000" kern="1200">
+                <a:solidFill>
+                  <a:schemeClr val="tx1"/>
+                </a:solidFill>
+                <a:latin typeface="+mn-lt"/>
+                <a:ea typeface="+mn-ea"/>
+                <a:cs typeface="+mn-cs"/>
+              </a:defRPr>
+            </a:lvl6pPr>
+            <a:lvl7pPr marL="2971800" indent="-228600" algn="l" defTabSz="914400" rtl="0" eaLnBrk="1" latinLnBrk="0" hangingPunct="1">
+              <a:spcBef>
+                <a:spcPct val="20000"/>
+              </a:spcBef>
+              <a:buFont typeface="Arial" pitchFamily="34" charset="0"/>
+              <a:buChar char="•"/>
+              <a:defRPr sz="2000" kern="1200">
+                <a:solidFill>
+                  <a:schemeClr val="tx1"/>
+                </a:solidFill>
+                <a:latin typeface="+mn-lt"/>
+                <a:ea typeface="+mn-ea"/>
+                <a:cs typeface="+mn-cs"/>
+              </a:defRPr>
+            </a:lvl7pPr>
+            <a:lvl8pPr marL="3429000" indent="-228600" algn="l" defTabSz="914400" rtl="0" eaLnBrk="1" latinLnBrk="0" hangingPunct="1">
+              <a:spcBef>
+                <a:spcPct val="20000"/>
+              </a:spcBef>
+              <a:buFont typeface="Arial" pitchFamily="34" charset="0"/>
+              <a:buChar char="•"/>
+              <a:defRPr sz="2000" kern="1200">
+                <a:solidFill>
+                  <a:schemeClr val="tx1"/>
+                </a:solidFill>
+                <a:latin typeface="+mn-lt"/>
+                <a:ea typeface="+mn-ea"/>
+                <a:cs typeface="+mn-cs"/>
+              </a:defRPr>
+            </a:lvl8pPr>
+            <a:lvl9pPr marL="3886200" indent="-228600" algn="l" defTabSz="914400" rtl="0" eaLnBrk="1" latinLnBrk="0" hangingPunct="1">
+              <a:spcBef>
+                <a:spcPct val="20000"/>
+              </a:spcBef>
+              <a:buFont typeface="Arial" pitchFamily="34" charset="0"/>
+              <a:buChar char="•"/>
+              <a:defRPr sz="2000" kern="1200">
+                <a:solidFill>
+                  <a:schemeClr val="tx1"/>
+                </a:solidFill>
+                <a:latin typeface="+mn-lt"/>
+                <a:ea typeface="+mn-ea"/>
+                <a:cs typeface="+mn-cs"/>
+              </a:defRPr>
+            </a:lvl9pPr>
+          </a:lstStyle>
+          <a:p>
+            <a:pPr marL="0" lvl="2" indent="685800" algn="just">
+              <a:lnSpc>
+                <a:spcPct val="150000"/>
+              </a:lnSpc>
+              <a:spcBef>
+                <a:spcPts val="600"/>
+              </a:spcBef>
+              <a:spcAft>
+                <a:spcPts val="600"/>
+              </a:spcAft>
+              <a:buNone/>
+            </a:pPr>
+            <a:r>
+              <a:rPr lang="en-US" sz="2600" dirty="0">
+                <a:solidFill>
+                  <a:srgbClr val="000066"/>
+                </a:solidFill>
+                <a:latin typeface="Times New Roman" pitchFamily="18" charset="0"/>
+                <a:cs typeface="Times New Roman" pitchFamily="18" charset="0"/>
+              </a:rPr>
+              <a:t>Để sử dụng một plug-in cần sao chép các tài nguyên tạo nên plug-in (tập tin manifest, tập tin jar, và các tập tin tài nguyên khác) vào trong thư mục plugins ở đường dẫn cài đặt Eclipse</a:t>
+            </a:r>
+            <a:endParaRPr lang="en-US" sz="2600" dirty="0">
+              <a:solidFill>
+                <a:srgbClr val="000066"/>
+              </a:solidFill>
+              <a:latin typeface="Times New Roman" pitchFamily="18" charset="0"/>
+              <a:cs typeface="Times New Roman" pitchFamily="18" charset="0"/>
+            </a:endParaRPr>
+          </a:p>
+          <a:p>
+            <a:pPr marL="0" lvl="2" indent="685800" algn="just">
+              <a:lnSpc>
+                <a:spcPct val="150000"/>
+              </a:lnSpc>
+              <a:spcBef>
+                <a:spcPts val="600"/>
+              </a:spcBef>
+              <a:spcAft>
+                <a:spcPts val="600"/>
+              </a:spcAft>
+              <a:buNone/>
+            </a:pPr>
+            <a:r>
+              <a:rPr lang="en-US" sz="2600" dirty="0" smtClean="0">
+                <a:solidFill>
+                  <a:srgbClr val="000066"/>
+                </a:solidFill>
+                <a:latin typeface="Times New Roman" pitchFamily="18" charset="0"/>
+                <a:cs typeface="Times New Roman" pitchFamily="18" charset="0"/>
+              </a:rPr>
+              <a:t>Plug-in </a:t>
+            </a:r>
+            <a:r>
+              <a:rPr lang="en-US" sz="2600" dirty="0">
+                <a:solidFill>
+                  <a:srgbClr val="000066"/>
+                </a:solidFill>
+                <a:latin typeface="Times New Roman" pitchFamily="18" charset="0"/>
+                <a:cs typeface="Times New Roman" pitchFamily="18" charset="0"/>
+              </a:rPr>
+              <a:t>này sẽ được kích hoạt khi Eclipse thực thi chương trình, và có yêu cầu thực hiện chức năng liên quan đến plug-in đó. </a:t>
+            </a:r>
+            <a:r>
+              <a:rPr lang="en-US" sz="2600" dirty="0">
+                <a:solidFill>
+                  <a:srgbClr val="000066"/>
+                </a:solidFill>
+                <a:latin typeface="Times New Roman" pitchFamily="18" charset="0"/>
+                <a:cs typeface="Times New Roman" pitchFamily="18" charset="0"/>
+              </a:rPr>
+              <a:t>Kích hoạt plug-in đồng nghĩa với nạp các class và khởi tạo các biến đối tượng ban đầu</a:t>
+            </a:r>
+            <a:endParaRPr lang="en-US" sz="2600" dirty="0">
+              <a:solidFill>
+                <a:srgbClr val="000066"/>
+              </a:solidFill>
+              <a:latin typeface="Times New Roman" pitchFamily="18" charset="0"/>
+              <a:cs typeface="Times New Roman" pitchFamily="18" charset="0"/>
+            </a:endParaRPr>
           </a:p>
         </p:txBody>
       </p:sp>
     </p:spTree>
     <p:extLst>
       <p:ext uri="{BB962C8B-B14F-4D97-AF65-F5344CB8AC3E}">
-        <p14:creationId xmlns:p14="http://schemas.microsoft.com/office/powerpoint/2010/main" val="1925652982"/>
+        <p14:creationId xmlns:p14="http://schemas.microsoft.com/office/powerpoint/2010/main" val="631132549"/>
       </p:ext>
     </p:extLst>
   </p:cSld>
@@ -12588,67 +12567,6 @@
       </p:sp>
       <p:sp>
         <p:nvSpPr>
-          <p:cNvPr id="3" name="Content Placeholder 2"/>
-          <p:cNvSpPr>
-            <a:spLocks noGrp="1"/>
-          </p:cNvSpPr>
-          <p:nvPr>
-            <p:ph sz="quarter" idx="14"/>
-          </p:nvPr>
-        </p:nvSpPr>
-        <p:spPr>
-          <a:xfrm>
-            <a:off x="779926" y="990600"/>
-            <a:ext cx="10496086" cy="5867400"/>
-          </a:xfrm>
-        </p:spPr>
-        <p:txBody>
-          <a:bodyPr>
-            <a:normAutofit/>
-          </a:bodyPr>
-          <a:lstStyle/>
-          <a:p>
-            <a:pPr>
-              <a:lnSpc>
-                <a:spcPct val="200000"/>
-              </a:lnSpc>
-            </a:pPr>
-            <a:r>
-              <a:rPr lang="en-US" sz="2600" b="1" dirty="0" smtClean="0"/>
-              <a:t>Mục tiêu</a:t>
-            </a:r>
-          </a:p>
-          <a:p>
-            <a:pPr lvl="2">
-              <a:lnSpc>
-                <a:spcPct val="200000"/>
-              </a:lnSpc>
-            </a:pPr>
-            <a:r>
-              <a:rPr lang="en-US" sz="2800" dirty="0" smtClean="0"/>
-              <a:t>Xây </a:t>
-            </a:r>
-            <a:r>
-              <a:rPr lang="en-US" sz="2800" dirty="0"/>
-              <a:t>dựng một kiến trúc hướng dịch vụ theo đường ống </a:t>
-            </a:r>
-            <a:r>
-              <a:rPr lang="en-US" sz="2800" dirty="0" smtClean="0"/>
-              <a:t>– Service Oriented </a:t>
-            </a:r>
-            <a:r>
-              <a:rPr lang="en-US" sz="2800" dirty="0"/>
-              <a:t>Pipeline Architecture (SOPA)</a:t>
-            </a:r>
-            <a:endParaRPr lang="en-US" sz="2600" dirty="0"/>
-          </a:p>
-          <a:p>
-            <a:endParaRPr lang="en-US" dirty="0"/>
-          </a:p>
-        </p:txBody>
-      </p:sp>
-      <p:sp>
-        <p:nvSpPr>
           <p:cNvPr id="4" name="Title 3"/>
           <p:cNvSpPr>
             <a:spLocks noGrp="1"/>
@@ -12665,17 +12583,300 @@
           <a:lstStyle/>
           <a:p>
             <a:r>
-              <a:rPr lang="en-US" b="1" dirty="0"/>
-              <a:t>Bài toán điều phối các lời gọi dịch vụ trong kiến trúc SOA</a:t>
+              <a:rPr lang="en-US" dirty="0" smtClean="0"/>
+              <a:t>Cài đặt và kích hoạt Plug-in</a:t>
             </a:r>
             <a:endParaRPr lang="en-US" dirty="0"/>
+          </a:p>
+        </p:txBody>
+      </p:sp>
+      <p:sp>
+        <p:nvSpPr>
+          <p:cNvPr id="6" name="Content Placeholder 2"/>
+          <p:cNvSpPr txBox="1">
+            <a:spLocks/>
+          </p:cNvSpPr>
+          <p:nvPr/>
+        </p:nvSpPr>
+        <p:spPr>
+          <a:xfrm>
+            <a:off x="760412" y="914400"/>
+            <a:ext cx="10515600" cy="5486400"/>
+          </a:xfrm>
+          <a:prstGeom prst="rect">
+            <a:avLst/>
+          </a:prstGeom>
+        </p:spPr>
+        <p:txBody>
+          <a:bodyPr/>
+          <a:lstStyle>
+            <a:lvl1pPr marL="342900" indent="-342900" algn="l" defTabSz="914400" rtl="0" eaLnBrk="1" latinLnBrk="0" hangingPunct="1">
+              <a:spcBef>
+                <a:spcPct val="20000"/>
+              </a:spcBef>
+              <a:buFont typeface="Arial" pitchFamily="34" charset="0"/>
+              <a:buChar char="•"/>
+              <a:defRPr sz="3200" kern="1200">
+                <a:solidFill>
+                  <a:schemeClr val="tx1"/>
+                </a:solidFill>
+                <a:latin typeface="+mn-lt"/>
+                <a:ea typeface="+mn-ea"/>
+                <a:cs typeface="+mn-cs"/>
+              </a:defRPr>
+            </a:lvl1pPr>
+            <a:lvl2pPr marL="742950" indent="-285750" algn="l" defTabSz="914400" rtl="0" eaLnBrk="1" latinLnBrk="0" hangingPunct="1">
+              <a:spcBef>
+                <a:spcPct val="20000"/>
+              </a:spcBef>
+              <a:buFont typeface="Arial" pitchFamily="34" charset="0"/>
+              <a:buChar char="–"/>
+              <a:defRPr sz="2800" kern="1200">
+                <a:solidFill>
+                  <a:schemeClr val="tx1"/>
+                </a:solidFill>
+                <a:latin typeface="+mn-lt"/>
+                <a:ea typeface="+mn-ea"/>
+                <a:cs typeface="+mn-cs"/>
+              </a:defRPr>
+            </a:lvl2pPr>
+            <a:lvl3pPr marL="1143000" indent="-228600" algn="l" defTabSz="914400" rtl="0" eaLnBrk="1" latinLnBrk="0" hangingPunct="1">
+              <a:spcBef>
+                <a:spcPct val="20000"/>
+              </a:spcBef>
+              <a:buFont typeface="Arial" pitchFamily="34" charset="0"/>
+              <a:buChar char="•"/>
+              <a:defRPr sz="2400" kern="1200">
+                <a:solidFill>
+                  <a:schemeClr val="tx1"/>
+                </a:solidFill>
+                <a:latin typeface="+mn-lt"/>
+                <a:ea typeface="+mn-ea"/>
+                <a:cs typeface="+mn-cs"/>
+              </a:defRPr>
+            </a:lvl3pPr>
+            <a:lvl4pPr marL="1600200" indent="-228600" algn="l" defTabSz="914400" rtl="0" eaLnBrk="1" latinLnBrk="0" hangingPunct="1">
+              <a:spcBef>
+                <a:spcPct val="20000"/>
+              </a:spcBef>
+              <a:buFont typeface="Arial" pitchFamily="34" charset="0"/>
+              <a:buChar char="–"/>
+              <a:defRPr sz="2000" kern="1200">
+                <a:solidFill>
+                  <a:schemeClr val="tx1"/>
+                </a:solidFill>
+                <a:latin typeface="+mn-lt"/>
+                <a:ea typeface="+mn-ea"/>
+                <a:cs typeface="+mn-cs"/>
+              </a:defRPr>
+            </a:lvl4pPr>
+            <a:lvl5pPr marL="2057400" indent="-228600" algn="l" defTabSz="914400" rtl="0" eaLnBrk="1" latinLnBrk="0" hangingPunct="1">
+              <a:spcBef>
+                <a:spcPct val="20000"/>
+              </a:spcBef>
+              <a:buFont typeface="Arial" pitchFamily="34" charset="0"/>
+              <a:buChar char="»"/>
+              <a:defRPr sz="2000" kern="1200">
+                <a:solidFill>
+                  <a:schemeClr val="tx1"/>
+                </a:solidFill>
+                <a:latin typeface="+mn-lt"/>
+                <a:ea typeface="+mn-ea"/>
+                <a:cs typeface="+mn-cs"/>
+              </a:defRPr>
+            </a:lvl5pPr>
+            <a:lvl6pPr marL="2514600" indent="-228600" algn="l" defTabSz="914400" rtl="0" eaLnBrk="1" latinLnBrk="0" hangingPunct="1">
+              <a:spcBef>
+                <a:spcPct val="20000"/>
+              </a:spcBef>
+              <a:buFont typeface="Arial" pitchFamily="34" charset="0"/>
+              <a:buChar char="•"/>
+              <a:defRPr sz="2000" kern="1200">
+                <a:solidFill>
+                  <a:schemeClr val="tx1"/>
+                </a:solidFill>
+                <a:latin typeface="+mn-lt"/>
+                <a:ea typeface="+mn-ea"/>
+                <a:cs typeface="+mn-cs"/>
+              </a:defRPr>
+            </a:lvl6pPr>
+            <a:lvl7pPr marL="2971800" indent="-228600" algn="l" defTabSz="914400" rtl="0" eaLnBrk="1" latinLnBrk="0" hangingPunct="1">
+              <a:spcBef>
+                <a:spcPct val="20000"/>
+              </a:spcBef>
+              <a:buFont typeface="Arial" pitchFamily="34" charset="0"/>
+              <a:buChar char="•"/>
+              <a:defRPr sz="2000" kern="1200">
+                <a:solidFill>
+                  <a:schemeClr val="tx1"/>
+                </a:solidFill>
+                <a:latin typeface="+mn-lt"/>
+                <a:ea typeface="+mn-ea"/>
+                <a:cs typeface="+mn-cs"/>
+              </a:defRPr>
+            </a:lvl7pPr>
+            <a:lvl8pPr marL="3429000" indent="-228600" algn="l" defTabSz="914400" rtl="0" eaLnBrk="1" latinLnBrk="0" hangingPunct="1">
+              <a:spcBef>
+                <a:spcPct val="20000"/>
+              </a:spcBef>
+              <a:buFont typeface="Arial" pitchFamily="34" charset="0"/>
+              <a:buChar char="•"/>
+              <a:defRPr sz="2000" kern="1200">
+                <a:solidFill>
+                  <a:schemeClr val="tx1"/>
+                </a:solidFill>
+                <a:latin typeface="+mn-lt"/>
+                <a:ea typeface="+mn-ea"/>
+                <a:cs typeface="+mn-cs"/>
+              </a:defRPr>
+            </a:lvl8pPr>
+            <a:lvl9pPr marL="3886200" indent="-228600" algn="l" defTabSz="914400" rtl="0" eaLnBrk="1" latinLnBrk="0" hangingPunct="1">
+              <a:spcBef>
+                <a:spcPct val="20000"/>
+              </a:spcBef>
+              <a:buFont typeface="Arial" pitchFamily="34" charset="0"/>
+              <a:buChar char="•"/>
+              <a:defRPr sz="2000" kern="1200">
+                <a:solidFill>
+                  <a:schemeClr val="tx1"/>
+                </a:solidFill>
+                <a:latin typeface="+mn-lt"/>
+                <a:ea typeface="+mn-ea"/>
+                <a:cs typeface="+mn-cs"/>
+              </a:defRPr>
+            </a:lvl9pPr>
+          </a:lstStyle>
+          <a:p>
+            <a:pPr marL="0" lvl="2" indent="685800" algn="just">
+              <a:lnSpc>
+                <a:spcPct val="150000"/>
+              </a:lnSpc>
+              <a:spcBef>
+                <a:spcPts val="600"/>
+              </a:spcBef>
+              <a:spcAft>
+                <a:spcPts val="600"/>
+              </a:spcAft>
+              <a:buNone/>
+            </a:pPr>
+            <a:r>
+              <a:rPr lang="en-US" dirty="0">
+                <a:solidFill>
+                  <a:srgbClr val="000066"/>
+                </a:solidFill>
+                <a:latin typeface="Times New Roman" pitchFamily="18" charset="0"/>
+                <a:cs typeface="Times New Roman" pitchFamily="18" charset="0"/>
+              </a:rPr>
+              <a:t>Trong mô hình Eclipse, một plug-in có thể liên quan đến plug-in khác theo dạng quan hệ sau:</a:t>
+            </a:r>
+          </a:p>
+          <a:p>
+            <a:pPr marL="342900" lvl="2" indent="-342900" algn="just">
+              <a:lnSpc>
+                <a:spcPct val="150000"/>
+              </a:lnSpc>
+              <a:spcBef>
+                <a:spcPts val="600"/>
+              </a:spcBef>
+              <a:spcAft>
+                <a:spcPts val="600"/>
+              </a:spcAft>
+            </a:pPr>
+            <a:r>
+              <a:rPr lang="en-US" dirty="0">
+                <a:solidFill>
+                  <a:srgbClr val="000066"/>
+                </a:solidFill>
+                <a:latin typeface="Times New Roman" pitchFamily="18" charset="0"/>
+                <a:cs typeface="Times New Roman" pitchFamily="18" charset="0"/>
+              </a:rPr>
+              <a:t>Phụ thuộc (Dependency): Vai trò trong mối quan hệ này là plug-in phụ thuộc và plug-in tiên quyết. Một plug-in tiên quyết sẽ hỗ trợ chức năng cho plug-in phụ thuộc.</a:t>
+            </a:r>
+          </a:p>
+          <a:p>
+            <a:pPr marL="342900" lvl="2" indent="-342900" algn="just">
+              <a:lnSpc>
+                <a:spcPct val="150000"/>
+              </a:lnSpc>
+              <a:spcBef>
+                <a:spcPts val="600"/>
+              </a:spcBef>
+              <a:spcAft>
+                <a:spcPts val="600"/>
+              </a:spcAft>
+            </a:pPr>
+            <a:r>
+              <a:rPr lang="en-US" dirty="0">
+                <a:solidFill>
+                  <a:srgbClr val="000066"/>
+                </a:solidFill>
+                <a:latin typeface="Times New Roman" pitchFamily="18" charset="0"/>
+                <a:cs typeface="Times New Roman" pitchFamily="18" charset="0"/>
+              </a:rPr>
+              <a:t>Mở rộng (Extension): Vai trò trong mối quan hệ này là plug-in chính </a:t>
+            </a:r>
+            <a:r>
+              <a:rPr lang="en-US" dirty="0">
+                <a:solidFill>
+                  <a:srgbClr val="000066"/>
+                </a:solidFill>
+                <a:latin typeface="Times New Roman" pitchFamily="18" charset="0"/>
+                <a:cs typeface="Times New Roman" pitchFamily="18" charset="0"/>
+              </a:rPr>
+              <a:t>và plug-in mở rộng. Plug-in mở rộng sẽ bổ sung chức năng cho plug-in chính.</a:t>
+            </a:r>
+          </a:p>
+          <a:p>
+            <a:pPr marL="0" lvl="2" indent="685800" algn="just">
+              <a:lnSpc>
+                <a:spcPct val="150000"/>
+              </a:lnSpc>
+              <a:spcBef>
+                <a:spcPts val="600"/>
+              </a:spcBef>
+              <a:spcAft>
+                <a:spcPts val="600"/>
+              </a:spcAft>
+              <a:buNone/>
+            </a:pPr>
+            <a:r>
+              <a:rPr lang="en-US" dirty="0">
+                <a:solidFill>
+                  <a:srgbClr val="000066"/>
+                </a:solidFill>
+                <a:latin typeface="Times New Roman" pitchFamily="18" charset="0"/>
+                <a:cs typeface="Times New Roman" pitchFamily="18" charset="0"/>
+              </a:rPr>
+              <a:t>Mối quan hệ này được đặc tả trong tập tin manifest thông qua các thành phần XML là requires và extension.</a:t>
+            </a:r>
+          </a:p>
+          <a:p>
+            <a:pPr marL="0" lvl="2" indent="685800" algn="just">
+              <a:lnSpc>
+                <a:spcPct val="200000"/>
+              </a:lnSpc>
+              <a:spcBef>
+                <a:spcPts val="600"/>
+              </a:spcBef>
+              <a:spcAft>
+                <a:spcPts val="600"/>
+              </a:spcAft>
+              <a:buNone/>
+            </a:pPr>
+            <a:endParaRPr lang="en-US" sz="2600" dirty="0">
+              <a:solidFill>
+                <a:srgbClr val="000066"/>
+              </a:solidFill>
+              <a:latin typeface="Times New Roman" pitchFamily="18" charset="0"/>
+              <a:cs typeface="Times New Roman" pitchFamily="18" charset="0"/>
+            </a:endParaRPr>
           </a:p>
         </p:txBody>
       </p:sp>
     </p:spTree>
     <p:extLst>
       <p:ext uri="{BB962C8B-B14F-4D97-AF65-F5344CB8AC3E}">
-        <p14:creationId xmlns:p14="http://schemas.microsoft.com/office/powerpoint/2010/main" val="302673987"/>
+        <p14:creationId xmlns:p14="http://schemas.microsoft.com/office/powerpoint/2010/main" val="636237258"/>
       </p:ext>
     </p:extLst>
   </p:cSld>
@@ -12735,71 +12936,6 @@
       </p:sp>
       <p:sp>
         <p:nvSpPr>
-          <p:cNvPr id="3" name="Content Placeholder 2"/>
-          <p:cNvSpPr>
-            <a:spLocks noGrp="1"/>
-          </p:cNvSpPr>
-          <p:nvPr>
-            <p:ph sz="quarter" idx="14"/>
-          </p:nvPr>
-        </p:nvSpPr>
-        <p:spPr>
-          <a:xfrm>
-            <a:off x="779926" y="990600"/>
-            <a:ext cx="10496086" cy="5867400"/>
-          </a:xfrm>
-        </p:spPr>
-        <p:txBody>
-          <a:bodyPr>
-            <a:normAutofit/>
-          </a:bodyPr>
-          <a:lstStyle/>
-          <a:p>
-            <a:pPr>
-              <a:lnSpc>
-                <a:spcPct val="200000"/>
-              </a:lnSpc>
-            </a:pPr>
-            <a:r>
-              <a:rPr lang="en-US" sz="2600" b="1" dirty="0" smtClean="0"/>
-              <a:t>Giải pháp</a:t>
-            </a:r>
-          </a:p>
-          <a:p>
-            <a:pPr lvl="2">
-              <a:lnSpc>
-                <a:spcPct val="200000"/>
-              </a:lnSpc>
-            </a:pPr>
-            <a:r>
-              <a:rPr lang="en-US" sz="2800" dirty="0" smtClean="0"/>
-              <a:t>Xây </a:t>
-            </a:r>
-            <a:r>
-              <a:rPr lang="en-US" sz="2800" dirty="0"/>
-              <a:t>dựng một dịch vụ web đăng ký (web services registry), gọi là bus dịch vụ (Services Bus), phát triển như một plug-in Eclipse. </a:t>
-            </a:r>
-            <a:endParaRPr lang="en-US" sz="2800" dirty="0" smtClean="0"/>
-          </a:p>
-          <a:p>
-            <a:pPr lvl="2">
-              <a:lnSpc>
-                <a:spcPct val="200000"/>
-              </a:lnSpc>
-            </a:pPr>
-            <a:r>
-              <a:rPr lang="en-US" sz="2800" dirty="0"/>
-              <a:t>Một phần nữa trong giải pháp là triển khai một plug-in đường ống (Pipeline plug-in), đóng vai trò trung tâm trong việc điều phối dịch vụ của hệ thống và trong việc tạo ra các dịch vụ nghiệp vụ mới.</a:t>
-            </a:r>
-            <a:endParaRPr lang="en-US" sz="2600" dirty="0"/>
-          </a:p>
-          <a:p>
-            <a:endParaRPr lang="en-US" dirty="0"/>
-          </a:p>
-        </p:txBody>
-      </p:sp>
-      <p:sp>
-        <p:nvSpPr>
           <p:cNvPr id="4" name="Title 3"/>
           <p:cNvSpPr>
             <a:spLocks noGrp="1"/>
@@ -12816,17 +12952,588 @@
           <a:lstStyle/>
           <a:p>
             <a:r>
-              <a:rPr lang="en-US" b="1" dirty="0"/>
-              <a:t>Bài toán điều phối các lời gọi dịch vụ trong kiến trúc SOA</a:t>
+              <a:rPr lang="en-US" dirty="0" smtClean="0"/>
+              <a:t>Phụ thuộc - Dependency</a:t>
             </a:r>
             <a:endParaRPr lang="en-US" dirty="0"/>
+          </a:p>
+        </p:txBody>
+      </p:sp>
+      <p:sp>
+        <p:nvSpPr>
+          <p:cNvPr id="6" name="Content Placeholder 2"/>
+          <p:cNvSpPr txBox="1">
+            <a:spLocks/>
+          </p:cNvSpPr>
+          <p:nvPr/>
+        </p:nvSpPr>
+        <p:spPr>
+          <a:xfrm>
+            <a:off x="760412" y="914400"/>
+            <a:ext cx="10515600" cy="5486400"/>
+          </a:xfrm>
+          <a:prstGeom prst="rect">
+            <a:avLst/>
+          </a:prstGeom>
+        </p:spPr>
+        <p:txBody>
+          <a:bodyPr/>
+          <a:lstStyle>
+            <a:lvl1pPr marL="342900" indent="-342900" algn="l" defTabSz="914400" rtl="0" eaLnBrk="1" latinLnBrk="0" hangingPunct="1">
+              <a:spcBef>
+                <a:spcPct val="20000"/>
+              </a:spcBef>
+              <a:buFont typeface="Arial" pitchFamily="34" charset="0"/>
+              <a:buChar char="•"/>
+              <a:defRPr sz="3200" kern="1200">
+                <a:solidFill>
+                  <a:schemeClr val="tx1"/>
+                </a:solidFill>
+                <a:latin typeface="+mn-lt"/>
+                <a:ea typeface="+mn-ea"/>
+                <a:cs typeface="+mn-cs"/>
+              </a:defRPr>
+            </a:lvl1pPr>
+            <a:lvl2pPr marL="742950" indent="-285750" algn="l" defTabSz="914400" rtl="0" eaLnBrk="1" latinLnBrk="0" hangingPunct="1">
+              <a:spcBef>
+                <a:spcPct val="20000"/>
+              </a:spcBef>
+              <a:buFont typeface="Arial" pitchFamily="34" charset="0"/>
+              <a:buChar char="–"/>
+              <a:defRPr sz="2800" kern="1200">
+                <a:solidFill>
+                  <a:schemeClr val="tx1"/>
+                </a:solidFill>
+                <a:latin typeface="+mn-lt"/>
+                <a:ea typeface="+mn-ea"/>
+                <a:cs typeface="+mn-cs"/>
+              </a:defRPr>
+            </a:lvl2pPr>
+            <a:lvl3pPr marL="1143000" indent="-228600" algn="l" defTabSz="914400" rtl="0" eaLnBrk="1" latinLnBrk="0" hangingPunct="1">
+              <a:spcBef>
+                <a:spcPct val="20000"/>
+              </a:spcBef>
+              <a:buFont typeface="Arial" pitchFamily="34" charset="0"/>
+              <a:buChar char="•"/>
+              <a:defRPr sz="2400" kern="1200">
+                <a:solidFill>
+                  <a:schemeClr val="tx1"/>
+                </a:solidFill>
+                <a:latin typeface="+mn-lt"/>
+                <a:ea typeface="+mn-ea"/>
+                <a:cs typeface="+mn-cs"/>
+              </a:defRPr>
+            </a:lvl3pPr>
+            <a:lvl4pPr marL="1600200" indent="-228600" algn="l" defTabSz="914400" rtl="0" eaLnBrk="1" latinLnBrk="0" hangingPunct="1">
+              <a:spcBef>
+                <a:spcPct val="20000"/>
+              </a:spcBef>
+              <a:buFont typeface="Arial" pitchFamily="34" charset="0"/>
+              <a:buChar char="–"/>
+              <a:defRPr sz="2000" kern="1200">
+                <a:solidFill>
+                  <a:schemeClr val="tx1"/>
+                </a:solidFill>
+                <a:latin typeface="+mn-lt"/>
+                <a:ea typeface="+mn-ea"/>
+                <a:cs typeface="+mn-cs"/>
+              </a:defRPr>
+            </a:lvl4pPr>
+            <a:lvl5pPr marL="2057400" indent="-228600" algn="l" defTabSz="914400" rtl="0" eaLnBrk="1" latinLnBrk="0" hangingPunct="1">
+              <a:spcBef>
+                <a:spcPct val="20000"/>
+              </a:spcBef>
+              <a:buFont typeface="Arial" pitchFamily="34" charset="0"/>
+              <a:buChar char="»"/>
+              <a:defRPr sz="2000" kern="1200">
+                <a:solidFill>
+                  <a:schemeClr val="tx1"/>
+                </a:solidFill>
+                <a:latin typeface="+mn-lt"/>
+                <a:ea typeface="+mn-ea"/>
+                <a:cs typeface="+mn-cs"/>
+              </a:defRPr>
+            </a:lvl5pPr>
+            <a:lvl6pPr marL="2514600" indent="-228600" algn="l" defTabSz="914400" rtl="0" eaLnBrk="1" latinLnBrk="0" hangingPunct="1">
+              <a:spcBef>
+                <a:spcPct val="20000"/>
+              </a:spcBef>
+              <a:buFont typeface="Arial" pitchFamily="34" charset="0"/>
+              <a:buChar char="•"/>
+              <a:defRPr sz="2000" kern="1200">
+                <a:solidFill>
+                  <a:schemeClr val="tx1"/>
+                </a:solidFill>
+                <a:latin typeface="+mn-lt"/>
+                <a:ea typeface="+mn-ea"/>
+                <a:cs typeface="+mn-cs"/>
+              </a:defRPr>
+            </a:lvl6pPr>
+            <a:lvl7pPr marL="2971800" indent="-228600" algn="l" defTabSz="914400" rtl="0" eaLnBrk="1" latinLnBrk="0" hangingPunct="1">
+              <a:spcBef>
+                <a:spcPct val="20000"/>
+              </a:spcBef>
+              <a:buFont typeface="Arial" pitchFamily="34" charset="0"/>
+              <a:buChar char="•"/>
+              <a:defRPr sz="2000" kern="1200">
+                <a:solidFill>
+                  <a:schemeClr val="tx1"/>
+                </a:solidFill>
+                <a:latin typeface="+mn-lt"/>
+                <a:ea typeface="+mn-ea"/>
+                <a:cs typeface="+mn-cs"/>
+              </a:defRPr>
+            </a:lvl7pPr>
+            <a:lvl8pPr marL="3429000" indent="-228600" algn="l" defTabSz="914400" rtl="0" eaLnBrk="1" latinLnBrk="0" hangingPunct="1">
+              <a:spcBef>
+                <a:spcPct val="20000"/>
+              </a:spcBef>
+              <a:buFont typeface="Arial" pitchFamily="34" charset="0"/>
+              <a:buChar char="•"/>
+              <a:defRPr sz="2000" kern="1200">
+                <a:solidFill>
+                  <a:schemeClr val="tx1"/>
+                </a:solidFill>
+                <a:latin typeface="+mn-lt"/>
+                <a:ea typeface="+mn-ea"/>
+                <a:cs typeface="+mn-cs"/>
+              </a:defRPr>
+            </a:lvl8pPr>
+            <a:lvl9pPr marL="3886200" indent="-228600" algn="l" defTabSz="914400" rtl="0" eaLnBrk="1" latinLnBrk="0" hangingPunct="1">
+              <a:spcBef>
+                <a:spcPct val="20000"/>
+              </a:spcBef>
+              <a:buFont typeface="Arial" pitchFamily="34" charset="0"/>
+              <a:buChar char="•"/>
+              <a:defRPr sz="2000" kern="1200">
+                <a:solidFill>
+                  <a:schemeClr val="tx1"/>
+                </a:solidFill>
+                <a:latin typeface="+mn-lt"/>
+                <a:ea typeface="+mn-ea"/>
+                <a:cs typeface="+mn-cs"/>
+              </a:defRPr>
+            </a:lvl9pPr>
+          </a:lstStyle>
+          <a:p>
+            <a:pPr marL="0" lvl="2" indent="685800" algn="just">
+              <a:spcBef>
+                <a:spcPts val="600"/>
+              </a:spcBef>
+              <a:spcAft>
+                <a:spcPts val="600"/>
+              </a:spcAft>
+              <a:buNone/>
+            </a:pPr>
+            <a:r>
+              <a:rPr lang="en-US" sz="2200" dirty="0">
+                <a:solidFill>
+                  <a:srgbClr val="000066"/>
+                </a:solidFill>
+                <a:latin typeface="Times New Roman" pitchFamily="18" charset="0"/>
+                <a:cs typeface="Times New Roman" pitchFamily="18" charset="0"/>
+              </a:rPr>
+              <a:t>&lt;?xml version="1.0" encoding="UTF-8"?&gt;</a:t>
+            </a:r>
+          </a:p>
+          <a:p>
+            <a:pPr marL="0" lvl="2" indent="685800" algn="just">
+              <a:spcBef>
+                <a:spcPts val="600"/>
+              </a:spcBef>
+              <a:spcAft>
+                <a:spcPts val="600"/>
+              </a:spcAft>
+              <a:buNone/>
+            </a:pPr>
+            <a:r>
+              <a:rPr lang="en-US" sz="2200" dirty="0">
+                <a:solidFill>
+                  <a:srgbClr val="000066"/>
+                </a:solidFill>
+                <a:latin typeface="Times New Roman" pitchFamily="18" charset="0"/>
+                <a:cs typeface="Times New Roman" pitchFamily="18" charset="0"/>
+              </a:rPr>
+              <a:t>&lt;plugin</a:t>
+            </a:r>
+          </a:p>
+          <a:p>
+            <a:pPr marL="0" lvl="2" indent="685800" algn="just">
+              <a:spcBef>
+                <a:spcPts val="600"/>
+              </a:spcBef>
+              <a:spcAft>
+                <a:spcPts val="600"/>
+              </a:spcAft>
+              <a:buNone/>
+            </a:pPr>
+            <a:r>
+              <a:rPr lang="en-US" sz="2200" dirty="0">
+                <a:solidFill>
+                  <a:srgbClr val="000066"/>
+                </a:solidFill>
+                <a:latin typeface="Times New Roman" pitchFamily="18" charset="0"/>
+                <a:cs typeface="Times New Roman" pitchFamily="18" charset="0"/>
+              </a:rPr>
+              <a:t>  	</a:t>
+            </a:r>
+            <a:r>
+              <a:rPr lang="en-US" sz="2200" dirty="0" smtClean="0">
+                <a:solidFill>
+                  <a:srgbClr val="000066"/>
+                </a:solidFill>
+                <a:latin typeface="Times New Roman" pitchFamily="18" charset="0"/>
+                <a:cs typeface="Times New Roman" pitchFamily="18" charset="0"/>
+              </a:rPr>
+              <a:t>	id</a:t>
+            </a:r>
+            <a:r>
+              <a:rPr lang="en-US" sz="2200" dirty="0">
+                <a:solidFill>
+                  <a:srgbClr val="000066"/>
+                </a:solidFill>
+                <a:latin typeface="Times New Roman" pitchFamily="18" charset="0"/>
+                <a:cs typeface="Times New Roman" pitchFamily="18" charset="0"/>
+              </a:rPr>
+              <a:t>="com.bolour.sample.eclipse.demo"</a:t>
+            </a:r>
+          </a:p>
+          <a:p>
+            <a:pPr marL="0" lvl="2" indent="685800" algn="just">
+              <a:spcBef>
+                <a:spcPts val="600"/>
+              </a:spcBef>
+              <a:spcAft>
+                <a:spcPts val="600"/>
+              </a:spcAft>
+              <a:buNone/>
+            </a:pPr>
+            <a:r>
+              <a:rPr lang="en-US" sz="2200" dirty="0" smtClean="0">
+                <a:solidFill>
+                  <a:srgbClr val="000066"/>
+                </a:solidFill>
+                <a:latin typeface="Times New Roman" pitchFamily="18" charset="0"/>
+                <a:cs typeface="Times New Roman" pitchFamily="18" charset="0"/>
+              </a:rPr>
+              <a:t>		name</a:t>
+            </a:r>
+            <a:r>
+              <a:rPr lang="en-US" sz="2200" dirty="0">
+                <a:solidFill>
+                  <a:srgbClr val="000066"/>
+                </a:solidFill>
+                <a:latin typeface="Times New Roman" pitchFamily="18" charset="0"/>
+                <a:cs typeface="Times New Roman" pitchFamily="18" charset="0"/>
+              </a:rPr>
+              <a:t>="Extension Processing Demo"</a:t>
+            </a:r>
+          </a:p>
+          <a:p>
+            <a:pPr marL="0" lvl="2" indent="685800" algn="just">
+              <a:spcBef>
+                <a:spcPts val="600"/>
+              </a:spcBef>
+              <a:spcAft>
+                <a:spcPts val="600"/>
+              </a:spcAft>
+              <a:buNone/>
+            </a:pPr>
+            <a:r>
+              <a:rPr lang="en-US" sz="2200" dirty="0" smtClean="0">
+                <a:solidFill>
+                  <a:srgbClr val="000066"/>
+                </a:solidFill>
+                <a:latin typeface="Times New Roman" pitchFamily="18" charset="0"/>
+                <a:cs typeface="Times New Roman" pitchFamily="18" charset="0"/>
+              </a:rPr>
+              <a:t>		version</a:t>
+            </a:r>
+            <a:r>
+              <a:rPr lang="en-US" sz="2200" dirty="0">
+                <a:solidFill>
+                  <a:srgbClr val="000066"/>
+                </a:solidFill>
+                <a:latin typeface="Times New Roman" pitchFamily="18" charset="0"/>
+                <a:cs typeface="Times New Roman" pitchFamily="18" charset="0"/>
+              </a:rPr>
+              <a:t>="1.0.0"&gt;</a:t>
+            </a:r>
+          </a:p>
+          <a:p>
+            <a:pPr marL="0" lvl="2" indent="685800" algn="just">
+              <a:spcBef>
+                <a:spcPts val="600"/>
+              </a:spcBef>
+              <a:spcAft>
+                <a:spcPts val="600"/>
+              </a:spcAft>
+              <a:buNone/>
+            </a:pPr>
+            <a:r>
+              <a:rPr lang="en-US" sz="2200" dirty="0" smtClean="0">
+                <a:solidFill>
+                  <a:srgbClr val="000066"/>
+                </a:solidFill>
+                <a:latin typeface="Times New Roman" pitchFamily="18" charset="0"/>
+                <a:cs typeface="Times New Roman" pitchFamily="18" charset="0"/>
+              </a:rPr>
+              <a:t>		&lt;</a:t>
+            </a:r>
+            <a:r>
+              <a:rPr lang="en-US" sz="2200" dirty="0">
+                <a:solidFill>
+                  <a:srgbClr val="000066"/>
+                </a:solidFill>
+                <a:latin typeface="Times New Roman" pitchFamily="18" charset="0"/>
+                <a:cs typeface="Times New Roman" pitchFamily="18" charset="0"/>
+              </a:rPr>
+              <a:t>runtime&gt;</a:t>
+            </a:r>
+          </a:p>
+          <a:p>
+            <a:pPr marL="0" lvl="2" indent="685800" algn="just">
+              <a:spcBef>
+                <a:spcPts val="600"/>
+              </a:spcBef>
+              <a:spcAft>
+                <a:spcPts val="600"/>
+              </a:spcAft>
+              <a:buNone/>
+            </a:pPr>
+            <a:r>
+              <a:rPr lang="en-US" sz="2200" dirty="0" smtClean="0">
+                <a:solidFill>
+                  <a:srgbClr val="000066"/>
+                </a:solidFill>
+                <a:latin typeface="Times New Roman" pitchFamily="18" charset="0"/>
+                <a:cs typeface="Times New Roman" pitchFamily="18" charset="0"/>
+              </a:rPr>
+              <a:t>			&lt;</a:t>
+            </a:r>
+            <a:r>
+              <a:rPr lang="en-US" sz="2200" dirty="0">
+                <a:solidFill>
+                  <a:srgbClr val="000066"/>
+                </a:solidFill>
+                <a:latin typeface="Times New Roman" pitchFamily="18" charset="0"/>
+                <a:cs typeface="Times New Roman" pitchFamily="18" charset="0"/>
+              </a:rPr>
+              <a:t>library name="demo.jar"/&gt;</a:t>
+            </a:r>
+          </a:p>
+          <a:p>
+            <a:pPr marL="0" lvl="2" indent="685800" algn="just">
+              <a:spcBef>
+                <a:spcPts val="600"/>
+              </a:spcBef>
+              <a:spcAft>
+                <a:spcPts val="600"/>
+              </a:spcAft>
+              <a:buNone/>
+            </a:pPr>
+            <a:r>
+              <a:rPr lang="en-US" sz="2200" dirty="0">
+                <a:solidFill>
+                  <a:srgbClr val="000066"/>
+                </a:solidFill>
+                <a:latin typeface="Times New Roman" pitchFamily="18" charset="0"/>
+                <a:cs typeface="Times New Roman" pitchFamily="18" charset="0"/>
+              </a:rPr>
+              <a:t>   	</a:t>
+            </a:r>
+            <a:r>
+              <a:rPr lang="en-US" sz="2200" dirty="0" smtClean="0">
+                <a:solidFill>
+                  <a:srgbClr val="000066"/>
+                </a:solidFill>
+                <a:latin typeface="Times New Roman" pitchFamily="18" charset="0"/>
+                <a:cs typeface="Times New Roman" pitchFamily="18" charset="0"/>
+              </a:rPr>
+              <a:t>	&lt;/</a:t>
+            </a:r>
+            <a:r>
+              <a:rPr lang="en-US" sz="2200" dirty="0">
+                <a:solidFill>
+                  <a:srgbClr val="000066"/>
+                </a:solidFill>
+                <a:latin typeface="Times New Roman" pitchFamily="18" charset="0"/>
+                <a:cs typeface="Times New Roman" pitchFamily="18" charset="0"/>
+              </a:rPr>
+              <a:t>runtime&gt;</a:t>
+            </a:r>
+          </a:p>
+          <a:p>
+            <a:pPr marL="0" lvl="2" indent="685800" algn="just">
+              <a:spcBef>
+                <a:spcPts val="600"/>
+              </a:spcBef>
+              <a:spcAft>
+                <a:spcPts val="600"/>
+              </a:spcAft>
+              <a:buNone/>
+            </a:pPr>
+            <a:r>
+              <a:rPr lang="en-US" sz="2200" dirty="0">
+                <a:solidFill>
+                  <a:srgbClr val="000066"/>
+                </a:solidFill>
+                <a:latin typeface="Times New Roman" pitchFamily="18" charset="0"/>
+                <a:cs typeface="Times New Roman" pitchFamily="18" charset="0"/>
+              </a:rPr>
+              <a:t>   </a:t>
+            </a:r>
+            <a:r>
+              <a:rPr lang="en-US" sz="2200" dirty="0" smtClean="0">
+                <a:solidFill>
+                  <a:srgbClr val="000066"/>
+                </a:solidFill>
+                <a:latin typeface="Times New Roman" pitchFamily="18" charset="0"/>
+                <a:cs typeface="Times New Roman" pitchFamily="18" charset="0"/>
+              </a:rPr>
+              <a:t>	</a:t>
+            </a:r>
+            <a:r>
+              <a:rPr lang="en-US" sz="2200" dirty="0">
+                <a:solidFill>
+                  <a:srgbClr val="000066"/>
+                </a:solidFill>
+                <a:latin typeface="Times New Roman" pitchFamily="18" charset="0"/>
+                <a:cs typeface="Times New Roman" pitchFamily="18" charset="0"/>
+              </a:rPr>
+              <a:t>	&lt;requires&gt;</a:t>
+            </a:r>
+          </a:p>
+          <a:p>
+            <a:pPr marL="0" lvl="2" indent="685800" algn="just">
+              <a:spcBef>
+                <a:spcPts val="600"/>
+              </a:spcBef>
+              <a:spcAft>
+                <a:spcPts val="600"/>
+              </a:spcAft>
+              <a:buNone/>
+            </a:pPr>
+            <a:r>
+              <a:rPr lang="en-US" sz="2200" dirty="0">
+                <a:solidFill>
+                  <a:srgbClr val="000066"/>
+                </a:solidFill>
+                <a:latin typeface="Times New Roman" pitchFamily="18" charset="0"/>
+                <a:cs typeface="Times New Roman" pitchFamily="18" charset="0"/>
+              </a:rPr>
+              <a:t>      </a:t>
+            </a:r>
+            <a:r>
+              <a:rPr lang="en-US" sz="2200" dirty="0" smtClean="0">
+                <a:solidFill>
+                  <a:srgbClr val="000066"/>
+                </a:solidFill>
+                <a:latin typeface="Times New Roman" pitchFamily="18" charset="0"/>
+                <a:cs typeface="Times New Roman" pitchFamily="18" charset="0"/>
+              </a:rPr>
+              <a:t>		&lt;</a:t>
+            </a:r>
+            <a:r>
+              <a:rPr lang="en-US" sz="2200" dirty="0">
+                <a:solidFill>
+                  <a:srgbClr val="000066"/>
+                </a:solidFill>
+                <a:latin typeface="Times New Roman" pitchFamily="18" charset="0"/>
+                <a:cs typeface="Times New Roman" pitchFamily="18" charset="0"/>
+              </a:rPr>
+              <a:t>import plugin="org.eclipse.ui"/&gt;</a:t>
+            </a:r>
+          </a:p>
+          <a:p>
+            <a:pPr marL="0" lvl="2" indent="685800" algn="just">
+              <a:spcBef>
+                <a:spcPts val="600"/>
+              </a:spcBef>
+              <a:spcAft>
+                <a:spcPts val="600"/>
+              </a:spcAft>
+              <a:buNone/>
+            </a:pPr>
+            <a:r>
+              <a:rPr lang="en-US" sz="2200" dirty="0">
+                <a:solidFill>
+                  <a:srgbClr val="000066"/>
+                </a:solidFill>
+                <a:latin typeface="Times New Roman" pitchFamily="18" charset="0"/>
+                <a:cs typeface="Times New Roman" pitchFamily="18" charset="0"/>
+              </a:rPr>
+              <a:t>   </a:t>
+            </a:r>
+            <a:r>
+              <a:rPr lang="en-US" sz="2200" dirty="0" smtClean="0">
+                <a:solidFill>
+                  <a:srgbClr val="000066"/>
+                </a:solidFill>
+                <a:latin typeface="Times New Roman" pitchFamily="18" charset="0"/>
+                <a:cs typeface="Times New Roman" pitchFamily="18" charset="0"/>
+              </a:rPr>
+              <a:t>		&lt;/</a:t>
+            </a:r>
+            <a:r>
+              <a:rPr lang="en-US" sz="2200" dirty="0">
+                <a:solidFill>
+                  <a:srgbClr val="000066"/>
+                </a:solidFill>
+                <a:latin typeface="Times New Roman" pitchFamily="18" charset="0"/>
+                <a:cs typeface="Times New Roman" pitchFamily="18" charset="0"/>
+              </a:rPr>
+              <a:t>requires&gt;</a:t>
+            </a:r>
+          </a:p>
+          <a:p>
+            <a:pPr marL="0" lvl="2" indent="685800" algn="just">
+              <a:spcBef>
+                <a:spcPts val="600"/>
+              </a:spcBef>
+              <a:spcAft>
+                <a:spcPts val="600"/>
+              </a:spcAft>
+              <a:buNone/>
+            </a:pPr>
+            <a:r>
+              <a:rPr lang="en-US" sz="2200" dirty="0">
+                <a:solidFill>
+                  <a:srgbClr val="000066"/>
+                </a:solidFill>
+                <a:latin typeface="Times New Roman" pitchFamily="18" charset="0"/>
+                <a:cs typeface="Times New Roman" pitchFamily="18" charset="0"/>
+              </a:rPr>
+              <a:t>&lt;/plugin&gt;</a:t>
+            </a:r>
+          </a:p>
+          <a:p>
+            <a:pPr marL="0" lvl="2" indent="685800" algn="just">
+              <a:lnSpc>
+                <a:spcPct val="200000"/>
+              </a:lnSpc>
+              <a:spcBef>
+                <a:spcPts val="600"/>
+              </a:spcBef>
+              <a:spcAft>
+                <a:spcPts val="600"/>
+              </a:spcAft>
+              <a:buNone/>
+            </a:pPr>
+            <a:endParaRPr lang="en-US" sz="2600" dirty="0">
+              <a:solidFill>
+                <a:srgbClr val="000066"/>
+              </a:solidFill>
+              <a:latin typeface="Times New Roman" pitchFamily="18" charset="0"/>
+              <a:cs typeface="Times New Roman" pitchFamily="18" charset="0"/>
+            </a:endParaRPr>
           </a:p>
         </p:txBody>
       </p:sp>
     </p:spTree>
     <p:extLst>
       <p:ext uri="{BB962C8B-B14F-4D97-AF65-F5344CB8AC3E}">
-        <p14:creationId xmlns:p14="http://schemas.microsoft.com/office/powerpoint/2010/main" val="1266115762"/>
+        <p14:creationId xmlns:p14="http://schemas.microsoft.com/office/powerpoint/2010/main" val="1346774911"/>
       </p:ext>
     </p:extLst>
   </p:cSld>
@@ -12879,6 +13586,1257 @@
               <a:rPr lang="en-US" smtClean="0"/>
               <a:pPr/>
               <a:t>29</a:t>
+            </a:fld>
+            <a:endParaRPr lang="en-US" dirty="0"/>
+          </a:p>
+        </p:txBody>
+      </p:sp>
+      <p:sp>
+        <p:nvSpPr>
+          <p:cNvPr id="4" name="Title 3"/>
+          <p:cNvSpPr>
+            <a:spLocks noGrp="1"/>
+          </p:cNvSpPr>
+          <p:nvPr>
+            <p:ph type="title"/>
+          </p:nvPr>
+        </p:nvSpPr>
+        <p:spPr/>
+        <p:txBody>
+          <a:bodyPr>
+            <a:normAutofit fontScale="90000"/>
+          </a:bodyPr>
+          <a:lstStyle/>
+          <a:p>
+            <a:r>
+              <a:rPr lang="en-US" dirty="0" smtClean="0"/>
+              <a:t>Mở rộng - Extension</a:t>
+            </a:r>
+            <a:endParaRPr lang="en-US" dirty="0"/>
+          </a:p>
+        </p:txBody>
+      </p:sp>
+      <p:sp>
+        <p:nvSpPr>
+          <p:cNvPr id="6" name="Content Placeholder 2"/>
+          <p:cNvSpPr txBox="1">
+            <a:spLocks/>
+          </p:cNvSpPr>
+          <p:nvPr/>
+        </p:nvSpPr>
+        <p:spPr>
+          <a:xfrm>
+            <a:off x="760412" y="914400"/>
+            <a:ext cx="10515600" cy="5486400"/>
+          </a:xfrm>
+          <a:prstGeom prst="rect">
+            <a:avLst/>
+          </a:prstGeom>
+        </p:spPr>
+        <p:txBody>
+          <a:bodyPr/>
+          <a:lstStyle>
+            <a:lvl1pPr marL="342900" indent="-342900" algn="l" defTabSz="914400" rtl="0" eaLnBrk="1" latinLnBrk="0" hangingPunct="1">
+              <a:spcBef>
+                <a:spcPct val="20000"/>
+              </a:spcBef>
+              <a:buFont typeface="Arial" pitchFamily="34" charset="0"/>
+              <a:buChar char="•"/>
+              <a:defRPr sz="3200" kern="1200">
+                <a:solidFill>
+                  <a:schemeClr val="tx1"/>
+                </a:solidFill>
+                <a:latin typeface="+mn-lt"/>
+                <a:ea typeface="+mn-ea"/>
+                <a:cs typeface="+mn-cs"/>
+              </a:defRPr>
+            </a:lvl1pPr>
+            <a:lvl2pPr marL="742950" indent="-285750" algn="l" defTabSz="914400" rtl="0" eaLnBrk="1" latinLnBrk="0" hangingPunct="1">
+              <a:spcBef>
+                <a:spcPct val="20000"/>
+              </a:spcBef>
+              <a:buFont typeface="Arial" pitchFamily="34" charset="0"/>
+              <a:buChar char="–"/>
+              <a:defRPr sz="2800" kern="1200">
+                <a:solidFill>
+                  <a:schemeClr val="tx1"/>
+                </a:solidFill>
+                <a:latin typeface="+mn-lt"/>
+                <a:ea typeface="+mn-ea"/>
+                <a:cs typeface="+mn-cs"/>
+              </a:defRPr>
+            </a:lvl2pPr>
+            <a:lvl3pPr marL="1143000" indent="-228600" algn="l" defTabSz="914400" rtl="0" eaLnBrk="1" latinLnBrk="0" hangingPunct="1">
+              <a:spcBef>
+                <a:spcPct val="20000"/>
+              </a:spcBef>
+              <a:buFont typeface="Arial" pitchFamily="34" charset="0"/>
+              <a:buChar char="•"/>
+              <a:defRPr sz="2400" kern="1200">
+                <a:solidFill>
+                  <a:schemeClr val="tx1"/>
+                </a:solidFill>
+                <a:latin typeface="+mn-lt"/>
+                <a:ea typeface="+mn-ea"/>
+                <a:cs typeface="+mn-cs"/>
+              </a:defRPr>
+            </a:lvl3pPr>
+            <a:lvl4pPr marL="1600200" indent="-228600" algn="l" defTabSz="914400" rtl="0" eaLnBrk="1" latinLnBrk="0" hangingPunct="1">
+              <a:spcBef>
+                <a:spcPct val="20000"/>
+              </a:spcBef>
+              <a:buFont typeface="Arial" pitchFamily="34" charset="0"/>
+              <a:buChar char="–"/>
+              <a:defRPr sz="2000" kern="1200">
+                <a:solidFill>
+                  <a:schemeClr val="tx1"/>
+                </a:solidFill>
+                <a:latin typeface="+mn-lt"/>
+                <a:ea typeface="+mn-ea"/>
+                <a:cs typeface="+mn-cs"/>
+              </a:defRPr>
+            </a:lvl4pPr>
+            <a:lvl5pPr marL="2057400" indent="-228600" algn="l" defTabSz="914400" rtl="0" eaLnBrk="1" latinLnBrk="0" hangingPunct="1">
+              <a:spcBef>
+                <a:spcPct val="20000"/>
+              </a:spcBef>
+              <a:buFont typeface="Arial" pitchFamily="34" charset="0"/>
+              <a:buChar char="»"/>
+              <a:defRPr sz="2000" kern="1200">
+                <a:solidFill>
+                  <a:schemeClr val="tx1"/>
+                </a:solidFill>
+                <a:latin typeface="+mn-lt"/>
+                <a:ea typeface="+mn-ea"/>
+                <a:cs typeface="+mn-cs"/>
+              </a:defRPr>
+            </a:lvl5pPr>
+            <a:lvl6pPr marL="2514600" indent="-228600" algn="l" defTabSz="914400" rtl="0" eaLnBrk="1" latinLnBrk="0" hangingPunct="1">
+              <a:spcBef>
+                <a:spcPct val="20000"/>
+              </a:spcBef>
+              <a:buFont typeface="Arial" pitchFamily="34" charset="0"/>
+              <a:buChar char="•"/>
+              <a:defRPr sz="2000" kern="1200">
+                <a:solidFill>
+                  <a:schemeClr val="tx1"/>
+                </a:solidFill>
+                <a:latin typeface="+mn-lt"/>
+                <a:ea typeface="+mn-ea"/>
+                <a:cs typeface="+mn-cs"/>
+              </a:defRPr>
+            </a:lvl6pPr>
+            <a:lvl7pPr marL="2971800" indent="-228600" algn="l" defTabSz="914400" rtl="0" eaLnBrk="1" latinLnBrk="0" hangingPunct="1">
+              <a:spcBef>
+                <a:spcPct val="20000"/>
+              </a:spcBef>
+              <a:buFont typeface="Arial" pitchFamily="34" charset="0"/>
+              <a:buChar char="•"/>
+              <a:defRPr sz="2000" kern="1200">
+                <a:solidFill>
+                  <a:schemeClr val="tx1"/>
+                </a:solidFill>
+                <a:latin typeface="+mn-lt"/>
+                <a:ea typeface="+mn-ea"/>
+                <a:cs typeface="+mn-cs"/>
+              </a:defRPr>
+            </a:lvl7pPr>
+            <a:lvl8pPr marL="3429000" indent="-228600" algn="l" defTabSz="914400" rtl="0" eaLnBrk="1" latinLnBrk="0" hangingPunct="1">
+              <a:spcBef>
+                <a:spcPct val="20000"/>
+              </a:spcBef>
+              <a:buFont typeface="Arial" pitchFamily="34" charset="0"/>
+              <a:buChar char="•"/>
+              <a:defRPr sz="2000" kern="1200">
+                <a:solidFill>
+                  <a:schemeClr val="tx1"/>
+                </a:solidFill>
+                <a:latin typeface="+mn-lt"/>
+                <a:ea typeface="+mn-ea"/>
+                <a:cs typeface="+mn-cs"/>
+              </a:defRPr>
+            </a:lvl8pPr>
+            <a:lvl9pPr marL="3886200" indent="-228600" algn="l" defTabSz="914400" rtl="0" eaLnBrk="1" latinLnBrk="0" hangingPunct="1">
+              <a:spcBef>
+                <a:spcPct val="20000"/>
+              </a:spcBef>
+              <a:buFont typeface="Arial" pitchFamily="34" charset="0"/>
+              <a:buChar char="•"/>
+              <a:defRPr sz="2000" kern="1200">
+                <a:solidFill>
+                  <a:schemeClr val="tx1"/>
+                </a:solidFill>
+                <a:latin typeface="+mn-lt"/>
+                <a:ea typeface="+mn-ea"/>
+                <a:cs typeface="+mn-cs"/>
+              </a:defRPr>
+            </a:lvl9pPr>
+          </a:lstStyle>
+          <a:p>
+            <a:pPr marL="0" lvl="2" indent="685800" algn="just">
+              <a:lnSpc>
+                <a:spcPct val="150000"/>
+              </a:lnSpc>
+              <a:spcBef>
+                <a:spcPts val="600"/>
+              </a:spcBef>
+              <a:spcAft>
+                <a:spcPts val="600"/>
+              </a:spcAft>
+              <a:buNone/>
+            </a:pPr>
+            <a:r>
+              <a:rPr lang="en-US" dirty="0">
+                <a:solidFill>
+                  <a:srgbClr val="000066"/>
+                </a:solidFill>
+                <a:latin typeface="Times New Roman" pitchFamily="18" charset="0"/>
+                <a:cs typeface="Times New Roman" pitchFamily="18" charset="0"/>
+              </a:rPr>
+              <a:t>Bất cứ plug-in nào cũng có thể cho phép các plug-in khác mở rộng nó bằng cách thêm vào một số thành phần</a:t>
+            </a:r>
+          </a:p>
+          <a:p>
+            <a:pPr marL="0" lvl="2" indent="685800" algn="just">
+              <a:lnSpc>
+                <a:spcPct val="150000"/>
+              </a:lnSpc>
+              <a:spcBef>
+                <a:spcPts val="600"/>
+              </a:spcBef>
+              <a:spcAft>
+                <a:spcPts val="600"/>
+              </a:spcAft>
+              <a:buNone/>
+            </a:pPr>
+            <a:r>
+              <a:rPr lang="en-US" dirty="0">
+                <a:solidFill>
+                  <a:srgbClr val="000066"/>
+                </a:solidFill>
+                <a:latin typeface="Times New Roman" pitchFamily="18" charset="0"/>
+                <a:cs typeface="Times New Roman" pitchFamily="18" charset="0"/>
+              </a:rPr>
+              <a:t>Một extension được xác định bởi plug-in mở rộng (plug-in extender) và khiến plug-in chính (host plug-in) thay đổi chức năng của nó. Thông thường, việc thay đổi chức năng này có thể là thêm vào chức năng mới hoặc tùy chỉnh chức năng có sẵn thông qua các dịch vụ cung cấp bởi plug-in mở rộng.</a:t>
+            </a:r>
+          </a:p>
+        </p:txBody>
+      </p:sp>
+    </p:spTree>
+    <p:extLst>
+      <p:ext uri="{BB962C8B-B14F-4D97-AF65-F5344CB8AC3E}">
+        <p14:creationId xmlns:p14="http://schemas.microsoft.com/office/powerpoint/2010/main" val="3163598422"/>
+      </p:ext>
+    </p:extLst>
+  </p:cSld>
+  <p:clrMapOvr>
+    <a:masterClrMapping/>
+  </p:clrMapOvr>
+  <p:timing>
+    <p:tnLst>
+      <p:par>
+        <p:cTn id="1" dur="indefinite" restart="never" nodeType="tmRoot"/>
+      </p:par>
+    </p:tnLst>
+  </p:timing>
+</p:sld>
+</file>
+
+<file path=ppt/slides/slide3.xml><?xml version="1.0" encoding="utf-8"?>
+<p:sld xmlns:a="http://schemas.openxmlformats.org/drawingml/2006/main" xmlns:r="http://schemas.openxmlformats.org/officeDocument/2006/relationships" xmlns:p="http://schemas.openxmlformats.org/presentationml/2006/main">
+  <p:cSld>
+    <p:spTree>
+      <p:nvGrpSpPr>
+        <p:cNvPr id="1" name=""/>
+        <p:cNvGrpSpPr/>
+        <p:nvPr/>
+      </p:nvGrpSpPr>
+      <p:grpSpPr>
+        <a:xfrm>
+          <a:off x="0" y="0"/>
+          <a:ext cx="0" cy="0"/>
+          <a:chOff x="0" y="0"/>
+          <a:chExt cx="0" cy="0"/>
+        </a:xfrm>
+      </p:grpSpPr>
+      <p:sp>
+        <p:nvSpPr>
+          <p:cNvPr id="2" name="Slide Number Placeholder 1"/>
+          <p:cNvSpPr>
+            <a:spLocks noGrp="1"/>
+          </p:cNvSpPr>
+          <p:nvPr>
+            <p:ph type="sldNum" sz="quarter" idx="12"/>
+          </p:nvPr>
+        </p:nvSpPr>
+        <p:spPr/>
+        <p:txBody>
+          <a:bodyPr/>
+          <a:lstStyle/>
+          <a:p>
+            <a:fld id="{9DFD9A34-EC64-4F0B-9C9B-2C0A202A050B}" type="slidenum">
+              <a:rPr lang="en-US" smtClean="0"/>
+              <a:pPr/>
+              <a:t>3</a:t>
+            </a:fld>
+            <a:endParaRPr lang="en-US" dirty="0"/>
+          </a:p>
+        </p:txBody>
+      </p:sp>
+      <p:sp>
+        <p:nvSpPr>
+          <p:cNvPr id="3" name="Content Placeholder 2"/>
+          <p:cNvSpPr>
+            <a:spLocks noGrp="1"/>
+          </p:cNvSpPr>
+          <p:nvPr>
+            <p:ph sz="quarter" idx="14"/>
+          </p:nvPr>
+        </p:nvSpPr>
+        <p:spPr/>
+        <p:txBody>
+          <a:bodyPr/>
+          <a:lstStyle/>
+          <a:p>
+            <a:pPr lvl="2"/>
+            <a:r>
+              <a:rPr lang="en-US" dirty="0"/>
+              <a:t>Với sự phát triển của </a:t>
+            </a:r>
+            <a:r>
+              <a:rPr lang="en-US" dirty="0" smtClean="0"/>
+              <a:t>Internet </a:t>
+            </a:r>
+            <a:r>
+              <a:rPr lang="en-US" dirty="0"/>
+              <a:t>và xu thế hội nhập chung của toàn thế giới, nên các doanh nghiệp, tổ chức bắt đầu việc cộng tác, phối hợp và chia sẻ nguồn tài nguyên với nhau để nâng cao hiệu quả hoạt động.</a:t>
+            </a:r>
+          </a:p>
+          <a:p>
+            <a:pPr lvl="2"/>
+            <a:r>
+              <a:rPr lang="en-US" dirty="0"/>
+              <a:t>Vấn đề sử dụng các nguồn tài nguyên của nhau, hoặc tái sử dụng và mở rộng các hệ thống có sẵn là khá phức tạp vì sự không tương thích giữa các hệ thống, giữa các nền tảng công nghệ</a:t>
+            </a:r>
+            <a:r>
+              <a:rPr lang="en-US" dirty="0" smtClean="0"/>
+              <a:t>.</a:t>
+            </a:r>
+          </a:p>
+          <a:p>
+            <a:pPr lvl="2"/>
+            <a:r>
+              <a:rPr lang="en-US" dirty="0" smtClean="0"/>
+              <a:t>Một giải pháp ra đời và đang được quan tâm, chú ý đó là “Kiến trúc hướng dịch vụ” (Service Oriented Architecture –SOA).</a:t>
+            </a:r>
+          </a:p>
+          <a:p>
+            <a:pPr lvl="2"/>
+            <a:endParaRPr lang="en-US" dirty="0"/>
+          </a:p>
+          <a:p>
+            <a:endParaRPr lang="en-US" dirty="0"/>
+          </a:p>
+        </p:txBody>
+      </p:sp>
+      <p:sp>
+        <p:nvSpPr>
+          <p:cNvPr id="4" name="Title 3"/>
+          <p:cNvSpPr>
+            <a:spLocks noGrp="1"/>
+          </p:cNvSpPr>
+          <p:nvPr>
+            <p:ph type="title"/>
+          </p:nvPr>
+        </p:nvSpPr>
+        <p:spPr/>
+        <p:txBody>
+          <a:bodyPr>
+            <a:normAutofit fontScale="90000"/>
+          </a:bodyPr>
+          <a:lstStyle/>
+          <a:p>
+            <a:r>
+              <a:rPr lang="en-US" dirty="0" smtClean="0"/>
+              <a:t>Phần mở đầu</a:t>
+            </a:r>
+            <a:endParaRPr lang="en-US" dirty="0"/>
+          </a:p>
+        </p:txBody>
+      </p:sp>
+    </p:spTree>
+    <p:extLst>
+      <p:ext uri="{BB962C8B-B14F-4D97-AF65-F5344CB8AC3E}">
+        <p14:creationId xmlns:p14="http://schemas.microsoft.com/office/powerpoint/2010/main" val="2174694034"/>
+      </p:ext>
+    </p:extLst>
+  </p:cSld>
+  <p:clrMapOvr>
+    <a:masterClrMapping/>
+  </p:clrMapOvr>
+  <p:timing>
+    <p:tnLst>
+      <p:par>
+        <p:cTn id="1" dur="indefinite" restart="never" nodeType="tmRoot"/>
+      </p:par>
+    </p:tnLst>
+  </p:timing>
+</p:sld>
+</file>
+
+<file path=ppt/slides/slide30.xml><?xml version="1.0" encoding="utf-8"?>
+<p:sld xmlns:a="http://schemas.openxmlformats.org/drawingml/2006/main" xmlns:r="http://schemas.openxmlformats.org/officeDocument/2006/relationships" xmlns:p="http://schemas.openxmlformats.org/presentationml/2006/main">
+  <p:cSld>
+    <p:spTree>
+      <p:nvGrpSpPr>
+        <p:cNvPr id="1" name=""/>
+        <p:cNvGrpSpPr/>
+        <p:nvPr/>
+      </p:nvGrpSpPr>
+      <p:grpSpPr>
+        <a:xfrm>
+          <a:off x="0" y="0"/>
+          <a:ext cx="0" cy="0"/>
+          <a:chOff x="0" y="0"/>
+          <a:chExt cx="0" cy="0"/>
+        </a:xfrm>
+      </p:grpSpPr>
+      <p:sp>
+        <p:nvSpPr>
+          <p:cNvPr id="2" name="Slide Number Placeholder 1"/>
+          <p:cNvSpPr>
+            <a:spLocks noGrp="1"/>
+          </p:cNvSpPr>
+          <p:nvPr>
+            <p:ph type="sldNum" sz="quarter" idx="12"/>
+          </p:nvPr>
+        </p:nvSpPr>
+        <p:spPr/>
+        <p:txBody>
+          <a:bodyPr/>
+          <a:lstStyle/>
+          <a:p>
+            <a:fld id="{9DFD9A34-EC64-4F0B-9C9B-2C0A202A050B}" type="slidenum">
+              <a:rPr lang="en-US" smtClean="0"/>
+              <a:pPr/>
+              <a:t>30</a:t>
+            </a:fld>
+            <a:endParaRPr lang="en-US" dirty="0"/>
+          </a:p>
+        </p:txBody>
+      </p:sp>
+      <p:sp>
+        <p:nvSpPr>
+          <p:cNvPr id="4" name="Title 3"/>
+          <p:cNvSpPr>
+            <a:spLocks noGrp="1"/>
+          </p:cNvSpPr>
+          <p:nvPr>
+            <p:ph type="title"/>
+          </p:nvPr>
+        </p:nvSpPr>
+        <p:spPr/>
+        <p:txBody>
+          <a:bodyPr>
+            <a:normAutofit fontScale="90000"/>
+          </a:bodyPr>
+          <a:lstStyle/>
+          <a:p>
+            <a:r>
+              <a:rPr lang="en-US" dirty="0" smtClean="0"/>
+              <a:t>Mở rộng - Extension</a:t>
+            </a:r>
+            <a:endParaRPr lang="en-US" dirty="0"/>
+          </a:p>
+        </p:txBody>
+      </p:sp>
+      <p:sp>
+        <p:nvSpPr>
+          <p:cNvPr id="6" name="Content Placeholder 2"/>
+          <p:cNvSpPr txBox="1">
+            <a:spLocks/>
+          </p:cNvSpPr>
+          <p:nvPr/>
+        </p:nvSpPr>
+        <p:spPr>
+          <a:xfrm>
+            <a:off x="760412" y="914400"/>
+            <a:ext cx="10515600" cy="5486400"/>
+          </a:xfrm>
+          <a:prstGeom prst="rect">
+            <a:avLst/>
+          </a:prstGeom>
+        </p:spPr>
+        <p:txBody>
+          <a:bodyPr/>
+          <a:lstStyle>
+            <a:lvl1pPr marL="342900" indent="-342900" algn="l" defTabSz="914400" rtl="0" eaLnBrk="1" latinLnBrk="0" hangingPunct="1">
+              <a:spcBef>
+                <a:spcPct val="20000"/>
+              </a:spcBef>
+              <a:buFont typeface="Arial" pitchFamily="34" charset="0"/>
+              <a:buChar char="•"/>
+              <a:defRPr sz="3200" kern="1200">
+                <a:solidFill>
+                  <a:schemeClr val="tx1"/>
+                </a:solidFill>
+                <a:latin typeface="+mn-lt"/>
+                <a:ea typeface="+mn-ea"/>
+                <a:cs typeface="+mn-cs"/>
+              </a:defRPr>
+            </a:lvl1pPr>
+            <a:lvl2pPr marL="742950" indent="-285750" algn="l" defTabSz="914400" rtl="0" eaLnBrk="1" latinLnBrk="0" hangingPunct="1">
+              <a:spcBef>
+                <a:spcPct val="20000"/>
+              </a:spcBef>
+              <a:buFont typeface="Arial" pitchFamily="34" charset="0"/>
+              <a:buChar char="–"/>
+              <a:defRPr sz="2800" kern="1200">
+                <a:solidFill>
+                  <a:schemeClr val="tx1"/>
+                </a:solidFill>
+                <a:latin typeface="+mn-lt"/>
+                <a:ea typeface="+mn-ea"/>
+                <a:cs typeface="+mn-cs"/>
+              </a:defRPr>
+            </a:lvl2pPr>
+            <a:lvl3pPr marL="1143000" indent="-228600" algn="l" defTabSz="914400" rtl="0" eaLnBrk="1" latinLnBrk="0" hangingPunct="1">
+              <a:spcBef>
+                <a:spcPct val="20000"/>
+              </a:spcBef>
+              <a:buFont typeface="Arial" pitchFamily="34" charset="0"/>
+              <a:buChar char="•"/>
+              <a:defRPr sz="2400" kern="1200">
+                <a:solidFill>
+                  <a:schemeClr val="tx1"/>
+                </a:solidFill>
+                <a:latin typeface="+mn-lt"/>
+                <a:ea typeface="+mn-ea"/>
+                <a:cs typeface="+mn-cs"/>
+              </a:defRPr>
+            </a:lvl3pPr>
+            <a:lvl4pPr marL="1600200" indent="-228600" algn="l" defTabSz="914400" rtl="0" eaLnBrk="1" latinLnBrk="0" hangingPunct="1">
+              <a:spcBef>
+                <a:spcPct val="20000"/>
+              </a:spcBef>
+              <a:buFont typeface="Arial" pitchFamily="34" charset="0"/>
+              <a:buChar char="–"/>
+              <a:defRPr sz="2000" kern="1200">
+                <a:solidFill>
+                  <a:schemeClr val="tx1"/>
+                </a:solidFill>
+                <a:latin typeface="+mn-lt"/>
+                <a:ea typeface="+mn-ea"/>
+                <a:cs typeface="+mn-cs"/>
+              </a:defRPr>
+            </a:lvl4pPr>
+            <a:lvl5pPr marL="2057400" indent="-228600" algn="l" defTabSz="914400" rtl="0" eaLnBrk="1" latinLnBrk="0" hangingPunct="1">
+              <a:spcBef>
+                <a:spcPct val="20000"/>
+              </a:spcBef>
+              <a:buFont typeface="Arial" pitchFamily="34" charset="0"/>
+              <a:buChar char="»"/>
+              <a:defRPr sz="2000" kern="1200">
+                <a:solidFill>
+                  <a:schemeClr val="tx1"/>
+                </a:solidFill>
+                <a:latin typeface="+mn-lt"/>
+                <a:ea typeface="+mn-ea"/>
+                <a:cs typeface="+mn-cs"/>
+              </a:defRPr>
+            </a:lvl5pPr>
+            <a:lvl6pPr marL="2514600" indent="-228600" algn="l" defTabSz="914400" rtl="0" eaLnBrk="1" latinLnBrk="0" hangingPunct="1">
+              <a:spcBef>
+                <a:spcPct val="20000"/>
+              </a:spcBef>
+              <a:buFont typeface="Arial" pitchFamily="34" charset="0"/>
+              <a:buChar char="•"/>
+              <a:defRPr sz="2000" kern="1200">
+                <a:solidFill>
+                  <a:schemeClr val="tx1"/>
+                </a:solidFill>
+                <a:latin typeface="+mn-lt"/>
+                <a:ea typeface="+mn-ea"/>
+                <a:cs typeface="+mn-cs"/>
+              </a:defRPr>
+            </a:lvl6pPr>
+            <a:lvl7pPr marL="2971800" indent="-228600" algn="l" defTabSz="914400" rtl="0" eaLnBrk="1" latinLnBrk="0" hangingPunct="1">
+              <a:spcBef>
+                <a:spcPct val="20000"/>
+              </a:spcBef>
+              <a:buFont typeface="Arial" pitchFamily="34" charset="0"/>
+              <a:buChar char="•"/>
+              <a:defRPr sz="2000" kern="1200">
+                <a:solidFill>
+                  <a:schemeClr val="tx1"/>
+                </a:solidFill>
+                <a:latin typeface="+mn-lt"/>
+                <a:ea typeface="+mn-ea"/>
+                <a:cs typeface="+mn-cs"/>
+              </a:defRPr>
+            </a:lvl7pPr>
+            <a:lvl8pPr marL="3429000" indent="-228600" algn="l" defTabSz="914400" rtl="0" eaLnBrk="1" latinLnBrk="0" hangingPunct="1">
+              <a:spcBef>
+                <a:spcPct val="20000"/>
+              </a:spcBef>
+              <a:buFont typeface="Arial" pitchFamily="34" charset="0"/>
+              <a:buChar char="•"/>
+              <a:defRPr sz="2000" kern="1200">
+                <a:solidFill>
+                  <a:schemeClr val="tx1"/>
+                </a:solidFill>
+                <a:latin typeface="+mn-lt"/>
+                <a:ea typeface="+mn-ea"/>
+                <a:cs typeface="+mn-cs"/>
+              </a:defRPr>
+            </a:lvl8pPr>
+            <a:lvl9pPr marL="3886200" indent="-228600" algn="l" defTabSz="914400" rtl="0" eaLnBrk="1" latinLnBrk="0" hangingPunct="1">
+              <a:spcBef>
+                <a:spcPct val="20000"/>
+              </a:spcBef>
+              <a:buFont typeface="Arial" pitchFamily="34" charset="0"/>
+              <a:buChar char="•"/>
+              <a:defRPr sz="2000" kern="1200">
+                <a:solidFill>
+                  <a:schemeClr val="tx1"/>
+                </a:solidFill>
+                <a:latin typeface="+mn-lt"/>
+                <a:ea typeface="+mn-ea"/>
+                <a:cs typeface="+mn-cs"/>
+              </a:defRPr>
+            </a:lvl9pPr>
+          </a:lstStyle>
+          <a:p>
+            <a:pPr marL="0" lvl="2" indent="685800" algn="just">
+              <a:lnSpc>
+                <a:spcPct val="150000"/>
+              </a:lnSpc>
+              <a:spcBef>
+                <a:spcPts val="600"/>
+              </a:spcBef>
+              <a:spcAft>
+                <a:spcPts val="600"/>
+              </a:spcAft>
+              <a:buNone/>
+            </a:pPr>
+            <a:r>
+              <a:rPr lang="en-US" dirty="0">
+                <a:solidFill>
+                  <a:srgbClr val="000066"/>
+                </a:solidFill>
+                <a:latin typeface="Times New Roman" pitchFamily="18" charset="0"/>
+                <a:cs typeface="Times New Roman" pitchFamily="18" charset="0"/>
+              </a:rPr>
+              <a:t>Bất cứ plug-in nào cũng có thể cho phép các plug-in khác mở rộng nó bằng cách thêm vào một số thành phần</a:t>
+            </a:r>
+          </a:p>
+          <a:p>
+            <a:pPr marL="0" lvl="2" indent="685800" algn="just">
+              <a:lnSpc>
+                <a:spcPct val="150000"/>
+              </a:lnSpc>
+              <a:spcBef>
+                <a:spcPts val="600"/>
+              </a:spcBef>
+              <a:spcAft>
+                <a:spcPts val="600"/>
+              </a:spcAft>
+              <a:buNone/>
+            </a:pPr>
+            <a:r>
+              <a:rPr lang="en-US" dirty="0">
+                <a:solidFill>
+                  <a:srgbClr val="000066"/>
+                </a:solidFill>
+                <a:latin typeface="Times New Roman" pitchFamily="18" charset="0"/>
+                <a:cs typeface="Times New Roman" pitchFamily="18" charset="0"/>
+              </a:rPr>
+              <a:t>Một extension được xác định bởi plug-in mở rộng (plug-in extender) và khiến plug-in chính (host plug-in) thay đổi chức năng của nó. Thông thường, việc thay đổi chức năng này có thể là thêm vào chức năng mới hoặc tùy chỉnh chức năng có sẵn thông qua các dịch vụ cung cấp bởi plug-in mở rộng.</a:t>
+            </a:r>
+          </a:p>
+        </p:txBody>
+      </p:sp>
+    </p:spTree>
+    <p:extLst>
+      <p:ext uri="{BB962C8B-B14F-4D97-AF65-F5344CB8AC3E}">
+        <p14:creationId xmlns:p14="http://schemas.microsoft.com/office/powerpoint/2010/main" val="430727651"/>
+      </p:ext>
+    </p:extLst>
+  </p:cSld>
+  <p:clrMapOvr>
+    <a:masterClrMapping/>
+  </p:clrMapOvr>
+  <p:timing>
+    <p:tnLst>
+      <p:par>
+        <p:cTn id="1" dur="indefinite" restart="never" nodeType="tmRoot"/>
+      </p:par>
+    </p:tnLst>
+  </p:timing>
+</p:sld>
+</file>
+
+<file path=ppt/slides/slide31.xml><?xml version="1.0" encoding="utf-8"?>
+<p:sld xmlns:a="http://schemas.openxmlformats.org/drawingml/2006/main" xmlns:r="http://schemas.openxmlformats.org/officeDocument/2006/relationships" xmlns:p="http://schemas.openxmlformats.org/presentationml/2006/main">
+  <p:cSld>
+    <p:spTree>
+      <p:nvGrpSpPr>
+        <p:cNvPr id="1" name=""/>
+        <p:cNvGrpSpPr/>
+        <p:nvPr/>
+      </p:nvGrpSpPr>
+      <p:grpSpPr>
+        <a:xfrm>
+          <a:off x="0" y="0"/>
+          <a:ext cx="0" cy="0"/>
+          <a:chOff x="0" y="0"/>
+          <a:chExt cx="0" cy="0"/>
+        </a:xfrm>
+      </p:grpSpPr>
+      <p:sp>
+        <p:nvSpPr>
+          <p:cNvPr id="2" name="Slide Number Placeholder 1"/>
+          <p:cNvSpPr>
+            <a:spLocks noGrp="1"/>
+          </p:cNvSpPr>
+          <p:nvPr>
+            <p:ph type="sldNum" sz="quarter" idx="12"/>
+          </p:nvPr>
+        </p:nvSpPr>
+        <p:spPr/>
+        <p:txBody>
+          <a:bodyPr/>
+          <a:lstStyle/>
+          <a:p>
+            <a:fld id="{9DFD9A34-EC64-4F0B-9C9B-2C0A202A050B}" type="slidenum">
+              <a:rPr lang="en-US" smtClean="0"/>
+              <a:pPr/>
+              <a:t>31</a:t>
+            </a:fld>
+            <a:endParaRPr lang="en-US" dirty="0"/>
+          </a:p>
+        </p:txBody>
+      </p:sp>
+      <p:sp>
+        <p:nvSpPr>
+          <p:cNvPr id="3" name="Content Placeholder 2"/>
+          <p:cNvSpPr>
+            <a:spLocks noGrp="1"/>
+          </p:cNvSpPr>
+          <p:nvPr>
+            <p:ph sz="quarter" idx="14"/>
+          </p:nvPr>
+        </p:nvSpPr>
+        <p:spPr>
+          <a:xfrm>
+            <a:off x="779926" y="990600"/>
+            <a:ext cx="10496086" cy="5867400"/>
+          </a:xfrm>
+        </p:spPr>
+        <p:txBody>
+          <a:bodyPr>
+            <a:noAutofit/>
+          </a:bodyPr>
+          <a:lstStyle/>
+          <a:p>
+            <a:pPr lvl="2">
+              <a:lnSpc>
+                <a:spcPct val="160000"/>
+              </a:lnSpc>
+            </a:pPr>
+            <a:r>
+              <a:rPr lang="en-US" dirty="0"/>
+              <a:t>Từ kiến trúc của Eclipse có thể dễ dàng thấy các ưu điểm của nó :</a:t>
+            </a:r>
+          </a:p>
+          <a:p>
+            <a:pPr marL="60325" lvl="2" indent="396875">
+              <a:spcBef>
+                <a:spcPts val="0"/>
+              </a:spcBef>
+              <a:spcAft>
+                <a:spcPts val="0"/>
+              </a:spcAft>
+              <a:buFont typeface="Arial" pitchFamily="34" charset="0"/>
+              <a:buChar char="•"/>
+            </a:pPr>
+            <a:r>
+              <a:rPr lang="en-US" dirty="0"/>
+              <a:t>Có khả năng mở rộng, phụ thuộc vào các thành phần gắn thêm như cho ngôn ngữ mới, cho bộ xử lý mới</a:t>
+            </a:r>
+          </a:p>
+          <a:p>
+            <a:pPr marL="60325" lvl="2" indent="396875">
+              <a:spcBef>
+                <a:spcPts val="0"/>
+              </a:spcBef>
+              <a:spcAft>
+                <a:spcPts val="0"/>
+              </a:spcAft>
+              <a:buFont typeface="Arial" pitchFamily="34" charset="0"/>
+              <a:buChar char="•"/>
+            </a:pPr>
+            <a:r>
+              <a:rPr lang="en-US" dirty="0"/>
+              <a:t>Ứng dụng được cho việc phát triển mọi kiểu ứng dụng, từ ứng dụng trong doanh nghiệp, ứng dụng trên máy tính cá nhân cho đến các ứng dụng nhúng cho các thiết bị</a:t>
+            </a:r>
+          </a:p>
+          <a:p>
+            <a:pPr marL="60325" lvl="2" indent="396875">
+              <a:spcBef>
+                <a:spcPts val="0"/>
+              </a:spcBef>
+              <a:spcAft>
+                <a:spcPts val="0"/>
+              </a:spcAft>
+              <a:buFont typeface="Arial" pitchFamily="34" charset="0"/>
+              <a:buChar char="•"/>
+            </a:pPr>
+            <a:r>
+              <a:rPr lang="en-US" dirty="0"/>
+              <a:t>Mọi người có thể tự làm thêm các thành phần gắn thêm theo yêu cầu riêng của mình</a:t>
+            </a:r>
+          </a:p>
+          <a:p>
+            <a:pPr lvl="2">
+              <a:lnSpc>
+                <a:spcPct val="160000"/>
+              </a:lnSpc>
+            </a:pPr>
+            <a:endParaRPr lang="en-US" dirty="0" smtClean="0"/>
+          </a:p>
+          <a:p>
+            <a:pPr lvl="2">
+              <a:lnSpc>
+                <a:spcPct val="160000"/>
+              </a:lnSpc>
+            </a:pPr>
+            <a:endParaRPr lang="en-US" dirty="0"/>
+          </a:p>
+          <a:p>
+            <a:pPr lvl="2">
+              <a:lnSpc>
+                <a:spcPct val="160000"/>
+              </a:lnSpc>
+            </a:pPr>
+            <a:endParaRPr lang="en-US" dirty="0"/>
+          </a:p>
+          <a:p>
+            <a:pPr lvl="2">
+              <a:lnSpc>
+                <a:spcPct val="160000"/>
+              </a:lnSpc>
+            </a:pPr>
+            <a:endParaRPr lang="en-US" dirty="0"/>
+          </a:p>
+          <a:p>
+            <a:pPr lvl="2"/>
+            <a:endParaRPr lang="en-US" dirty="0"/>
+          </a:p>
+          <a:p>
+            <a:pPr marL="60325" lvl="2" indent="396875">
+              <a:buFont typeface="Arial" pitchFamily="34" charset="0"/>
+              <a:buChar char="•"/>
+            </a:pPr>
+            <a:endParaRPr lang="en-US" dirty="0"/>
+          </a:p>
+          <a:p>
+            <a:pPr lvl="2">
+              <a:lnSpc>
+                <a:spcPct val="200000"/>
+              </a:lnSpc>
+            </a:pPr>
+            <a:endParaRPr lang="en-US" dirty="0"/>
+          </a:p>
+          <a:p>
+            <a:pPr lvl="2">
+              <a:lnSpc>
+                <a:spcPct val="200000"/>
+              </a:lnSpc>
+            </a:pPr>
+            <a:endParaRPr lang="en-US" dirty="0"/>
+          </a:p>
+        </p:txBody>
+      </p:sp>
+      <p:sp>
+        <p:nvSpPr>
+          <p:cNvPr id="4" name="Title 3"/>
+          <p:cNvSpPr>
+            <a:spLocks noGrp="1"/>
+          </p:cNvSpPr>
+          <p:nvPr>
+            <p:ph type="title"/>
+          </p:nvPr>
+        </p:nvSpPr>
+        <p:spPr/>
+        <p:txBody>
+          <a:bodyPr>
+            <a:normAutofit fontScale="90000"/>
+          </a:bodyPr>
+          <a:lstStyle/>
+          <a:p>
+            <a:r>
+              <a:rPr lang="en-US" dirty="0" smtClean="0"/>
+              <a:t>Tiểu kết chương 2</a:t>
+            </a:r>
+            <a:endParaRPr lang="en-US" dirty="0"/>
+          </a:p>
+        </p:txBody>
+      </p:sp>
+    </p:spTree>
+    <p:extLst>
+      <p:ext uri="{BB962C8B-B14F-4D97-AF65-F5344CB8AC3E}">
+        <p14:creationId xmlns:p14="http://schemas.microsoft.com/office/powerpoint/2010/main" val="1925652982"/>
+      </p:ext>
+    </p:extLst>
+  </p:cSld>
+  <p:clrMapOvr>
+    <a:masterClrMapping/>
+  </p:clrMapOvr>
+  <p:timing>
+    <p:tnLst>
+      <p:par>
+        <p:cTn id="1" dur="indefinite" restart="never" nodeType="tmRoot"/>
+      </p:par>
+    </p:tnLst>
+  </p:timing>
+</p:sld>
+</file>
+
+<file path=ppt/slides/slide32.xml><?xml version="1.0" encoding="utf-8"?>
+<p:sld xmlns:a="http://schemas.openxmlformats.org/drawingml/2006/main" xmlns:r="http://schemas.openxmlformats.org/officeDocument/2006/relationships" xmlns:p="http://schemas.openxmlformats.org/presentationml/2006/main">
+  <p:cSld>
+    <p:spTree>
+      <p:nvGrpSpPr>
+        <p:cNvPr id="1" name=""/>
+        <p:cNvGrpSpPr/>
+        <p:nvPr/>
+      </p:nvGrpSpPr>
+      <p:grpSpPr>
+        <a:xfrm>
+          <a:off x="0" y="0"/>
+          <a:ext cx="0" cy="0"/>
+          <a:chOff x="0" y="0"/>
+          <a:chExt cx="0" cy="0"/>
+        </a:xfrm>
+      </p:grpSpPr>
+      <p:sp>
+        <p:nvSpPr>
+          <p:cNvPr id="2" name="Slide Number Placeholder 1"/>
+          <p:cNvSpPr>
+            <a:spLocks noGrp="1"/>
+          </p:cNvSpPr>
+          <p:nvPr>
+            <p:ph type="sldNum" sz="quarter" idx="12"/>
+          </p:nvPr>
+        </p:nvSpPr>
+        <p:spPr/>
+        <p:txBody>
+          <a:bodyPr/>
+          <a:lstStyle/>
+          <a:p>
+            <a:fld id="{9DFD9A34-EC64-4F0B-9C9B-2C0A202A050B}" type="slidenum">
+              <a:rPr lang="en-US" smtClean="0"/>
+              <a:pPr/>
+              <a:t>32</a:t>
+            </a:fld>
+            <a:endParaRPr lang="en-US" dirty="0"/>
+          </a:p>
+        </p:txBody>
+      </p:sp>
+      <p:sp>
+        <p:nvSpPr>
+          <p:cNvPr id="3" name="Content Placeholder 2"/>
+          <p:cNvSpPr>
+            <a:spLocks noGrp="1"/>
+          </p:cNvSpPr>
+          <p:nvPr>
+            <p:ph sz="quarter" idx="14"/>
+          </p:nvPr>
+        </p:nvSpPr>
+        <p:spPr>
+          <a:xfrm>
+            <a:off x="779926" y="990600"/>
+            <a:ext cx="10496086" cy="5867400"/>
+          </a:xfrm>
+        </p:spPr>
+        <p:txBody>
+          <a:bodyPr>
+            <a:normAutofit/>
+          </a:bodyPr>
+          <a:lstStyle/>
+          <a:p>
+            <a:pPr>
+              <a:lnSpc>
+                <a:spcPct val="200000"/>
+              </a:lnSpc>
+            </a:pPr>
+            <a:r>
+              <a:rPr lang="en-US" sz="2600" b="1" dirty="0" smtClean="0"/>
+              <a:t>Mục tiêu</a:t>
+            </a:r>
+          </a:p>
+          <a:p>
+            <a:pPr lvl="2">
+              <a:lnSpc>
+                <a:spcPct val="200000"/>
+              </a:lnSpc>
+            </a:pPr>
+            <a:r>
+              <a:rPr lang="en-US" sz="2800" dirty="0" smtClean="0"/>
+              <a:t>Xây </a:t>
+            </a:r>
+            <a:r>
+              <a:rPr lang="en-US" sz="2800" dirty="0"/>
+              <a:t>dựng một kiến trúc hướng dịch vụ theo đường ống </a:t>
+            </a:r>
+            <a:r>
+              <a:rPr lang="en-US" sz="2800" dirty="0" smtClean="0"/>
+              <a:t>– Service Oriented </a:t>
+            </a:r>
+            <a:r>
+              <a:rPr lang="en-US" sz="2800" dirty="0"/>
+              <a:t>Pipeline Architecture (SOPA)</a:t>
+            </a:r>
+            <a:endParaRPr lang="en-US" sz="2600" dirty="0"/>
+          </a:p>
+          <a:p>
+            <a:endParaRPr lang="en-US" dirty="0"/>
+          </a:p>
+        </p:txBody>
+      </p:sp>
+      <p:sp>
+        <p:nvSpPr>
+          <p:cNvPr id="4" name="Title 3"/>
+          <p:cNvSpPr>
+            <a:spLocks noGrp="1"/>
+          </p:cNvSpPr>
+          <p:nvPr>
+            <p:ph type="title"/>
+          </p:nvPr>
+        </p:nvSpPr>
+        <p:spPr/>
+        <p:txBody>
+          <a:bodyPr>
+            <a:normAutofit fontScale="90000"/>
+          </a:bodyPr>
+          <a:lstStyle/>
+          <a:p>
+            <a:r>
+              <a:rPr lang="en-US" b="1" dirty="0"/>
+              <a:t>Bài toán điều phối các lời gọi dịch vụ trong kiến trúc SOA</a:t>
+            </a:r>
+            <a:endParaRPr lang="en-US" dirty="0"/>
+          </a:p>
+        </p:txBody>
+      </p:sp>
+    </p:spTree>
+    <p:extLst>
+      <p:ext uri="{BB962C8B-B14F-4D97-AF65-F5344CB8AC3E}">
+        <p14:creationId xmlns:p14="http://schemas.microsoft.com/office/powerpoint/2010/main" val="302673987"/>
+      </p:ext>
+    </p:extLst>
+  </p:cSld>
+  <p:clrMapOvr>
+    <a:masterClrMapping/>
+  </p:clrMapOvr>
+  <p:timing>
+    <p:tnLst>
+      <p:par>
+        <p:cTn id="1" dur="indefinite" restart="never" nodeType="tmRoot"/>
+      </p:par>
+    </p:tnLst>
+  </p:timing>
+</p:sld>
+</file>
+
+<file path=ppt/slides/slide33.xml><?xml version="1.0" encoding="utf-8"?>
+<p:sld xmlns:a="http://schemas.openxmlformats.org/drawingml/2006/main" xmlns:r="http://schemas.openxmlformats.org/officeDocument/2006/relationships" xmlns:p="http://schemas.openxmlformats.org/presentationml/2006/main">
+  <p:cSld>
+    <p:spTree>
+      <p:nvGrpSpPr>
+        <p:cNvPr id="1" name=""/>
+        <p:cNvGrpSpPr/>
+        <p:nvPr/>
+      </p:nvGrpSpPr>
+      <p:grpSpPr>
+        <a:xfrm>
+          <a:off x="0" y="0"/>
+          <a:ext cx="0" cy="0"/>
+          <a:chOff x="0" y="0"/>
+          <a:chExt cx="0" cy="0"/>
+        </a:xfrm>
+      </p:grpSpPr>
+      <p:sp>
+        <p:nvSpPr>
+          <p:cNvPr id="2" name="Slide Number Placeholder 1"/>
+          <p:cNvSpPr>
+            <a:spLocks noGrp="1"/>
+          </p:cNvSpPr>
+          <p:nvPr>
+            <p:ph type="sldNum" sz="quarter" idx="12"/>
+          </p:nvPr>
+        </p:nvSpPr>
+        <p:spPr/>
+        <p:txBody>
+          <a:bodyPr/>
+          <a:lstStyle/>
+          <a:p>
+            <a:fld id="{9DFD9A34-EC64-4F0B-9C9B-2C0A202A050B}" type="slidenum">
+              <a:rPr lang="en-US" smtClean="0"/>
+              <a:pPr/>
+              <a:t>33</a:t>
+            </a:fld>
+            <a:endParaRPr lang="en-US" dirty="0"/>
+          </a:p>
+        </p:txBody>
+      </p:sp>
+      <p:sp>
+        <p:nvSpPr>
+          <p:cNvPr id="3" name="Content Placeholder 2"/>
+          <p:cNvSpPr>
+            <a:spLocks noGrp="1"/>
+          </p:cNvSpPr>
+          <p:nvPr>
+            <p:ph sz="quarter" idx="14"/>
+          </p:nvPr>
+        </p:nvSpPr>
+        <p:spPr>
+          <a:xfrm>
+            <a:off x="779926" y="990600"/>
+            <a:ext cx="10496086" cy="5867400"/>
+          </a:xfrm>
+        </p:spPr>
+        <p:txBody>
+          <a:bodyPr>
+            <a:normAutofit/>
+          </a:bodyPr>
+          <a:lstStyle/>
+          <a:p>
+            <a:pPr>
+              <a:lnSpc>
+                <a:spcPct val="200000"/>
+              </a:lnSpc>
+            </a:pPr>
+            <a:r>
+              <a:rPr lang="en-US" sz="2600" b="1" dirty="0" smtClean="0"/>
+              <a:t>Giải pháp</a:t>
+            </a:r>
+          </a:p>
+          <a:p>
+            <a:pPr lvl="2">
+              <a:lnSpc>
+                <a:spcPct val="200000"/>
+              </a:lnSpc>
+            </a:pPr>
+            <a:r>
+              <a:rPr lang="en-US" sz="2800" dirty="0" smtClean="0"/>
+              <a:t>Xây </a:t>
+            </a:r>
+            <a:r>
+              <a:rPr lang="en-US" sz="2800" dirty="0"/>
+              <a:t>dựng một dịch vụ web đăng ký (web services registry), gọi là bus dịch vụ (Services Bus), phát triển như một plug-in Eclipse. </a:t>
+            </a:r>
+            <a:endParaRPr lang="en-US" sz="2800" dirty="0" smtClean="0"/>
+          </a:p>
+          <a:p>
+            <a:pPr lvl="2">
+              <a:lnSpc>
+                <a:spcPct val="200000"/>
+              </a:lnSpc>
+            </a:pPr>
+            <a:r>
+              <a:rPr lang="en-US" sz="2800" dirty="0"/>
+              <a:t>Một phần nữa trong giải pháp là triển khai một plug-in đường ống (Pipeline plug-in), đóng vai trò trung tâm trong việc điều phối dịch vụ của hệ thống và trong việc tạo ra các dịch vụ nghiệp vụ mới.</a:t>
+            </a:r>
+            <a:endParaRPr lang="en-US" sz="2600" dirty="0"/>
+          </a:p>
+          <a:p>
+            <a:endParaRPr lang="en-US" dirty="0"/>
+          </a:p>
+        </p:txBody>
+      </p:sp>
+      <p:sp>
+        <p:nvSpPr>
+          <p:cNvPr id="4" name="Title 3"/>
+          <p:cNvSpPr>
+            <a:spLocks noGrp="1"/>
+          </p:cNvSpPr>
+          <p:nvPr>
+            <p:ph type="title"/>
+          </p:nvPr>
+        </p:nvSpPr>
+        <p:spPr/>
+        <p:txBody>
+          <a:bodyPr>
+            <a:normAutofit fontScale="90000"/>
+          </a:bodyPr>
+          <a:lstStyle/>
+          <a:p>
+            <a:r>
+              <a:rPr lang="en-US" b="1" dirty="0"/>
+              <a:t>Bài toán điều phối các lời gọi dịch vụ trong kiến trúc SOA</a:t>
+            </a:r>
+            <a:endParaRPr lang="en-US" dirty="0"/>
+          </a:p>
+        </p:txBody>
+      </p:sp>
+    </p:spTree>
+    <p:extLst>
+      <p:ext uri="{BB962C8B-B14F-4D97-AF65-F5344CB8AC3E}">
+        <p14:creationId xmlns:p14="http://schemas.microsoft.com/office/powerpoint/2010/main" val="1266115762"/>
+      </p:ext>
+    </p:extLst>
+  </p:cSld>
+  <p:clrMapOvr>
+    <a:masterClrMapping/>
+  </p:clrMapOvr>
+  <p:timing>
+    <p:tnLst>
+      <p:par>
+        <p:cTn id="1" dur="indefinite" restart="never" nodeType="tmRoot"/>
+      </p:par>
+    </p:tnLst>
+  </p:timing>
+</p:sld>
+</file>
+
+<file path=ppt/slides/slide34.xml><?xml version="1.0" encoding="utf-8"?>
+<p:sld xmlns:a="http://schemas.openxmlformats.org/drawingml/2006/main" xmlns:r="http://schemas.openxmlformats.org/officeDocument/2006/relationships" xmlns:p="http://schemas.openxmlformats.org/presentationml/2006/main">
+  <p:cSld>
+    <p:spTree>
+      <p:nvGrpSpPr>
+        <p:cNvPr id="1" name=""/>
+        <p:cNvGrpSpPr/>
+        <p:nvPr/>
+      </p:nvGrpSpPr>
+      <p:grpSpPr>
+        <a:xfrm>
+          <a:off x="0" y="0"/>
+          <a:ext cx="0" cy="0"/>
+          <a:chOff x="0" y="0"/>
+          <a:chExt cx="0" cy="0"/>
+        </a:xfrm>
+      </p:grpSpPr>
+      <p:sp>
+        <p:nvSpPr>
+          <p:cNvPr id="2" name="Slide Number Placeholder 1"/>
+          <p:cNvSpPr>
+            <a:spLocks noGrp="1"/>
+          </p:cNvSpPr>
+          <p:nvPr>
+            <p:ph type="sldNum" sz="quarter" idx="12"/>
+          </p:nvPr>
+        </p:nvSpPr>
+        <p:spPr/>
+        <p:txBody>
+          <a:bodyPr/>
+          <a:lstStyle/>
+          <a:p>
+            <a:fld id="{9DFD9A34-EC64-4F0B-9C9B-2C0A202A050B}" type="slidenum">
+              <a:rPr lang="en-US" smtClean="0"/>
+              <a:pPr/>
+              <a:t>34</a:t>
             </a:fld>
             <a:endParaRPr lang="en-US" dirty="0"/>
           </a:p>
@@ -13690,7 +15648,7 @@
 </p:sld>
 </file>
 
-<file path=ppt/slides/slide3.xml><?xml version="1.0" encoding="utf-8"?>
+<file path=ppt/slides/slide35.xml><?xml version="1.0" encoding="utf-8"?>
 <p:sld xmlns:a="http://schemas.openxmlformats.org/drawingml/2006/main" xmlns:r="http://schemas.openxmlformats.org/officeDocument/2006/relationships" xmlns:p="http://schemas.openxmlformats.org/presentationml/2006/main">
   <p:cSld>
     <p:spTree>
@@ -13725,149 +15683,7 @@
             <a:fld id="{9DFD9A34-EC64-4F0B-9C9B-2C0A202A050B}" type="slidenum">
               <a:rPr lang="en-US" smtClean="0"/>
               <a:pPr/>
-              <a:t>3</a:t>
-            </a:fld>
-            <a:endParaRPr lang="en-US" dirty="0"/>
-          </a:p>
-        </p:txBody>
-      </p:sp>
-      <p:sp>
-        <p:nvSpPr>
-          <p:cNvPr id="3" name="Content Placeholder 2"/>
-          <p:cNvSpPr>
-            <a:spLocks noGrp="1"/>
-          </p:cNvSpPr>
-          <p:nvPr>
-            <p:ph sz="quarter" idx="14"/>
-          </p:nvPr>
-        </p:nvSpPr>
-        <p:spPr/>
-        <p:txBody>
-          <a:bodyPr/>
-          <a:lstStyle/>
-          <a:p>
-            <a:pPr lvl="2"/>
-            <a:r>
-              <a:rPr lang="en-US" dirty="0"/>
-              <a:t>Với sự phát triển của </a:t>
-            </a:r>
-            <a:r>
-              <a:rPr lang="en-US" dirty="0" smtClean="0"/>
-              <a:t>Internet </a:t>
-            </a:r>
-            <a:r>
-              <a:rPr lang="en-US" dirty="0"/>
-              <a:t>và xu thế hội nhập chung của toàn thế giới, nên các doanh nghiệp, tổ chức bắt đầu việc cộng tác, phối hợp và chia sẻ nguồn tài nguyên với nhau để nâng cao hiệu quả hoạt động.</a:t>
-            </a:r>
-          </a:p>
-          <a:p>
-            <a:pPr lvl="2"/>
-            <a:r>
-              <a:rPr lang="en-US" dirty="0"/>
-              <a:t>Vấn đề sử dụng các nguồn tài nguyên của nhau, hoặc tái sử dụng và mở rộng các hệ thống có sẵn là khá phức tạp vì sự không tương thích giữa các hệ thống, giữa các nền tảng công nghệ</a:t>
-            </a:r>
-            <a:r>
-              <a:rPr lang="en-US" dirty="0" smtClean="0"/>
-              <a:t>.</a:t>
-            </a:r>
-          </a:p>
-          <a:p>
-            <a:pPr lvl="2"/>
-            <a:r>
-              <a:rPr lang="en-US" dirty="0" smtClean="0"/>
-              <a:t>Một giải pháp ra đời và đang được quan tâm, chú ý đó là “Kiến trúc hướng dịch vụ” (Service Oriented Architecture –SOA).</a:t>
-            </a:r>
-          </a:p>
-          <a:p>
-            <a:pPr lvl="2"/>
-            <a:endParaRPr lang="en-US" dirty="0"/>
-          </a:p>
-          <a:p>
-            <a:endParaRPr lang="en-US" dirty="0"/>
-          </a:p>
-        </p:txBody>
-      </p:sp>
-      <p:sp>
-        <p:nvSpPr>
-          <p:cNvPr id="4" name="Title 3"/>
-          <p:cNvSpPr>
-            <a:spLocks noGrp="1"/>
-          </p:cNvSpPr>
-          <p:nvPr>
-            <p:ph type="title"/>
-          </p:nvPr>
-        </p:nvSpPr>
-        <p:spPr/>
-        <p:txBody>
-          <a:bodyPr>
-            <a:normAutofit fontScale="90000"/>
-          </a:bodyPr>
-          <a:lstStyle/>
-          <a:p>
-            <a:r>
-              <a:rPr lang="en-US" dirty="0" smtClean="0"/>
-              <a:t>Phần mở đầu</a:t>
-            </a:r>
-            <a:endParaRPr lang="en-US" dirty="0"/>
-          </a:p>
-        </p:txBody>
-      </p:sp>
-    </p:spTree>
-    <p:extLst>
-      <p:ext uri="{BB962C8B-B14F-4D97-AF65-F5344CB8AC3E}">
-        <p14:creationId xmlns:p14="http://schemas.microsoft.com/office/powerpoint/2010/main" val="2174694034"/>
-      </p:ext>
-    </p:extLst>
-  </p:cSld>
-  <p:clrMapOvr>
-    <a:masterClrMapping/>
-  </p:clrMapOvr>
-  <p:timing>
-    <p:tnLst>
-      <p:par>
-        <p:cTn id="1" dur="indefinite" restart="never" nodeType="tmRoot"/>
-      </p:par>
-    </p:tnLst>
-  </p:timing>
-</p:sld>
-</file>
-
-<file path=ppt/slides/slide30.xml><?xml version="1.0" encoding="utf-8"?>
-<p:sld xmlns:a="http://schemas.openxmlformats.org/drawingml/2006/main" xmlns:r="http://schemas.openxmlformats.org/officeDocument/2006/relationships" xmlns:p="http://schemas.openxmlformats.org/presentationml/2006/main">
-  <p:cSld>
-    <p:spTree>
-      <p:nvGrpSpPr>
-        <p:cNvPr id="1" name=""/>
-        <p:cNvGrpSpPr/>
-        <p:nvPr/>
-      </p:nvGrpSpPr>
-      <p:grpSpPr>
-        <a:xfrm>
-          <a:off x="0" y="0"/>
-          <a:ext cx="0" cy="0"/>
-          <a:chOff x="0" y="0"/>
-          <a:chExt cx="0" cy="0"/>
-        </a:xfrm>
-      </p:grpSpPr>
-      <p:sp>
-        <p:nvSpPr>
-          <p:cNvPr id="2" name="Slide Number Placeholder 1"/>
-          <p:cNvSpPr>
-            <a:spLocks noGrp="1"/>
-          </p:cNvSpPr>
-          <p:nvPr>
-            <p:ph type="sldNum" sz="quarter" idx="12"/>
-          </p:nvPr>
-        </p:nvSpPr>
-        <p:spPr/>
-        <p:txBody>
-          <a:bodyPr/>
-          <a:lstStyle/>
-          <a:p>
-            <a:fld id="{9DFD9A34-EC64-4F0B-9C9B-2C0A202A050B}" type="slidenum">
-              <a:rPr lang="en-US" smtClean="0"/>
-              <a:pPr/>
-              <a:t>30</a:t>
+              <a:t>35</a:t>
             </a:fld>
             <a:endParaRPr lang="en-US" dirty="0"/>
           </a:p>
@@ -13970,7 +15786,7 @@
 </p:sld>
 </file>
 
-<file path=ppt/slides/slide31.xml><?xml version="1.0" encoding="utf-8"?>
+<file path=ppt/slides/slide36.xml><?xml version="1.0" encoding="utf-8"?>
 <p:sld xmlns:a="http://schemas.openxmlformats.org/drawingml/2006/main" xmlns:r="http://schemas.openxmlformats.org/officeDocument/2006/relationships" xmlns:p="http://schemas.openxmlformats.org/presentationml/2006/main">
   <p:cSld>
     <p:spTree>
@@ -14005,7 +15821,7 @@
             <a:fld id="{9DFD9A34-EC64-4F0B-9C9B-2C0A202A050B}" type="slidenum">
               <a:rPr lang="en-US" smtClean="0"/>
               <a:pPr/>
-              <a:t>31</a:t>
+              <a:t>36</a:t>
             </a:fld>
             <a:endParaRPr lang="en-US" dirty="0"/>
           </a:p>
@@ -14142,7 +15958,7 @@
 </p:sld>
 </file>
 
-<file path=ppt/slides/slide32.xml><?xml version="1.0" encoding="utf-8"?>
+<file path=ppt/slides/slide37.xml><?xml version="1.0" encoding="utf-8"?>
 <p:sld xmlns:a="http://schemas.openxmlformats.org/drawingml/2006/main" xmlns:r="http://schemas.openxmlformats.org/officeDocument/2006/relationships" xmlns:p="http://schemas.openxmlformats.org/presentationml/2006/main">
   <p:cSld>
     <p:spTree>
@@ -14177,7 +15993,7 @@
             <a:fld id="{9DFD9A34-EC64-4F0B-9C9B-2C0A202A050B}" type="slidenum">
               <a:rPr lang="en-US" smtClean="0"/>
               <a:pPr/>
-              <a:t>32</a:t>
+              <a:t>37</a:t>
             </a:fld>
             <a:endParaRPr lang="en-US" dirty="0"/>
           </a:p>
@@ -15328,7 +17144,7 @@
 </p:sld>
 </file>
 
-<file path=ppt/slides/slide33.xml><?xml version="1.0" encoding="utf-8"?>
+<file path=ppt/slides/slide38.xml><?xml version="1.0" encoding="utf-8"?>
 <p:sld xmlns:a="http://schemas.openxmlformats.org/drawingml/2006/main" xmlns:r="http://schemas.openxmlformats.org/officeDocument/2006/relationships" xmlns:p="http://schemas.openxmlformats.org/presentationml/2006/main">
   <p:cSld>
     <p:spTree>
@@ -15363,7 +17179,7 @@
             <a:fld id="{9DFD9A34-EC64-4F0B-9C9B-2C0A202A050B}" type="slidenum">
               <a:rPr lang="en-US" smtClean="0"/>
               <a:pPr/>
-              <a:t>33</a:t>
+              <a:t>38</a:t>
             </a:fld>
             <a:endParaRPr lang="en-US" dirty="0"/>
           </a:p>
@@ -16371,7 +18187,7 @@
 </p:sld>
 </file>
 
-<file path=ppt/slides/slide34.xml><?xml version="1.0" encoding="utf-8"?>
+<file path=ppt/slides/slide39.xml><?xml version="1.0" encoding="utf-8"?>
 <p:sld xmlns:a="http://schemas.openxmlformats.org/drawingml/2006/main" xmlns:r="http://schemas.openxmlformats.org/officeDocument/2006/relationships" xmlns:p="http://schemas.openxmlformats.org/presentationml/2006/main">
   <p:cSld>
     <p:spTree>
@@ -16406,7 +18222,7 @@
             <a:fld id="{9DFD9A34-EC64-4F0B-9C9B-2C0A202A050B}" type="slidenum">
               <a:rPr lang="en-US" smtClean="0"/>
               <a:pPr/>
-              <a:t>34</a:t>
+              <a:t>39</a:t>
             </a:fld>
             <a:endParaRPr lang="en-US" dirty="0"/>
           </a:p>
@@ -17045,7 +18861,7 @@
 </p:sld>
 </file>
 
-<file path=ppt/slides/slide35.xml><?xml version="1.0" encoding="utf-8"?>
+<file path=ppt/slides/slide4.xml><?xml version="1.0" encoding="utf-8"?>
 <p:sld xmlns:a="http://schemas.openxmlformats.org/drawingml/2006/main" xmlns:r="http://schemas.openxmlformats.org/officeDocument/2006/relationships" xmlns:p="http://schemas.openxmlformats.org/presentationml/2006/main">
   <p:cSld>
     <p:spTree>
@@ -17080,7 +18896,144 @@
             <a:fld id="{9DFD9A34-EC64-4F0B-9C9B-2C0A202A050B}" type="slidenum">
               <a:rPr lang="en-US" smtClean="0"/>
               <a:pPr/>
-              <a:t>35</a:t>
+              <a:t>4</a:t>
+            </a:fld>
+            <a:endParaRPr lang="en-US" dirty="0"/>
+          </a:p>
+        </p:txBody>
+      </p:sp>
+      <p:sp>
+        <p:nvSpPr>
+          <p:cNvPr id="3" name="Content Placeholder 2"/>
+          <p:cNvSpPr>
+            <a:spLocks noGrp="1"/>
+          </p:cNvSpPr>
+          <p:nvPr>
+            <p:ph sz="quarter" idx="14"/>
+          </p:nvPr>
+        </p:nvSpPr>
+        <p:spPr/>
+        <p:txBody>
+          <a:bodyPr/>
+          <a:lstStyle/>
+          <a:p>
+            <a:pPr lvl="2"/>
+            <a:r>
+              <a:rPr lang="en-US" dirty="0" smtClean="0"/>
+              <a:t>Vậy kiến trúc hướng dịch vụ (SOA) là gì? </a:t>
+            </a:r>
+          </a:p>
+          <a:p>
+            <a:pPr lvl="2"/>
+            <a:r>
+              <a:rPr lang="en-US" dirty="0" smtClean="0"/>
+              <a:t>Nền tảng công nghệ nào xây dựng nên kiến trúc đó?</a:t>
+            </a:r>
+          </a:p>
+          <a:p>
+            <a:pPr lvl="2"/>
+            <a:r>
+              <a:rPr lang="en-US" dirty="0" smtClean="0"/>
+              <a:t>Các khung ứng dụng, môi trường phát triển  và thực thi nào hỗ trợ lập trình theo kiến trúc hướng dịch vụ</a:t>
+            </a:r>
+          </a:p>
+          <a:p>
+            <a:pPr lvl="2"/>
+            <a:r>
+              <a:rPr lang="en-US" dirty="0" smtClean="0"/>
+              <a:t>Trên cơ sở nghiên cứu đó, trong phạm vi luận văn này, sẽ giới thiệu một giải pháp để hỗ trợ xây dựng ứng dụng theo kiến trúc hướng dịch vụ</a:t>
+            </a:r>
+          </a:p>
+          <a:p>
+            <a:pPr lvl="2"/>
+            <a:endParaRPr lang="en-US" dirty="0"/>
+          </a:p>
+          <a:p>
+            <a:endParaRPr lang="en-US" dirty="0"/>
+          </a:p>
+        </p:txBody>
+      </p:sp>
+      <p:sp>
+        <p:nvSpPr>
+          <p:cNvPr id="4" name="Title 3"/>
+          <p:cNvSpPr>
+            <a:spLocks noGrp="1"/>
+          </p:cNvSpPr>
+          <p:nvPr>
+            <p:ph type="title"/>
+          </p:nvPr>
+        </p:nvSpPr>
+        <p:spPr/>
+        <p:txBody>
+          <a:bodyPr>
+            <a:normAutofit fontScale="90000"/>
+          </a:bodyPr>
+          <a:lstStyle/>
+          <a:p>
+            <a:r>
+              <a:rPr lang="en-US" dirty="0" smtClean="0"/>
+              <a:t>Phần mở đầu</a:t>
+            </a:r>
+            <a:endParaRPr lang="en-US" dirty="0"/>
+          </a:p>
+        </p:txBody>
+      </p:sp>
+    </p:spTree>
+    <p:extLst>
+      <p:ext uri="{BB962C8B-B14F-4D97-AF65-F5344CB8AC3E}">
+        <p14:creationId xmlns:p14="http://schemas.microsoft.com/office/powerpoint/2010/main" val="765470208"/>
+      </p:ext>
+    </p:extLst>
+  </p:cSld>
+  <p:clrMapOvr>
+    <a:masterClrMapping/>
+  </p:clrMapOvr>
+  <p:timing>
+    <p:tnLst>
+      <p:par>
+        <p:cTn id="1" dur="indefinite" restart="never" nodeType="tmRoot"/>
+      </p:par>
+    </p:tnLst>
+  </p:timing>
+</p:sld>
+</file>
+
+<file path=ppt/slides/slide40.xml><?xml version="1.0" encoding="utf-8"?>
+<p:sld xmlns:a="http://schemas.openxmlformats.org/drawingml/2006/main" xmlns:r="http://schemas.openxmlformats.org/officeDocument/2006/relationships" xmlns:p="http://schemas.openxmlformats.org/presentationml/2006/main">
+  <p:cSld>
+    <p:spTree>
+      <p:nvGrpSpPr>
+        <p:cNvPr id="1" name=""/>
+        <p:cNvGrpSpPr/>
+        <p:nvPr/>
+      </p:nvGrpSpPr>
+      <p:grpSpPr>
+        <a:xfrm>
+          <a:off x="0" y="0"/>
+          <a:ext cx="0" cy="0"/>
+          <a:chOff x="0" y="0"/>
+          <a:chExt cx="0" cy="0"/>
+        </a:xfrm>
+      </p:grpSpPr>
+      <p:sp>
+        <p:nvSpPr>
+          <p:cNvPr id="2" name="Slide Number Placeholder 1"/>
+          <p:cNvSpPr>
+            <a:spLocks noGrp="1"/>
+          </p:cNvSpPr>
+          <p:nvPr>
+            <p:ph type="sldNum" sz="quarter" idx="12"/>
+          </p:nvPr>
+        </p:nvSpPr>
+        <p:spPr/>
+        <p:txBody>
+          <a:bodyPr/>
+          <a:lstStyle/>
+          <a:p>
+            <a:fld id="{9DFD9A34-EC64-4F0B-9C9B-2C0A202A050B}" type="slidenum">
+              <a:rPr lang="en-US" smtClean="0"/>
+              <a:pPr/>
+              <a:t>40</a:t>
             </a:fld>
             <a:endParaRPr lang="en-US" dirty="0"/>
           </a:p>
@@ -17456,7 +19409,7 @@
 </p:sld>
 </file>
 
-<file path=ppt/slides/slide36.xml><?xml version="1.0" encoding="utf-8"?>
+<file path=ppt/slides/slide41.xml><?xml version="1.0" encoding="utf-8"?>
 <p:sld xmlns:a="http://schemas.openxmlformats.org/drawingml/2006/main" xmlns:r="http://schemas.openxmlformats.org/officeDocument/2006/relationships" xmlns:p="http://schemas.openxmlformats.org/presentationml/2006/main">
   <p:cSld>
     <p:spTree>
@@ -17491,7 +19444,7 @@
             <a:fld id="{9DFD9A34-EC64-4F0B-9C9B-2C0A202A050B}" type="slidenum">
               <a:rPr lang="en-US" smtClean="0"/>
               <a:pPr/>
-              <a:t>36</a:t>
+              <a:t>41</a:t>
             </a:fld>
             <a:endParaRPr lang="en-US" dirty="0"/>
           </a:p>
@@ -17573,7 +19526,15 @@
           <a:p>
             <a:r>
               <a:rPr lang="en-US" dirty="0"/>
-              <a:t>Dịch vụ đường ống – Sercives Pipeline</a:t>
+              <a:t>Dịch vụ đường ống – </a:t>
+            </a:r>
+            <a:r>
+              <a:rPr lang="en-US" dirty="0" smtClean="0"/>
+              <a:t>Services </a:t>
+            </a:r>
+            <a:r>
+              <a:rPr lang="en-US" dirty="0"/>
+              <a:t>Pipeline</a:t>
             </a:r>
           </a:p>
         </p:txBody>
@@ -17662,7 +19623,7 @@
 </p:sld>
 </file>
 
-<file path=ppt/slides/slide37.xml><?xml version="1.0" encoding="utf-8"?>
+<file path=ppt/slides/slide42.xml><?xml version="1.0" encoding="utf-8"?>
 <p:sld xmlns:a="http://schemas.openxmlformats.org/drawingml/2006/main" xmlns:r="http://schemas.openxmlformats.org/officeDocument/2006/relationships" xmlns:p="http://schemas.openxmlformats.org/presentationml/2006/main">
   <p:cSld>
     <p:spTree>
@@ -17697,7 +19658,7 @@
             <a:fld id="{9DFD9A34-EC64-4F0B-9C9B-2C0A202A050B}" type="slidenum">
               <a:rPr lang="en-US" smtClean="0"/>
               <a:pPr/>
-              <a:t>37</a:t>
+              <a:t>42</a:t>
             </a:fld>
             <a:endParaRPr lang="en-US" dirty="0"/>
           </a:p>
@@ -17803,7 +19764,7 @@
 </p:sld>
 </file>
 
-<file path=ppt/slides/slide38.xml><?xml version="1.0" encoding="utf-8"?>
+<file path=ppt/slides/slide43.xml><?xml version="1.0" encoding="utf-8"?>
 <p:sld xmlns:a="http://schemas.openxmlformats.org/drawingml/2006/main" xmlns:r="http://schemas.openxmlformats.org/officeDocument/2006/relationships" xmlns:p="http://schemas.openxmlformats.org/presentationml/2006/main">
   <p:cSld>
     <p:spTree>
@@ -17838,7 +19799,7 @@
             <a:fld id="{9DFD9A34-EC64-4F0B-9C9B-2C0A202A050B}" type="slidenum">
               <a:rPr lang="en-US" smtClean="0"/>
               <a:pPr/>
-              <a:t>38</a:t>
+              <a:t>43</a:t>
             </a:fld>
             <a:endParaRPr lang="en-US" dirty="0"/>
           </a:p>
@@ -18005,7 +19966,7 @@
 </p:sld>
 </file>
 
-<file path=ppt/slides/slide39.xml><?xml version="1.0" encoding="utf-8"?>
+<file path=ppt/slides/slide44.xml><?xml version="1.0" encoding="utf-8"?>
 <p:sld xmlns:a="http://schemas.openxmlformats.org/drawingml/2006/main" xmlns:r="http://schemas.openxmlformats.org/officeDocument/2006/relationships" xmlns:p="http://schemas.openxmlformats.org/presentationml/2006/main">
   <p:cSld>
     <p:spTree>
@@ -18040,7 +20001,7 @@
             <a:fld id="{9DFD9A34-EC64-4F0B-9C9B-2C0A202A050B}" type="slidenum">
               <a:rPr lang="en-US" smtClean="0"/>
               <a:pPr/>
-              <a:t>39</a:t>
+              <a:t>44</a:t>
             </a:fld>
             <a:endParaRPr lang="en-US" dirty="0"/>
           </a:p>
@@ -18269,7 +20230,7 @@
 </p:sld>
 </file>
 
-<file path=ppt/slides/slide4.xml><?xml version="1.0" encoding="utf-8"?>
+<file path=ppt/slides/slide45.xml><?xml version="1.0" encoding="utf-8"?>
 <p:sld xmlns:a="http://schemas.openxmlformats.org/drawingml/2006/main" xmlns:r="http://schemas.openxmlformats.org/officeDocument/2006/relationships" xmlns:p="http://schemas.openxmlformats.org/presentationml/2006/main">
   <p:cSld>
     <p:spTree>
@@ -18304,144 +20265,7 @@
             <a:fld id="{9DFD9A34-EC64-4F0B-9C9B-2C0A202A050B}" type="slidenum">
               <a:rPr lang="en-US" smtClean="0"/>
               <a:pPr/>
-              <a:t>4</a:t>
-            </a:fld>
-            <a:endParaRPr lang="en-US" dirty="0"/>
-          </a:p>
-        </p:txBody>
-      </p:sp>
-      <p:sp>
-        <p:nvSpPr>
-          <p:cNvPr id="3" name="Content Placeholder 2"/>
-          <p:cNvSpPr>
-            <a:spLocks noGrp="1"/>
-          </p:cNvSpPr>
-          <p:nvPr>
-            <p:ph sz="quarter" idx="14"/>
-          </p:nvPr>
-        </p:nvSpPr>
-        <p:spPr/>
-        <p:txBody>
-          <a:bodyPr/>
-          <a:lstStyle/>
-          <a:p>
-            <a:pPr lvl="2"/>
-            <a:r>
-              <a:rPr lang="en-US" dirty="0" smtClean="0"/>
-              <a:t>Vậy kiến trúc hướng dịch vụ (SOA) là gì? </a:t>
-            </a:r>
-          </a:p>
-          <a:p>
-            <a:pPr lvl="2"/>
-            <a:r>
-              <a:rPr lang="en-US" dirty="0" smtClean="0"/>
-              <a:t>Nền tảng công nghệ nào xây dựng nên kiến trúc đó?</a:t>
-            </a:r>
-          </a:p>
-          <a:p>
-            <a:pPr lvl="2"/>
-            <a:r>
-              <a:rPr lang="en-US" dirty="0" smtClean="0"/>
-              <a:t>Các khung ứng dụng, môi trường phát triển  và thực thi nào hỗ trợ lập trình theo kiến trúc hướng dịch vụ</a:t>
-            </a:r>
-          </a:p>
-          <a:p>
-            <a:pPr lvl="2"/>
-            <a:r>
-              <a:rPr lang="en-US" dirty="0" smtClean="0"/>
-              <a:t>Trên cơ sở nghiên cứu đó, trong phạm vi luận văn này, sẽ giới thiệu một giải pháp để hỗ trợ xây dựng ứng dụng theo kiến trúc hướng dịch vụ</a:t>
-            </a:r>
-          </a:p>
-          <a:p>
-            <a:pPr lvl="2"/>
-            <a:endParaRPr lang="en-US" dirty="0"/>
-          </a:p>
-          <a:p>
-            <a:endParaRPr lang="en-US" dirty="0"/>
-          </a:p>
-        </p:txBody>
-      </p:sp>
-      <p:sp>
-        <p:nvSpPr>
-          <p:cNvPr id="4" name="Title 3"/>
-          <p:cNvSpPr>
-            <a:spLocks noGrp="1"/>
-          </p:cNvSpPr>
-          <p:nvPr>
-            <p:ph type="title"/>
-          </p:nvPr>
-        </p:nvSpPr>
-        <p:spPr/>
-        <p:txBody>
-          <a:bodyPr>
-            <a:normAutofit fontScale="90000"/>
-          </a:bodyPr>
-          <a:lstStyle/>
-          <a:p>
-            <a:r>
-              <a:rPr lang="en-US" dirty="0" smtClean="0"/>
-              <a:t>Phần mở đầu</a:t>
-            </a:r>
-            <a:endParaRPr lang="en-US" dirty="0"/>
-          </a:p>
-        </p:txBody>
-      </p:sp>
-    </p:spTree>
-    <p:extLst>
-      <p:ext uri="{BB962C8B-B14F-4D97-AF65-F5344CB8AC3E}">
-        <p14:creationId xmlns:p14="http://schemas.microsoft.com/office/powerpoint/2010/main" val="765470208"/>
-      </p:ext>
-    </p:extLst>
-  </p:cSld>
-  <p:clrMapOvr>
-    <a:masterClrMapping/>
-  </p:clrMapOvr>
-  <p:timing>
-    <p:tnLst>
-      <p:par>
-        <p:cTn id="1" dur="indefinite" restart="never" nodeType="tmRoot"/>
-      </p:par>
-    </p:tnLst>
-  </p:timing>
-</p:sld>
-</file>
-
-<file path=ppt/slides/slide40.xml><?xml version="1.0" encoding="utf-8"?>
-<p:sld xmlns:a="http://schemas.openxmlformats.org/drawingml/2006/main" xmlns:r="http://schemas.openxmlformats.org/officeDocument/2006/relationships" xmlns:p="http://schemas.openxmlformats.org/presentationml/2006/main">
-  <p:cSld>
-    <p:spTree>
-      <p:nvGrpSpPr>
-        <p:cNvPr id="1" name=""/>
-        <p:cNvGrpSpPr/>
-        <p:nvPr/>
-      </p:nvGrpSpPr>
-      <p:grpSpPr>
-        <a:xfrm>
-          <a:off x="0" y="0"/>
-          <a:ext cx="0" cy="0"/>
-          <a:chOff x="0" y="0"/>
-          <a:chExt cx="0" cy="0"/>
-        </a:xfrm>
-      </p:grpSpPr>
-      <p:sp>
-        <p:nvSpPr>
-          <p:cNvPr id="2" name="Slide Number Placeholder 1"/>
-          <p:cNvSpPr>
-            <a:spLocks noGrp="1"/>
-          </p:cNvSpPr>
-          <p:nvPr>
-            <p:ph type="sldNum" sz="quarter" idx="12"/>
-          </p:nvPr>
-        </p:nvSpPr>
-        <p:spPr/>
-        <p:txBody>
-          <a:bodyPr/>
-          <a:lstStyle/>
-          <a:p>
-            <a:fld id="{9DFD9A34-EC64-4F0B-9C9B-2C0A202A050B}" type="slidenum">
-              <a:rPr lang="en-US" smtClean="0"/>
-              <a:pPr/>
-              <a:t>40</a:t>
+              <a:t>45</a:t>
             </a:fld>
             <a:endParaRPr lang="en-US" dirty="0"/>
           </a:p>
@@ -18677,7 +20501,7 @@
 </p:sld>
 </file>
 
-<file path=ppt/slides/slide41.xml><?xml version="1.0" encoding="utf-8"?>
+<file path=ppt/slides/slide46.xml><?xml version="1.0" encoding="utf-8"?>
 <p:sld xmlns:a="http://schemas.openxmlformats.org/drawingml/2006/main" xmlns:r="http://schemas.openxmlformats.org/officeDocument/2006/relationships" xmlns:p="http://schemas.openxmlformats.org/presentationml/2006/main">
   <p:cSld>
     <p:spTree>
@@ -18712,7 +20536,7 @@
             <a:fld id="{9DFD9A34-EC64-4F0B-9C9B-2C0A202A050B}" type="slidenum">
               <a:rPr lang="en-US" smtClean="0"/>
               <a:pPr/>
-              <a:t>41</a:t>
+              <a:t>46</a:t>
             </a:fld>
             <a:endParaRPr lang="en-US" dirty="0"/>
           </a:p>
@@ -18892,7 +20716,7 @@
 </p:sld>
 </file>
 
-<file path=ppt/slides/slide42.xml><?xml version="1.0" encoding="utf-8"?>
+<file path=ppt/slides/slide47.xml><?xml version="1.0" encoding="utf-8"?>
 <p:sld xmlns:a="http://schemas.openxmlformats.org/drawingml/2006/main" xmlns:r="http://schemas.openxmlformats.org/officeDocument/2006/relationships" xmlns:p="http://schemas.openxmlformats.org/presentationml/2006/main">
   <p:cSld>
     <p:spTree>
@@ -18927,7 +20751,7 @@
             <a:fld id="{9DFD9A34-EC64-4F0B-9C9B-2C0A202A050B}" type="slidenum">
               <a:rPr lang="en-US" smtClean="0"/>
               <a:pPr/>
-              <a:t>42</a:t>
+              <a:t>47</a:t>
             </a:fld>
             <a:endParaRPr lang="en-US" dirty="0"/>
           </a:p>
@@ -19091,7 +20915,7 @@
 </p:sld>
 </file>
 
-<file path=ppt/slides/slide43.xml><?xml version="1.0" encoding="utf-8"?>
+<file path=ppt/slides/slide48.xml><?xml version="1.0" encoding="utf-8"?>
 <p:sld xmlns:a="http://schemas.openxmlformats.org/drawingml/2006/main" xmlns:r="http://schemas.openxmlformats.org/officeDocument/2006/relationships" xmlns:p="http://schemas.openxmlformats.org/presentationml/2006/main">
   <p:cSld>
     <p:spTree>
@@ -19126,7 +20950,7 @@
             <a:fld id="{9DFD9A34-EC64-4F0B-9C9B-2C0A202A050B}" type="slidenum">
               <a:rPr lang="en-US" smtClean="0"/>
               <a:pPr/>
-              <a:t>43</a:t>
+              <a:t>48</a:t>
             </a:fld>
             <a:endParaRPr lang="en-US" dirty="0"/>
           </a:p>
@@ -19296,7 +21120,7 @@
 </p:sld>
 </file>
 
-<file path=ppt/slides/slide44.xml><?xml version="1.0" encoding="utf-8"?>
+<file path=ppt/slides/slide49.xml><?xml version="1.0" encoding="utf-8"?>
 <p:sld xmlns:a="http://schemas.openxmlformats.org/drawingml/2006/main" xmlns:r="http://schemas.openxmlformats.org/officeDocument/2006/relationships" xmlns:p="http://schemas.openxmlformats.org/presentationml/2006/main">
   <p:cSld>
     <p:spTree>
@@ -19331,7 +21155,7 @@
             <a:fld id="{9DFD9A34-EC64-4F0B-9C9B-2C0A202A050B}" type="slidenum">
               <a:rPr lang="en-US" smtClean="0"/>
               <a:pPr/>
-              <a:t>44</a:t>
+              <a:t>49</a:t>
             </a:fld>
             <a:endParaRPr lang="en-US" dirty="0"/>
           </a:p>
@@ -19359,22 +21183,42 @@
           </a:bodyPr>
           <a:lstStyle/>
           <a:p>
-            <a:endParaRPr lang="en-US" dirty="0"/>
-          </a:p>
-          <a:p>
             <a:pPr lvl="2">
               <a:lnSpc>
-                <a:spcPct val="100000"/>
+                <a:spcPct val="200000"/>
               </a:lnSpc>
             </a:pPr>
-            <a:endParaRPr lang="en-US" dirty="0"/>
+            <a:r>
+              <a:rPr lang="en-US" dirty="0"/>
+              <a:t>Việc xây dựng kiến trúc hướng dịch vụ theo đường ống – SOPA đã giúp các dịch vụ có thể giao tiếp với nhau, tích hợp lại thành các quy trình nghiệp vụ mới đáp ứng yêu cầu của người sử </a:t>
+            </a:r>
+            <a:r>
+              <a:rPr lang="en-US" dirty="0" smtClean="0"/>
+              <a:t>dụng</a:t>
+            </a:r>
           </a:p>
           <a:p>
             <a:pPr lvl="2">
               <a:lnSpc>
-                <a:spcPct val="100000"/>
+                <a:spcPct val="200000"/>
               </a:lnSpc>
             </a:pPr>
+            <a:r>
+              <a:rPr lang="en-GB" dirty="0" smtClean="0"/>
+              <a:t>Việc xây </a:t>
+            </a:r>
+            <a:r>
+              <a:rPr lang="en-GB" dirty="0"/>
+              <a:t>dựng plug-in </a:t>
+            </a:r>
+            <a:r>
+              <a:rPr lang="en-GB" dirty="0" smtClean="0"/>
+              <a:t>đã </a:t>
+            </a:r>
+            <a:r>
+              <a:rPr lang="en-GB" dirty="0"/>
+              <a:t>làm đơn giản quá trình tạo pipeline, dựa trên các yêu cầu đến và các dịch vụ hiện có để hình thành nên dịch vụ mới.</a:t>
+            </a:r>
             <a:endParaRPr lang="en-US" dirty="0"/>
           </a:p>
           <a:p>
@@ -19409,7 +21253,7 @@
           <a:p>
             <a:r>
               <a:rPr lang="en-US" dirty="0" smtClean="0"/>
-              <a:t>Kết luận</a:t>
+              <a:t>Tiểu kết chương 3</a:t>
             </a:r>
             <a:endParaRPr lang="en-US" dirty="0"/>
           </a:p>
@@ -19418,1598 +21262,7 @@
     </p:spTree>
     <p:extLst>
       <p:ext uri="{BB962C8B-B14F-4D97-AF65-F5344CB8AC3E}">
-        <p14:creationId xmlns:p14="http://schemas.microsoft.com/office/powerpoint/2010/main" val="4273981657"/>
-      </p:ext>
-    </p:extLst>
-  </p:cSld>
-  <p:clrMapOvr>
-    <a:masterClrMapping/>
-  </p:clrMapOvr>
-  <p:timing>
-    <p:tnLst>
-      <p:par>
-        <p:cTn id="1" dur="indefinite" restart="never" nodeType="tmRoot"/>
-      </p:par>
-    </p:tnLst>
-  </p:timing>
-</p:sld>
-</file>
-
-<file path=ppt/slides/slide45.xml><?xml version="1.0" encoding="utf-8"?>
-<p:sld xmlns:a="http://schemas.openxmlformats.org/drawingml/2006/main" xmlns:r="http://schemas.openxmlformats.org/officeDocument/2006/relationships" xmlns:p="http://schemas.openxmlformats.org/presentationml/2006/main">
-  <p:cSld>
-    <p:bg>
-      <p:bgPr>
-        <a:blipFill dpi="0" rotWithShape="1">
-          <a:blip r:embed="rId3">
-            <a:lum/>
-          </a:blip>
-          <a:srcRect/>
-          <a:stretch>
-            <a:fillRect t="-21000" b="-21000"/>
-          </a:stretch>
-        </a:blipFill>
-        <a:effectLst/>
-      </p:bgPr>
-    </p:bg>
-    <p:spTree>
-      <p:nvGrpSpPr>
-        <p:cNvPr id="1" name=""/>
-        <p:cNvGrpSpPr/>
-        <p:nvPr/>
-      </p:nvGrpSpPr>
-      <p:grpSpPr>
-        <a:xfrm>
-          <a:off x="0" y="0"/>
-          <a:ext cx="0" cy="0"/>
-          <a:chOff x="0" y="0"/>
-          <a:chExt cx="0" cy="0"/>
-        </a:xfrm>
-      </p:grpSpPr>
-      <p:sp>
-        <p:nvSpPr>
-          <p:cNvPr id="2" name="Title 1"/>
-          <p:cNvSpPr>
-            <a:spLocks noGrp="1"/>
-          </p:cNvSpPr>
-          <p:nvPr>
-            <p:ph type="title"/>
-          </p:nvPr>
-        </p:nvSpPr>
-        <p:spPr>
-          <a:xfrm>
-            <a:off x="0" y="365128"/>
-            <a:ext cx="12188825" cy="5768389"/>
-          </a:xfrm>
-        </p:spPr>
-        <p:txBody>
-          <a:bodyPr>
-            <a:normAutofit/>
-          </a:bodyPr>
-          <a:lstStyle/>
-          <a:p>
-            <a:pPr algn="ctr"/>
-            <a:r>
-              <a:rPr lang="en-US" sz="4000" dirty="0" err="1">
-                <a:ln w="0"/>
-                <a:gradFill>
-                  <a:gsLst>
-                    <a:gs pos="0">
-                      <a:schemeClr val="accent5">
-                        <a:lumMod val="50000"/>
-                      </a:schemeClr>
-                    </a:gs>
-                    <a:gs pos="50000">
-                      <a:schemeClr val="accent5"/>
-                    </a:gs>
-                    <a:gs pos="100000">
-                      <a:schemeClr val="accent5">
-                        <a:lumMod val="60000"/>
-                        <a:lumOff val="40000"/>
-                      </a:schemeClr>
-                    </a:gs>
-                  </a:gsLst>
-                  <a:lin ang="5400000"/>
-                </a:gradFill>
-                <a:effectLst>
-                  <a:reflection blurRad="6350" stA="53000" endA="300" endPos="35500" dir="5400000" sy="-90000" algn="bl" rotWithShape="0"/>
-                </a:effectLst>
-                <a:latin typeface="Ariston" panose="02020500000000000000" pitchFamily="18" charset="0"/>
-                <a:ea typeface="Ariston" panose="02020500000000000000" pitchFamily="18" charset="0"/>
-                <a:cs typeface="Ariston" panose="02020500000000000000" pitchFamily="18" charset="0"/>
-              </a:rPr>
-              <a:t>X</a:t>
-            </a:r>
-            <a:r>
-              <a:rPr lang="en-US" sz="4000" dirty="0" err="1" smtClean="0">
-                <a:ln w="0"/>
-                <a:gradFill>
-                  <a:gsLst>
-                    <a:gs pos="0">
-                      <a:schemeClr val="accent5">
-                        <a:lumMod val="50000"/>
-                      </a:schemeClr>
-                    </a:gs>
-                    <a:gs pos="50000">
-                      <a:schemeClr val="accent5"/>
-                    </a:gs>
-                    <a:gs pos="100000">
-                      <a:schemeClr val="accent5">
-                        <a:lumMod val="60000"/>
-                        <a:lumOff val="40000"/>
-                      </a:schemeClr>
-                    </a:gs>
-                  </a:gsLst>
-                  <a:lin ang="5400000"/>
-                </a:gradFill>
-                <a:effectLst>
-                  <a:reflection blurRad="6350" stA="53000" endA="300" endPos="35500" dir="5400000" sy="-90000" algn="bl" rotWithShape="0"/>
-                </a:effectLst>
-                <a:latin typeface="Ariston" panose="02020500000000000000" pitchFamily="18" charset="0"/>
-                <a:ea typeface="Ariston" panose="02020500000000000000" pitchFamily="18" charset="0"/>
-                <a:cs typeface="Ariston" panose="02020500000000000000" pitchFamily="18" charset="0"/>
-              </a:rPr>
-              <a:t>in</a:t>
-            </a:r>
-            <a:r>
-              <a:rPr lang="en-US" sz="4000" dirty="0" smtClean="0">
-                <a:ln w="0"/>
-                <a:gradFill>
-                  <a:gsLst>
-                    <a:gs pos="0">
-                      <a:schemeClr val="accent5">
-                        <a:lumMod val="50000"/>
-                      </a:schemeClr>
-                    </a:gs>
-                    <a:gs pos="50000">
-                      <a:schemeClr val="accent5"/>
-                    </a:gs>
-                    <a:gs pos="100000">
-                      <a:schemeClr val="accent5">
-                        <a:lumMod val="60000"/>
-                        <a:lumOff val="40000"/>
-                      </a:schemeClr>
-                    </a:gs>
-                  </a:gsLst>
-                  <a:lin ang="5400000"/>
-                </a:gradFill>
-                <a:effectLst>
-                  <a:reflection blurRad="6350" stA="53000" endA="300" endPos="35500" dir="5400000" sy="-90000" algn="bl" rotWithShape="0"/>
-                </a:effectLst>
-                <a:latin typeface="Ariston" panose="02020500000000000000" pitchFamily="18" charset="0"/>
-                <a:ea typeface="Ariston" panose="02020500000000000000" pitchFamily="18" charset="0"/>
-                <a:cs typeface="Ariston" panose="02020500000000000000" pitchFamily="18" charset="0"/>
-              </a:rPr>
-              <a:t> </a:t>
-            </a:r>
-            <a:r>
-              <a:rPr lang="en-US" sz="4000" dirty="0" err="1">
-                <a:ln w="0"/>
-                <a:gradFill>
-                  <a:gsLst>
-                    <a:gs pos="0">
-                      <a:schemeClr val="accent5">
-                        <a:lumMod val="50000"/>
-                      </a:schemeClr>
-                    </a:gs>
-                    <a:gs pos="50000">
-                      <a:schemeClr val="accent5"/>
-                    </a:gs>
-                    <a:gs pos="100000">
-                      <a:schemeClr val="accent5">
-                        <a:lumMod val="60000"/>
-                        <a:lumOff val="40000"/>
-                      </a:schemeClr>
-                    </a:gs>
-                  </a:gsLst>
-                  <a:lin ang="5400000"/>
-                </a:gradFill>
-                <a:effectLst>
-                  <a:reflection blurRad="6350" stA="53000" endA="300" endPos="35500" dir="5400000" sy="-90000" algn="bl" rotWithShape="0"/>
-                </a:effectLst>
-                <a:latin typeface="Ariston" panose="02020500000000000000" pitchFamily="18" charset="0"/>
-                <a:ea typeface="Ariston" panose="02020500000000000000" pitchFamily="18" charset="0"/>
-                <a:cs typeface="Ariston" panose="02020500000000000000" pitchFamily="18" charset="0"/>
-              </a:rPr>
-              <a:t>chân</a:t>
-            </a:r>
-            <a:r>
-              <a:rPr lang="en-US" sz="4000" dirty="0">
-                <a:ln w="0"/>
-                <a:gradFill>
-                  <a:gsLst>
-                    <a:gs pos="0">
-                      <a:schemeClr val="accent5">
-                        <a:lumMod val="50000"/>
-                      </a:schemeClr>
-                    </a:gs>
-                    <a:gs pos="50000">
-                      <a:schemeClr val="accent5"/>
-                    </a:gs>
-                    <a:gs pos="100000">
-                      <a:schemeClr val="accent5">
-                        <a:lumMod val="60000"/>
-                        <a:lumOff val="40000"/>
-                      </a:schemeClr>
-                    </a:gs>
-                  </a:gsLst>
-                  <a:lin ang="5400000"/>
-                </a:gradFill>
-                <a:effectLst>
-                  <a:reflection blurRad="6350" stA="53000" endA="300" endPos="35500" dir="5400000" sy="-90000" algn="bl" rotWithShape="0"/>
-                </a:effectLst>
-                <a:latin typeface="Ariston" panose="02020500000000000000" pitchFamily="18" charset="0"/>
-                <a:ea typeface="Ariston" panose="02020500000000000000" pitchFamily="18" charset="0"/>
-                <a:cs typeface="Ariston" panose="02020500000000000000" pitchFamily="18" charset="0"/>
-              </a:rPr>
-              <a:t> </a:t>
-            </a:r>
-            <a:r>
-              <a:rPr lang="en-US" sz="4000" dirty="0" err="1">
-                <a:ln w="0"/>
-                <a:gradFill>
-                  <a:gsLst>
-                    <a:gs pos="0">
-                      <a:schemeClr val="accent5">
-                        <a:lumMod val="50000"/>
-                      </a:schemeClr>
-                    </a:gs>
-                    <a:gs pos="50000">
-                      <a:schemeClr val="accent5"/>
-                    </a:gs>
-                    <a:gs pos="100000">
-                      <a:schemeClr val="accent5">
-                        <a:lumMod val="60000"/>
-                        <a:lumOff val="40000"/>
-                      </a:schemeClr>
-                    </a:gs>
-                  </a:gsLst>
-                  <a:lin ang="5400000"/>
-                </a:gradFill>
-                <a:effectLst>
-                  <a:reflection blurRad="6350" stA="53000" endA="300" endPos="35500" dir="5400000" sy="-90000" algn="bl" rotWithShape="0"/>
-                </a:effectLst>
-                <a:latin typeface="Ariston" panose="02020500000000000000" pitchFamily="18" charset="0"/>
-                <a:ea typeface="Ariston" panose="02020500000000000000" pitchFamily="18" charset="0"/>
-                <a:cs typeface="Ariston" panose="02020500000000000000" pitchFamily="18" charset="0"/>
-              </a:rPr>
-              <a:t>thành</a:t>
-            </a:r>
-            <a:r>
-              <a:rPr lang="en-US" sz="4000" dirty="0">
-                <a:ln w="0"/>
-                <a:gradFill>
-                  <a:gsLst>
-                    <a:gs pos="0">
-                      <a:schemeClr val="accent5">
-                        <a:lumMod val="50000"/>
-                      </a:schemeClr>
-                    </a:gs>
-                    <a:gs pos="50000">
-                      <a:schemeClr val="accent5"/>
-                    </a:gs>
-                    <a:gs pos="100000">
-                      <a:schemeClr val="accent5">
-                        <a:lumMod val="60000"/>
-                        <a:lumOff val="40000"/>
-                      </a:schemeClr>
-                    </a:gs>
-                  </a:gsLst>
-                  <a:lin ang="5400000"/>
-                </a:gradFill>
-                <a:effectLst>
-                  <a:reflection blurRad="6350" stA="53000" endA="300" endPos="35500" dir="5400000" sy="-90000" algn="bl" rotWithShape="0"/>
-                </a:effectLst>
-                <a:latin typeface="Ariston" panose="02020500000000000000" pitchFamily="18" charset="0"/>
-                <a:ea typeface="Ariston" panose="02020500000000000000" pitchFamily="18" charset="0"/>
-                <a:cs typeface="Ariston" panose="02020500000000000000" pitchFamily="18" charset="0"/>
-              </a:rPr>
-              <a:t> </a:t>
-            </a:r>
-            <a:r>
-              <a:rPr lang="en-US" sz="4000" dirty="0" err="1">
-                <a:ln w="0"/>
-                <a:gradFill>
-                  <a:gsLst>
-                    <a:gs pos="0">
-                      <a:schemeClr val="accent5">
-                        <a:lumMod val="50000"/>
-                      </a:schemeClr>
-                    </a:gs>
-                    <a:gs pos="50000">
-                      <a:schemeClr val="accent5"/>
-                    </a:gs>
-                    <a:gs pos="100000">
-                      <a:schemeClr val="accent5">
-                        <a:lumMod val="60000"/>
-                        <a:lumOff val="40000"/>
-                      </a:schemeClr>
-                    </a:gs>
-                  </a:gsLst>
-                  <a:lin ang="5400000"/>
-                </a:gradFill>
-                <a:effectLst>
-                  <a:reflection blurRad="6350" stA="53000" endA="300" endPos="35500" dir="5400000" sy="-90000" algn="bl" rotWithShape="0"/>
-                </a:effectLst>
-                <a:latin typeface="Ariston" panose="02020500000000000000" pitchFamily="18" charset="0"/>
-                <a:ea typeface="Ariston" panose="02020500000000000000" pitchFamily="18" charset="0"/>
-                <a:cs typeface="Ariston" panose="02020500000000000000" pitchFamily="18" charset="0"/>
-              </a:rPr>
-              <a:t>cảm</a:t>
-            </a:r>
-            <a:r>
-              <a:rPr lang="en-US" sz="4000" dirty="0">
-                <a:ln w="0"/>
-                <a:gradFill>
-                  <a:gsLst>
-                    <a:gs pos="0">
-                      <a:schemeClr val="accent5">
-                        <a:lumMod val="50000"/>
-                      </a:schemeClr>
-                    </a:gs>
-                    <a:gs pos="50000">
-                      <a:schemeClr val="accent5"/>
-                    </a:gs>
-                    <a:gs pos="100000">
-                      <a:schemeClr val="accent5">
-                        <a:lumMod val="60000"/>
-                        <a:lumOff val="40000"/>
-                      </a:schemeClr>
-                    </a:gs>
-                  </a:gsLst>
-                  <a:lin ang="5400000"/>
-                </a:gradFill>
-                <a:effectLst>
-                  <a:reflection blurRad="6350" stA="53000" endA="300" endPos="35500" dir="5400000" sy="-90000" algn="bl" rotWithShape="0"/>
-                </a:effectLst>
-                <a:latin typeface="Ariston" panose="02020500000000000000" pitchFamily="18" charset="0"/>
-                <a:ea typeface="Ariston" panose="02020500000000000000" pitchFamily="18" charset="0"/>
-                <a:cs typeface="Ariston" panose="02020500000000000000" pitchFamily="18" charset="0"/>
-              </a:rPr>
-              <a:t> </a:t>
-            </a:r>
-            <a:r>
-              <a:rPr lang="vi-VN" sz="4000" dirty="0">
-                <a:ln w="0"/>
-                <a:gradFill>
-                  <a:gsLst>
-                    <a:gs pos="0">
-                      <a:schemeClr val="accent5">
-                        <a:lumMod val="50000"/>
-                      </a:schemeClr>
-                    </a:gs>
-                    <a:gs pos="50000">
-                      <a:schemeClr val="accent5"/>
-                    </a:gs>
-                    <a:gs pos="100000">
-                      <a:schemeClr val="accent5">
-                        <a:lumMod val="60000"/>
-                        <a:lumOff val="40000"/>
-                      </a:schemeClr>
-                    </a:gs>
-                  </a:gsLst>
-                  <a:lin ang="5400000"/>
-                </a:gradFill>
-                <a:effectLst>
-                  <a:reflection blurRad="6350" stA="53000" endA="300" endPos="35500" dir="5400000" sy="-90000" algn="bl" rotWithShape="0"/>
-                </a:effectLst>
-                <a:latin typeface="Ariston" panose="02020500000000000000" pitchFamily="18" charset="0"/>
-                <a:ea typeface="Ariston" panose="02020500000000000000" pitchFamily="18" charset="0"/>
-                <a:cs typeface="Ariston" panose="02020500000000000000" pitchFamily="18" charset="0"/>
-              </a:rPr>
-              <a:t>ơ</a:t>
-            </a:r>
-            <a:r>
-              <a:rPr lang="en-US" sz="4000" dirty="0">
-                <a:ln w="0"/>
-                <a:gradFill>
-                  <a:gsLst>
-                    <a:gs pos="0">
-                      <a:schemeClr val="accent5">
-                        <a:lumMod val="50000"/>
-                      </a:schemeClr>
-                    </a:gs>
-                    <a:gs pos="50000">
-                      <a:schemeClr val="accent5"/>
-                    </a:gs>
-                    <a:gs pos="100000">
-                      <a:schemeClr val="accent5">
-                        <a:lumMod val="60000"/>
-                        <a:lumOff val="40000"/>
-                      </a:schemeClr>
-                    </a:gs>
-                  </a:gsLst>
-                  <a:lin ang="5400000"/>
-                </a:gradFill>
-                <a:effectLst>
-                  <a:reflection blurRad="6350" stA="53000" endA="300" endPos="35500" dir="5400000" sy="-90000" algn="bl" rotWithShape="0"/>
-                </a:effectLst>
-                <a:latin typeface="Ariston" panose="02020500000000000000" pitchFamily="18" charset="0"/>
-                <a:ea typeface="Ariston" panose="02020500000000000000" pitchFamily="18" charset="0"/>
-                <a:cs typeface="Ariston" panose="02020500000000000000" pitchFamily="18" charset="0"/>
-              </a:rPr>
-              <a:t>n </a:t>
-            </a:r>
-            <a:r>
-              <a:rPr lang="en-US" sz="4000" dirty="0" err="1" smtClean="0">
-                <a:ln w="0"/>
-                <a:gradFill>
-                  <a:gsLst>
-                    <a:gs pos="0">
-                      <a:schemeClr val="accent5">
-                        <a:lumMod val="50000"/>
-                      </a:schemeClr>
-                    </a:gs>
-                    <a:gs pos="50000">
-                      <a:schemeClr val="accent5"/>
-                    </a:gs>
-                    <a:gs pos="100000">
-                      <a:schemeClr val="accent5">
-                        <a:lumMod val="60000"/>
-                        <a:lumOff val="40000"/>
-                      </a:schemeClr>
-                    </a:gs>
-                  </a:gsLst>
-                  <a:lin ang="5400000"/>
-                </a:gradFill>
-                <a:effectLst>
-                  <a:reflection blurRad="6350" stA="53000" endA="300" endPos="35500" dir="5400000" sy="-90000" algn="bl" rotWithShape="0"/>
-                </a:effectLst>
-                <a:latin typeface="Ariston" panose="02020500000000000000" pitchFamily="18" charset="0"/>
-                <a:ea typeface="Ariston" panose="02020500000000000000" pitchFamily="18" charset="0"/>
-                <a:cs typeface="Ariston" panose="02020500000000000000" pitchFamily="18" charset="0"/>
-              </a:rPr>
-              <a:t>quý</a:t>
-            </a:r>
-            <a:r>
-              <a:rPr lang="en-US" sz="4000" dirty="0" smtClean="0">
-                <a:ln w="0"/>
-                <a:gradFill>
-                  <a:gsLst>
-                    <a:gs pos="0">
-                      <a:schemeClr val="accent5">
-                        <a:lumMod val="50000"/>
-                      </a:schemeClr>
-                    </a:gs>
-                    <a:gs pos="50000">
-                      <a:schemeClr val="accent5"/>
-                    </a:gs>
-                    <a:gs pos="100000">
-                      <a:schemeClr val="accent5">
-                        <a:lumMod val="60000"/>
-                        <a:lumOff val="40000"/>
-                      </a:schemeClr>
-                    </a:gs>
-                  </a:gsLst>
-                  <a:lin ang="5400000"/>
-                </a:gradFill>
-                <a:effectLst>
-                  <a:reflection blurRad="6350" stA="53000" endA="300" endPos="35500" dir="5400000" sy="-90000" algn="bl" rotWithShape="0"/>
-                </a:effectLst>
-                <a:latin typeface="Ariston" panose="02020500000000000000" pitchFamily="18" charset="0"/>
-                <a:ea typeface="Ariston" panose="02020500000000000000" pitchFamily="18" charset="0"/>
-                <a:cs typeface="Ariston" panose="02020500000000000000" pitchFamily="18" charset="0"/>
-              </a:rPr>
-              <a:t> </a:t>
-            </a:r>
-            <a:r>
-              <a:rPr lang="en-US" sz="4000" dirty="0" err="1">
-                <a:ln w="0"/>
-                <a:gradFill>
-                  <a:gsLst>
-                    <a:gs pos="0">
-                      <a:schemeClr val="accent5">
-                        <a:lumMod val="50000"/>
-                      </a:schemeClr>
-                    </a:gs>
-                    <a:gs pos="50000">
-                      <a:schemeClr val="accent5"/>
-                    </a:gs>
-                    <a:gs pos="100000">
-                      <a:schemeClr val="accent5">
-                        <a:lumMod val="60000"/>
-                        <a:lumOff val="40000"/>
-                      </a:schemeClr>
-                    </a:gs>
-                  </a:gsLst>
-                  <a:lin ang="5400000"/>
-                </a:gradFill>
-                <a:effectLst>
-                  <a:reflection blurRad="6350" stA="53000" endA="300" endPos="35500" dir="5400000" sy="-90000" algn="bl" rotWithShape="0"/>
-                </a:effectLst>
-                <a:latin typeface="Ariston" panose="02020500000000000000" pitchFamily="18" charset="0"/>
-                <a:ea typeface="Ariston" panose="02020500000000000000" pitchFamily="18" charset="0"/>
-                <a:cs typeface="Ariston" panose="02020500000000000000" pitchFamily="18" charset="0"/>
-              </a:rPr>
-              <a:t>Thầy</a:t>
-            </a:r>
-            <a:r>
-              <a:rPr lang="en-US" sz="4000" dirty="0">
-                <a:ln w="0"/>
-                <a:gradFill>
-                  <a:gsLst>
-                    <a:gs pos="0">
-                      <a:schemeClr val="accent5">
-                        <a:lumMod val="50000"/>
-                      </a:schemeClr>
-                    </a:gs>
-                    <a:gs pos="50000">
-                      <a:schemeClr val="accent5"/>
-                    </a:gs>
-                    <a:gs pos="100000">
-                      <a:schemeClr val="accent5">
-                        <a:lumMod val="60000"/>
-                        <a:lumOff val="40000"/>
-                      </a:schemeClr>
-                    </a:gs>
-                  </a:gsLst>
-                  <a:lin ang="5400000"/>
-                </a:gradFill>
-                <a:effectLst>
-                  <a:reflection blurRad="6350" stA="53000" endA="300" endPos="35500" dir="5400000" sy="-90000" algn="bl" rotWithShape="0"/>
-                </a:effectLst>
-                <a:latin typeface="Ariston" panose="02020500000000000000" pitchFamily="18" charset="0"/>
-                <a:ea typeface="Ariston" panose="02020500000000000000" pitchFamily="18" charset="0"/>
-                <a:cs typeface="Ariston" panose="02020500000000000000" pitchFamily="18" charset="0"/>
-              </a:rPr>
-              <a:t> </a:t>
-            </a:r>
-            <a:r>
-              <a:rPr lang="en-US" sz="4000" dirty="0" err="1">
-                <a:ln w="0"/>
-                <a:gradFill>
-                  <a:gsLst>
-                    <a:gs pos="0">
-                      <a:schemeClr val="accent5">
-                        <a:lumMod val="50000"/>
-                      </a:schemeClr>
-                    </a:gs>
-                    <a:gs pos="50000">
-                      <a:schemeClr val="accent5"/>
-                    </a:gs>
-                    <a:gs pos="100000">
-                      <a:schemeClr val="accent5">
-                        <a:lumMod val="60000"/>
-                        <a:lumOff val="40000"/>
-                      </a:schemeClr>
-                    </a:gs>
-                  </a:gsLst>
-                  <a:lin ang="5400000"/>
-                </a:gradFill>
-                <a:effectLst>
-                  <a:reflection blurRad="6350" stA="53000" endA="300" endPos="35500" dir="5400000" sy="-90000" algn="bl" rotWithShape="0"/>
-                </a:effectLst>
-                <a:latin typeface="Ariston" panose="02020500000000000000" pitchFamily="18" charset="0"/>
-                <a:ea typeface="Ariston" panose="02020500000000000000" pitchFamily="18" charset="0"/>
-                <a:cs typeface="Ariston" panose="02020500000000000000" pitchFamily="18" charset="0"/>
-              </a:rPr>
-              <a:t>Cô</a:t>
-            </a:r>
-            <a:r>
-              <a:rPr lang="en-US" sz="4000" dirty="0">
-                <a:ln w="0"/>
-                <a:gradFill>
-                  <a:gsLst>
-                    <a:gs pos="0">
-                      <a:schemeClr val="accent5">
-                        <a:lumMod val="50000"/>
-                      </a:schemeClr>
-                    </a:gs>
-                    <a:gs pos="50000">
-                      <a:schemeClr val="accent5"/>
-                    </a:gs>
-                    <a:gs pos="100000">
-                      <a:schemeClr val="accent5">
-                        <a:lumMod val="60000"/>
-                        <a:lumOff val="40000"/>
-                      </a:schemeClr>
-                    </a:gs>
-                  </a:gsLst>
-                  <a:lin ang="5400000"/>
-                </a:gradFill>
-                <a:effectLst>
-                  <a:reflection blurRad="6350" stA="53000" endA="300" endPos="35500" dir="5400000" sy="-90000" algn="bl" rotWithShape="0"/>
-                </a:effectLst>
-                <a:latin typeface="Ariston" panose="02020500000000000000" pitchFamily="18" charset="0"/>
-                <a:ea typeface="Ariston" panose="02020500000000000000" pitchFamily="18" charset="0"/>
-                <a:cs typeface="Ariston" panose="02020500000000000000" pitchFamily="18" charset="0"/>
-              </a:rPr>
-              <a:t> </a:t>
-            </a:r>
-            <a:r>
-              <a:rPr lang="en-US" sz="4000" dirty="0" smtClean="0">
-                <a:ln w="0"/>
-                <a:gradFill>
-                  <a:gsLst>
-                    <a:gs pos="0">
-                      <a:schemeClr val="accent5">
-                        <a:lumMod val="50000"/>
-                      </a:schemeClr>
-                    </a:gs>
-                    <a:gs pos="50000">
-                      <a:schemeClr val="accent5"/>
-                    </a:gs>
-                    <a:gs pos="100000">
-                      <a:schemeClr val="accent5">
-                        <a:lumMod val="60000"/>
-                        <a:lumOff val="40000"/>
-                      </a:schemeClr>
-                    </a:gs>
-                  </a:gsLst>
-                  <a:lin ang="5400000"/>
-                </a:gradFill>
-                <a:effectLst>
-                  <a:reflection blurRad="6350" stA="53000" endA="300" endPos="35500" dir="5400000" sy="-90000" algn="bl" rotWithShape="0"/>
-                </a:effectLst>
-                <a:latin typeface="Ariston" panose="02020500000000000000" pitchFamily="18" charset="0"/>
-                <a:ea typeface="Ariston" panose="02020500000000000000" pitchFamily="18" charset="0"/>
-                <a:cs typeface="Ariston" panose="02020500000000000000" pitchFamily="18" charset="0"/>
-              </a:rPr>
-              <a:t/>
-            </a:r>
-            <a:br>
-              <a:rPr lang="en-US" sz="4000" dirty="0" smtClean="0">
-                <a:ln w="0"/>
-                <a:gradFill>
-                  <a:gsLst>
-                    <a:gs pos="0">
-                      <a:schemeClr val="accent5">
-                        <a:lumMod val="50000"/>
-                      </a:schemeClr>
-                    </a:gs>
-                    <a:gs pos="50000">
-                      <a:schemeClr val="accent5"/>
-                    </a:gs>
-                    <a:gs pos="100000">
-                      <a:schemeClr val="accent5">
-                        <a:lumMod val="60000"/>
-                        <a:lumOff val="40000"/>
-                      </a:schemeClr>
-                    </a:gs>
-                  </a:gsLst>
-                  <a:lin ang="5400000"/>
-                </a:gradFill>
-                <a:effectLst>
-                  <a:reflection blurRad="6350" stA="53000" endA="300" endPos="35500" dir="5400000" sy="-90000" algn="bl" rotWithShape="0"/>
-                </a:effectLst>
-                <a:latin typeface="Ariston" panose="02020500000000000000" pitchFamily="18" charset="0"/>
-                <a:ea typeface="Ariston" panose="02020500000000000000" pitchFamily="18" charset="0"/>
-                <a:cs typeface="Ariston" panose="02020500000000000000" pitchFamily="18" charset="0"/>
-              </a:rPr>
-            </a:br>
-            <a:r>
-              <a:rPr lang="en-US" sz="4000" dirty="0" err="1" smtClean="0">
-                <a:ln w="0"/>
-                <a:gradFill>
-                  <a:gsLst>
-                    <a:gs pos="0">
-                      <a:schemeClr val="accent5">
-                        <a:lumMod val="50000"/>
-                      </a:schemeClr>
-                    </a:gs>
-                    <a:gs pos="50000">
-                      <a:schemeClr val="accent5"/>
-                    </a:gs>
-                    <a:gs pos="100000">
-                      <a:schemeClr val="accent5">
-                        <a:lumMod val="60000"/>
-                        <a:lumOff val="40000"/>
-                      </a:schemeClr>
-                    </a:gs>
-                  </a:gsLst>
-                  <a:lin ang="5400000"/>
-                </a:gradFill>
-                <a:effectLst>
-                  <a:reflection blurRad="6350" stA="53000" endA="300" endPos="35500" dir="5400000" sy="-90000" algn="bl" rotWithShape="0"/>
-                </a:effectLst>
-                <a:latin typeface="Ariston" panose="02020500000000000000" pitchFamily="18" charset="0"/>
-                <a:ea typeface="Ariston" panose="02020500000000000000" pitchFamily="18" charset="0"/>
-                <a:cs typeface="Ariston" panose="02020500000000000000" pitchFamily="18" charset="0"/>
-              </a:rPr>
-              <a:t>và</a:t>
-            </a:r>
-            <a:r>
-              <a:rPr lang="en-US" sz="4000" dirty="0" smtClean="0">
-                <a:ln w="0"/>
-                <a:gradFill>
-                  <a:gsLst>
-                    <a:gs pos="0">
-                      <a:schemeClr val="accent5">
-                        <a:lumMod val="50000"/>
-                      </a:schemeClr>
-                    </a:gs>
-                    <a:gs pos="50000">
-                      <a:schemeClr val="accent5"/>
-                    </a:gs>
-                    <a:gs pos="100000">
-                      <a:schemeClr val="accent5">
-                        <a:lumMod val="60000"/>
-                        <a:lumOff val="40000"/>
-                      </a:schemeClr>
-                    </a:gs>
-                  </a:gsLst>
-                  <a:lin ang="5400000"/>
-                </a:gradFill>
-                <a:effectLst>
-                  <a:reflection blurRad="6350" stA="53000" endA="300" endPos="35500" dir="5400000" sy="-90000" algn="bl" rotWithShape="0"/>
-                </a:effectLst>
-                <a:latin typeface="Ariston" panose="02020500000000000000" pitchFamily="18" charset="0"/>
-                <a:ea typeface="Ariston" panose="02020500000000000000" pitchFamily="18" charset="0"/>
-                <a:cs typeface="Ariston" panose="02020500000000000000" pitchFamily="18" charset="0"/>
-              </a:rPr>
-              <a:t> </a:t>
-            </a:r>
-            <a:r>
-              <a:rPr lang="en-US" sz="4000" dirty="0" err="1">
-                <a:ln w="0"/>
-                <a:gradFill>
-                  <a:gsLst>
-                    <a:gs pos="0">
-                      <a:schemeClr val="accent5">
-                        <a:lumMod val="50000"/>
-                      </a:schemeClr>
-                    </a:gs>
-                    <a:gs pos="50000">
-                      <a:schemeClr val="accent5"/>
-                    </a:gs>
-                    <a:gs pos="100000">
-                      <a:schemeClr val="accent5">
-                        <a:lumMod val="60000"/>
-                        <a:lumOff val="40000"/>
-                      </a:schemeClr>
-                    </a:gs>
-                  </a:gsLst>
-                  <a:lin ang="5400000"/>
-                </a:gradFill>
-                <a:effectLst>
-                  <a:reflection blurRad="6350" stA="53000" endA="300" endPos="35500" dir="5400000" sy="-90000" algn="bl" rotWithShape="0"/>
-                </a:effectLst>
-                <a:latin typeface="Ariston" panose="02020500000000000000" pitchFamily="18" charset="0"/>
-                <a:ea typeface="Ariston" panose="02020500000000000000" pitchFamily="18" charset="0"/>
-                <a:cs typeface="Ariston" panose="02020500000000000000" pitchFamily="18" charset="0"/>
-              </a:rPr>
-              <a:t>các</a:t>
-            </a:r>
-            <a:r>
-              <a:rPr lang="en-US" sz="4000" dirty="0">
-                <a:ln w="0"/>
-                <a:gradFill>
-                  <a:gsLst>
-                    <a:gs pos="0">
-                      <a:schemeClr val="accent5">
-                        <a:lumMod val="50000"/>
-                      </a:schemeClr>
-                    </a:gs>
-                    <a:gs pos="50000">
-                      <a:schemeClr val="accent5"/>
-                    </a:gs>
-                    <a:gs pos="100000">
-                      <a:schemeClr val="accent5">
-                        <a:lumMod val="60000"/>
-                        <a:lumOff val="40000"/>
-                      </a:schemeClr>
-                    </a:gs>
-                  </a:gsLst>
-                  <a:lin ang="5400000"/>
-                </a:gradFill>
-                <a:effectLst>
-                  <a:reflection blurRad="6350" stA="53000" endA="300" endPos="35500" dir="5400000" sy="-90000" algn="bl" rotWithShape="0"/>
-                </a:effectLst>
-                <a:latin typeface="Ariston" panose="02020500000000000000" pitchFamily="18" charset="0"/>
-                <a:ea typeface="Ariston" panose="02020500000000000000" pitchFamily="18" charset="0"/>
-                <a:cs typeface="Ariston" panose="02020500000000000000" pitchFamily="18" charset="0"/>
-              </a:rPr>
-              <a:t> </a:t>
-            </a:r>
-            <a:r>
-              <a:rPr lang="en-US" sz="4000" dirty="0" err="1">
-                <a:ln w="0"/>
-                <a:gradFill>
-                  <a:gsLst>
-                    <a:gs pos="0">
-                      <a:schemeClr val="accent5">
-                        <a:lumMod val="50000"/>
-                      </a:schemeClr>
-                    </a:gs>
-                    <a:gs pos="50000">
-                      <a:schemeClr val="accent5"/>
-                    </a:gs>
-                    <a:gs pos="100000">
-                      <a:schemeClr val="accent5">
-                        <a:lumMod val="60000"/>
-                        <a:lumOff val="40000"/>
-                      </a:schemeClr>
-                    </a:gs>
-                  </a:gsLst>
-                  <a:lin ang="5400000"/>
-                </a:gradFill>
-                <a:effectLst>
-                  <a:reflection blurRad="6350" stA="53000" endA="300" endPos="35500" dir="5400000" sy="-90000" algn="bl" rotWithShape="0"/>
-                </a:effectLst>
-                <a:latin typeface="Ariston" panose="02020500000000000000" pitchFamily="18" charset="0"/>
-                <a:ea typeface="Ariston" panose="02020500000000000000" pitchFamily="18" charset="0"/>
-                <a:cs typeface="Ariston" panose="02020500000000000000" pitchFamily="18" charset="0"/>
-              </a:rPr>
-              <a:t>bạn</a:t>
-            </a:r>
-            <a:r>
-              <a:rPr lang="en-US" sz="4000" dirty="0">
-                <a:ln w="0"/>
-                <a:gradFill>
-                  <a:gsLst>
-                    <a:gs pos="0">
-                      <a:schemeClr val="accent5">
-                        <a:lumMod val="50000"/>
-                      </a:schemeClr>
-                    </a:gs>
-                    <a:gs pos="50000">
-                      <a:schemeClr val="accent5"/>
-                    </a:gs>
-                    <a:gs pos="100000">
-                      <a:schemeClr val="accent5">
-                        <a:lumMod val="60000"/>
-                        <a:lumOff val="40000"/>
-                      </a:schemeClr>
-                    </a:gs>
-                  </a:gsLst>
-                  <a:lin ang="5400000"/>
-                </a:gradFill>
-                <a:effectLst>
-                  <a:reflection blurRad="6350" stA="53000" endA="300" endPos="35500" dir="5400000" sy="-90000" algn="bl" rotWithShape="0"/>
-                </a:effectLst>
-                <a:latin typeface="Ariston" panose="02020500000000000000" pitchFamily="18" charset="0"/>
-                <a:ea typeface="Ariston" panose="02020500000000000000" pitchFamily="18" charset="0"/>
-                <a:cs typeface="Ariston" panose="02020500000000000000" pitchFamily="18" charset="0"/>
-              </a:rPr>
-              <a:t> </a:t>
-            </a:r>
-            <a:r>
-              <a:rPr lang="vi-VN" sz="4000" dirty="0">
-                <a:ln w="0"/>
-                <a:gradFill>
-                  <a:gsLst>
-                    <a:gs pos="0">
-                      <a:schemeClr val="accent5">
-                        <a:lumMod val="50000"/>
-                      </a:schemeClr>
-                    </a:gs>
-                    <a:gs pos="50000">
-                      <a:schemeClr val="accent5"/>
-                    </a:gs>
-                    <a:gs pos="100000">
-                      <a:schemeClr val="accent5">
-                        <a:lumMod val="60000"/>
-                        <a:lumOff val="40000"/>
-                      </a:schemeClr>
-                    </a:gs>
-                  </a:gsLst>
-                  <a:lin ang="5400000"/>
-                </a:gradFill>
-                <a:effectLst>
-                  <a:reflection blurRad="6350" stA="53000" endA="300" endPos="35500" dir="5400000" sy="-90000" algn="bl" rotWithShape="0"/>
-                </a:effectLst>
-                <a:latin typeface="Ariston" panose="02020500000000000000" pitchFamily="18" charset="0"/>
-                <a:ea typeface="Ariston" panose="02020500000000000000" pitchFamily="18" charset="0"/>
-                <a:cs typeface="Ariston" panose="02020500000000000000" pitchFamily="18" charset="0"/>
-              </a:rPr>
-              <a:t>đã lắng </a:t>
-            </a:r>
-            <a:r>
-              <a:rPr lang="vi-VN" sz="4000" dirty="0" smtClean="0">
-                <a:ln w="0"/>
-                <a:gradFill>
-                  <a:gsLst>
-                    <a:gs pos="0">
-                      <a:schemeClr val="accent5">
-                        <a:lumMod val="50000"/>
-                      </a:schemeClr>
-                    </a:gs>
-                    <a:gs pos="50000">
-                      <a:schemeClr val="accent5"/>
-                    </a:gs>
-                    <a:gs pos="100000">
-                      <a:schemeClr val="accent5">
-                        <a:lumMod val="60000"/>
-                        <a:lumOff val="40000"/>
-                      </a:schemeClr>
-                    </a:gs>
-                  </a:gsLst>
-                  <a:lin ang="5400000"/>
-                </a:gradFill>
-                <a:effectLst>
-                  <a:reflection blurRad="6350" stA="53000" endA="300" endPos="35500" dir="5400000" sy="-90000" algn="bl" rotWithShape="0"/>
-                </a:effectLst>
-                <a:latin typeface="Ariston" panose="02020500000000000000" pitchFamily="18" charset="0"/>
-                <a:ea typeface="Ariston" panose="02020500000000000000" pitchFamily="18" charset="0"/>
-                <a:cs typeface="Ariston" panose="02020500000000000000" pitchFamily="18" charset="0"/>
-              </a:rPr>
-              <a:t>nghe</a:t>
-            </a:r>
-            <a:r>
-              <a:rPr lang="en-US" sz="4000" dirty="0" smtClean="0">
-                <a:ln w="0"/>
-                <a:gradFill>
-                  <a:gsLst>
-                    <a:gs pos="0">
-                      <a:schemeClr val="accent5">
-                        <a:lumMod val="50000"/>
-                      </a:schemeClr>
-                    </a:gs>
-                    <a:gs pos="50000">
-                      <a:schemeClr val="accent5"/>
-                    </a:gs>
-                    <a:gs pos="100000">
-                      <a:schemeClr val="accent5">
-                        <a:lumMod val="60000"/>
-                        <a:lumOff val="40000"/>
-                      </a:schemeClr>
-                    </a:gs>
-                  </a:gsLst>
-                  <a:lin ang="5400000"/>
-                </a:gradFill>
-                <a:effectLst>
-                  <a:reflection blurRad="6350" stA="53000" endA="300" endPos="35500" dir="5400000" sy="-90000" algn="bl" rotWithShape="0"/>
-                </a:effectLst>
-                <a:latin typeface="Ariston" panose="02020500000000000000" pitchFamily="18" charset="0"/>
-                <a:ea typeface="Ariston" panose="02020500000000000000" pitchFamily="18" charset="0"/>
-                <a:cs typeface="Ariston" panose="02020500000000000000" pitchFamily="18" charset="0"/>
-              </a:rPr>
-              <a:t>!</a:t>
-            </a:r>
-            <a:endParaRPr lang="en-US" sz="4000" dirty="0">
-              <a:ln w="0"/>
-              <a:gradFill>
-                <a:gsLst>
-                  <a:gs pos="0">
-                    <a:schemeClr val="accent5">
-                      <a:lumMod val="50000"/>
-                    </a:schemeClr>
-                  </a:gs>
-                  <a:gs pos="50000">
-                    <a:schemeClr val="accent5"/>
-                  </a:gs>
-                  <a:gs pos="100000">
-                    <a:schemeClr val="accent5">
-                      <a:lumMod val="60000"/>
-                      <a:lumOff val="40000"/>
-                    </a:schemeClr>
-                  </a:gs>
-                </a:gsLst>
-                <a:lin ang="5400000"/>
-              </a:gradFill>
-              <a:effectLst>
-                <a:reflection blurRad="6350" stA="53000" endA="300" endPos="35500" dir="5400000" sy="-90000" algn="bl" rotWithShape="0"/>
-              </a:effectLst>
-              <a:latin typeface="Ariston" panose="02020500000000000000" pitchFamily="18" charset="0"/>
-              <a:ea typeface="Ariston" panose="02020500000000000000" pitchFamily="18" charset="0"/>
-              <a:cs typeface="Ariston" panose="02020500000000000000" pitchFamily="18" charset="0"/>
-            </a:endParaRPr>
-          </a:p>
-        </p:txBody>
-      </p:sp>
-    </p:spTree>
-    <p:extLst>
-      <p:ext uri="{BB962C8B-B14F-4D97-AF65-F5344CB8AC3E}">
-        <p14:creationId xmlns:p14="http://schemas.microsoft.com/office/powerpoint/2010/main" val="1957705873"/>
-      </p:ext>
-    </p:extLst>
-  </p:cSld>
-  <p:clrMapOvr>
-    <a:overrideClrMapping bg1="lt1" tx1="dk1" bg2="lt2" tx2="dk2" accent1="accent1" accent2="accent2" accent3="accent3" accent4="accent4" accent5="accent5" accent6="accent6" hlink="hlink" folHlink="folHlink"/>
-  </p:clrMapOvr>
-  <p:timing>
-    <p:tnLst>
-      <p:par>
-        <p:cTn id="1" dur="indefinite" restart="never" nodeType="tmRoot"/>
-      </p:par>
-    </p:tnLst>
-  </p:timing>
-</p:sld>
-</file>
-
-<file path=ppt/slides/slide46.xml><?xml version="1.0" encoding="utf-8"?>
-<p:sld xmlns:a="http://schemas.openxmlformats.org/drawingml/2006/main" xmlns:r="http://schemas.openxmlformats.org/officeDocument/2006/relationships" xmlns:p="http://schemas.openxmlformats.org/presentationml/2006/main">
-  <p:cSld>
-    <p:spTree>
-      <p:nvGrpSpPr>
-        <p:cNvPr id="1" name=""/>
-        <p:cNvGrpSpPr/>
-        <p:nvPr/>
-      </p:nvGrpSpPr>
-      <p:grpSpPr>
-        <a:xfrm>
-          <a:off x="0" y="0"/>
-          <a:ext cx="0" cy="0"/>
-          <a:chOff x="0" y="0"/>
-          <a:chExt cx="0" cy="0"/>
-        </a:xfrm>
-      </p:grpSpPr>
-      <p:sp>
-        <p:nvSpPr>
-          <p:cNvPr id="2" name="Slide Number Placeholder 1"/>
-          <p:cNvSpPr>
-            <a:spLocks noGrp="1"/>
-          </p:cNvSpPr>
-          <p:nvPr>
-            <p:ph type="sldNum" sz="quarter" idx="12"/>
-          </p:nvPr>
-        </p:nvSpPr>
-        <p:spPr/>
-        <p:txBody>
-          <a:bodyPr/>
-          <a:lstStyle/>
-          <a:p>
-            <a:fld id="{9DFD9A34-EC64-4F0B-9C9B-2C0A202A050B}" type="slidenum">
-              <a:rPr lang="en-US" smtClean="0"/>
-              <a:pPr/>
-              <a:t>46</a:t>
-            </a:fld>
-            <a:endParaRPr lang="en-US" dirty="0"/>
-          </a:p>
-        </p:txBody>
-      </p:sp>
-      <p:sp>
-        <p:nvSpPr>
-          <p:cNvPr id="3" name="Content Placeholder 2"/>
-          <p:cNvSpPr>
-            <a:spLocks noGrp="1"/>
-          </p:cNvSpPr>
-          <p:nvPr>
-            <p:ph sz="quarter" idx="14"/>
-          </p:nvPr>
-        </p:nvSpPr>
-        <p:spPr>
-          <a:xfrm>
-            <a:off x="779926" y="990600"/>
-            <a:ext cx="10496086" cy="5867400"/>
-          </a:xfrm>
-        </p:spPr>
-        <p:txBody>
-          <a:bodyPr>
-            <a:normAutofit fontScale="92500" lnSpcReduction="20000"/>
-          </a:bodyPr>
-          <a:lstStyle/>
-          <a:p>
-            <a:r>
-              <a:rPr lang="en-US" dirty="0"/>
-              <a:t>Tiếng Việt</a:t>
-            </a:r>
-          </a:p>
-          <a:p>
-            <a:pPr marL="622300" lvl="1" indent="-330200">
-              <a:buFont typeface="+mj-lt"/>
-              <a:buAutoNum type="arabicPeriod"/>
-            </a:pPr>
-            <a:r>
-              <a:rPr lang="en-US" dirty="0"/>
-              <a:t>Nguyễn Trọng Dũng, </a:t>
-            </a:r>
-            <a:r>
-              <a:rPr lang="en-US" i="1" dirty="0"/>
-              <a:t>Phát triển Web Service với các công nghệ chuẩn của java</a:t>
-            </a:r>
-            <a:r>
-              <a:rPr lang="en-US" dirty="0"/>
-              <a:t> , Trường ĐHSP Hà Nội</a:t>
-            </a:r>
-          </a:p>
-          <a:p>
-            <a:pPr marL="622300" lvl="1" indent="-330200">
-              <a:buFont typeface="+mj-lt"/>
-              <a:buAutoNum type="arabicPeriod"/>
-            </a:pPr>
-            <a:r>
-              <a:rPr lang="en-US" dirty="0"/>
-              <a:t>Hồ Bảo Thanh &amp; Nguyễn Hoàng Long (2005), </a:t>
-            </a:r>
-            <a:r>
-              <a:rPr lang="en-US" i="1" dirty="0"/>
-              <a:t>Nghiên cứu kiến trúc hướng dịch vụ (Service-Oriented Architecture) và ứng dụng, </a:t>
-            </a:r>
-            <a:r>
-              <a:rPr lang="en-US" dirty="0"/>
-              <a:t>Luận văn cử nhân tin học khoa CNTT – ĐH KHTN </a:t>
-            </a:r>
-            <a:r>
-              <a:rPr lang="en-US" dirty="0" smtClean="0"/>
-              <a:t>Tp.HCM</a:t>
-            </a:r>
-            <a:endParaRPr lang="en-US" dirty="0"/>
-          </a:p>
-          <a:p>
-            <a:r>
-              <a:rPr lang="en-US" dirty="0" smtClean="0"/>
-              <a:t>Tiếng Anh</a:t>
-            </a:r>
-          </a:p>
-          <a:p>
-            <a:pPr marL="622300" lvl="1" indent="-330200">
-              <a:buFont typeface="+mj-lt"/>
-              <a:buAutoNum type="arabicPeriod" startAt="3"/>
-            </a:pPr>
-            <a:r>
-              <a:rPr lang="en-US" dirty="0"/>
-              <a:t>Abdaldhem Albreshne, Patrik Fuhrer, Jacque Pasquier Spasquier (9-2009), </a:t>
-            </a:r>
-            <a:r>
-              <a:rPr lang="en-US" i="1" dirty="0"/>
-              <a:t>Web Services Technologies, </a:t>
-            </a:r>
-            <a:r>
-              <a:rPr lang="en-US" dirty="0"/>
-              <a:t>State of the Art</a:t>
-            </a:r>
-          </a:p>
-          <a:p>
-            <a:pPr marL="622300" lvl="1" indent="-330200">
-              <a:buFont typeface="+mj-lt"/>
-              <a:buAutoNum type="arabicPeriod" startAt="3"/>
-            </a:pPr>
-            <a:r>
-              <a:rPr lang="en-US" dirty="0"/>
-              <a:t>Dr Alex Blewitt (June 2013), </a:t>
-            </a:r>
-            <a:r>
-              <a:rPr lang="en-US" i="1" dirty="0"/>
-              <a:t>Eclipse 4 Plug-in Development by Example</a:t>
-            </a:r>
-            <a:endParaRPr lang="en-US" dirty="0"/>
-          </a:p>
-          <a:p>
-            <a:pPr marL="622300" lvl="1" indent="-330200">
-              <a:buFont typeface="+mj-lt"/>
-              <a:buAutoNum type="arabicPeriod" startAt="3"/>
-            </a:pPr>
-            <a:r>
-              <a:rPr lang="en-US" dirty="0">
-                <a:hlinkClick r:id="rId2"/>
-              </a:rPr>
-              <a:t>Bertrand Portier</a:t>
-            </a:r>
-            <a:r>
-              <a:rPr lang="en-US" dirty="0"/>
-              <a:t> (May 2007), </a:t>
-            </a:r>
-            <a:r>
-              <a:rPr lang="en-US" i="1" dirty="0"/>
-              <a:t>SOA terminology overview</a:t>
-            </a:r>
-            <a:r>
-              <a:rPr lang="en-US" dirty="0"/>
-              <a:t>, IT Architect IBM</a:t>
-            </a:r>
-          </a:p>
-          <a:p>
-            <a:pPr marL="622300" lvl="1" indent="-330200">
-              <a:buFont typeface="+mj-lt"/>
-              <a:buAutoNum type="arabicPeriod" startAt="3"/>
-            </a:pPr>
-            <a:r>
-              <a:rPr lang="en-US" dirty="0"/>
-              <a:t>David s. Linthicum (2004), </a:t>
-            </a:r>
-            <a:r>
-              <a:rPr lang="en-US" i="1" dirty="0"/>
-              <a:t>12 Steps to implementing a Service-Oriented Architecture</a:t>
-            </a:r>
-            <a:endParaRPr lang="en-US" dirty="0"/>
-          </a:p>
-          <a:p>
-            <a:pPr marL="622300" lvl="1" indent="-330200">
-              <a:buFont typeface="+mj-lt"/>
-              <a:buAutoNum type="arabicPeriod" startAt="3"/>
-            </a:pPr>
-            <a:endParaRPr lang="en-US" dirty="0"/>
-          </a:p>
-          <a:p>
-            <a:endParaRPr lang="en-US" dirty="0"/>
-          </a:p>
-          <a:p>
-            <a:pPr lvl="2">
-              <a:lnSpc>
-                <a:spcPct val="100000"/>
-              </a:lnSpc>
-            </a:pPr>
-            <a:endParaRPr lang="en-US" dirty="0"/>
-          </a:p>
-          <a:p>
-            <a:pPr lvl="2">
-              <a:lnSpc>
-                <a:spcPct val="100000"/>
-              </a:lnSpc>
-            </a:pPr>
-            <a:endParaRPr lang="en-US" dirty="0"/>
-          </a:p>
-          <a:p>
-            <a:pPr lvl="2">
-              <a:lnSpc>
-                <a:spcPct val="200000"/>
-              </a:lnSpc>
-            </a:pPr>
-            <a:endParaRPr lang="en-US" sz="2800" dirty="0"/>
-          </a:p>
-          <a:p>
-            <a:endParaRPr lang="en-US" dirty="0"/>
-          </a:p>
-        </p:txBody>
-      </p:sp>
-      <p:sp>
-        <p:nvSpPr>
-          <p:cNvPr id="4" name="Title 3"/>
-          <p:cNvSpPr>
-            <a:spLocks noGrp="1"/>
-          </p:cNvSpPr>
-          <p:nvPr>
-            <p:ph type="title"/>
-          </p:nvPr>
-        </p:nvSpPr>
-        <p:spPr/>
-        <p:txBody>
-          <a:bodyPr>
-            <a:normAutofit fontScale="90000"/>
-          </a:bodyPr>
-          <a:lstStyle/>
-          <a:p>
-            <a:r>
-              <a:rPr lang="en-US" dirty="0" smtClean="0"/>
-              <a:t>Tài liệu tham khảo</a:t>
-            </a:r>
-            <a:endParaRPr lang="en-US" dirty="0"/>
-          </a:p>
-        </p:txBody>
-      </p:sp>
-    </p:spTree>
-    <p:extLst>
-      <p:ext uri="{BB962C8B-B14F-4D97-AF65-F5344CB8AC3E}">
-        <p14:creationId xmlns:p14="http://schemas.microsoft.com/office/powerpoint/2010/main" val="3044689421"/>
-      </p:ext>
-    </p:extLst>
-  </p:cSld>
-  <p:clrMapOvr>
-    <a:masterClrMapping/>
-  </p:clrMapOvr>
-  <p:timing>
-    <p:tnLst>
-      <p:par>
-        <p:cTn id="1" dur="indefinite" restart="never" nodeType="tmRoot"/>
-      </p:par>
-    </p:tnLst>
-  </p:timing>
-</p:sld>
-</file>
-
-<file path=ppt/slides/slide47.xml><?xml version="1.0" encoding="utf-8"?>
-<p:sld xmlns:a="http://schemas.openxmlformats.org/drawingml/2006/main" xmlns:r="http://schemas.openxmlformats.org/officeDocument/2006/relationships" xmlns:p="http://schemas.openxmlformats.org/presentationml/2006/main">
-  <p:cSld>
-    <p:spTree>
-      <p:nvGrpSpPr>
-        <p:cNvPr id="1" name=""/>
-        <p:cNvGrpSpPr/>
-        <p:nvPr/>
-      </p:nvGrpSpPr>
-      <p:grpSpPr>
-        <a:xfrm>
-          <a:off x="0" y="0"/>
-          <a:ext cx="0" cy="0"/>
-          <a:chOff x="0" y="0"/>
-          <a:chExt cx="0" cy="0"/>
-        </a:xfrm>
-      </p:grpSpPr>
-      <p:sp>
-        <p:nvSpPr>
-          <p:cNvPr id="2" name="Slide Number Placeholder 1"/>
-          <p:cNvSpPr>
-            <a:spLocks noGrp="1"/>
-          </p:cNvSpPr>
-          <p:nvPr>
-            <p:ph type="sldNum" sz="quarter" idx="12"/>
-          </p:nvPr>
-        </p:nvSpPr>
-        <p:spPr/>
-        <p:txBody>
-          <a:bodyPr/>
-          <a:lstStyle/>
-          <a:p>
-            <a:fld id="{9DFD9A34-EC64-4F0B-9C9B-2C0A202A050B}" type="slidenum">
-              <a:rPr lang="en-US" smtClean="0"/>
-              <a:pPr/>
-              <a:t>47</a:t>
-            </a:fld>
-            <a:endParaRPr lang="en-US" dirty="0"/>
-          </a:p>
-        </p:txBody>
-      </p:sp>
-      <p:sp>
-        <p:nvSpPr>
-          <p:cNvPr id="3" name="Content Placeholder 2"/>
-          <p:cNvSpPr>
-            <a:spLocks noGrp="1"/>
-          </p:cNvSpPr>
-          <p:nvPr>
-            <p:ph sz="quarter" idx="14"/>
-          </p:nvPr>
-        </p:nvSpPr>
-        <p:spPr>
-          <a:xfrm>
-            <a:off x="779926" y="990600"/>
-            <a:ext cx="10496086" cy="5867400"/>
-          </a:xfrm>
-        </p:spPr>
-        <p:txBody>
-          <a:bodyPr>
-            <a:normAutofit fontScale="70000" lnSpcReduction="20000"/>
-          </a:bodyPr>
-          <a:lstStyle/>
-          <a:p>
-            <a:pPr marL="914400" lvl="1" indent="-457200">
-              <a:buFont typeface="+mj-lt"/>
-              <a:buAutoNum type="arabicPeriod" startAt="7"/>
-            </a:pPr>
-            <a:r>
-              <a:rPr lang="en-US" dirty="0"/>
-              <a:t>David Gallardo, </a:t>
-            </a:r>
-            <a:r>
-              <a:rPr lang="en-US" i="1" dirty="0"/>
-              <a:t>Developing Eclipse plug-ins, </a:t>
-            </a:r>
-            <a:r>
-              <a:rPr lang="en-US" dirty="0"/>
-              <a:t> </a:t>
-            </a:r>
-            <a:r>
-              <a:rPr lang="en-US" dirty="0">
-                <a:hlinkClick r:id="rId2"/>
-              </a:rPr>
-              <a:t>http://www.ibm.com/developerworks/opensource/library/os-ecplug/</a:t>
-            </a:r>
-            <a:endParaRPr lang="en-US" dirty="0"/>
-          </a:p>
-          <a:p>
-            <a:pPr marL="914400" lvl="1" indent="-457200">
-              <a:buFont typeface="+mj-lt"/>
-              <a:buAutoNum type="arabicPeriod" startAt="7"/>
-            </a:pPr>
-            <a:r>
-              <a:rPr lang="en-US" dirty="0"/>
-              <a:t>Deepal Jayasinghe (May 2008), </a:t>
-            </a:r>
-            <a:r>
-              <a:rPr lang="en-US" i="1" dirty="0"/>
-              <a:t>Quickstart Apache Axis2</a:t>
-            </a:r>
-            <a:endParaRPr lang="en-US" dirty="0"/>
-          </a:p>
-          <a:p>
-            <a:pPr marL="914400" lvl="1" indent="-457200">
-              <a:buFont typeface="+mj-lt"/>
-              <a:buAutoNum type="arabicPeriod" startAt="7"/>
-            </a:pPr>
-            <a:r>
-              <a:rPr lang="en-US" dirty="0"/>
-              <a:t>Eric Clayberg – Dan Rubel (2008), </a:t>
-            </a:r>
-            <a:r>
-              <a:rPr lang="en-US" i="1" dirty="0"/>
-              <a:t>Eclipse Plug-ins – Third Edition</a:t>
-            </a:r>
-            <a:r>
-              <a:rPr lang="en-US" dirty="0"/>
-              <a:t>, Addison Wesley</a:t>
-            </a:r>
-          </a:p>
-          <a:p>
-            <a:pPr marL="914400" lvl="1" indent="-457200">
-              <a:buFont typeface="+mj-lt"/>
-              <a:buAutoNum type="arabicPeriod" startAt="7"/>
-            </a:pPr>
-            <a:r>
-              <a:rPr lang="en-US" dirty="0"/>
-              <a:t>Hartwig Gunzer (March 2002),  </a:t>
-            </a:r>
-            <a:r>
-              <a:rPr lang="en-US" i="1" dirty="0"/>
-              <a:t>Introduction to Web Services</a:t>
-            </a:r>
-            <a:r>
-              <a:rPr lang="en-US" dirty="0"/>
-              <a:t>, Sales Engineer, Borland</a:t>
-            </a:r>
-          </a:p>
-          <a:p>
-            <a:pPr marL="914400" lvl="1" indent="-457200">
-              <a:buFont typeface="+mj-lt"/>
-              <a:buAutoNum type="arabicPeriod" startAt="7"/>
-            </a:pPr>
-            <a:r>
-              <a:rPr lang="en-US" dirty="0"/>
-              <a:t>Kiet T. Tran (2013), </a:t>
-            </a:r>
-            <a:r>
-              <a:rPr lang="en-US" i="1" dirty="0"/>
-              <a:t>Introduction to Web Services with Java</a:t>
-            </a:r>
-            <a:endParaRPr lang="en-US" dirty="0"/>
-          </a:p>
-          <a:p>
-            <a:pPr marL="914400" lvl="1" indent="-457200">
-              <a:buFont typeface="+mj-lt"/>
-              <a:buAutoNum type="arabicPeriod" startAt="7"/>
-            </a:pPr>
-            <a:r>
-              <a:rPr lang="en-US" dirty="0"/>
-              <a:t>Mark D. Hansen (May 2007), </a:t>
-            </a:r>
-            <a:r>
-              <a:rPr lang="en-US" i="1" dirty="0"/>
-              <a:t>SOA Using Java Web Services</a:t>
-            </a:r>
-            <a:endParaRPr lang="en-US" dirty="0"/>
-          </a:p>
-          <a:p>
-            <a:pPr marL="914400" lvl="1" indent="-457200">
-              <a:buFont typeface="+mj-lt"/>
-              <a:buAutoNum type="arabicPeriod" startAt="7"/>
-            </a:pPr>
-            <a:r>
-              <a:rPr lang="en-US" dirty="0"/>
-              <a:t>Martin Kalin (2013), </a:t>
-            </a:r>
-            <a:r>
-              <a:rPr lang="en-US" i="1" dirty="0"/>
-              <a:t>Java Web Services : Up and Running, Second Edition</a:t>
-            </a:r>
-            <a:endParaRPr lang="en-US" dirty="0"/>
-          </a:p>
-          <a:p>
-            <a:pPr marL="914400" lvl="1" indent="-457200">
-              <a:buFont typeface="+mj-lt"/>
-              <a:buAutoNum type="arabicPeriod" startAt="7"/>
-            </a:pPr>
-            <a:r>
-              <a:rPr lang="en-US" dirty="0"/>
-              <a:t>Yuli Vasiliev (September 2007), </a:t>
-            </a:r>
-            <a:r>
-              <a:rPr lang="en-US" i="1" dirty="0"/>
-              <a:t>SOA and WS-BPEL</a:t>
-            </a:r>
-            <a:r>
-              <a:rPr lang="en-US" dirty="0"/>
-              <a:t> </a:t>
-            </a:r>
-          </a:p>
-          <a:p>
-            <a:pPr marL="914400" lvl="1" indent="-457200">
-              <a:buFont typeface="+mj-lt"/>
-              <a:buAutoNum type="arabicPeriod" startAt="7"/>
-            </a:pPr>
-            <a:r>
-              <a:rPr lang="en-US" dirty="0"/>
-              <a:t>Chris Aniszczyk, David Gallardo, </a:t>
-            </a:r>
-            <a:r>
-              <a:rPr lang="en-US" i="1" dirty="0"/>
-              <a:t>Get Started with the Eclipse platform</a:t>
-            </a:r>
-            <a:r>
-              <a:rPr lang="en-US" dirty="0"/>
-              <a:t> -  </a:t>
-            </a:r>
-            <a:r>
-              <a:rPr lang="en-US" u="sng" dirty="0">
-                <a:hlinkClick r:id="rId3"/>
-              </a:rPr>
-              <a:t>http://www.ibm.com/developerworks/opensource/library/os-eclipse-platform/#N101FF</a:t>
-            </a:r>
-            <a:endParaRPr lang="en-US" dirty="0"/>
-          </a:p>
-          <a:p>
-            <a:pPr marL="914400" lvl="1" indent="-457200">
-              <a:buFont typeface="+mj-lt"/>
-              <a:buAutoNum type="arabicPeriod" startAt="7"/>
-            </a:pPr>
-            <a:r>
-              <a:rPr lang="en-US" dirty="0"/>
-              <a:t>Eclipse  – </a:t>
-            </a:r>
-            <a:r>
-              <a:rPr lang="en-US" u="sng" dirty="0">
-                <a:hlinkClick r:id="rId4"/>
-              </a:rPr>
-              <a:t>http://www.eclipse.org/</a:t>
-            </a:r>
-            <a:endParaRPr lang="en-US" dirty="0"/>
-          </a:p>
-          <a:p>
-            <a:pPr marL="914400" lvl="1" indent="-457200">
-              <a:buFont typeface="+mj-lt"/>
-              <a:buAutoNum type="arabicPeriod" startAt="7"/>
-            </a:pPr>
-            <a:r>
-              <a:rPr lang="en-US" i="1" dirty="0"/>
-              <a:t>Web Services Business Process Execution Language Version 2.0</a:t>
-            </a:r>
-            <a:r>
-              <a:rPr lang="en-US" dirty="0"/>
-              <a:t>, OASIS (2007), </a:t>
-            </a:r>
-            <a:r>
-              <a:rPr lang="en-US" u="sng" dirty="0">
-                <a:hlinkClick r:id="rId5"/>
-              </a:rPr>
-              <a:t>http://docs.oasis-open.org/wsbpel/2.0/wsbpel-v2.0.html</a:t>
-            </a:r>
-            <a:endParaRPr lang="en-US" dirty="0"/>
-          </a:p>
-          <a:p>
-            <a:pPr marL="622300" lvl="1" indent="-330200">
-              <a:buFont typeface="+mj-lt"/>
-              <a:buAutoNum type="arabicPeriod" startAt="3"/>
-            </a:pPr>
-            <a:endParaRPr lang="en-US" dirty="0"/>
-          </a:p>
-          <a:p>
-            <a:endParaRPr lang="en-US" dirty="0"/>
-          </a:p>
-          <a:p>
-            <a:pPr lvl="2">
-              <a:lnSpc>
-                <a:spcPct val="100000"/>
-              </a:lnSpc>
-            </a:pPr>
-            <a:endParaRPr lang="en-US" dirty="0"/>
-          </a:p>
-          <a:p>
-            <a:pPr lvl="2">
-              <a:lnSpc>
-                <a:spcPct val="100000"/>
-              </a:lnSpc>
-            </a:pPr>
-            <a:endParaRPr lang="en-US" dirty="0"/>
-          </a:p>
-          <a:p>
-            <a:pPr lvl="2">
-              <a:lnSpc>
-                <a:spcPct val="200000"/>
-              </a:lnSpc>
-            </a:pPr>
-            <a:endParaRPr lang="en-US" sz="2800" dirty="0"/>
-          </a:p>
-          <a:p>
-            <a:endParaRPr lang="en-US" dirty="0"/>
-          </a:p>
-        </p:txBody>
-      </p:sp>
-      <p:sp>
-        <p:nvSpPr>
-          <p:cNvPr id="4" name="Title 3"/>
-          <p:cNvSpPr>
-            <a:spLocks noGrp="1"/>
-          </p:cNvSpPr>
-          <p:nvPr>
-            <p:ph type="title"/>
-          </p:nvPr>
-        </p:nvSpPr>
-        <p:spPr/>
-        <p:txBody>
-          <a:bodyPr>
-            <a:normAutofit fontScale="90000"/>
-          </a:bodyPr>
-          <a:lstStyle/>
-          <a:p>
-            <a:r>
-              <a:rPr lang="en-US" dirty="0" smtClean="0"/>
-              <a:t>Tài liệu tham khảo</a:t>
-            </a:r>
-            <a:endParaRPr lang="en-US" dirty="0"/>
-          </a:p>
-        </p:txBody>
-      </p:sp>
-    </p:spTree>
-    <p:extLst>
-      <p:ext uri="{BB962C8B-B14F-4D97-AF65-F5344CB8AC3E}">
-        <p14:creationId xmlns:p14="http://schemas.microsoft.com/office/powerpoint/2010/main" val="3699096762"/>
+        <p14:creationId xmlns:p14="http://schemas.microsoft.com/office/powerpoint/2010/main" val="2084375292"/>
       </p:ext>
     </p:extLst>
   </p:cSld>
@@ -21183,6 +21436,2061 @@
     <p:extLst>
       <p:ext uri="{BB962C8B-B14F-4D97-AF65-F5344CB8AC3E}">
         <p14:creationId xmlns:p14="http://schemas.microsoft.com/office/powerpoint/2010/main" val="766075897"/>
+      </p:ext>
+    </p:extLst>
+  </p:cSld>
+  <p:clrMapOvr>
+    <a:masterClrMapping/>
+  </p:clrMapOvr>
+  <p:timing>
+    <p:tnLst>
+      <p:par>
+        <p:cTn id="1" dur="indefinite" restart="never" nodeType="tmRoot"/>
+      </p:par>
+    </p:tnLst>
+  </p:timing>
+</p:sld>
+</file>
+
+<file path=ppt/slides/slide50.xml><?xml version="1.0" encoding="utf-8"?>
+<p:sld xmlns:a="http://schemas.openxmlformats.org/drawingml/2006/main" xmlns:r="http://schemas.openxmlformats.org/officeDocument/2006/relationships" xmlns:p="http://schemas.openxmlformats.org/presentationml/2006/main">
+  <p:cSld>
+    <p:spTree>
+      <p:nvGrpSpPr>
+        <p:cNvPr id="1" name=""/>
+        <p:cNvGrpSpPr/>
+        <p:nvPr/>
+      </p:nvGrpSpPr>
+      <p:grpSpPr>
+        <a:xfrm>
+          <a:off x="0" y="0"/>
+          <a:ext cx="0" cy="0"/>
+          <a:chOff x="0" y="0"/>
+          <a:chExt cx="0" cy="0"/>
+        </a:xfrm>
+      </p:grpSpPr>
+      <p:sp>
+        <p:nvSpPr>
+          <p:cNvPr id="2" name="Slide Number Placeholder 1"/>
+          <p:cNvSpPr>
+            <a:spLocks noGrp="1"/>
+          </p:cNvSpPr>
+          <p:nvPr>
+            <p:ph type="sldNum" sz="quarter" idx="12"/>
+          </p:nvPr>
+        </p:nvSpPr>
+        <p:spPr/>
+        <p:txBody>
+          <a:bodyPr/>
+          <a:lstStyle/>
+          <a:p>
+            <a:fld id="{9DFD9A34-EC64-4F0B-9C9B-2C0A202A050B}" type="slidenum">
+              <a:rPr lang="en-US" smtClean="0"/>
+              <a:pPr/>
+              <a:t>50</a:t>
+            </a:fld>
+            <a:endParaRPr lang="en-US" dirty="0"/>
+          </a:p>
+        </p:txBody>
+      </p:sp>
+      <p:sp>
+        <p:nvSpPr>
+          <p:cNvPr id="3" name="Content Placeholder 2"/>
+          <p:cNvSpPr>
+            <a:spLocks noGrp="1"/>
+          </p:cNvSpPr>
+          <p:nvPr>
+            <p:ph sz="quarter" idx="14"/>
+          </p:nvPr>
+        </p:nvSpPr>
+        <p:spPr>
+          <a:xfrm>
+            <a:off x="779926" y="990600"/>
+            <a:ext cx="10496086" cy="5867400"/>
+          </a:xfrm>
+        </p:spPr>
+        <p:txBody>
+          <a:bodyPr>
+            <a:normAutofit/>
+          </a:bodyPr>
+          <a:lstStyle/>
+          <a:p>
+            <a:pPr lvl="2">
+              <a:lnSpc>
+                <a:spcPct val="200000"/>
+              </a:lnSpc>
+            </a:pPr>
+            <a:r>
+              <a:rPr lang="en-US" dirty="0" smtClean="0"/>
+              <a:t>Bài luận văn đã </a:t>
+            </a:r>
+            <a:r>
+              <a:rPr lang="en-US" dirty="0"/>
+              <a:t>trình bày những khái niệm tổng quan về công nghệ Web Services, những ưu điểm của công nghệ này trong việc giải quyết bài toán tích hợp giữa các hệ thống, cũng như khả năng ứng dụng của nó trong việc xây dựng mô hình kiến trúc hướng dịch vụ. </a:t>
+            </a:r>
+            <a:endParaRPr lang="en-US" dirty="0" smtClean="0"/>
+          </a:p>
+          <a:p>
+            <a:pPr lvl="2">
+              <a:lnSpc>
+                <a:spcPct val="200000"/>
+              </a:lnSpc>
+            </a:pPr>
+            <a:r>
+              <a:rPr lang="en-US" dirty="0" smtClean="0"/>
+              <a:t>Bài </a:t>
+            </a:r>
+            <a:r>
+              <a:rPr lang="en-US" dirty="0"/>
+              <a:t>luận văn cũng đã xây dựng được một hệ thống plug-in dựa trên công nghệ Eclipse để có thể triển khai lập trình ứng dụng theo kiến trúc hướng dịch vụ.</a:t>
+            </a:r>
+          </a:p>
+          <a:p>
+            <a:pPr lvl="2">
+              <a:lnSpc>
+                <a:spcPct val="200000"/>
+              </a:lnSpc>
+            </a:pPr>
+            <a:endParaRPr lang="en-US" dirty="0"/>
+          </a:p>
+          <a:p>
+            <a:pPr lvl="2">
+              <a:lnSpc>
+                <a:spcPct val="200000"/>
+              </a:lnSpc>
+            </a:pPr>
+            <a:endParaRPr lang="en-US" sz="2800" dirty="0"/>
+          </a:p>
+          <a:p>
+            <a:endParaRPr lang="en-US" dirty="0"/>
+          </a:p>
+        </p:txBody>
+      </p:sp>
+      <p:sp>
+        <p:nvSpPr>
+          <p:cNvPr id="4" name="Title 3"/>
+          <p:cNvSpPr>
+            <a:spLocks noGrp="1"/>
+          </p:cNvSpPr>
+          <p:nvPr>
+            <p:ph type="title"/>
+          </p:nvPr>
+        </p:nvSpPr>
+        <p:spPr/>
+        <p:txBody>
+          <a:bodyPr>
+            <a:normAutofit fontScale="90000"/>
+          </a:bodyPr>
+          <a:lstStyle/>
+          <a:p>
+            <a:r>
+              <a:rPr lang="en-US" dirty="0" smtClean="0"/>
+              <a:t>Kết luận</a:t>
+            </a:r>
+            <a:endParaRPr lang="en-US" dirty="0"/>
+          </a:p>
+        </p:txBody>
+      </p:sp>
+    </p:spTree>
+    <p:extLst>
+      <p:ext uri="{BB962C8B-B14F-4D97-AF65-F5344CB8AC3E}">
+        <p14:creationId xmlns:p14="http://schemas.microsoft.com/office/powerpoint/2010/main" val="1997370528"/>
+      </p:ext>
+    </p:extLst>
+  </p:cSld>
+  <p:clrMapOvr>
+    <a:masterClrMapping/>
+  </p:clrMapOvr>
+  <p:timing>
+    <p:tnLst>
+      <p:par>
+        <p:cTn id="1" dur="indefinite" restart="never" nodeType="tmRoot"/>
+      </p:par>
+    </p:tnLst>
+  </p:timing>
+</p:sld>
+</file>
+
+<file path=ppt/slides/slide51.xml><?xml version="1.0" encoding="utf-8"?>
+<p:sld xmlns:a="http://schemas.openxmlformats.org/drawingml/2006/main" xmlns:r="http://schemas.openxmlformats.org/officeDocument/2006/relationships" xmlns:p="http://schemas.openxmlformats.org/presentationml/2006/main">
+  <p:cSld>
+    <p:spTree>
+      <p:nvGrpSpPr>
+        <p:cNvPr id="1" name=""/>
+        <p:cNvGrpSpPr/>
+        <p:nvPr/>
+      </p:nvGrpSpPr>
+      <p:grpSpPr>
+        <a:xfrm>
+          <a:off x="0" y="0"/>
+          <a:ext cx="0" cy="0"/>
+          <a:chOff x="0" y="0"/>
+          <a:chExt cx="0" cy="0"/>
+        </a:xfrm>
+      </p:grpSpPr>
+      <p:sp>
+        <p:nvSpPr>
+          <p:cNvPr id="2" name="Slide Number Placeholder 1"/>
+          <p:cNvSpPr>
+            <a:spLocks noGrp="1"/>
+          </p:cNvSpPr>
+          <p:nvPr>
+            <p:ph type="sldNum" sz="quarter" idx="12"/>
+          </p:nvPr>
+        </p:nvSpPr>
+        <p:spPr/>
+        <p:txBody>
+          <a:bodyPr/>
+          <a:lstStyle/>
+          <a:p>
+            <a:fld id="{9DFD9A34-EC64-4F0B-9C9B-2C0A202A050B}" type="slidenum">
+              <a:rPr lang="en-US" smtClean="0"/>
+              <a:pPr/>
+              <a:t>51</a:t>
+            </a:fld>
+            <a:endParaRPr lang="en-US" dirty="0"/>
+          </a:p>
+        </p:txBody>
+      </p:sp>
+      <p:sp>
+        <p:nvSpPr>
+          <p:cNvPr id="3" name="Content Placeholder 2"/>
+          <p:cNvSpPr>
+            <a:spLocks noGrp="1"/>
+          </p:cNvSpPr>
+          <p:nvPr>
+            <p:ph sz="quarter" idx="14"/>
+          </p:nvPr>
+        </p:nvSpPr>
+        <p:spPr>
+          <a:xfrm>
+            <a:off x="779926" y="990600"/>
+            <a:ext cx="10496086" cy="5867400"/>
+          </a:xfrm>
+        </p:spPr>
+        <p:txBody>
+          <a:bodyPr>
+            <a:normAutofit/>
+          </a:bodyPr>
+          <a:lstStyle/>
+          <a:p>
+            <a:pPr lvl="2">
+              <a:lnSpc>
+                <a:spcPct val="200000"/>
+              </a:lnSpc>
+            </a:pPr>
+            <a:r>
+              <a:rPr lang="en-US" dirty="0" smtClean="0"/>
+              <a:t>Hướng </a:t>
+            </a:r>
+            <a:r>
+              <a:rPr lang="en-US" dirty="0"/>
+              <a:t>nghiên cứu tiếp theo của luận văn là tiếp tục hoàn thiện hơn nữa hệ thống plug-in, thử nghiệm với nhiều Web Services phức tạp hơn nữa, đồng thời nghiên cứu tăng cường khả năng bảo mật.</a:t>
+            </a:r>
+            <a:endParaRPr lang="en-US" dirty="0"/>
+          </a:p>
+          <a:p>
+            <a:pPr lvl="2">
+              <a:lnSpc>
+                <a:spcPct val="200000"/>
+              </a:lnSpc>
+            </a:pPr>
+            <a:endParaRPr lang="en-US" sz="2800" dirty="0"/>
+          </a:p>
+          <a:p>
+            <a:endParaRPr lang="en-US" dirty="0"/>
+          </a:p>
+        </p:txBody>
+      </p:sp>
+      <p:sp>
+        <p:nvSpPr>
+          <p:cNvPr id="4" name="Title 3"/>
+          <p:cNvSpPr>
+            <a:spLocks noGrp="1"/>
+          </p:cNvSpPr>
+          <p:nvPr>
+            <p:ph type="title"/>
+          </p:nvPr>
+        </p:nvSpPr>
+        <p:spPr/>
+        <p:txBody>
+          <a:bodyPr>
+            <a:normAutofit fontScale="90000"/>
+          </a:bodyPr>
+          <a:lstStyle/>
+          <a:p>
+            <a:r>
+              <a:rPr lang="en-US" dirty="0" smtClean="0"/>
+              <a:t>Kết luận</a:t>
+            </a:r>
+            <a:endParaRPr lang="en-US" dirty="0"/>
+          </a:p>
+        </p:txBody>
+      </p:sp>
+    </p:spTree>
+    <p:extLst>
+      <p:ext uri="{BB962C8B-B14F-4D97-AF65-F5344CB8AC3E}">
+        <p14:creationId xmlns:p14="http://schemas.microsoft.com/office/powerpoint/2010/main" val="3886648802"/>
+      </p:ext>
+    </p:extLst>
+  </p:cSld>
+  <p:clrMapOvr>
+    <a:masterClrMapping/>
+  </p:clrMapOvr>
+  <p:timing>
+    <p:tnLst>
+      <p:par>
+        <p:cTn id="1" dur="indefinite" restart="never" nodeType="tmRoot"/>
+      </p:par>
+    </p:tnLst>
+  </p:timing>
+</p:sld>
+</file>
+
+<file path=ppt/slides/slide52.xml><?xml version="1.0" encoding="utf-8"?>
+<p:sld xmlns:a="http://schemas.openxmlformats.org/drawingml/2006/main" xmlns:r="http://schemas.openxmlformats.org/officeDocument/2006/relationships" xmlns:p="http://schemas.openxmlformats.org/presentationml/2006/main">
+  <p:cSld>
+    <p:bg>
+      <p:bgPr>
+        <a:blipFill dpi="0" rotWithShape="1">
+          <a:blip r:embed="rId3">
+            <a:lum/>
+          </a:blip>
+          <a:srcRect/>
+          <a:stretch>
+            <a:fillRect t="-21000" b="-21000"/>
+          </a:stretch>
+        </a:blipFill>
+        <a:effectLst/>
+      </p:bgPr>
+    </p:bg>
+    <p:spTree>
+      <p:nvGrpSpPr>
+        <p:cNvPr id="1" name=""/>
+        <p:cNvGrpSpPr/>
+        <p:nvPr/>
+      </p:nvGrpSpPr>
+      <p:grpSpPr>
+        <a:xfrm>
+          <a:off x="0" y="0"/>
+          <a:ext cx="0" cy="0"/>
+          <a:chOff x="0" y="0"/>
+          <a:chExt cx="0" cy="0"/>
+        </a:xfrm>
+      </p:grpSpPr>
+      <p:sp>
+        <p:nvSpPr>
+          <p:cNvPr id="2" name="Title 1"/>
+          <p:cNvSpPr>
+            <a:spLocks noGrp="1"/>
+          </p:cNvSpPr>
+          <p:nvPr>
+            <p:ph type="title"/>
+          </p:nvPr>
+        </p:nvSpPr>
+        <p:spPr>
+          <a:xfrm>
+            <a:off x="0" y="365128"/>
+            <a:ext cx="12188825" cy="5768389"/>
+          </a:xfrm>
+        </p:spPr>
+        <p:txBody>
+          <a:bodyPr>
+            <a:normAutofit/>
+          </a:bodyPr>
+          <a:lstStyle/>
+          <a:p>
+            <a:pPr algn="ctr"/>
+            <a:r>
+              <a:rPr lang="en-US" sz="4000" dirty="0" err="1">
+                <a:ln w="0"/>
+                <a:gradFill>
+                  <a:gsLst>
+                    <a:gs pos="0">
+                      <a:schemeClr val="accent5">
+                        <a:lumMod val="50000"/>
+                      </a:schemeClr>
+                    </a:gs>
+                    <a:gs pos="50000">
+                      <a:schemeClr val="accent5"/>
+                    </a:gs>
+                    <a:gs pos="100000">
+                      <a:schemeClr val="accent5">
+                        <a:lumMod val="60000"/>
+                        <a:lumOff val="40000"/>
+                      </a:schemeClr>
+                    </a:gs>
+                  </a:gsLst>
+                  <a:lin ang="5400000"/>
+                </a:gradFill>
+                <a:effectLst>
+                  <a:reflection blurRad="6350" stA="53000" endA="300" endPos="35500" dir="5400000" sy="-90000" algn="bl" rotWithShape="0"/>
+                </a:effectLst>
+                <a:latin typeface="Ariston" panose="02020500000000000000" pitchFamily="18" charset="0"/>
+                <a:ea typeface="Ariston" panose="02020500000000000000" pitchFamily="18" charset="0"/>
+                <a:cs typeface="Ariston" panose="02020500000000000000" pitchFamily="18" charset="0"/>
+              </a:rPr>
+              <a:t>X</a:t>
+            </a:r>
+            <a:r>
+              <a:rPr lang="en-US" sz="4000" dirty="0" err="1" smtClean="0">
+                <a:ln w="0"/>
+                <a:gradFill>
+                  <a:gsLst>
+                    <a:gs pos="0">
+                      <a:schemeClr val="accent5">
+                        <a:lumMod val="50000"/>
+                      </a:schemeClr>
+                    </a:gs>
+                    <a:gs pos="50000">
+                      <a:schemeClr val="accent5"/>
+                    </a:gs>
+                    <a:gs pos="100000">
+                      <a:schemeClr val="accent5">
+                        <a:lumMod val="60000"/>
+                        <a:lumOff val="40000"/>
+                      </a:schemeClr>
+                    </a:gs>
+                  </a:gsLst>
+                  <a:lin ang="5400000"/>
+                </a:gradFill>
+                <a:effectLst>
+                  <a:reflection blurRad="6350" stA="53000" endA="300" endPos="35500" dir="5400000" sy="-90000" algn="bl" rotWithShape="0"/>
+                </a:effectLst>
+                <a:latin typeface="Ariston" panose="02020500000000000000" pitchFamily="18" charset="0"/>
+                <a:ea typeface="Ariston" panose="02020500000000000000" pitchFamily="18" charset="0"/>
+                <a:cs typeface="Ariston" panose="02020500000000000000" pitchFamily="18" charset="0"/>
+              </a:rPr>
+              <a:t>in</a:t>
+            </a:r>
+            <a:r>
+              <a:rPr lang="en-US" sz="4000" dirty="0" smtClean="0">
+                <a:ln w="0"/>
+                <a:gradFill>
+                  <a:gsLst>
+                    <a:gs pos="0">
+                      <a:schemeClr val="accent5">
+                        <a:lumMod val="50000"/>
+                      </a:schemeClr>
+                    </a:gs>
+                    <a:gs pos="50000">
+                      <a:schemeClr val="accent5"/>
+                    </a:gs>
+                    <a:gs pos="100000">
+                      <a:schemeClr val="accent5">
+                        <a:lumMod val="60000"/>
+                        <a:lumOff val="40000"/>
+                      </a:schemeClr>
+                    </a:gs>
+                  </a:gsLst>
+                  <a:lin ang="5400000"/>
+                </a:gradFill>
+                <a:effectLst>
+                  <a:reflection blurRad="6350" stA="53000" endA="300" endPos="35500" dir="5400000" sy="-90000" algn="bl" rotWithShape="0"/>
+                </a:effectLst>
+                <a:latin typeface="Ariston" panose="02020500000000000000" pitchFamily="18" charset="0"/>
+                <a:ea typeface="Ariston" panose="02020500000000000000" pitchFamily="18" charset="0"/>
+                <a:cs typeface="Ariston" panose="02020500000000000000" pitchFamily="18" charset="0"/>
+              </a:rPr>
+              <a:t> </a:t>
+            </a:r>
+            <a:r>
+              <a:rPr lang="en-US" sz="4000" dirty="0" err="1">
+                <a:ln w="0"/>
+                <a:gradFill>
+                  <a:gsLst>
+                    <a:gs pos="0">
+                      <a:schemeClr val="accent5">
+                        <a:lumMod val="50000"/>
+                      </a:schemeClr>
+                    </a:gs>
+                    <a:gs pos="50000">
+                      <a:schemeClr val="accent5"/>
+                    </a:gs>
+                    <a:gs pos="100000">
+                      <a:schemeClr val="accent5">
+                        <a:lumMod val="60000"/>
+                        <a:lumOff val="40000"/>
+                      </a:schemeClr>
+                    </a:gs>
+                  </a:gsLst>
+                  <a:lin ang="5400000"/>
+                </a:gradFill>
+                <a:effectLst>
+                  <a:reflection blurRad="6350" stA="53000" endA="300" endPos="35500" dir="5400000" sy="-90000" algn="bl" rotWithShape="0"/>
+                </a:effectLst>
+                <a:latin typeface="Ariston" panose="02020500000000000000" pitchFamily="18" charset="0"/>
+                <a:ea typeface="Ariston" panose="02020500000000000000" pitchFamily="18" charset="0"/>
+                <a:cs typeface="Ariston" panose="02020500000000000000" pitchFamily="18" charset="0"/>
+              </a:rPr>
+              <a:t>chân</a:t>
+            </a:r>
+            <a:r>
+              <a:rPr lang="en-US" sz="4000" dirty="0">
+                <a:ln w="0"/>
+                <a:gradFill>
+                  <a:gsLst>
+                    <a:gs pos="0">
+                      <a:schemeClr val="accent5">
+                        <a:lumMod val="50000"/>
+                      </a:schemeClr>
+                    </a:gs>
+                    <a:gs pos="50000">
+                      <a:schemeClr val="accent5"/>
+                    </a:gs>
+                    <a:gs pos="100000">
+                      <a:schemeClr val="accent5">
+                        <a:lumMod val="60000"/>
+                        <a:lumOff val="40000"/>
+                      </a:schemeClr>
+                    </a:gs>
+                  </a:gsLst>
+                  <a:lin ang="5400000"/>
+                </a:gradFill>
+                <a:effectLst>
+                  <a:reflection blurRad="6350" stA="53000" endA="300" endPos="35500" dir="5400000" sy="-90000" algn="bl" rotWithShape="0"/>
+                </a:effectLst>
+                <a:latin typeface="Ariston" panose="02020500000000000000" pitchFamily="18" charset="0"/>
+                <a:ea typeface="Ariston" panose="02020500000000000000" pitchFamily="18" charset="0"/>
+                <a:cs typeface="Ariston" panose="02020500000000000000" pitchFamily="18" charset="0"/>
+              </a:rPr>
+              <a:t> </a:t>
+            </a:r>
+            <a:r>
+              <a:rPr lang="en-US" sz="4000" dirty="0" err="1">
+                <a:ln w="0"/>
+                <a:gradFill>
+                  <a:gsLst>
+                    <a:gs pos="0">
+                      <a:schemeClr val="accent5">
+                        <a:lumMod val="50000"/>
+                      </a:schemeClr>
+                    </a:gs>
+                    <a:gs pos="50000">
+                      <a:schemeClr val="accent5"/>
+                    </a:gs>
+                    <a:gs pos="100000">
+                      <a:schemeClr val="accent5">
+                        <a:lumMod val="60000"/>
+                        <a:lumOff val="40000"/>
+                      </a:schemeClr>
+                    </a:gs>
+                  </a:gsLst>
+                  <a:lin ang="5400000"/>
+                </a:gradFill>
+                <a:effectLst>
+                  <a:reflection blurRad="6350" stA="53000" endA="300" endPos="35500" dir="5400000" sy="-90000" algn="bl" rotWithShape="0"/>
+                </a:effectLst>
+                <a:latin typeface="Ariston" panose="02020500000000000000" pitchFamily="18" charset="0"/>
+                <a:ea typeface="Ariston" panose="02020500000000000000" pitchFamily="18" charset="0"/>
+                <a:cs typeface="Ariston" panose="02020500000000000000" pitchFamily="18" charset="0"/>
+              </a:rPr>
+              <a:t>thành</a:t>
+            </a:r>
+            <a:r>
+              <a:rPr lang="en-US" sz="4000" dirty="0">
+                <a:ln w="0"/>
+                <a:gradFill>
+                  <a:gsLst>
+                    <a:gs pos="0">
+                      <a:schemeClr val="accent5">
+                        <a:lumMod val="50000"/>
+                      </a:schemeClr>
+                    </a:gs>
+                    <a:gs pos="50000">
+                      <a:schemeClr val="accent5"/>
+                    </a:gs>
+                    <a:gs pos="100000">
+                      <a:schemeClr val="accent5">
+                        <a:lumMod val="60000"/>
+                        <a:lumOff val="40000"/>
+                      </a:schemeClr>
+                    </a:gs>
+                  </a:gsLst>
+                  <a:lin ang="5400000"/>
+                </a:gradFill>
+                <a:effectLst>
+                  <a:reflection blurRad="6350" stA="53000" endA="300" endPos="35500" dir="5400000" sy="-90000" algn="bl" rotWithShape="0"/>
+                </a:effectLst>
+                <a:latin typeface="Ariston" panose="02020500000000000000" pitchFamily="18" charset="0"/>
+                <a:ea typeface="Ariston" panose="02020500000000000000" pitchFamily="18" charset="0"/>
+                <a:cs typeface="Ariston" panose="02020500000000000000" pitchFamily="18" charset="0"/>
+              </a:rPr>
+              <a:t> </a:t>
+            </a:r>
+            <a:r>
+              <a:rPr lang="en-US" sz="4000" dirty="0" err="1">
+                <a:ln w="0"/>
+                <a:gradFill>
+                  <a:gsLst>
+                    <a:gs pos="0">
+                      <a:schemeClr val="accent5">
+                        <a:lumMod val="50000"/>
+                      </a:schemeClr>
+                    </a:gs>
+                    <a:gs pos="50000">
+                      <a:schemeClr val="accent5"/>
+                    </a:gs>
+                    <a:gs pos="100000">
+                      <a:schemeClr val="accent5">
+                        <a:lumMod val="60000"/>
+                        <a:lumOff val="40000"/>
+                      </a:schemeClr>
+                    </a:gs>
+                  </a:gsLst>
+                  <a:lin ang="5400000"/>
+                </a:gradFill>
+                <a:effectLst>
+                  <a:reflection blurRad="6350" stA="53000" endA="300" endPos="35500" dir="5400000" sy="-90000" algn="bl" rotWithShape="0"/>
+                </a:effectLst>
+                <a:latin typeface="Ariston" panose="02020500000000000000" pitchFamily="18" charset="0"/>
+                <a:ea typeface="Ariston" panose="02020500000000000000" pitchFamily="18" charset="0"/>
+                <a:cs typeface="Ariston" panose="02020500000000000000" pitchFamily="18" charset="0"/>
+              </a:rPr>
+              <a:t>cảm</a:t>
+            </a:r>
+            <a:r>
+              <a:rPr lang="en-US" sz="4000" dirty="0">
+                <a:ln w="0"/>
+                <a:gradFill>
+                  <a:gsLst>
+                    <a:gs pos="0">
+                      <a:schemeClr val="accent5">
+                        <a:lumMod val="50000"/>
+                      </a:schemeClr>
+                    </a:gs>
+                    <a:gs pos="50000">
+                      <a:schemeClr val="accent5"/>
+                    </a:gs>
+                    <a:gs pos="100000">
+                      <a:schemeClr val="accent5">
+                        <a:lumMod val="60000"/>
+                        <a:lumOff val="40000"/>
+                      </a:schemeClr>
+                    </a:gs>
+                  </a:gsLst>
+                  <a:lin ang="5400000"/>
+                </a:gradFill>
+                <a:effectLst>
+                  <a:reflection blurRad="6350" stA="53000" endA="300" endPos="35500" dir="5400000" sy="-90000" algn="bl" rotWithShape="0"/>
+                </a:effectLst>
+                <a:latin typeface="Ariston" panose="02020500000000000000" pitchFamily="18" charset="0"/>
+                <a:ea typeface="Ariston" panose="02020500000000000000" pitchFamily="18" charset="0"/>
+                <a:cs typeface="Ariston" panose="02020500000000000000" pitchFamily="18" charset="0"/>
+              </a:rPr>
+              <a:t> </a:t>
+            </a:r>
+            <a:r>
+              <a:rPr lang="vi-VN" sz="4000" dirty="0">
+                <a:ln w="0"/>
+                <a:gradFill>
+                  <a:gsLst>
+                    <a:gs pos="0">
+                      <a:schemeClr val="accent5">
+                        <a:lumMod val="50000"/>
+                      </a:schemeClr>
+                    </a:gs>
+                    <a:gs pos="50000">
+                      <a:schemeClr val="accent5"/>
+                    </a:gs>
+                    <a:gs pos="100000">
+                      <a:schemeClr val="accent5">
+                        <a:lumMod val="60000"/>
+                        <a:lumOff val="40000"/>
+                      </a:schemeClr>
+                    </a:gs>
+                  </a:gsLst>
+                  <a:lin ang="5400000"/>
+                </a:gradFill>
+                <a:effectLst>
+                  <a:reflection blurRad="6350" stA="53000" endA="300" endPos="35500" dir="5400000" sy="-90000" algn="bl" rotWithShape="0"/>
+                </a:effectLst>
+                <a:latin typeface="Ariston" panose="02020500000000000000" pitchFamily="18" charset="0"/>
+                <a:ea typeface="Ariston" panose="02020500000000000000" pitchFamily="18" charset="0"/>
+                <a:cs typeface="Ariston" panose="02020500000000000000" pitchFamily="18" charset="0"/>
+              </a:rPr>
+              <a:t>ơ</a:t>
+            </a:r>
+            <a:r>
+              <a:rPr lang="en-US" sz="4000" dirty="0">
+                <a:ln w="0"/>
+                <a:gradFill>
+                  <a:gsLst>
+                    <a:gs pos="0">
+                      <a:schemeClr val="accent5">
+                        <a:lumMod val="50000"/>
+                      </a:schemeClr>
+                    </a:gs>
+                    <a:gs pos="50000">
+                      <a:schemeClr val="accent5"/>
+                    </a:gs>
+                    <a:gs pos="100000">
+                      <a:schemeClr val="accent5">
+                        <a:lumMod val="60000"/>
+                        <a:lumOff val="40000"/>
+                      </a:schemeClr>
+                    </a:gs>
+                  </a:gsLst>
+                  <a:lin ang="5400000"/>
+                </a:gradFill>
+                <a:effectLst>
+                  <a:reflection blurRad="6350" stA="53000" endA="300" endPos="35500" dir="5400000" sy="-90000" algn="bl" rotWithShape="0"/>
+                </a:effectLst>
+                <a:latin typeface="Ariston" panose="02020500000000000000" pitchFamily="18" charset="0"/>
+                <a:ea typeface="Ariston" panose="02020500000000000000" pitchFamily="18" charset="0"/>
+                <a:cs typeface="Ariston" panose="02020500000000000000" pitchFamily="18" charset="0"/>
+              </a:rPr>
+              <a:t>n </a:t>
+            </a:r>
+            <a:r>
+              <a:rPr lang="en-US" sz="4000" dirty="0" err="1" smtClean="0">
+                <a:ln w="0"/>
+                <a:gradFill>
+                  <a:gsLst>
+                    <a:gs pos="0">
+                      <a:schemeClr val="accent5">
+                        <a:lumMod val="50000"/>
+                      </a:schemeClr>
+                    </a:gs>
+                    <a:gs pos="50000">
+                      <a:schemeClr val="accent5"/>
+                    </a:gs>
+                    <a:gs pos="100000">
+                      <a:schemeClr val="accent5">
+                        <a:lumMod val="60000"/>
+                        <a:lumOff val="40000"/>
+                      </a:schemeClr>
+                    </a:gs>
+                  </a:gsLst>
+                  <a:lin ang="5400000"/>
+                </a:gradFill>
+                <a:effectLst>
+                  <a:reflection blurRad="6350" stA="53000" endA="300" endPos="35500" dir="5400000" sy="-90000" algn="bl" rotWithShape="0"/>
+                </a:effectLst>
+                <a:latin typeface="Ariston" panose="02020500000000000000" pitchFamily="18" charset="0"/>
+                <a:ea typeface="Ariston" panose="02020500000000000000" pitchFamily="18" charset="0"/>
+                <a:cs typeface="Ariston" panose="02020500000000000000" pitchFamily="18" charset="0"/>
+              </a:rPr>
+              <a:t>quý</a:t>
+            </a:r>
+            <a:r>
+              <a:rPr lang="en-US" sz="4000" dirty="0" smtClean="0">
+                <a:ln w="0"/>
+                <a:gradFill>
+                  <a:gsLst>
+                    <a:gs pos="0">
+                      <a:schemeClr val="accent5">
+                        <a:lumMod val="50000"/>
+                      </a:schemeClr>
+                    </a:gs>
+                    <a:gs pos="50000">
+                      <a:schemeClr val="accent5"/>
+                    </a:gs>
+                    <a:gs pos="100000">
+                      <a:schemeClr val="accent5">
+                        <a:lumMod val="60000"/>
+                        <a:lumOff val="40000"/>
+                      </a:schemeClr>
+                    </a:gs>
+                  </a:gsLst>
+                  <a:lin ang="5400000"/>
+                </a:gradFill>
+                <a:effectLst>
+                  <a:reflection blurRad="6350" stA="53000" endA="300" endPos="35500" dir="5400000" sy="-90000" algn="bl" rotWithShape="0"/>
+                </a:effectLst>
+                <a:latin typeface="Ariston" panose="02020500000000000000" pitchFamily="18" charset="0"/>
+                <a:ea typeface="Ariston" panose="02020500000000000000" pitchFamily="18" charset="0"/>
+                <a:cs typeface="Ariston" panose="02020500000000000000" pitchFamily="18" charset="0"/>
+              </a:rPr>
+              <a:t> </a:t>
+            </a:r>
+            <a:r>
+              <a:rPr lang="en-US" sz="4000" dirty="0" err="1">
+                <a:ln w="0"/>
+                <a:gradFill>
+                  <a:gsLst>
+                    <a:gs pos="0">
+                      <a:schemeClr val="accent5">
+                        <a:lumMod val="50000"/>
+                      </a:schemeClr>
+                    </a:gs>
+                    <a:gs pos="50000">
+                      <a:schemeClr val="accent5"/>
+                    </a:gs>
+                    <a:gs pos="100000">
+                      <a:schemeClr val="accent5">
+                        <a:lumMod val="60000"/>
+                        <a:lumOff val="40000"/>
+                      </a:schemeClr>
+                    </a:gs>
+                  </a:gsLst>
+                  <a:lin ang="5400000"/>
+                </a:gradFill>
+                <a:effectLst>
+                  <a:reflection blurRad="6350" stA="53000" endA="300" endPos="35500" dir="5400000" sy="-90000" algn="bl" rotWithShape="0"/>
+                </a:effectLst>
+                <a:latin typeface="Ariston" panose="02020500000000000000" pitchFamily="18" charset="0"/>
+                <a:ea typeface="Ariston" panose="02020500000000000000" pitchFamily="18" charset="0"/>
+                <a:cs typeface="Ariston" panose="02020500000000000000" pitchFamily="18" charset="0"/>
+              </a:rPr>
+              <a:t>Thầy</a:t>
+            </a:r>
+            <a:r>
+              <a:rPr lang="en-US" sz="4000" dirty="0">
+                <a:ln w="0"/>
+                <a:gradFill>
+                  <a:gsLst>
+                    <a:gs pos="0">
+                      <a:schemeClr val="accent5">
+                        <a:lumMod val="50000"/>
+                      </a:schemeClr>
+                    </a:gs>
+                    <a:gs pos="50000">
+                      <a:schemeClr val="accent5"/>
+                    </a:gs>
+                    <a:gs pos="100000">
+                      <a:schemeClr val="accent5">
+                        <a:lumMod val="60000"/>
+                        <a:lumOff val="40000"/>
+                      </a:schemeClr>
+                    </a:gs>
+                  </a:gsLst>
+                  <a:lin ang="5400000"/>
+                </a:gradFill>
+                <a:effectLst>
+                  <a:reflection blurRad="6350" stA="53000" endA="300" endPos="35500" dir="5400000" sy="-90000" algn="bl" rotWithShape="0"/>
+                </a:effectLst>
+                <a:latin typeface="Ariston" panose="02020500000000000000" pitchFamily="18" charset="0"/>
+                <a:ea typeface="Ariston" panose="02020500000000000000" pitchFamily="18" charset="0"/>
+                <a:cs typeface="Ariston" panose="02020500000000000000" pitchFamily="18" charset="0"/>
+              </a:rPr>
+              <a:t> </a:t>
+            </a:r>
+            <a:r>
+              <a:rPr lang="en-US" sz="4000" dirty="0" err="1">
+                <a:ln w="0"/>
+                <a:gradFill>
+                  <a:gsLst>
+                    <a:gs pos="0">
+                      <a:schemeClr val="accent5">
+                        <a:lumMod val="50000"/>
+                      </a:schemeClr>
+                    </a:gs>
+                    <a:gs pos="50000">
+                      <a:schemeClr val="accent5"/>
+                    </a:gs>
+                    <a:gs pos="100000">
+                      <a:schemeClr val="accent5">
+                        <a:lumMod val="60000"/>
+                        <a:lumOff val="40000"/>
+                      </a:schemeClr>
+                    </a:gs>
+                  </a:gsLst>
+                  <a:lin ang="5400000"/>
+                </a:gradFill>
+                <a:effectLst>
+                  <a:reflection blurRad="6350" stA="53000" endA="300" endPos="35500" dir="5400000" sy="-90000" algn="bl" rotWithShape="0"/>
+                </a:effectLst>
+                <a:latin typeface="Ariston" panose="02020500000000000000" pitchFamily="18" charset="0"/>
+                <a:ea typeface="Ariston" panose="02020500000000000000" pitchFamily="18" charset="0"/>
+                <a:cs typeface="Ariston" panose="02020500000000000000" pitchFamily="18" charset="0"/>
+              </a:rPr>
+              <a:t>Cô</a:t>
+            </a:r>
+            <a:r>
+              <a:rPr lang="en-US" sz="4000" dirty="0">
+                <a:ln w="0"/>
+                <a:gradFill>
+                  <a:gsLst>
+                    <a:gs pos="0">
+                      <a:schemeClr val="accent5">
+                        <a:lumMod val="50000"/>
+                      </a:schemeClr>
+                    </a:gs>
+                    <a:gs pos="50000">
+                      <a:schemeClr val="accent5"/>
+                    </a:gs>
+                    <a:gs pos="100000">
+                      <a:schemeClr val="accent5">
+                        <a:lumMod val="60000"/>
+                        <a:lumOff val="40000"/>
+                      </a:schemeClr>
+                    </a:gs>
+                  </a:gsLst>
+                  <a:lin ang="5400000"/>
+                </a:gradFill>
+                <a:effectLst>
+                  <a:reflection blurRad="6350" stA="53000" endA="300" endPos="35500" dir="5400000" sy="-90000" algn="bl" rotWithShape="0"/>
+                </a:effectLst>
+                <a:latin typeface="Ariston" panose="02020500000000000000" pitchFamily="18" charset="0"/>
+                <a:ea typeface="Ariston" panose="02020500000000000000" pitchFamily="18" charset="0"/>
+                <a:cs typeface="Ariston" panose="02020500000000000000" pitchFamily="18" charset="0"/>
+              </a:rPr>
+              <a:t> </a:t>
+            </a:r>
+            <a:r>
+              <a:rPr lang="en-US" sz="4000" dirty="0" smtClean="0">
+                <a:ln w="0"/>
+                <a:gradFill>
+                  <a:gsLst>
+                    <a:gs pos="0">
+                      <a:schemeClr val="accent5">
+                        <a:lumMod val="50000"/>
+                      </a:schemeClr>
+                    </a:gs>
+                    <a:gs pos="50000">
+                      <a:schemeClr val="accent5"/>
+                    </a:gs>
+                    <a:gs pos="100000">
+                      <a:schemeClr val="accent5">
+                        <a:lumMod val="60000"/>
+                        <a:lumOff val="40000"/>
+                      </a:schemeClr>
+                    </a:gs>
+                  </a:gsLst>
+                  <a:lin ang="5400000"/>
+                </a:gradFill>
+                <a:effectLst>
+                  <a:reflection blurRad="6350" stA="53000" endA="300" endPos="35500" dir="5400000" sy="-90000" algn="bl" rotWithShape="0"/>
+                </a:effectLst>
+                <a:latin typeface="Ariston" panose="02020500000000000000" pitchFamily="18" charset="0"/>
+                <a:ea typeface="Ariston" panose="02020500000000000000" pitchFamily="18" charset="0"/>
+                <a:cs typeface="Ariston" panose="02020500000000000000" pitchFamily="18" charset="0"/>
+              </a:rPr>
+              <a:t/>
+            </a:r>
+            <a:br>
+              <a:rPr lang="en-US" sz="4000" dirty="0" smtClean="0">
+                <a:ln w="0"/>
+                <a:gradFill>
+                  <a:gsLst>
+                    <a:gs pos="0">
+                      <a:schemeClr val="accent5">
+                        <a:lumMod val="50000"/>
+                      </a:schemeClr>
+                    </a:gs>
+                    <a:gs pos="50000">
+                      <a:schemeClr val="accent5"/>
+                    </a:gs>
+                    <a:gs pos="100000">
+                      <a:schemeClr val="accent5">
+                        <a:lumMod val="60000"/>
+                        <a:lumOff val="40000"/>
+                      </a:schemeClr>
+                    </a:gs>
+                  </a:gsLst>
+                  <a:lin ang="5400000"/>
+                </a:gradFill>
+                <a:effectLst>
+                  <a:reflection blurRad="6350" stA="53000" endA="300" endPos="35500" dir="5400000" sy="-90000" algn="bl" rotWithShape="0"/>
+                </a:effectLst>
+                <a:latin typeface="Ariston" panose="02020500000000000000" pitchFamily="18" charset="0"/>
+                <a:ea typeface="Ariston" panose="02020500000000000000" pitchFamily="18" charset="0"/>
+                <a:cs typeface="Ariston" panose="02020500000000000000" pitchFamily="18" charset="0"/>
+              </a:rPr>
+            </a:br>
+            <a:r>
+              <a:rPr lang="en-US" sz="4000" dirty="0" err="1" smtClean="0">
+                <a:ln w="0"/>
+                <a:gradFill>
+                  <a:gsLst>
+                    <a:gs pos="0">
+                      <a:schemeClr val="accent5">
+                        <a:lumMod val="50000"/>
+                      </a:schemeClr>
+                    </a:gs>
+                    <a:gs pos="50000">
+                      <a:schemeClr val="accent5"/>
+                    </a:gs>
+                    <a:gs pos="100000">
+                      <a:schemeClr val="accent5">
+                        <a:lumMod val="60000"/>
+                        <a:lumOff val="40000"/>
+                      </a:schemeClr>
+                    </a:gs>
+                  </a:gsLst>
+                  <a:lin ang="5400000"/>
+                </a:gradFill>
+                <a:effectLst>
+                  <a:reflection blurRad="6350" stA="53000" endA="300" endPos="35500" dir="5400000" sy="-90000" algn="bl" rotWithShape="0"/>
+                </a:effectLst>
+                <a:latin typeface="Ariston" panose="02020500000000000000" pitchFamily="18" charset="0"/>
+                <a:ea typeface="Ariston" panose="02020500000000000000" pitchFamily="18" charset="0"/>
+                <a:cs typeface="Ariston" panose="02020500000000000000" pitchFamily="18" charset="0"/>
+              </a:rPr>
+              <a:t>và</a:t>
+            </a:r>
+            <a:r>
+              <a:rPr lang="en-US" sz="4000" dirty="0" smtClean="0">
+                <a:ln w="0"/>
+                <a:gradFill>
+                  <a:gsLst>
+                    <a:gs pos="0">
+                      <a:schemeClr val="accent5">
+                        <a:lumMod val="50000"/>
+                      </a:schemeClr>
+                    </a:gs>
+                    <a:gs pos="50000">
+                      <a:schemeClr val="accent5"/>
+                    </a:gs>
+                    <a:gs pos="100000">
+                      <a:schemeClr val="accent5">
+                        <a:lumMod val="60000"/>
+                        <a:lumOff val="40000"/>
+                      </a:schemeClr>
+                    </a:gs>
+                  </a:gsLst>
+                  <a:lin ang="5400000"/>
+                </a:gradFill>
+                <a:effectLst>
+                  <a:reflection blurRad="6350" stA="53000" endA="300" endPos="35500" dir="5400000" sy="-90000" algn="bl" rotWithShape="0"/>
+                </a:effectLst>
+                <a:latin typeface="Ariston" panose="02020500000000000000" pitchFamily="18" charset="0"/>
+                <a:ea typeface="Ariston" panose="02020500000000000000" pitchFamily="18" charset="0"/>
+                <a:cs typeface="Ariston" panose="02020500000000000000" pitchFamily="18" charset="0"/>
+              </a:rPr>
+              <a:t> </a:t>
+            </a:r>
+            <a:r>
+              <a:rPr lang="en-US" sz="4000" dirty="0" err="1">
+                <a:ln w="0"/>
+                <a:gradFill>
+                  <a:gsLst>
+                    <a:gs pos="0">
+                      <a:schemeClr val="accent5">
+                        <a:lumMod val="50000"/>
+                      </a:schemeClr>
+                    </a:gs>
+                    <a:gs pos="50000">
+                      <a:schemeClr val="accent5"/>
+                    </a:gs>
+                    <a:gs pos="100000">
+                      <a:schemeClr val="accent5">
+                        <a:lumMod val="60000"/>
+                        <a:lumOff val="40000"/>
+                      </a:schemeClr>
+                    </a:gs>
+                  </a:gsLst>
+                  <a:lin ang="5400000"/>
+                </a:gradFill>
+                <a:effectLst>
+                  <a:reflection blurRad="6350" stA="53000" endA="300" endPos="35500" dir="5400000" sy="-90000" algn="bl" rotWithShape="0"/>
+                </a:effectLst>
+                <a:latin typeface="Ariston" panose="02020500000000000000" pitchFamily="18" charset="0"/>
+                <a:ea typeface="Ariston" panose="02020500000000000000" pitchFamily="18" charset="0"/>
+                <a:cs typeface="Ariston" panose="02020500000000000000" pitchFamily="18" charset="0"/>
+              </a:rPr>
+              <a:t>các</a:t>
+            </a:r>
+            <a:r>
+              <a:rPr lang="en-US" sz="4000" dirty="0">
+                <a:ln w="0"/>
+                <a:gradFill>
+                  <a:gsLst>
+                    <a:gs pos="0">
+                      <a:schemeClr val="accent5">
+                        <a:lumMod val="50000"/>
+                      </a:schemeClr>
+                    </a:gs>
+                    <a:gs pos="50000">
+                      <a:schemeClr val="accent5"/>
+                    </a:gs>
+                    <a:gs pos="100000">
+                      <a:schemeClr val="accent5">
+                        <a:lumMod val="60000"/>
+                        <a:lumOff val="40000"/>
+                      </a:schemeClr>
+                    </a:gs>
+                  </a:gsLst>
+                  <a:lin ang="5400000"/>
+                </a:gradFill>
+                <a:effectLst>
+                  <a:reflection blurRad="6350" stA="53000" endA="300" endPos="35500" dir="5400000" sy="-90000" algn="bl" rotWithShape="0"/>
+                </a:effectLst>
+                <a:latin typeface="Ariston" panose="02020500000000000000" pitchFamily="18" charset="0"/>
+                <a:ea typeface="Ariston" panose="02020500000000000000" pitchFamily="18" charset="0"/>
+                <a:cs typeface="Ariston" panose="02020500000000000000" pitchFamily="18" charset="0"/>
+              </a:rPr>
+              <a:t> </a:t>
+            </a:r>
+            <a:r>
+              <a:rPr lang="en-US" sz="4000" dirty="0" err="1">
+                <a:ln w="0"/>
+                <a:gradFill>
+                  <a:gsLst>
+                    <a:gs pos="0">
+                      <a:schemeClr val="accent5">
+                        <a:lumMod val="50000"/>
+                      </a:schemeClr>
+                    </a:gs>
+                    <a:gs pos="50000">
+                      <a:schemeClr val="accent5"/>
+                    </a:gs>
+                    <a:gs pos="100000">
+                      <a:schemeClr val="accent5">
+                        <a:lumMod val="60000"/>
+                        <a:lumOff val="40000"/>
+                      </a:schemeClr>
+                    </a:gs>
+                  </a:gsLst>
+                  <a:lin ang="5400000"/>
+                </a:gradFill>
+                <a:effectLst>
+                  <a:reflection blurRad="6350" stA="53000" endA="300" endPos="35500" dir="5400000" sy="-90000" algn="bl" rotWithShape="0"/>
+                </a:effectLst>
+                <a:latin typeface="Ariston" panose="02020500000000000000" pitchFamily="18" charset="0"/>
+                <a:ea typeface="Ariston" panose="02020500000000000000" pitchFamily="18" charset="0"/>
+                <a:cs typeface="Ariston" panose="02020500000000000000" pitchFamily="18" charset="0"/>
+              </a:rPr>
+              <a:t>bạn</a:t>
+            </a:r>
+            <a:r>
+              <a:rPr lang="en-US" sz="4000" dirty="0">
+                <a:ln w="0"/>
+                <a:gradFill>
+                  <a:gsLst>
+                    <a:gs pos="0">
+                      <a:schemeClr val="accent5">
+                        <a:lumMod val="50000"/>
+                      </a:schemeClr>
+                    </a:gs>
+                    <a:gs pos="50000">
+                      <a:schemeClr val="accent5"/>
+                    </a:gs>
+                    <a:gs pos="100000">
+                      <a:schemeClr val="accent5">
+                        <a:lumMod val="60000"/>
+                        <a:lumOff val="40000"/>
+                      </a:schemeClr>
+                    </a:gs>
+                  </a:gsLst>
+                  <a:lin ang="5400000"/>
+                </a:gradFill>
+                <a:effectLst>
+                  <a:reflection blurRad="6350" stA="53000" endA="300" endPos="35500" dir="5400000" sy="-90000" algn="bl" rotWithShape="0"/>
+                </a:effectLst>
+                <a:latin typeface="Ariston" panose="02020500000000000000" pitchFamily="18" charset="0"/>
+                <a:ea typeface="Ariston" panose="02020500000000000000" pitchFamily="18" charset="0"/>
+                <a:cs typeface="Ariston" panose="02020500000000000000" pitchFamily="18" charset="0"/>
+              </a:rPr>
+              <a:t> </a:t>
+            </a:r>
+            <a:r>
+              <a:rPr lang="vi-VN" sz="4000" dirty="0">
+                <a:ln w="0"/>
+                <a:gradFill>
+                  <a:gsLst>
+                    <a:gs pos="0">
+                      <a:schemeClr val="accent5">
+                        <a:lumMod val="50000"/>
+                      </a:schemeClr>
+                    </a:gs>
+                    <a:gs pos="50000">
+                      <a:schemeClr val="accent5"/>
+                    </a:gs>
+                    <a:gs pos="100000">
+                      <a:schemeClr val="accent5">
+                        <a:lumMod val="60000"/>
+                        <a:lumOff val="40000"/>
+                      </a:schemeClr>
+                    </a:gs>
+                  </a:gsLst>
+                  <a:lin ang="5400000"/>
+                </a:gradFill>
+                <a:effectLst>
+                  <a:reflection blurRad="6350" stA="53000" endA="300" endPos="35500" dir="5400000" sy="-90000" algn="bl" rotWithShape="0"/>
+                </a:effectLst>
+                <a:latin typeface="Ariston" panose="02020500000000000000" pitchFamily="18" charset="0"/>
+                <a:ea typeface="Ariston" panose="02020500000000000000" pitchFamily="18" charset="0"/>
+                <a:cs typeface="Ariston" panose="02020500000000000000" pitchFamily="18" charset="0"/>
+              </a:rPr>
+              <a:t>đã lắng </a:t>
+            </a:r>
+            <a:r>
+              <a:rPr lang="vi-VN" sz="4000" dirty="0" smtClean="0">
+                <a:ln w="0"/>
+                <a:gradFill>
+                  <a:gsLst>
+                    <a:gs pos="0">
+                      <a:schemeClr val="accent5">
+                        <a:lumMod val="50000"/>
+                      </a:schemeClr>
+                    </a:gs>
+                    <a:gs pos="50000">
+                      <a:schemeClr val="accent5"/>
+                    </a:gs>
+                    <a:gs pos="100000">
+                      <a:schemeClr val="accent5">
+                        <a:lumMod val="60000"/>
+                        <a:lumOff val="40000"/>
+                      </a:schemeClr>
+                    </a:gs>
+                  </a:gsLst>
+                  <a:lin ang="5400000"/>
+                </a:gradFill>
+                <a:effectLst>
+                  <a:reflection blurRad="6350" stA="53000" endA="300" endPos="35500" dir="5400000" sy="-90000" algn="bl" rotWithShape="0"/>
+                </a:effectLst>
+                <a:latin typeface="Ariston" panose="02020500000000000000" pitchFamily="18" charset="0"/>
+                <a:ea typeface="Ariston" panose="02020500000000000000" pitchFamily="18" charset="0"/>
+                <a:cs typeface="Ariston" panose="02020500000000000000" pitchFamily="18" charset="0"/>
+              </a:rPr>
+              <a:t>nghe</a:t>
+            </a:r>
+            <a:r>
+              <a:rPr lang="en-US" sz="4000" dirty="0" smtClean="0">
+                <a:ln w="0"/>
+                <a:gradFill>
+                  <a:gsLst>
+                    <a:gs pos="0">
+                      <a:schemeClr val="accent5">
+                        <a:lumMod val="50000"/>
+                      </a:schemeClr>
+                    </a:gs>
+                    <a:gs pos="50000">
+                      <a:schemeClr val="accent5"/>
+                    </a:gs>
+                    <a:gs pos="100000">
+                      <a:schemeClr val="accent5">
+                        <a:lumMod val="60000"/>
+                        <a:lumOff val="40000"/>
+                      </a:schemeClr>
+                    </a:gs>
+                  </a:gsLst>
+                  <a:lin ang="5400000"/>
+                </a:gradFill>
+                <a:effectLst>
+                  <a:reflection blurRad="6350" stA="53000" endA="300" endPos="35500" dir="5400000" sy="-90000" algn="bl" rotWithShape="0"/>
+                </a:effectLst>
+                <a:latin typeface="Ariston" panose="02020500000000000000" pitchFamily="18" charset="0"/>
+                <a:ea typeface="Ariston" panose="02020500000000000000" pitchFamily="18" charset="0"/>
+                <a:cs typeface="Ariston" panose="02020500000000000000" pitchFamily="18" charset="0"/>
+              </a:rPr>
+              <a:t>!</a:t>
+            </a:r>
+            <a:endParaRPr lang="en-US" sz="4000" dirty="0">
+              <a:ln w="0"/>
+              <a:gradFill>
+                <a:gsLst>
+                  <a:gs pos="0">
+                    <a:schemeClr val="accent5">
+                      <a:lumMod val="50000"/>
+                    </a:schemeClr>
+                  </a:gs>
+                  <a:gs pos="50000">
+                    <a:schemeClr val="accent5"/>
+                  </a:gs>
+                  <a:gs pos="100000">
+                    <a:schemeClr val="accent5">
+                      <a:lumMod val="60000"/>
+                      <a:lumOff val="40000"/>
+                    </a:schemeClr>
+                  </a:gs>
+                </a:gsLst>
+                <a:lin ang="5400000"/>
+              </a:gradFill>
+              <a:effectLst>
+                <a:reflection blurRad="6350" stA="53000" endA="300" endPos="35500" dir="5400000" sy="-90000" algn="bl" rotWithShape="0"/>
+              </a:effectLst>
+              <a:latin typeface="Ariston" panose="02020500000000000000" pitchFamily="18" charset="0"/>
+              <a:ea typeface="Ariston" panose="02020500000000000000" pitchFamily="18" charset="0"/>
+              <a:cs typeface="Ariston" panose="02020500000000000000" pitchFamily="18" charset="0"/>
+            </a:endParaRPr>
+          </a:p>
+        </p:txBody>
+      </p:sp>
+    </p:spTree>
+    <p:extLst>
+      <p:ext uri="{BB962C8B-B14F-4D97-AF65-F5344CB8AC3E}">
+        <p14:creationId xmlns:p14="http://schemas.microsoft.com/office/powerpoint/2010/main" val="1957705873"/>
+      </p:ext>
+    </p:extLst>
+  </p:cSld>
+  <p:clrMapOvr>
+    <a:overrideClrMapping bg1="lt1" tx1="dk1" bg2="lt2" tx2="dk2" accent1="accent1" accent2="accent2" accent3="accent3" accent4="accent4" accent5="accent5" accent6="accent6" hlink="hlink" folHlink="folHlink"/>
+  </p:clrMapOvr>
+  <p:timing>
+    <p:tnLst>
+      <p:par>
+        <p:cTn id="1" dur="indefinite" restart="never" nodeType="tmRoot"/>
+      </p:par>
+    </p:tnLst>
+  </p:timing>
+</p:sld>
+</file>
+
+<file path=ppt/slides/slide53.xml><?xml version="1.0" encoding="utf-8"?>
+<p:sld xmlns:a="http://schemas.openxmlformats.org/drawingml/2006/main" xmlns:r="http://schemas.openxmlformats.org/officeDocument/2006/relationships" xmlns:p="http://schemas.openxmlformats.org/presentationml/2006/main">
+  <p:cSld>
+    <p:spTree>
+      <p:nvGrpSpPr>
+        <p:cNvPr id="1" name=""/>
+        <p:cNvGrpSpPr/>
+        <p:nvPr/>
+      </p:nvGrpSpPr>
+      <p:grpSpPr>
+        <a:xfrm>
+          <a:off x="0" y="0"/>
+          <a:ext cx="0" cy="0"/>
+          <a:chOff x="0" y="0"/>
+          <a:chExt cx="0" cy="0"/>
+        </a:xfrm>
+      </p:grpSpPr>
+      <p:sp>
+        <p:nvSpPr>
+          <p:cNvPr id="2" name="Slide Number Placeholder 1"/>
+          <p:cNvSpPr>
+            <a:spLocks noGrp="1"/>
+          </p:cNvSpPr>
+          <p:nvPr>
+            <p:ph type="sldNum" sz="quarter" idx="12"/>
+          </p:nvPr>
+        </p:nvSpPr>
+        <p:spPr/>
+        <p:txBody>
+          <a:bodyPr/>
+          <a:lstStyle/>
+          <a:p>
+            <a:fld id="{9DFD9A34-EC64-4F0B-9C9B-2C0A202A050B}" type="slidenum">
+              <a:rPr lang="en-US" smtClean="0"/>
+              <a:pPr/>
+              <a:t>53</a:t>
+            </a:fld>
+            <a:endParaRPr lang="en-US" dirty="0"/>
+          </a:p>
+        </p:txBody>
+      </p:sp>
+      <p:sp>
+        <p:nvSpPr>
+          <p:cNvPr id="3" name="Content Placeholder 2"/>
+          <p:cNvSpPr>
+            <a:spLocks noGrp="1"/>
+          </p:cNvSpPr>
+          <p:nvPr>
+            <p:ph sz="quarter" idx="14"/>
+          </p:nvPr>
+        </p:nvSpPr>
+        <p:spPr>
+          <a:xfrm>
+            <a:off x="779926" y="990600"/>
+            <a:ext cx="10496086" cy="5867400"/>
+          </a:xfrm>
+        </p:spPr>
+        <p:txBody>
+          <a:bodyPr>
+            <a:normAutofit fontScale="92500" lnSpcReduction="20000"/>
+          </a:bodyPr>
+          <a:lstStyle/>
+          <a:p>
+            <a:r>
+              <a:rPr lang="en-US" dirty="0"/>
+              <a:t>Tiếng Việt</a:t>
+            </a:r>
+          </a:p>
+          <a:p>
+            <a:pPr marL="457200" lvl="0" indent="-457200">
+              <a:buFont typeface="+mj-lt"/>
+              <a:buAutoNum type="arabicPeriod"/>
+            </a:pPr>
+            <a:r>
+              <a:rPr lang="en-US" b="0" dirty="0"/>
+              <a:t>Nguyễn Trọng Dũng, </a:t>
+            </a:r>
+            <a:r>
+              <a:rPr lang="en-US" b="0" i="1" dirty="0"/>
+              <a:t>Giáo trình Java – Chương 3:</a:t>
+            </a:r>
+            <a:r>
+              <a:rPr lang="en-US" b="0" dirty="0"/>
+              <a:t> </a:t>
+            </a:r>
+            <a:r>
+              <a:rPr lang="en-US" b="0" i="1" dirty="0"/>
+              <a:t>Phát triển Web Services với các công nghệ chuẩn của java</a:t>
+            </a:r>
+            <a:r>
+              <a:rPr lang="en-US" b="0" dirty="0"/>
+              <a:t> , Trường ĐHSP Hà Nội.</a:t>
+            </a:r>
+          </a:p>
+          <a:p>
+            <a:pPr marL="457200" indent="-457200">
+              <a:buFont typeface="+mj-lt"/>
+              <a:buAutoNum type="arabicPeriod"/>
+            </a:pPr>
+            <a:r>
+              <a:rPr lang="en-US" b="0" dirty="0"/>
+              <a:t>Hồ Bảo Thanh, Nguyễn Hoàng Long (2005), </a:t>
+            </a:r>
+            <a:r>
+              <a:rPr lang="en-US" b="0" i="1" dirty="0"/>
+              <a:t>Nghiên cứu kiến trúc hướng dịch vụ (Service-Oriented Architecture) và ứng dụng, </a:t>
+            </a:r>
+            <a:r>
+              <a:rPr lang="en-US" b="0" dirty="0"/>
+              <a:t>Luận văn cử nhân tin học khoa CNTT – ĐH KHTN Tp.HCM.</a:t>
+            </a:r>
+            <a:endParaRPr lang="en-US" b="0" dirty="0" smtClean="0"/>
+          </a:p>
+          <a:p>
+            <a:r>
+              <a:rPr lang="en-US" dirty="0" smtClean="0"/>
+              <a:t>Tiếng </a:t>
+            </a:r>
+            <a:r>
+              <a:rPr lang="en-US" dirty="0" smtClean="0"/>
+              <a:t>Anh</a:t>
+            </a:r>
+          </a:p>
+          <a:p>
+            <a:pPr marL="457200" lvl="0" indent="-457200">
+              <a:buFont typeface="+mj-lt"/>
+              <a:buAutoNum type="arabicPeriod" startAt="3"/>
+            </a:pPr>
+            <a:r>
+              <a:rPr lang="en-US" b="0" dirty="0"/>
+              <a:t>Abdaldhem Albreshne, Patrik Fuhrer, Jacque Pasquier Spasquier (2009), </a:t>
+            </a:r>
+            <a:r>
+              <a:rPr lang="en-US" b="0" i="1" dirty="0"/>
+              <a:t>Web Services Technologie: State of the Art,</a:t>
+            </a:r>
+            <a:r>
+              <a:rPr lang="en-US" sz="3200" b="0" dirty="0"/>
+              <a:t> </a:t>
+            </a:r>
+            <a:r>
+              <a:rPr lang="en-US" b="0" dirty="0"/>
+              <a:t>Definitions, Standards, Case Study, pp. 1-22.</a:t>
+            </a:r>
+          </a:p>
+          <a:p>
+            <a:pPr marL="457200" lvl="0" indent="-457200">
+              <a:buFont typeface="+mj-lt"/>
+              <a:buAutoNum type="arabicPeriod" startAt="3"/>
+            </a:pPr>
+            <a:r>
+              <a:rPr lang="en-US" b="0" dirty="0"/>
+              <a:t>Azad Bolour (2003), “Notes on the Eclipse Plug-in Architecture”</a:t>
+            </a:r>
+            <a:r>
+              <a:rPr lang="en-US" b="0" i="1" dirty="0"/>
+              <a:t>, </a:t>
+            </a:r>
+            <a:r>
+              <a:rPr lang="en-US" b="0" dirty="0"/>
+              <a:t>Bolour Computing, </a:t>
+            </a:r>
+            <a:r>
+              <a:rPr lang="en-US" b="0" dirty="0">
+                <a:hlinkClick r:id="rId2"/>
+              </a:rPr>
+              <a:t>http://www.eclipse.org/articles/Article-Plug-in-architecture/plugin_architecture.html</a:t>
+            </a:r>
+            <a:r>
+              <a:rPr lang="en-US" b="0" dirty="0"/>
+              <a:t>, (Ngày truy cập 4/4/2016).</a:t>
+            </a:r>
+          </a:p>
+          <a:p>
+            <a:pPr marL="622300" lvl="1" indent="-330200">
+              <a:buFont typeface="+mj-lt"/>
+              <a:buAutoNum type="arabicPeriod" startAt="3"/>
+            </a:pPr>
+            <a:endParaRPr lang="en-US" dirty="0"/>
+          </a:p>
+          <a:p>
+            <a:pPr marL="622300" lvl="1" indent="-330200">
+              <a:buFont typeface="+mj-lt"/>
+              <a:buAutoNum type="arabicPeriod" startAt="3"/>
+            </a:pPr>
+            <a:endParaRPr lang="en-US" dirty="0"/>
+          </a:p>
+          <a:p>
+            <a:endParaRPr lang="en-US" dirty="0"/>
+          </a:p>
+          <a:p>
+            <a:pPr lvl="2">
+              <a:lnSpc>
+                <a:spcPct val="100000"/>
+              </a:lnSpc>
+            </a:pPr>
+            <a:endParaRPr lang="en-US" dirty="0"/>
+          </a:p>
+          <a:p>
+            <a:pPr lvl="2">
+              <a:lnSpc>
+                <a:spcPct val="100000"/>
+              </a:lnSpc>
+            </a:pPr>
+            <a:endParaRPr lang="en-US" dirty="0"/>
+          </a:p>
+          <a:p>
+            <a:pPr lvl="2">
+              <a:lnSpc>
+                <a:spcPct val="200000"/>
+              </a:lnSpc>
+            </a:pPr>
+            <a:endParaRPr lang="en-US" sz="2800" dirty="0"/>
+          </a:p>
+          <a:p>
+            <a:endParaRPr lang="en-US" dirty="0"/>
+          </a:p>
+        </p:txBody>
+      </p:sp>
+      <p:sp>
+        <p:nvSpPr>
+          <p:cNvPr id="4" name="Title 3"/>
+          <p:cNvSpPr>
+            <a:spLocks noGrp="1"/>
+          </p:cNvSpPr>
+          <p:nvPr>
+            <p:ph type="title"/>
+          </p:nvPr>
+        </p:nvSpPr>
+        <p:spPr/>
+        <p:txBody>
+          <a:bodyPr>
+            <a:normAutofit fontScale="90000"/>
+          </a:bodyPr>
+          <a:lstStyle/>
+          <a:p>
+            <a:r>
+              <a:rPr lang="en-US" dirty="0" smtClean="0"/>
+              <a:t>Tài liệu tham khảo</a:t>
+            </a:r>
+            <a:endParaRPr lang="en-US" dirty="0"/>
+          </a:p>
+        </p:txBody>
+      </p:sp>
+    </p:spTree>
+    <p:extLst>
+      <p:ext uri="{BB962C8B-B14F-4D97-AF65-F5344CB8AC3E}">
+        <p14:creationId xmlns:p14="http://schemas.microsoft.com/office/powerpoint/2010/main" val="3044689421"/>
+      </p:ext>
+    </p:extLst>
+  </p:cSld>
+  <p:clrMapOvr>
+    <a:masterClrMapping/>
+  </p:clrMapOvr>
+  <p:timing>
+    <p:tnLst>
+      <p:par>
+        <p:cTn id="1" dur="indefinite" restart="never" nodeType="tmRoot"/>
+      </p:par>
+    </p:tnLst>
+  </p:timing>
+</p:sld>
+</file>
+
+<file path=ppt/slides/slide54.xml><?xml version="1.0" encoding="utf-8"?>
+<p:sld xmlns:a="http://schemas.openxmlformats.org/drawingml/2006/main" xmlns:r="http://schemas.openxmlformats.org/officeDocument/2006/relationships" xmlns:p="http://schemas.openxmlformats.org/presentationml/2006/main">
+  <p:cSld>
+    <p:spTree>
+      <p:nvGrpSpPr>
+        <p:cNvPr id="1" name=""/>
+        <p:cNvGrpSpPr/>
+        <p:nvPr/>
+      </p:nvGrpSpPr>
+      <p:grpSpPr>
+        <a:xfrm>
+          <a:off x="0" y="0"/>
+          <a:ext cx="0" cy="0"/>
+          <a:chOff x="0" y="0"/>
+          <a:chExt cx="0" cy="0"/>
+        </a:xfrm>
+      </p:grpSpPr>
+      <p:sp>
+        <p:nvSpPr>
+          <p:cNvPr id="2" name="Slide Number Placeholder 1"/>
+          <p:cNvSpPr>
+            <a:spLocks noGrp="1"/>
+          </p:cNvSpPr>
+          <p:nvPr>
+            <p:ph type="sldNum" sz="quarter" idx="12"/>
+          </p:nvPr>
+        </p:nvSpPr>
+        <p:spPr/>
+        <p:txBody>
+          <a:bodyPr/>
+          <a:lstStyle/>
+          <a:p>
+            <a:fld id="{9DFD9A34-EC64-4F0B-9C9B-2C0A202A050B}" type="slidenum">
+              <a:rPr lang="en-US" smtClean="0"/>
+              <a:pPr/>
+              <a:t>54</a:t>
+            </a:fld>
+            <a:endParaRPr lang="en-US" dirty="0"/>
+          </a:p>
+        </p:txBody>
+      </p:sp>
+      <p:sp>
+        <p:nvSpPr>
+          <p:cNvPr id="3" name="Content Placeholder 2"/>
+          <p:cNvSpPr>
+            <a:spLocks noGrp="1"/>
+          </p:cNvSpPr>
+          <p:nvPr>
+            <p:ph sz="quarter" idx="14"/>
+          </p:nvPr>
+        </p:nvSpPr>
+        <p:spPr>
+          <a:xfrm>
+            <a:off x="779926" y="990600"/>
+            <a:ext cx="10496086" cy="5867400"/>
+          </a:xfrm>
+        </p:spPr>
+        <p:txBody>
+          <a:bodyPr>
+            <a:normAutofit fontScale="92500" lnSpcReduction="10000"/>
+          </a:bodyPr>
+          <a:lstStyle/>
+          <a:p>
+            <a:pPr marL="457200" lvl="0" indent="-457200">
+              <a:buFont typeface="+mj-lt"/>
+              <a:buAutoNum type="arabicPeriod" startAt="5"/>
+            </a:pPr>
+            <a:r>
+              <a:rPr lang="en-US" b="0" dirty="0"/>
+              <a:t>Dr Alex Blewitt (2013), </a:t>
+            </a:r>
+            <a:r>
+              <a:rPr lang="en-US" b="0" i="1" dirty="0"/>
+              <a:t>Eclipse 4 Plug-in Development by Example</a:t>
+            </a:r>
+            <a:r>
+              <a:rPr lang="en-US" b="0" dirty="0"/>
+              <a:t>, Packt Publishing, pp. 7-34.</a:t>
+            </a:r>
+          </a:p>
+          <a:p>
+            <a:pPr marL="457200" lvl="0" indent="-457200">
+              <a:buFont typeface="+mj-lt"/>
+              <a:buAutoNum type="arabicPeriod" startAt="5"/>
+            </a:pPr>
+            <a:r>
+              <a:rPr lang="en-US" b="0" dirty="0">
+                <a:hlinkClick r:id="rId2"/>
+              </a:rPr>
+              <a:t>Bertrand Portier</a:t>
+            </a:r>
+            <a:r>
+              <a:rPr lang="en-US" b="0" dirty="0"/>
+              <a:t> (2007), “SOA terminology overview”, IT Architect IBM, </a:t>
+            </a:r>
+            <a:r>
+              <a:rPr lang="en-US" b="0" dirty="0">
+                <a:hlinkClick r:id="rId3"/>
+              </a:rPr>
+              <a:t>http://www.ibm.com/developerworks/library/ws-soa-term1/</a:t>
+            </a:r>
+            <a:r>
+              <a:rPr lang="en-US" b="0" dirty="0"/>
+              <a:t> (truy cập ngày 4/4/2016).</a:t>
+            </a:r>
+          </a:p>
+          <a:p>
+            <a:pPr marL="457200" lvl="0" indent="-457200">
+              <a:buFont typeface="+mj-lt"/>
+              <a:buAutoNum type="arabicPeriod" startAt="5"/>
+            </a:pPr>
+            <a:r>
+              <a:rPr lang="en-US" b="0" dirty="0"/>
+              <a:t>David Gallardo (2002), “Developing Eclipse plug-ins”,  IBM</a:t>
+            </a:r>
+            <a:r>
+              <a:rPr lang="en-US" sz="1400" b="0" dirty="0"/>
+              <a:t> </a:t>
+            </a:r>
+            <a:r>
+              <a:rPr lang="en-US" b="0" dirty="0">
+                <a:hlinkClick r:id="rId4"/>
+              </a:rPr>
+              <a:t>http://www.ibm.com/developerworks/opensource/library/os-ecplug/</a:t>
+            </a:r>
+            <a:r>
+              <a:rPr lang="en-US" b="0" dirty="0"/>
+              <a:t> (truy cập ngày 4/4/2016).</a:t>
+            </a:r>
+          </a:p>
+          <a:p>
+            <a:pPr marL="457200" lvl="0" indent="-457200">
+              <a:buFont typeface="+mj-lt"/>
+              <a:buAutoNum type="arabicPeriod" startAt="5"/>
+            </a:pPr>
+            <a:r>
+              <a:rPr lang="en-US" b="0" dirty="0"/>
+              <a:t>Eric Clayberg, Dan Rubel (2009), </a:t>
+            </a:r>
+            <a:r>
+              <a:rPr lang="en-US" b="0" i="1" dirty="0"/>
+              <a:t>Eclipse Plug-ins</a:t>
+            </a:r>
+            <a:r>
+              <a:rPr lang="en-US" b="0" dirty="0"/>
+              <a:t>, Third Edition, pp. 21-153, 657-680.</a:t>
+            </a:r>
+          </a:p>
+          <a:p>
+            <a:pPr marL="457200" lvl="0" indent="-457200">
+              <a:buFont typeface="+mj-lt"/>
+              <a:buAutoNum type="arabicPeriod" startAt="5"/>
+            </a:pPr>
+            <a:r>
+              <a:rPr lang="en-US" b="0" dirty="0"/>
+              <a:t>Hartwig Gunzer (2002),  </a:t>
+            </a:r>
+            <a:r>
+              <a:rPr lang="en-US" b="0" i="1" dirty="0"/>
+              <a:t>Introduction to Web Services</a:t>
+            </a:r>
+            <a:r>
+              <a:rPr lang="en-US" b="0" dirty="0"/>
+              <a:t>, Sales Engineer, Borland.</a:t>
+            </a:r>
+          </a:p>
+          <a:p>
+            <a:pPr marL="457200" lvl="0" indent="-457200">
+              <a:buFont typeface="+mj-lt"/>
+              <a:buAutoNum type="arabicPeriod" startAt="5"/>
+            </a:pPr>
+            <a:r>
+              <a:rPr lang="en-US" b="0" dirty="0"/>
+              <a:t>Kiet T. Tran, bookcoon.com (2013), </a:t>
+            </a:r>
+            <a:r>
+              <a:rPr lang="en-US" b="0" i="1" dirty="0"/>
+              <a:t>Introduction to Web Services with Java</a:t>
+            </a:r>
+            <a:r>
+              <a:rPr lang="en-US" b="0" dirty="0"/>
+              <a:t>, 1</a:t>
+            </a:r>
+            <a:r>
+              <a:rPr lang="en-US" b="0" baseline="30000" dirty="0"/>
+              <a:t>st</a:t>
+            </a:r>
+            <a:r>
+              <a:rPr lang="en-US" b="0" dirty="0"/>
+              <a:t> edition, pp. 15-115.</a:t>
+            </a:r>
+          </a:p>
+          <a:p>
+            <a:pPr marL="914400" lvl="1" indent="-457200">
+              <a:buFont typeface="+mj-lt"/>
+              <a:buAutoNum type="arabicPeriod" startAt="7"/>
+            </a:pPr>
+            <a:endParaRPr lang="en-US" dirty="0"/>
+          </a:p>
+          <a:p>
+            <a:pPr marL="622300" lvl="1" indent="-330200">
+              <a:buFont typeface="+mj-lt"/>
+              <a:buAutoNum type="arabicPeriod" startAt="3"/>
+            </a:pPr>
+            <a:endParaRPr lang="en-US" dirty="0"/>
+          </a:p>
+          <a:p>
+            <a:endParaRPr lang="en-US" dirty="0"/>
+          </a:p>
+          <a:p>
+            <a:pPr lvl="2">
+              <a:lnSpc>
+                <a:spcPct val="100000"/>
+              </a:lnSpc>
+            </a:pPr>
+            <a:endParaRPr lang="en-US" dirty="0"/>
+          </a:p>
+          <a:p>
+            <a:pPr lvl="2">
+              <a:lnSpc>
+                <a:spcPct val="100000"/>
+              </a:lnSpc>
+            </a:pPr>
+            <a:endParaRPr lang="en-US" dirty="0"/>
+          </a:p>
+          <a:p>
+            <a:pPr lvl="2">
+              <a:lnSpc>
+                <a:spcPct val="200000"/>
+              </a:lnSpc>
+            </a:pPr>
+            <a:endParaRPr lang="en-US" sz="2800" dirty="0"/>
+          </a:p>
+          <a:p>
+            <a:endParaRPr lang="en-US" dirty="0"/>
+          </a:p>
+        </p:txBody>
+      </p:sp>
+      <p:sp>
+        <p:nvSpPr>
+          <p:cNvPr id="4" name="Title 3"/>
+          <p:cNvSpPr>
+            <a:spLocks noGrp="1"/>
+          </p:cNvSpPr>
+          <p:nvPr>
+            <p:ph type="title"/>
+          </p:nvPr>
+        </p:nvSpPr>
+        <p:spPr/>
+        <p:txBody>
+          <a:bodyPr>
+            <a:normAutofit fontScale="90000"/>
+          </a:bodyPr>
+          <a:lstStyle/>
+          <a:p>
+            <a:r>
+              <a:rPr lang="en-US" dirty="0" smtClean="0"/>
+              <a:t>Tài liệu tham khảo</a:t>
+            </a:r>
+            <a:endParaRPr lang="en-US" dirty="0"/>
+          </a:p>
+        </p:txBody>
+      </p:sp>
+    </p:spTree>
+    <p:extLst>
+      <p:ext uri="{BB962C8B-B14F-4D97-AF65-F5344CB8AC3E}">
+        <p14:creationId xmlns:p14="http://schemas.microsoft.com/office/powerpoint/2010/main" val="3699096762"/>
+      </p:ext>
+    </p:extLst>
+  </p:cSld>
+  <p:clrMapOvr>
+    <a:masterClrMapping/>
+  </p:clrMapOvr>
+  <p:timing>
+    <p:tnLst>
+      <p:par>
+        <p:cTn id="1" dur="indefinite" restart="never" nodeType="tmRoot"/>
+      </p:par>
+    </p:tnLst>
+  </p:timing>
+</p:sld>
+</file>
+
+<file path=ppt/slides/slide55.xml><?xml version="1.0" encoding="utf-8"?>
+<p:sld xmlns:a="http://schemas.openxmlformats.org/drawingml/2006/main" xmlns:r="http://schemas.openxmlformats.org/officeDocument/2006/relationships" xmlns:p="http://schemas.openxmlformats.org/presentationml/2006/main">
+  <p:cSld>
+    <p:spTree>
+      <p:nvGrpSpPr>
+        <p:cNvPr id="1" name=""/>
+        <p:cNvGrpSpPr/>
+        <p:nvPr/>
+      </p:nvGrpSpPr>
+      <p:grpSpPr>
+        <a:xfrm>
+          <a:off x="0" y="0"/>
+          <a:ext cx="0" cy="0"/>
+          <a:chOff x="0" y="0"/>
+          <a:chExt cx="0" cy="0"/>
+        </a:xfrm>
+      </p:grpSpPr>
+      <p:sp>
+        <p:nvSpPr>
+          <p:cNvPr id="2" name="Slide Number Placeholder 1"/>
+          <p:cNvSpPr>
+            <a:spLocks noGrp="1"/>
+          </p:cNvSpPr>
+          <p:nvPr>
+            <p:ph type="sldNum" sz="quarter" idx="12"/>
+          </p:nvPr>
+        </p:nvSpPr>
+        <p:spPr/>
+        <p:txBody>
+          <a:bodyPr/>
+          <a:lstStyle/>
+          <a:p>
+            <a:fld id="{9DFD9A34-EC64-4F0B-9C9B-2C0A202A050B}" type="slidenum">
+              <a:rPr lang="en-US" smtClean="0"/>
+              <a:pPr/>
+              <a:t>55</a:t>
+            </a:fld>
+            <a:endParaRPr lang="en-US" dirty="0"/>
+          </a:p>
+        </p:txBody>
+      </p:sp>
+      <p:sp>
+        <p:nvSpPr>
+          <p:cNvPr id="3" name="Content Placeholder 2"/>
+          <p:cNvSpPr>
+            <a:spLocks noGrp="1"/>
+          </p:cNvSpPr>
+          <p:nvPr>
+            <p:ph sz="quarter" idx="14"/>
+          </p:nvPr>
+        </p:nvSpPr>
+        <p:spPr>
+          <a:xfrm>
+            <a:off x="779926" y="990600"/>
+            <a:ext cx="10496086" cy="5867400"/>
+          </a:xfrm>
+        </p:spPr>
+        <p:txBody>
+          <a:bodyPr>
+            <a:normAutofit lnSpcReduction="10000"/>
+          </a:bodyPr>
+          <a:lstStyle/>
+          <a:p>
+            <a:pPr marL="457200" lvl="0" indent="-457200">
+              <a:buFont typeface="+mj-lt"/>
+              <a:buAutoNum type="arabicPeriod" startAt="11"/>
+            </a:pPr>
+            <a:r>
+              <a:rPr lang="en-US" b="0" dirty="0"/>
+              <a:t>Mark D. Hansen (2007), </a:t>
+            </a:r>
+            <a:r>
+              <a:rPr lang="en-US" b="0" i="1" dirty="0"/>
+              <a:t>SOA Using Java Web Services</a:t>
+            </a:r>
+            <a:r>
+              <a:rPr lang="en-US" b="0" dirty="0"/>
+              <a:t>, Printed in the United States of America.</a:t>
+            </a:r>
+          </a:p>
+          <a:p>
+            <a:pPr marL="457200" lvl="0" indent="-457200">
+              <a:buFont typeface="+mj-lt"/>
+              <a:buAutoNum type="arabicPeriod" startAt="11"/>
+            </a:pPr>
+            <a:r>
+              <a:rPr lang="en-US" b="0" dirty="0"/>
+              <a:t>Martin Kalin (2013), </a:t>
+            </a:r>
+            <a:r>
+              <a:rPr lang="en-US" b="0" i="1" dirty="0"/>
+              <a:t>Java Web Services : Up and Running</a:t>
+            </a:r>
+            <a:r>
+              <a:rPr lang="en-US" b="0" dirty="0"/>
+              <a:t>, Second Edition, O’Reilly Media, pp. 1-9, 291-329.</a:t>
+            </a:r>
+          </a:p>
+          <a:p>
+            <a:pPr marL="457200" lvl="0" indent="-457200">
+              <a:buFont typeface="+mj-lt"/>
+              <a:buAutoNum type="arabicPeriod" startAt="11"/>
+            </a:pPr>
+            <a:r>
+              <a:rPr lang="en-US" b="0" dirty="0"/>
+              <a:t>Yuli Vasiliev (2007), </a:t>
+            </a:r>
+            <a:r>
+              <a:rPr lang="en-US" b="0" i="1" dirty="0"/>
+              <a:t>SOA and WS-BPEL</a:t>
+            </a:r>
+            <a:r>
+              <a:rPr lang="en-US" b="0" dirty="0"/>
+              <a:t>, Packt publishing, pp. 5-37. </a:t>
+            </a:r>
+          </a:p>
+          <a:p>
+            <a:pPr marL="457200" lvl="0" indent="-457200">
+              <a:buFont typeface="+mj-lt"/>
+              <a:buAutoNum type="arabicPeriod" startAt="11"/>
+            </a:pPr>
+            <a:r>
+              <a:rPr lang="en-US" b="0" dirty="0"/>
+              <a:t>Chris Aniszczyk, David Gallardo, “Get Started with the Eclipse platform”,  </a:t>
+            </a:r>
+            <a:r>
+              <a:rPr lang="en-US" b="0" dirty="0">
+                <a:hlinkClick r:id="rId2"/>
+              </a:rPr>
+              <a:t>http://www.ibm.com/developerworks/opensource/library/os-eclipse-platform/#N101FF</a:t>
+            </a:r>
+            <a:endParaRPr lang="en-US" b="0" dirty="0"/>
+          </a:p>
+          <a:p>
+            <a:pPr marL="457200" lvl="0" indent="-457200">
+              <a:buFont typeface="+mj-lt"/>
+              <a:buAutoNum type="arabicPeriod" startAt="11"/>
+            </a:pPr>
+            <a:r>
+              <a:rPr lang="en-US" b="0" dirty="0"/>
+              <a:t>OASIS (2007), “Web Services Business Process Execution Language Version 2.0”, </a:t>
+            </a:r>
+            <a:r>
+              <a:rPr lang="en-US" b="0" dirty="0">
+                <a:hlinkClick r:id="rId3"/>
+              </a:rPr>
+              <a:t>http://docs.oasis-open.org/wsbpel/2.0/wsbpel-v2.0.html</a:t>
+            </a:r>
+            <a:endParaRPr lang="en-US" b="0" dirty="0"/>
+          </a:p>
+          <a:p>
+            <a:pPr marL="914400" lvl="1" indent="-457200">
+              <a:buFont typeface="+mj-lt"/>
+              <a:buAutoNum type="arabicPeriod" startAt="7"/>
+            </a:pPr>
+            <a:endParaRPr lang="en-US" dirty="0"/>
+          </a:p>
+          <a:p>
+            <a:pPr marL="622300" lvl="1" indent="-330200">
+              <a:buFont typeface="+mj-lt"/>
+              <a:buAutoNum type="arabicPeriod" startAt="3"/>
+            </a:pPr>
+            <a:endParaRPr lang="en-US" dirty="0"/>
+          </a:p>
+          <a:p>
+            <a:endParaRPr lang="en-US" dirty="0"/>
+          </a:p>
+          <a:p>
+            <a:pPr lvl="2">
+              <a:lnSpc>
+                <a:spcPct val="100000"/>
+              </a:lnSpc>
+            </a:pPr>
+            <a:endParaRPr lang="en-US" dirty="0"/>
+          </a:p>
+          <a:p>
+            <a:pPr lvl="2">
+              <a:lnSpc>
+                <a:spcPct val="100000"/>
+              </a:lnSpc>
+            </a:pPr>
+            <a:endParaRPr lang="en-US" dirty="0"/>
+          </a:p>
+          <a:p>
+            <a:pPr lvl="2">
+              <a:lnSpc>
+                <a:spcPct val="200000"/>
+              </a:lnSpc>
+            </a:pPr>
+            <a:endParaRPr lang="en-US" sz="2800" dirty="0"/>
+          </a:p>
+          <a:p>
+            <a:endParaRPr lang="en-US" dirty="0"/>
+          </a:p>
+        </p:txBody>
+      </p:sp>
+      <p:sp>
+        <p:nvSpPr>
+          <p:cNvPr id="4" name="Title 3"/>
+          <p:cNvSpPr>
+            <a:spLocks noGrp="1"/>
+          </p:cNvSpPr>
+          <p:nvPr>
+            <p:ph type="title"/>
+          </p:nvPr>
+        </p:nvSpPr>
+        <p:spPr/>
+        <p:txBody>
+          <a:bodyPr>
+            <a:normAutofit fontScale="90000"/>
+          </a:bodyPr>
+          <a:lstStyle/>
+          <a:p>
+            <a:r>
+              <a:rPr lang="en-US" dirty="0" smtClean="0"/>
+              <a:t>Tài liệu tham khảo</a:t>
+            </a:r>
+            <a:endParaRPr lang="en-US" dirty="0"/>
+          </a:p>
+        </p:txBody>
+      </p:sp>
+    </p:spTree>
+    <p:extLst>
+      <p:ext uri="{BB962C8B-B14F-4D97-AF65-F5344CB8AC3E}">
+        <p14:creationId xmlns:p14="http://schemas.microsoft.com/office/powerpoint/2010/main" val="3007115506"/>
       </p:ext>
     </p:extLst>
   </p:cSld>

--- a/WORD/luanvan_nhanhnt_ver5.pptx
+++ b/WORD/luanvan_nhanhnt_ver5.pptx
@@ -248,7 +248,7 @@
           <a:p>
             <a:fld id="{CA3BC56F-4620-49B9-A5A5-EC9358827620}" type="datetimeFigureOut">
               <a:rPr lang="en-US" smtClean="0"/>
-              <a:t>5/4/2016</a:t>
+              <a:t>4/6/2016</a:t>
             </a:fld>
             <a:endParaRPr lang="en-US"/>
           </a:p>
@@ -2370,7 +2370,7 @@
           <a:p>
             <a:fld id="{C53D5415-BEED-41C8-9341-492C4CB8B6BD}" type="datetime1">
               <a:rPr lang="en-US" smtClean="0"/>
-              <a:t>5/4/2016</a:t>
+              <a:t>4/6/2016</a:t>
             </a:fld>
             <a:endParaRPr lang="en-US"/>
           </a:p>
@@ -8353,14 +8353,20 @@
             </a:pPr>
             <a:r>
               <a:rPr lang="en-US" sz="5900" dirty="0"/>
-              <a:t>Phần kết luận và hướng phát triển</a:t>
-            </a:r>
-            <a:endParaRPr lang="vi-VN" sz="5900" dirty="0"/>
-          </a:p>
-          <a:p>
-            <a:pPr marL="0" indent="0">
-              <a:buNone/>
-            </a:pPr>
+              <a:t>Phần </a:t>
+            </a:r>
+            <a:r>
+              <a:rPr lang="en-US" sz="5900" dirty="0" err="1"/>
+              <a:t>kết</a:t>
+            </a:r>
+            <a:r>
+              <a:rPr lang="en-US" sz="5900" dirty="0"/>
+              <a:t> </a:t>
+            </a:r>
+            <a:r>
+              <a:rPr lang="en-US" sz="5900" smtClean="0"/>
+              <a:t>luận</a:t>
+            </a:r>
             <a:endParaRPr lang="en-US" dirty="0"/>
           </a:p>
         </p:txBody>
@@ -11977,19 +11983,7 @@
           <a:p>
             <a:r>
               <a:rPr lang="en-US" dirty="0" smtClean="0"/>
-              <a:t>Kiến </a:t>
-            </a:r>
-            <a:r>
-              <a:rPr lang="en-US" dirty="0" smtClean="0"/>
-              <a:t>trúc mô hình </a:t>
-            </a:r>
-            <a:r>
-              <a:rPr lang="en-US" dirty="0" smtClean="0"/>
-              <a:t>Plug-in </a:t>
-            </a:r>
-            <a:r>
-              <a:rPr lang="en-US" dirty="0" smtClean="0"/>
-              <a:t>Eclipse</a:t>
+              <a:t>Kiến trúc mô hình Plug-in Eclipse</a:t>
             </a:r>
             <a:endParaRPr lang="en-US" dirty="0"/>
           </a:p>
@@ -12443,13 +12437,6 @@
               </a:rPr>
               <a:t>Để sử dụng một plug-in cần sao chép các tài nguyên tạo nên plug-in (tập tin manifest, tập tin jar, và các tập tin tài nguyên khác) vào trong thư mục plugins ở đường dẫn cài đặt Eclipse</a:t>
             </a:r>
-            <a:endParaRPr lang="en-US" sz="2600" dirty="0">
-              <a:solidFill>
-                <a:srgbClr val="000066"/>
-              </a:solidFill>
-              <a:latin typeface="Times New Roman" pitchFamily="18" charset="0"/>
-              <a:cs typeface="Times New Roman" pitchFamily="18" charset="0"/>
-            </a:endParaRPr>
           </a:p>
           <a:p>
             <a:pPr marL="0" lvl="2" indent="685800" algn="just">
@@ -12482,25 +12469,8 @@
                 <a:latin typeface="Times New Roman" pitchFamily="18" charset="0"/>
                 <a:cs typeface="Times New Roman" pitchFamily="18" charset="0"/>
               </a:rPr>
-              <a:t>này sẽ được kích hoạt khi Eclipse thực thi chương trình, và có yêu cầu thực hiện chức năng liên quan đến plug-in đó. </a:t>
-            </a:r>
-            <a:r>
-              <a:rPr lang="en-US" sz="2600" dirty="0">
-                <a:solidFill>
-                  <a:srgbClr val="000066"/>
-                </a:solidFill>
-                <a:latin typeface="Times New Roman" pitchFamily="18" charset="0"/>
-                <a:cs typeface="Times New Roman" pitchFamily="18" charset="0"/>
-              </a:rPr>
-              <a:t>Kích hoạt plug-in đồng nghĩa với nạp các class và khởi tạo các biến đối tượng ban đầu</a:t>
-            </a:r>
-            <a:endParaRPr lang="en-US" sz="2600" dirty="0">
-              <a:solidFill>
-                <a:srgbClr val="000066"/>
-              </a:solidFill>
-              <a:latin typeface="Times New Roman" pitchFamily="18" charset="0"/>
-              <a:cs typeface="Times New Roman" pitchFamily="18" charset="0"/>
-            </a:endParaRPr>
+              <a:t>này sẽ được kích hoạt khi Eclipse thực thi chương trình, và có yêu cầu thực hiện chức năng liên quan đến plug-in đó. Kích hoạt plug-in đồng nghĩa với nạp các class và khởi tạo các biến đối tượng ban đầu</a:t>
+            </a:r>
           </a:p>
         </p:txBody>
       </p:sp>
@@ -12813,17 +12783,7 @@
                 <a:latin typeface="Times New Roman" pitchFamily="18" charset="0"/>
                 <a:cs typeface="Times New Roman" pitchFamily="18" charset="0"/>
               </a:rPr>
-              <a:t>Mở rộng (Extension): Vai trò trong mối quan hệ này là plug-in chính </a:t>
-            </a:r>
-            <a:r>
-              <a:rPr lang="en-US" dirty="0">
-                <a:solidFill>
-                  <a:srgbClr val="000066"/>
-                </a:solidFill>
-                <a:latin typeface="Times New Roman" pitchFamily="18" charset="0"/>
-                <a:cs typeface="Times New Roman" pitchFamily="18" charset="0"/>
-              </a:rPr>
-              <a:t>và plug-in mở rộng. Plug-in mở rộng sẽ bổ sung chức năng cho plug-in chính.</a:t>
+              <a:t>Mở rộng (Extension): Vai trò trong mối quan hệ này là plug-in chính và plug-in mở rộng. Plug-in mở rộng sẽ bổ sung chức năng cho plug-in chính.</a:t>
             </a:r>
           </a:p>
           <a:p>
@@ -21687,7 +21647,6 @@
               <a:rPr lang="en-US" dirty="0"/>
               <a:t>nghiên cứu tiếp theo của luận văn là tiếp tục hoàn thiện hơn nữa hệ thống plug-in, thử nghiệm với nhiều Web Services phức tạp hơn nữa, đồng thời nghiên cứu tăng cường khả năng bảo mật.</a:t>
             </a:r>
-            <a:endParaRPr lang="en-US" dirty="0"/>
           </a:p>
           <a:p>
             <a:pPr lvl="2">
@@ -22835,11 +22794,7 @@
           <a:p>
             <a:r>
               <a:rPr lang="en-US" dirty="0" smtClean="0"/>
-              <a:t>Tiếng </a:t>
-            </a:r>
-            <a:r>
-              <a:rPr lang="en-US" dirty="0" smtClean="0"/>
-              <a:t>Anh</a:t>
+              <a:t>Tiếng Anh</a:t>
             </a:r>
           </a:p>
           <a:p>
